--- a/DIRT Hub.pptx
+++ b/DIRT Hub.pptx
@@ -2,10 +2,15 @@
 <file path=ppt/presentation.xml><?xml version="1.0" encoding="utf-8"?>
 <p:presentation xmlns:a="http://schemas.openxmlformats.org/drawingml/2006/main" xmlns:r="http://schemas.openxmlformats.org/officeDocument/2006/relationships" xmlns:p="http://schemas.openxmlformats.org/presentationml/2006/main" saveSubsetFonts="1">
   <p:sldMasterIdLst>
-    <p:sldMasterId id="2147483648" r:id="rId1"/>
+    <p:sldMasterId id="2147483725" r:id="rId1"/>
   </p:sldMasterIdLst>
   <p:sldIdLst>
     <p:sldId id="256" r:id="rId2"/>
+    <p:sldId id="257" r:id="rId3"/>
+    <p:sldId id="258" r:id="rId4"/>
+    <p:sldId id="259" r:id="rId5"/>
+    <p:sldId id="260" r:id="rId6"/>
+    <p:sldId id="261" r:id="rId7"/>
   </p:sldIdLst>
   <p:sldSz cx="12192000" cy="6858000"/>
   <p:notesSz cx="6858000" cy="9144000"/>
@@ -104,11 +109,2863 @@
       </a:defRPr>
     </a:lvl9pPr>
   </p:defaultTextStyle>
+  <p:extLst>
+    <p:ext uri="{EFAFB233-063F-42B5-8137-9DF3F51BA10A}">
+      <p15:sldGuideLst xmlns:p15="http://schemas.microsoft.com/office/powerpoint/2012/main"/>
+    </p:ext>
+  </p:extLst>
 </p:presentation>
 </file>
 
+<file path=ppt/diagrams/colors1.xml><?xml version="1.0" encoding="utf-8"?>
+<dgm:colorsDef xmlns:dgm="http://schemas.openxmlformats.org/drawingml/2006/diagram" xmlns:a="http://schemas.openxmlformats.org/drawingml/2006/main" uniqueId="urn:microsoft.com/office/officeart/2005/8/colors/colorful2">
+  <dgm:title val=""/>
+  <dgm:desc val=""/>
+  <dgm:catLst>
+    <dgm:cat type="colorful" pri="10200"/>
+  </dgm:catLst>
+  <dgm:styleLbl name="node0">
+    <dgm:fillClrLst meth="repeat">
+      <a:schemeClr val="accent1"/>
+    </dgm:fillClrLst>
+    <dgm:linClrLst meth="repeat">
+      <a:schemeClr val="lt1"/>
+    </dgm:linClrLst>
+    <dgm:effectClrLst/>
+    <dgm:txLinClrLst/>
+    <dgm:txFillClrLst/>
+    <dgm:txEffectClrLst/>
+  </dgm:styleLbl>
+  <dgm:styleLbl name="node1">
+    <dgm:fillClrLst>
+      <a:schemeClr val="accent2"/>
+      <a:schemeClr val="accent3"/>
+    </dgm:fillClrLst>
+    <dgm:linClrLst meth="repeat">
+      <a:schemeClr val="lt1"/>
+    </dgm:linClrLst>
+    <dgm:effectClrLst/>
+    <dgm:txLinClrLst/>
+    <dgm:txFillClrLst/>
+    <dgm:txEffectClrLst/>
+  </dgm:styleLbl>
+  <dgm:styleLbl name="alignNode1">
+    <dgm:fillClrLst>
+      <a:schemeClr val="accent2"/>
+      <a:schemeClr val="accent3"/>
+    </dgm:fillClrLst>
+    <dgm:linClrLst>
+      <a:schemeClr val="accent2"/>
+      <a:schemeClr val="accent3"/>
+    </dgm:linClrLst>
+    <dgm:effectClrLst/>
+    <dgm:txLinClrLst/>
+    <dgm:txFillClrLst/>
+    <dgm:txEffectClrLst/>
+  </dgm:styleLbl>
+  <dgm:styleLbl name="lnNode1">
+    <dgm:fillClrLst>
+      <a:schemeClr val="accent2"/>
+      <a:schemeClr val="accent3"/>
+    </dgm:fillClrLst>
+    <dgm:linClrLst meth="repeat">
+      <a:schemeClr val="lt1"/>
+    </dgm:linClrLst>
+    <dgm:effectClrLst/>
+    <dgm:txLinClrLst/>
+    <dgm:txFillClrLst/>
+    <dgm:txEffectClrLst/>
+  </dgm:styleLbl>
+  <dgm:styleLbl name="vennNode1">
+    <dgm:fillClrLst>
+      <a:schemeClr val="accent2">
+        <a:alpha val="50000"/>
+      </a:schemeClr>
+      <a:schemeClr val="accent3">
+        <a:alpha val="50000"/>
+      </a:schemeClr>
+    </dgm:fillClrLst>
+    <dgm:linClrLst meth="repeat">
+      <a:schemeClr val="lt1"/>
+    </dgm:linClrLst>
+    <dgm:effectClrLst/>
+    <dgm:txLinClrLst/>
+    <dgm:txFillClrLst/>
+    <dgm:txEffectClrLst/>
+  </dgm:styleLbl>
+  <dgm:styleLbl name="node2">
+    <dgm:fillClrLst>
+      <a:schemeClr val="accent3"/>
+    </dgm:fillClrLst>
+    <dgm:linClrLst meth="repeat">
+      <a:schemeClr val="lt1"/>
+    </dgm:linClrLst>
+    <dgm:effectClrLst/>
+    <dgm:txLinClrLst/>
+    <dgm:txFillClrLst/>
+    <dgm:txEffectClrLst/>
+  </dgm:styleLbl>
+  <dgm:styleLbl name="node3">
+    <dgm:fillClrLst>
+      <a:schemeClr val="accent4"/>
+    </dgm:fillClrLst>
+    <dgm:linClrLst meth="repeat">
+      <a:schemeClr val="lt1"/>
+    </dgm:linClrLst>
+    <dgm:effectClrLst/>
+    <dgm:txLinClrLst/>
+    <dgm:txFillClrLst/>
+    <dgm:txEffectClrLst/>
+  </dgm:styleLbl>
+  <dgm:styleLbl name="node4">
+    <dgm:fillClrLst>
+      <a:schemeClr val="accent5"/>
+    </dgm:fillClrLst>
+    <dgm:linClrLst meth="repeat">
+      <a:schemeClr val="lt1"/>
+    </dgm:linClrLst>
+    <dgm:effectClrLst/>
+    <dgm:txLinClrLst/>
+    <dgm:txFillClrLst/>
+    <dgm:txEffectClrLst/>
+  </dgm:styleLbl>
+  <dgm:styleLbl name="fgImgPlace1">
+    <dgm:fillClrLst>
+      <a:schemeClr val="accent2">
+        <a:tint val="50000"/>
+      </a:schemeClr>
+      <a:schemeClr val="accent3">
+        <a:tint val="50000"/>
+      </a:schemeClr>
+    </dgm:fillClrLst>
+    <dgm:linClrLst meth="repeat">
+      <a:schemeClr val="lt1"/>
+    </dgm:linClrLst>
+    <dgm:effectClrLst/>
+    <dgm:txLinClrLst/>
+    <dgm:txFillClrLst meth="repeat">
+      <a:schemeClr val="lt1"/>
+    </dgm:txFillClrLst>
+    <dgm:txEffectClrLst/>
+  </dgm:styleLbl>
+  <dgm:styleLbl name="alignImgPlace1">
+    <dgm:fillClrLst>
+      <a:schemeClr val="accent2">
+        <a:tint val="50000"/>
+      </a:schemeClr>
+      <a:schemeClr val="accent3">
+        <a:tint val="20000"/>
+      </a:schemeClr>
+    </dgm:fillClrLst>
+    <dgm:linClrLst meth="repeat">
+      <a:schemeClr val="lt1"/>
+    </dgm:linClrLst>
+    <dgm:effectClrLst/>
+    <dgm:txLinClrLst/>
+    <dgm:txFillClrLst meth="repeat">
+      <a:schemeClr val="lt1"/>
+    </dgm:txFillClrLst>
+    <dgm:txEffectClrLst/>
+  </dgm:styleLbl>
+  <dgm:styleLbl name="bgImgPlace1">
+    <dgm:fillClrLst>
+      <a:schemeClr val="accent2">
+        <a:tint val="50000"/>
+      </a:schemeClr>
+      <a:schemeClr val="accent3">
+        <a:tint val="20000"/>
+      </a:schemeClr>
+    </dgm:fillClrLst>
+    <dgm:linClrLst meth="repeat">
+      <a:schemeClr val="lt1"/>
+    </dgm:linClrLst>
+    <dgm:effectClrLst/>
+    <dgm:txLinClrLst/>
+    <dgm:txFillClrLst meth="repeat">
+      <a:schemeClr val="lt1"/>
+    </dgm:txFillClrLst>
+    <dgm:txEffectClrLst/>
+  </dgm:styleLbl>
+  <dgm:styleLbl name="sibTrans2D1">
+    <dgm:fillClrLst>
+      <a:schemeClr val="accent2"/>
+      <a:schemeClr val="accent3"/>
+    </dgm:fillClrLst>
+    <dgm:linClrLst meth="repeat">
+      <a:schemeClr val="lt1"/>
+    </dgm:linClrLst>
+    <dgm:effectClrLst/>
+    <dgm:txLinClrLst/>
+    <dgm:txFillClrLst/>
+    <dgm:txEffectClrLst/>
+  </dgm:styleLbl>
+  <dgm:styleLbl name="fgSibTrans2D1">
+    <dgm:fillClrLst>
+      <a:schemeClr val="accent2"/>
+      <a:schemeClr val="accent3"/>
+    </dgm:fillClrLst>
+    <dgm:linClrLst meth="repeat">
+      <a:schemeClr val="lt1"/>
+    </dgm:linClrLst>
+    <dgm:effectClrLst/>
+    <dgm:txLinClrLst/>
+    <dgm:txFillClrLst meth="repeat">
+      <a:schemeClr val="lt1"/>
+    </dgm:txFillClrLst>
+    <dgm:txEffectClrLst/>
+  </dgm:styleLbl>
+  <dgm:styleLbl name="bgSibTrans2D1">
+    <dgm:fillClrLst>
+      <a:schemeClr val="accent2"/>
+      <a:schemeClr val="accent3"/>
+    </dgm:fillClrLst>
+    <dgm:linClrLst meth="repeat">
+      <a:schemeClr val="lt1"/>
+    </dgm:linClrLst>
+    <dgm:effectClrLst/>
+    <dgm:txLinClrLst/>
+    <dgm:txFillClrLst meth="repeat">
+      <a:schemeClr val="lt1"/>
+    </dgm:txFillClrLst>
+    <dgm:txEffectClrLst/>
+  </dgm:styleLbl>
+  <dgm:styleLbl name="sibTrans1D1">
+    <dgm:fillClrLst/>
+    <dgm:linClrLst>
+      <a:schemeClr val="accent2"/>
+      <a:schemeClr val="accent3"/>
+    </dgm:linClrLst>
+    <dgm:effectClrLst/>
+    <dgm:txLinClrLst/>
+    <dgm:txFillClrLst meth="repeat">
+      <a:schemeClr val="tx1"/>
+    </dgm:txFillClrLst>
+    <dgm:txEffectClrLst/>
+  </dgm:styleLbl>
+  <dgm:styleLbl name="callout">
+    <dgm:fillClrLst meth="repeat">
+      <a:schemeClr val="accent2"/>
+    </dgm:fillClrLst>
+    <dgm:linClrLst meth="repeat">
+      <a:schemeClr val="accent2">
+        <a:tint val="50000"/>
+      </a:schemeClr>
+    </dgm:linClrLst>
+    <dgm:effectClrLst/>
+    <dgm:txLinClrLst/>
+    <dgm:txFillClrLst meth="repeat">
+      <a:schemeClr val="tx1"/>
+    </dgm:txFillClrLst>
+    <dgm:txEffectClrLst/>
+  </dgm:styleLbl>
+  <dgm:styleLbl name="asst0">
+    <dgm:fillClrLst meth="repeat">
+      <a:schemeClr val="accent2"/>
+    </dgm:fillClrLst>
+    <dgm:linClrLst meth="repeat">
+      <a:schemeClr val="lt1">
+        <a:shade val="80000"/>
+      </a:schemeClr>
+    </dgm:linClrLst>
+    <dgm:effectClrLst/>
+    <dgm:txLinClrLst/>
+    <dgm:txFillClrLst/>
+    <dgm:txEffectClrLst/>
+  </dgm:styleLbl>
+  <dgm:styleLbl name="asst1">
+    <dgm:fillClrLst meth="repeat">
+      <a:schemeClr val="accent3"/>
+    </dgm:fillClrLst>
+    <dgm:linClrLst meth="repeat">
+      <a:schemeClr val="lt1">
+        <a:shade val="80000"/>
+      </a:schemeClr>
+    </dgm:linClrLst>
+    <dgm:effectClrLst/>
+    <dgm:txLinClrLst/>
+    <dgm:txFillClrLst/>
+    <dgm:txEffectClrLst/>
+  </dgm:styleLbl>
+  <dgm:styleLbl name="asst2">
+    <dgm:fillClrLst>
+      <a:schemeClr val="accent4"/>
+    </dgm:fillClrLst>
+    <dgm:linClrLst meth="repeat">
+      <a:schemeClr val="lt1"/>
+    </dgm:linClrLst>
+    <dgm:effectClrLst/>
+    <dgm:txLinClrLst/>
+    <dgm:txFillClrLst/>
+    <dgm:txEffectClrLst/>
+  </dgm:styleLbl>
+  <dgm:styleLbl name="asst3">
+    <dgm:fillClrLst>
+      <a:schemeClr val="accent5"/>
+    </dgm:fillClrLst>
+    <dgm:linClrLst meth="repeat">
+      <a:schemeClr val="lt1"/>
+    </dgm:linClrLst>
+    <dgm:effectClrLst/>
+    <dgm:txLinClrLst/>
+    <dgm:txFillClrLst/>
+    <dgm:txEffectClrLst/>
+  </dgm:styleLbl>
+  <dgm:styleLbl name="asst4">
+    <dgm:fillClrLst>
+      <a:schemeClr val="accent6"/>
+    </dgm:fillClrLst>
+    <dgm:linClrLst meth="repeat">
+      <a:schemeClr val="lt1"/>
+    </dgm:linClrLst>
+    <dgm:effectClrLst/>
+    <dgm:txLinClrLst/>
+    <dgm:txFillClrLst/>
+    <dgm:txEffectClrLst/>
+  </dgm:styleLbl>
+  <dgm:styleLbl name="parChTrans2D1">
+    <dgm:fillClrLst meth="repeat">
+      <a:schemeClr val="accent2"/>
+    </dgm:fillClrLst>
+    <dgm:linClrLst meth="repeat">
+      <a:schemeClr val="lt1"/>
+    </dgm:linClrLst>
+    <dgm:effectClrLst/>
+    <dgm:txLinClrLst/>
+    <dgm:txFillClrLst meth="repeat">
+      <a:schemeClr val="lt1"/>
+    </dgm:txFillClrLst>
+    <dgm:txEffectClrLst/>
+  </dgm:styleLbl>
+  <dgm:styleLbl name="parChTrans2D2">
+    <dgm:fillClrLst meth="repeat">
+      <a:schemeClr val="accent3"/>
+    </dgm:fillClrLst>
+    <dgm:linClrLst meth="repeat">
+      <a:schemeClr val="lt1"/>
+    </dgm:linClrLst>
+    <dgm:effectClrLst/>
+    <dgm:txLinClrLst/>
+    <dgm:txFillClrLst/>
+    <dgm:txEffectClrLst/>
+  </dgm:styleLbl>
+  <dgm:styleLbl name="parChTrans2D3">
+    <dgm:fillClrLst meth="repeat">
+      <a:schemeClr val="accent4"/>
+    </dgm:fillClrLst>
+    <dgm:linClrLst meth="repeat">
+      <a:schemeClr val="lt1"/>
+    </dgm:linClrLst>
+    <dgm:effectClrLst/>
+    <dgm:txLinClrLst/>
+    <dgm:txFillClrLst/>
+    <dgm:txEffectClrLst/>
+  </dgm:styleLbl>
+  <dgm:styleLbl name="parChTrans2D4">
+    <dgm:fillClrLst meth="repeat">
+      <a:schemeClr val="accent5"/>
+    </dgm:fillClrLst>
+    <dgm:linClrLst meth="repeat">
+      <a:schemeClr val="lt1"/>
+    </dgm:linClrLst>
+    <dgm:effectClrLst/>
+    <dgm:txLinClrLst/>
+    <dgm:txFillClrLst meth="repeat">
+      <a:schemeClr val="lt1"/>
+    </dgm:txFillClrLst>
+    <dgm:txEffectClrLst/>
+  </dgm:styleLbl>
+  <dgm:styleLbl name="parChTrans1D1">
+    <dgm:fillClrLst meth="repeat">
+      <a:schemeClr val="accent2"/>
+    </dgm:fillClrLst>
+    <dgm:linClrLst meth="repeat">
+      <a:schemeClr val="accent2"/>
+    </dgm:linClrLst>
+    <dgm:effectClrLst/>
+    <dgm:txLinClrLst/>
+    <dgm:txFillClrLst meth="repeat">
+      <a:schemeClr val="tx1"/>
+    </dgm:txFillClrLst>
+    <dgm:txEffectClrLst/>
+  </dgm:styleLbl>
+  <dgm:styleLbl name="parChTrans1D2">
+    <dgm:fillClrLst meth="repeat">
+      <a:schemeClr val="accent2">
+        <a:tint val="90000"/>
+      </a:schemeClr>
+    </dgm:fillClrLst>
+    <dgm:linClrLst meth="repeat">
+      <a:schemeClr val="accent3"/>
+    </dgm:linClrLst>
+    <dgm:effectClrLst/>
+    <dgm:txLinClrLst/>
+    <dgm:txFillClrLst meth="repeat">
+      <a:schemeClr val="tx1"/>
+    </dgm:txFillClrLst>
+    <dgm:txEffectClrLst/>
+  </dgm:styleLbl>
+  <dgm:styleLbl name="parChTrans1D3">
+    <dgm:fillClrLst meth="repeat">
+      <a:schemeClr val="accent2">
+        <a:tint val="70000"/>
+      </a:schemeClr>
+    </dgm:fillClrLst>
+    <dgm:linClrLst meth="repeat">
+      <a:schemeClr val="accent4"/>
+    </dgm:linClrLst>
+    <dgm:effectClrLst/>
+    <dgm:txLinClrLst/>
+    <dgm:txFillClrLst meth="repeat">
+      <a:schemeClr val="tx1"/>
+    </dgm:txFillClrLst>
+    <dgm:txEffectClrLst/>
+  </dgm:styleLbl>
+  <dgm:styleLbl name="parChTrans1D4">
+    <dgm:fillClrLst meth="repeat">
+      <a:schemeClr val="accent2">
+        <a:tint val="50000"/>
+      </a:schemeClr>
+    </dgm:fillClrLst>
+    <dgm:linClrLst meth="repeat">
+      <a:schemeClr val="accent5"/>
+    </dgm:linClrLst>
+    <dgm:effectClrLst/>
+    <dgm:txLinClrLst/>
+    <dgm:txFillClrLst meth="repeat">
+      <a:schemeClr val="tx1"/>
+    </dgm:txFillClrLst>
+    <dgm:txEffectClrLst/>
+  </dgm:styleLbl>
+  <dgm:styleLbl name="fgAcc1">
+    <dgm:fillClrLst meth="repeat">
+      <a:schemeClr val="lt1">
+        <a:alpha val="90000"/>
+      </a:schemeClr>
+    </dgm:fillClrLst>
+    <dgm:linClrLst>
+      <a:schemeClr val="accent2"/>
+      <a:schemeClr val="accent3"/>
+    </dgm:linClrLst>
+    <dgm:effectClrLst/>
+    <dgm:txLinClrLst/>
+    <dgm:txFillClrLst meth="repeat">
+      <a:schemeClr val="dk1"/>
+    </dgm:txFillClrLst>
+    <dgm:txEffectClrLst/>
+  </dgm:styleLbl>
+  <dgm:styleLbl name="conFgAcc1">
+    <dgm:fillClrLst meth="repeat">
+      <a:schemeClr val="lt1">
+        <a:alpha val="90000"/>
+      </a:schemeClr>
+    </dgm:fillClrLst>
+    <dgm:linClrLst>
+      <a:schemeClr val="accent2"/>
+      <a:schemeClr val="accent3"/>
+    </dgm:linClrLst>
+    <dgm:effectClrLst/>
+    <dgm:txLinClrLst/>
+    <dgm:txFillClrLst meth="repeat">
+      <a:schemeClr val="dk1"/>
+    </dgm:txFillClrLst>
+    <dgm:txEffectClrLst/>
+  </dgm:styleLbl>
+  <dgm:styleLbl name="alignAcc1">
+    <dgm:fillClrLst meth="repeat">
+      <a:schemeClr val="lt1">
+        <a:alpha val="90000"/>
+      </a:schemeClr>
+    </dgm:fillClrLst>
+    <dgm:linClrLst>
+      <a:schemeClr val="accent2"/>
+      <a:schemeClr val="accent3"/>
+    </dgm:linClrLst>
+    <dgm:effectClrLst/>
+    <dgm:txLinClrLst/>
+    <dgm:txFillClrLst meth="repeat">
+      <a:schemeClr val="dk1"/>
+    </dgm:txFillClrLst>
+    <dgm:txEffectClrLst/>
+  </dgm:styleLbl>
+  <dgm:styleLbl name="trAlignAcc1">
+    <dgm:fillClrLst meth="repeat">
+      <a:schemeClr val="lt1">
+        <a:alpha val="40000"/>
+      </a:schemeClr>
+    </dgm:fillClrLst>
+    <dgm:linClrLst meth="repeat">
+      <a:schemeClr val="accent2"/>
+    </dgm:linClrLst>
+    <dgm:effectClrLst/>
+    <dgm:txLinClrLst/>
+    <dgm:txFillClrLst meth="repeat">
+      <a:schemeClr val="dk1"/>
+    </dgm:txFillClrLst>
+    <dgm:txEffectClrLst/>
+  </dgm:styleLbl>
+  <dgm:styleLbl name="bgAcc1">
+    <dgm:fillClrLst meth="repeat">
+      <a:schemeClr val="lt1">
+        <a:alpha val="90000"/>
+      </a:schemeClr>
+    </dgm:fillClrLst>
+    <dgm:linClrLst>
+      <a:schemeClr val="accent2"/>
+      <a:schemeClr val="accent3"/>
+    </dgm:linClrLst>
+    <dgm:effectClrLst/>
+    <dgm:txLinClrLst/>
+    <dgm:txFillClrLst meth="repeat">
+      <a:schemeClr val="dk1"/>
+    </dgm:txFillClrLst>
+    <dgm:txEffectClrLst/>
+  </dgm:styleLbl>
+  <dgm:styleLbl name="solidFgAcc1">
+    <dgm:fillClrLst meth="repeat">
+      <a:schemeClr val="lt1"/>
+    </dgm:fillClrLst>
+    <dgm:linClrLst>
+      <a:schemeClr val="accent2"/>
+      <a:schemeClr val="accent3"/>
+    </dgm:linClrLst>
+    <dgm:effectClrLst/>
+    <dgm:txLinClrLst/>
+    <dgm:txFillClrLst meth="repeat">
+      <a:schemeClr val="dk1"/>
+    </dgm:txFillClrLst>
+    <dgm:txEffectClrLst/>
+  </dgm:styleLbl>
+  <dgm:styleLbl name="solidAlignAcc1">
+    <dgm:fillClrLst meth="repeat">
+      <a:schemeClr val="lt1"/>
+    </dgm:fillClrLst>
+    <dgm:linClrLst>
+      <a:schemeClr val="accent2"/>
+      <a:schemeClr val="accent3"/>
+    </dgm:linClrLst>
+    <dgm:effectClrLst/>
+    <dgm:txLinClrLst/>
+    <dgm:txFillClrLst meth="repeat">
+      <a:schemeClr val="dk1"/>
+    </dgm:txFillClrLst>
+    <dgm:txEffectClrLst/>
+  </dgm:styleLbl>
+  <dgm:styleLbl name="solidBgAcc1">
+    <dgm:fillClrLst meth="repeat">
+      <a:schemeClr val="lt1"/>
+    </dgm:fillClrLst>
+    <dgm:linClrLst>
+      <a:schemeClr val="accent2"/>
+      <a:schemeClr val="accent3"/>
+    </dgm:linClrLst>
+    <dgm:effectClrLst/>
+    <dgm:txLinClrLst/>
+    <dgm:txFillClrLst meth="repeat">
+      <a:schemeClr val="dk1"/>
+    </dgm:txFillClrLst>
+    <dgm:txEffectClrLst/>
+  </dgm:styleLbl>
+  <dgm:styleLbl name="fgAccFollowNode1">
+    <dgm:fillClrLst>
+      <a:schemeClr val="accent2">
+        <a:tint val="40000"/>
+        <a:alpha val="90000"/>
+      </a:schemeClr>
+      <a:schemeClr val="accent3">
+        <a:tint val="40000"/>
+        <a:alpha val="90000"/>
+      </a:schemeClr>
+    </dgm:fillClrLst>
+    <dgm:linClrLst>
+      <a:schemeClr val="accent2">
+        <a:tint val="40000"/>
+        <a:alpha val="90000"/>
+      </a:schemeClr>
+      <a:schemeClr val="accent3">
+        <a:tint val="40000"/>
+        <a:alpha val="90000"/>
+      </a:schemeClr>
+    </dgm:linClrLst>
+    <dgm:effectClrLst/>
+    <dgm:txLinClrLst/>
+    <dgm:txFillClrLst meth="repeat">
+      <a:schemeClr val="dk1"/>
+    </dgm:txFillClrLst>
+    <dgm:txEffectClrLst/>
+  </dgm:styleLbl>
+  <dgm:styleLbl name="alignAccFollowNode1">
+    <dgm:fillClrLst>
+      <a:schemeClr val="accent2">
+        <a:tint val="40000"/>
+        <a:alpha val="90000"/>
+      </a:schemeClr>
+      <a:schemeClr val="accent3">
+        <a:tint val="40000"/>
+        <a:alpha val="90000"/>
+      </a:schemeClr>
+    </dgm:fillClrLst>
+    <dgm:linClrLst>
+      <a:schemeClr val="accent2">
+        <a:tint val="40000"/>
+        <a:alpha val="90000"/>
+      </a:schemeClr>
+      <a:schemeClr val="accent3">
+        <a:tint val="40000"/>
+        <a:alpha val="90000"/>
+      </a:schemeClr>
+    </dgm:linClrLst>
+    <dgm:effectClrLst/>
+    <dgm:txLinClrLst/>
+    <dgm:txFillClrLst meth="repeat">
+      <a:schemeClr val="dk1"/>
+    </dgm:txFillClrLst>
+    <dgm:txEffectClrLst/>
+  </dgm:styleLbl>
+  <dgm:styleLbl name="bgAccFollowNode1">
+    <dgm:fillClrLst>
+      <a:schemeClr val="accent2">
+        <a:tint val="40000"/>
+        <a:alpha val="90000"/>
+      </a:schemeClr>
+      <a:schemeClr val="accent3">
+        <a:tint val="40000"/>
+        <a:alpha val="90000"/>
+      </a:schemeClr>
+    </dgm:fillClrLst>
+    <dgm:linClrLst>
+      <a:schemeClr val="accent2">
+        <a:tint val="40000"/>
+        <a:alpha val="90000"/>
+      </a:schemeClr>
+      <a:schemeClr val="accent3">
+        <a:tint val="40000"/>
+        <a:alpha val="90000"/>
+      </a:schemeClr>
+    </dgm:linClrLst>
+    <dgm:effectClrLst/>
+    <dgm:txLinClrLst/>
+    <dgm:txFillClrLst meth="repeat">
+      <a:schemeClr val="dk1"/>
+    </dgm:txFillClrLst>
+    <dgm:txEffectClrLst/>
+  </dgm:styleLbl>
+  <dgm:styleLbl name="fgAcc0">
+    <dgm:fillClrLst meth="repeat">
+      <a:schemeClr val="lt1">
+        <a:alpha val="90000"/>
+      </a:schemeClr>
+    </dgm:fillClrLst>
+    <dgm:linClrLst>
+      <a:schemeClr val="accent1"/>
+    </dgm:linClrLst>
+    <dgm:effectClrLst/>
+    <dgm:txLinClrLst/>
+    <dgm:txFillClrLst meth="repeat">
+      <a:schemeClr val="dk1"/>
+    </dgm:txFillClrLst>
+    <dgm:txEffectClrLst/>
+  </dgm:styleLbl>
+  <dgm:styleLbl name="fgAcc2">
+    <dgm:fillClrLst meth="repeat">
+      <a:schemeClr val="lt1">
+        <a:alpha val="90000"/>
+      </a:schemeClr>
+    </dgm:fillClrLst>
+    <dgm:linClrLst>
+      <a:schemeClr val="accent3"/>
+    </dgm:linClrLst>
+    <dgm:effectClrLst/>
+    <dgm:txLinClrLst/>
+    <dgm:txFillClrLst meth="repeat">
+      <a:schemeClr val="dk1"/>
+    </dgm:txFillClrLst>
+    <dgm:txEffectClrLst/>
+  </dgm:styleLbl>
+  <dgm:styleLbl name="fgAcc3">
+    <dgm:fillClrLst meth="repeat">
+      <a:schemeClr val="lt1">
+        <a:alpha val="90000"/>
+      </a:schemeClr>
+    </dgm:fillClrLst>
+    <dgm:linClrLst>
+      <a:schemeClr val="accent4"/>
+    </dgm:linClrLst>
+    <dgm:effectClrLst/>
+    <dgm:txLinClrLst/>
+    <dgm:txFillClrLst meth="repeat">
+      <a:schemeClr val="dk1"/>
+    </dgm:txFillClrLst>
+    <dgm:txEffectClrLst/>
+  </dgm:styleLbl>
+  <dgm:styleLbl name="fgAcc4">
+    <dgm:fillClrLst meth="repeat">
+      <a:schemeClr val="lt1">
+        <a:alpha val="90000"/>
+      </a:schemeClr>
+    </dgm:fillClrLst>
+    <dgm:linClrLst>
+      <a:schemeClr val="accent5"/>
+    </dgm:linClrLst>
+    <dgm:effectClrLst/>
+    <dgm:txLinClrLst/>
+    <dgm:txFillClrLst meth="repeat">
+      <a:schemeClr val="dk1"/>
+    </dgm:txFillClrLst>
+    <dgm:txEffectClrLst/>
+  </dgm:styleLbl>
+  <dgm:styleLbl name="bgShp">
+    <dgm:fillClrLst meth="repeat">
+      <a:schemeClr val="accent2">
+        <a:tint val="40000"/>
+      </a:schemeClr>
+    </dgm:fillClrLst>
+    <dgm:linClrLst meth="repeat">
+      <a:schemeClr val="dk1"/>
+    </dgm:linClrLst>
+    <dgm:effectClrLst/>
+    <dgm:txLinClrLst/>
+    <dgm:txFillClrLst meth="repeat">
+      <a:schemeClr val="dk1"/>
+    </dgm:txFillClrLst>
+    <dgm:txEffectClrLst/>
+  </dgm:styleLbl>
+  <dgm:styleLbl name="dkBgShp">
+    <dgm:fillClrLst meth="repeat">
+      <a:schemeClr val="accent2">
+        <a:shade val="90000"/>
+      </a:schemeClr>
+    </dgm:fillClrLst>
+    <dgm:linClrLst meth="repeat">
+      <a:schemeClr val="dk1"/>
+    </dgm:linClrLst>
+    <dgm:effectClrLst/>
+    <dgm:txLinClrLst/>
+    <dgm:txFillClrLst meth="repeat">
+      <a:schemeClr val="lt1"/>
+    </dgm:txFillClrLst>
+    <dgm:txEffectClrLst/>
+  </dgm:styleLbl>
+  <dgm:styleLbl name="trBgShp">
+    <dgm:fillClrLst meth="repeat">
+      <a:schemeClr val="accent2">
+        <a:tint val="50000"/>
+        <a:alpha val="40000"/>
+      </a:schemeClr>
+    </dgm:fillClrLst>
+    <dgm:linClrLst meth="repeat">
+      <a:schemeClr val="accent2"/>
+    </dgm:linClrLst>
+    <dgm:effectClrLst/>
+    <dgm:txLinClrLst/>
+    <dgm:txFillClrLst meth="repeat">
+      <a:schemeClr val="lt1"/>
+    </dgm:txFillClrLst>
+    <dgm:txEffectClrLst/>
+  </dgm:styleLbl>
+  <dgm:styleLbl name="fgShp">
+    <dgm:fillClrLst meth="repeat">
+      <a:schemeClr val="accent2">
+        <a:tint val="40000"/>
+      </a:schemeClr>
+    </dgm:fillClrLst>
+    <dgm:linClrLst meth="repeat">
+      <a:schemeClr val="lt1"/>
+    </dgm:linClrLst>
+    <dgm:effectClrLst/>
+    <dgm:txLinClrLst/>
+    <dgm:txFillClrLst meth="repeat">
+      <a:schemeClr val="dk1"/>
+    </dgm:txFillClrLst>
+    <dgm:txEffectClrLst/>
+  </dgm:styleLbl>
+  <dgm:styleLbl name="revTx">
+    <dgm:fillClrLst meth="repeat">
+      <a:schemeClr val="lt1">
+        <a:alpha val="0"/>
+      </a:schemeClr>
+    </dgm:fillClrLst>
+    <dgm:linClrLst meth="repeat">
+      <a:schemeClr val="dk1">
+        <a:alpha val="0"/>
+      </a:schemeClr>
+    </dgm:linClrLst>
+    <dgm:effectClrLst/>
+    <dgm:txLinClrLst/>
+    <dgm:txFillClrLst meth="repeat">
+      <a:schemeClr val="tx1"/>
+    </dgm:txFillClrLst>
+    <dgm:txEffectClrLst/>
+  </dgm:styleLbl>
+</dgm:colorsDef>
+</file>
+
+<file path=ppt/diagrams/data1.xml><?xml version="1.0" encoding="utf-8"?>
+<dgm:dataModel xmlns:dgm="http://schemas.openxmlformats.org/drawingml/2006/diagram" xmlns:a="http://schemas.openxmlformats.org/drawingml/2006/main">
+  <dgm:ptLst>
+    <dgm:pt modelId="{664FF6C7-5F1C-4FB8-A8FE-C4FC40558992}" type="doc">
+      <dgm:prSet loTypeId="urn:microsoft.com/office/officeart/2005/8/layout/hierarchy1" loCatId="hierarchy" qsTypeId="urn:microsoft.com/office/officeart/2005/8/quickstyle/simple1" qsCatId="simple" csTypeId="urn:microsoft.com/office/officeart/2005/8/colors/colorful2" csCatId="colorful"/>
+      <dgm:spPr/>
+      <dgm:t>
+        <a:bodyPr/>
+        <a:lstStyle/>
+        <a:p>
+          <a:endParaRPr lang="en-US"/>
+        </a:p>
+      </dgm:t>
+    </dgm:pt>
+    <dgm:pt modelId="{79F5A156-B251-4E06-97C3-30473231BFAB}">
+      <dgm:prSet/>
+      <dgm:spPr/>
+      <dgm:t>
+        <a:bodyPr/>
+        <a:lstStyle/>
+        <a:p>
+          <a:r>
+            <a:rPr lang="en-GB" b="0" i="0"/>
+            <a:t>DIRT stands for </a:t>
+          </a:r>
+          <a:r>
+            <a:rPr lang="en-GB" b="1" i="0"/>
+            <a:t>Dedicated Improvement and Reflection Time</a:t>
+          </a:r>
+          <a:r>
+            <a:rPr lang="en-GB" b="0" i="0"/>
+            <a:t>. It is a strategy used in education, particularly in the UK, to enhance student learning by giving them structured time to reflect on their work, respond to feedback, and make improvements.</a:t>
+          </a:r>
+          <a:endParaRPr lang="en-US"/>
+        </a:p>
+      </dgm:t>
+    </dgm:pt>
+    <dgm:pt modelId="{E5C4DFE1-B647-430A-81F1-7122F6BA74E6}" type="parTrans" cxnId="{C2ED0E8B-7B4E-4DA7-AA6C-296E5DBB431B}">
+      <dgm:prSet/>
+      <dgm:spPr/>
+      <dgm:t>
+        <a:bodyPr/>
+        <a:lstStyle/>
+        <a:p>
+          <a:endParaRPr lang="en-US"/>
+        </a:p>
+      </dgm:t>
+    </dgm:pt>
+    <dgm:pt modelId="{6641E30C-EC9A-4995-A169-1FD0099B2A72}" type="sibTrans" cxnId="{C2ED0E8B-7B4E-4DA7-AA6C-296E5DBB431B}">
+      <dgm:prSet/>
+      <dgm:spPr/>
+      <dgm:t>
+        <a:bodyPr/>
+        <a:lstStyle/>
+        <a:p>
+          <a:endParaRPr lang="en-US"/>
+        </a:p>
+      </dgm:t>
+    </dgm:pt>
+    <dgm:pt modelId="{817AD47B-38F6-43BC-B0E9-3058515DC753}">
+      <dgm:prSet/>
+      <dgm:spPr/>
+      <dgm:t>
+        <a:bodyPr/>
+        <a:lstStyle/>
+        <a:p>
+          <a:r>
+            <a:rPr lang="en-GB"/>
+            <a:t>This project encourages students to utilise this tool by providing a convenient location for students to log reflections on their work and actionable goals so that they are able to revisit their reflections at a later date and are able to remind themselves of key things they need to remember going forwards.</a:t>
+          </a:r>
+          <a:endParaRPr lang="en-US"/>
+        </a:p>
+      </dgm:t>
+    </dgm:pt>
+    <dgm:pt modelId="{87FB2B78-8692-416B-A429-3AF31536ED28}" type="parTrans" cxnId="{A5C6F07E-67FF-4E29-B5E7-C445C2174DEB}">
+      <dgm:prSet/>
+      <dgm:spPr/>
+      <dgm:t>
+        <a:bodyPr/>
+        <a:lstStyle/>
+        <a:p>
+          <a:endParaRPr lang="en-US"/>
+        </a:p>
+      </dgm:t>
+    </dgm:pt>
+    <dgm:pt modelId="{0B7CC03B-2470-494C-9DE0-6CAC958A0D11}" type="sibTrans" cxnId="{A5C6F07E-67FF-4E29-B5E7-C445C2174DEB}">
+      <dgm:prSet/>
+      <dgm:spPr/>
+      <dgm:t>
+        <a:bodyPr/>
+        <a:lstStyle/>
+        <a:p>
+          <a:endParaRPr lang="en-US"/>
+        </a:p>
+      </dgm:t>
+    </dgm:pt>
+    <dgm:pt modelId="{00181A47-91D6-4DE2-8CF3-AD43D28A474F}" type="pres">
+      <dgm:prSet presAssocID="{664FF6C7-5F1C-4FB8-A8FE-C4FC40558992}" presName="hierChild1" presStyleCnt="0">
+        <dgm:presLayoutVars>
+          <dgm:chPref val="1"/>
+          <dgm:dir/>
+          <dgm:animOne val="branch"/>
+          <dgm:animLvl val="lvl"/>
+          <dgm:resizeHandles/>
+        </dgm:presLayoutVars>
+      </dgm:prSet>
+      <dgm:spPr/>
+    </dgm:pt>
+    <dgm:pt modelId="{35314DC4-8E85-40E6-AF4D-8A2E4006EF6B}" type="pres">
+      <dgm:prSet presAssocID="{79F5A156-B251-4E06-97C3-30473231BFAB}" presName="hierRoot1" presStyleCnt="0"/>
+      <dgm:spPr/>
+    </dgm:pt>
+    <dgm:pt modelId="{B86613B4-55D1-4BAA-9162-06A834EE1A2E}" type="pres">
+      <dgm:prSet presAssocID="{79F5A156-B251-4E06-97C3-30473231BFAB}" presName="composite" presStyleCnt="0"/>
+      <dgm:spPr/>
+    </dgm:pt>
+    <dgm:pt modelId="{763E4643-2126-49F0-8FF0-B86694EF749D}" type="pres">
+      <dgm:prSet presAssocID="{79F5A156-B251-4E06-97C3-30473231BFAB}" presName="background" presStyleLbl="node0" presStyleIdx="0" presStyleCnt="2"/>
+      <dgm:spPr/>
+    </dgm:pt>
+    <dgm:pt modelId="{6E80530D-F001-4418-9C65-29B4047ACE2A}" type="pres">
+      <dgm:prSet presAssocID="{79F5A156-B251-4E06-97C3-30473231BFAB}" presName="text" presStyleLbl="fgAcc0" presStyleIdx="0" presStyleCnt="2">
+        <dgm:presLayoutVars>
+          <dgm:chPref val="3"/>
+        </dgm:presLayoutVars>
+      </dgm:prSet>
+      <dgm:spPr/>
+    </dgm:pt>
+    <dgm:pt modelId="{931A63FD-C30B-4165-9A4C-2447F2B6CDAB}" type="pres">
+      <dgm:prSet presAssocID="{79F5A156-B251-4E06-97C3-30473231BFAB}" presName="hierChild2" presStyleCnt="0"/>
+      <dgm:spPr/>
+    </dgm:pt>
+    <dgm:pt modelId="{14C0FD71-2E61-4FB2-90AF-5BA3A384A22E}" type="pres">
+      <dgm:prSet presAssocID="{817AD47B-38F6-43BC-B0E9-3058515DC753}" presName="hierRoot1" presStyleCnt="0"/>
+      <dgm:spPr/>
+    </dgm:pt>
+    <dgm:pt modelId="{7F9B2176-2A0A-4C8E-AE3F-A9F882788241}" type="pres">
+      <dgm:prSet presAssocID="{817AD47B-38F6-43BC-B0E9-3058515DC753}" presName="composite" presStyleCnt="0"/>
+      <dgm:spPr/>
+    </dgm:pt>
+    <dgm:pt modelId="{79281D3A-3126-4FE7-A1D2-68064AF18AE1}" type="pres">
+      <dgm:prSet presAssocID="{817AD47B-38F6-43BC-B0E9-3058515DC753}" presName="background" presStyleLbl="node0" presStyleIdx="1" presStyleCnt="2"/>
+      <dgm:spPr/>
+    </dgm:pt>
+    <dgm:pt modelId="{CB2BC012-7D93-4B9B-9838-E4548465E9E7}" type="pres">
+      <dgm:prSet presAssocID="{817AD47B-38F6-43BC-B0E9-3058515DC753}" presName="text" presStyleLbl="fgAcc0" presStyleIdx="1" presStyleCnt="2">
+        <dgm:presLayoutVars>
+          <dgm:chPref val="3"/>
+        </dgm:presLayoutVars>
+      </dgm:prSet>
+      <dgm:spPr/>
+    </dgm:pt>
+    <dgm:pt modelId="{9594E7FE-866C-4375-9B23-A7D8DCD97A85}" type="pres">
+      <dgm:prSet presAssocID="{817AD47B-38F6-43BC-B0E9-3058515DC753}" presName="hierChild2" presStyleCnt="0"/>
+      <dgm:spPr/>
+    </dgm:pt>
+  </dgm:ptLst>
+  <dgm:cxnLst>
+    <dgm:cxn modelId="{9C3AC524-1F9D-4BCF-9E66-6F8E3B975E80}" type="presOf" srcId="{79F5A156-B251-4E06-97C3-30473231BFAB}" destId="{6E80530D-F001-4418-9C65-29B4047ACE2A}" srcOrd="0" destOrd="0" presId="urn:microsoft.com/office/officeart/2005/8/layout/hierarchy1"/>
+    <dgm:cxn modelId="{2A07CF43-785D-4974-AE2E-376E80E4F689}" type="presOf" srcId="{664FF6C7-5F1C-4FB8-A8FE-C4FC40558992}" destId="{00181A47-91D6-4DE2-8CF3-AD43D28A474F}" srcOrd="0" destOrd="0" presId="urn:microsoft.com/office/officeart/2005/8/layout/hierarchy1"/>
+    <dgm:cxn modelId="{A5C6F07E-67FF-4E29-B5E7-C445C2174DEB}" srcId="{664FF6C7-5F1C-4FB8-A8FE-C4FC40558992}" destId="{817AD47B-38F6-43BC-B0E9-3058515DC753}" srcOrd="1" destOrd="0" parTransId="{87FB2B78-8692-416B-A429-3AF31536ED28}" sibTransId="{0B7CC03B-2470-494C-9DE0-6CAC958A0D11}"/>
+    <dgm:cxn modelId="{C2ED0E8B-7B4E-4DA7-AA6C-296E5DBB431B}" srcId="{664FF6C7-5F1C-4FB8-A8FE-C4FC40558992}" destId="{79F5A156-B251-4E06-97C3-30473231BFAB}" srcOrd="0" destOrd="0" parTransId="{E5C4DFE1-B647-430A-81F1-7122F6BA74E6}" sibTransId="{6641E30C-EC9A-4995-A169-1FD0099B2A72}"/>
+    <dgm:cxn modelId="{EDE623AD-6BC1-450F-82D8-D612607D2BE8}" type="presOf" srcId="{817AD47B-38F6-43BC-B0E9-3058515DC753}" destId="{CB2BC012-7D93-4B9B-9838-E4548465E9E7}" srcOrd="0" destOrd="0" presId="urn:microsoft.com/office/officeart/2005/8/layout/hierarchy1"/>
+    <dgm:cxn modelId="{8BAEBE34-C6A6-438F-B1E2-E0A57F2F57A9}" type="presParOf" srcId="{00181A47-91D6-4DE2-8CF3-AD43D28A474F}" destId="{35314DC4-8E85-40E6-AF4D-8A2E4006EF6B}" srcOrd="0" destOrd="0" presId="urn:microsoft.com/office/officeart/2005/8/layout/hierarchy1"/>
+    <dgm:cxn modelId="{C19AE6CD-393D-4AFD-84DA-8C281BDAA944}" type="presParOf" srcId="{35314DC4-8E85-40E6-AF4D-8A2E4006EF6B}" destId="{B86613B4-55D1-4BAA-9162-06A834EE1A2E}" srcOrd="0" destOrd="0" presId="urn:microsoft.com/office/officeart/2005/8/layout/hierarchy1"/>
+    <dgm:cxn modelId="{C85C1EEC-9807-41B8-8854-969BDDBB72C9}" type="presParOf" srcId="{B86613B4-55D1-4BAA-9162-06A834EE1A2E}" destId="{763E4643-2126-49F0-8FF0-B86694EF749D}" srcOrd="0" destOrd="0" presId="urn:microsoft.com/office/officeart/2005/8/layout/hierarchy1"/>
+    <dgm:cxn modelId="{1F0885AB-6955-4298-B317-B98F3919F558}" type="presParOf" srcId="{B86613B4-55D1-4BAA-9162-06A834EE1A2E}" destId="{6E80530D-F001-4418-9C65-29B4047ACE2A}" srcOrd="1" destOrd="0" presId="urn:microsoft.com/office/officeart/2005/8/layout/hierarchy1"/>
+    <dgm:cxn modelId="{37100304-CDB1-43A9-8E2E-4A156A3AE057}" type="presParOf" srcId="{35314DC4-8E85-40E6-AF4D-8A2E4006EF6B}" destId="{931A63FD-C30B-4165-9A4C-2447F2B6CDAB}" srcOrd="1" destOrd="0" presId="urn:microsoft.com/office/officeart/2005/8/layout/hierarchy1"/>
+    <dgm:cxn modelId="{480072A1-DC50-4F8B-ADF1-955C91F1D4DA}" type="presParOf" srcId="{00181A47-91D6-4DE2-8CF3-AD43D28A474F}" destId="{14C0FD71-2E61-4FB2-90AF-5BA3A384A22E}" srcOrd="1" destOrd="0" presId="urn:microsoft.com/office/officeart/2005/8/layout/hierarchy1"/>
+    <dgm:cxn modelId="{C2ACDE44-12AF-4EDC-A224-B02F22E36551}" type="presParOf" srcId="{14C0FD71-2E61-4FB2-90AF-5BA3A384A22E}" destId="{7F9B2176-2A0A-4C8E-AE3F-A9F882788241}" srcOrd="0" destOrd="0" presId="urn:microsoft.com/office/officeart/2005/8/layout/hierarchy1"/>
+    <dgm:cxn modelId="{E050E2B7-72E8-42A0-8B46-9AFCC8CD0378}" type="presParOf" srcId="{7F9B2176-2A0A-4C8E-AE3F-A9F882788241}" destId="{79281D3A-3126-4FE7-A1D2-68064AF18AE1}" srcOrd="0" destOrd="0" presId="urn:microsoft.com/office/officeart/2005/8/layout/hierarchy1"/>
+    <dgm:cxn modelId="{469155C8-2629-426E-A82E-F11B18B3BE2E}" type="presParOf" srcId="{7F9B2176-2A0A-4C8E-AE3F-A9F882788241}" destId="{CB2BC012-7D93-4B9B-9838-E4548465E9E7}" srcOrd="1" destOrd="0" presId="urn:microsoft.com/office/officeart/2005/8/layout/hierarchy1"/>
+    <dgm:cxn modelId="{0EB8C047-6922-47A7-93AE-A24D9CC6F2EC}" type="presParOf" srcId="{14C0FD71-2E61-4FB2-90AF-5BA3A384A22E}" destId="{9594E7FE-866C-4375-9B23-A7D8DCD97A85}" srcOrd="1" destOrd="0" presId="urn:microsoft.com/office/officeart/2005/8/layout/hierarchy1"/>
+  </dgm:cxnLst>
+  <dgm:bg/>
+  <dgm:whole/>
+  <dgm:extLst>
+    <a:ext uri="http://schemas.microsoft.com/office/drawing/2008/diagram">
+      <dsp:dataModelExt xmlns:dsp="http://schemas.microsoft.com/office/drawing/2008/diagram" relId="rId6" minVer="http://schemas.openxmlformats.org/drawingml/2006/diagram"/>
+    </a:ext>
+  </dgm:extLst>
+</dgm:dataModel>
+</file>
+
+<file path=ppt/diagrams/drawing1.xml><?xml version="1.0" encoding="utf-8"?>
+<dsp:drawing xmlns:dgm="http://schemas.openxmlformats.org/drawingml/2006/diagram" xmlns:dsp="http://schemas.microsoft.com/office/drawing/2008/diagram" xmlns:a="http://schemas.openxmlformats.org/drawingml/2006/main">
+  <dsp:spTree>
+    <dsp:nvGrpSpPr>
+      <dsp:cNvPr id="0" name=""/>
+      <dsp:cNvGrpSpPr/>
+    </dsp:nvGrpSpPr>
+    <dsp:grpSpPr/>
+    <dsp:sp modelId="{763E4643-2126-49F0-8FF0-B86694EF749D}">
+      <dsp:nvSpPr>
+        <dsp:cNvPr id="0" name=""/>
+        <dsp:cNvSpPr/>
+      </dsp:nvSpPr>
+      <dsp:spPr>
+        <a:xfrm>
+          <a:off x="1237" y="61211"/>
+          <a:ext cx="4342339" cy="2757385"/>
+        </a:xfrm>
+        <a:prstGeom prst="roundRect">
+          <a:avLst>
+            <a:gd name="adj" fmla="val 10000"/>
+          </a:avLst>
+        </a:prstGeom>
+        <a:solidFill>
+          <a:schemeClr val="accent1">
+            <a:hueOff val="0"/>
+            <a:satOff val="0"/>
+            <a:lumOff val="0"/>
+            <a:alphaOff val="0"/>
+          </a:schemeClr>
+        </a:solidFill>
+        <a:ln w="12700" cap="flat" cmpd="sng" algn="ctr">
+          <a:solidFill>
+            <a:schemeClr val="lt1">
+              <a:hueOff val="0"/>
+              <a:satOff val="0"/>
+              <a:lumOff val="0"/>
+              <a:alphaOff val="0"/>
+            </a:schemeClr>
+          </a:solidFill>
+          <a:prstDash val="solid"/>
+          <a:miter lim="800000"/>
+        </a:ln>
+        <a:effectLst/>
+      </dsp:spPr>
+      <dsp:style>
+        <a:lnRef idx="2">
+          <a:scrgbClr r="0" g="0" b="0"/>
+        </a:lnRef>
+        <a:fillRef idx="1">
+          <a:scrgbClr r="0" g="0" b="0"/>
+        </a:fillRef>
+        <a:effectRef idx="0">
+          <a:scrgbClr r="0" g="0" b="0"/>
+        </a:effectRef>
+        <a:fontRef idx="minor">
+          <a:schemeClr val="lt1"/>
+        </a:fontRef>
+      </dsp:style>
+    </dsp:sp>
+    <dsp:sp modelId="{6E80530D-F001-4418-9C65-29B4047ACE2A}">
+      <dsp:nvSpPr>
+        <dsp:cNvPr id="0" name=""/>
+        <dsp:cNvSpPr/>
+      </dsp:nvSpPr>
+      <dsp:spPr>
+        <a:xfrm>
+          <a:off x="483719" y="519569"/>
+          <a:ext cx="4342339" cy="2757385"/>
+        </a:xfrm>
+        <a:prstGeom prst="roundRect">
+          <a:avLst>
+            <a:gd name="adj" fmla="val 10000"/>
+          </a:avLst>
+        </a:prstGeom>
+        <a:solidFill>
+          <a:schemeClr val="lt1">
+            <a:alpha val="90000"/>
+            <a:hueOff val="0"/>
+            <a:satOff val="0"/>
+            <a:lumOff val="0"/>
+            <a:alphaOff val="0"/>
+          </a:schemeClr>
+        </a:solidFill>
+        <a:ln w="12700" cap="flat" cmpd="sng" algn="ctr">
+          <a:solidFill>
+            <a:schemeClr val="accent1">
+              <a:hueOff val="0"/>
+              <a:satOff val="0"/>
+              <a:lumOff val="0"/>
+              <a:alphaOff val="0"/>
+            </a:schemeClr>
+          </a:solidFill>
+          <a:prstDash val="solid"/>
+          <a:miter lim="800000"/>
+        </a:ln>
+        <a:effectLst/>
+      </dsp:spPr>
+      <dsp:style>
+        <a:lnRef idx="2">
+          <a:scrgbClr r="0" g="0" b="0"/>
+        </a:lnRef>
+        <a:fillRef idx="1">
+          <a:scrgbClr r="0" g="0" b="0"/>
+        </a:fillRef>
+        <a:effectRef idx="0">
+          <a:scrgbClr r="0" g="0" b="0"/>
+        </a:effectRef>
+        <a:fontRef idx="minor"/>
+      </dsp:style>
+      <dsp:txBody>
+        <a:bodyPr spcFirstLastPara="0" vert="horz" wrap="square" lIns="76200" tIns="76200" rIns="76200" bIns="76200" numCol="1" spcCol="1270" anchor="ctr" anchorCtr="0">
+          <a:noAutofit/>
+        </a:bodyPr>
+        <a:lstStyle/>
+        <a:p>
+          <a:pPr marL="0" lvl="0" indent="0" algn="ctr" defTabSz="889000">
+            <a:lnSpc>
+              <a:spcPct val="90000"/>
+            </a:lnSpc>
+            <a:spcBef>
+              <a:spcPct val="0"/>
+            </a:spcBef>
+            <a:spcAft>
+              <a:spcPct val="35000"/>
+            </a:spcAft>
+            <a:buNone/>
+          </a:pPr>
+          <a:r>
+            <a:rPr lang="en-GB" sz="2000" b="0" i="0" kern="1200"/>
+            <a:t>DIRT stands for </a:t>
+          </a:r>
+          <a:r>
+            <a:rPr lang="en-GB" sz="2000" b="1" i="0" kern="1200"/>
+            <a:t>Dedicated Improvement and Reflection Time</a:t>
+          </a:r>
+          <a:r>
+            <a:rPr lang="en-GB" sz="2000" b="0" i="0" kern="1200"/>
+            <a:t>. It is a strategy used in education, particularly in the UK, to enhance student learning by giving them structured time to reflect on their work, respond to feedback, and make improvements.</a:t>
+          </a:r>
+          <a:endParaRPr lang="en-US" sz="2000" kern="1200"/>
+        </a:p>
+      </dsp:txBody>
+      <dsp:txXfrm>
+        <a:off x="564480" y="600330"/>
+        <a:ext cx="4180817" cy="2595863"/>
+      </dsp:txXfrm>
+    </dsp:sp>
+    <dsp:sp modelId="{79281D3A-3126-4FE7-A1D2-68064AF18AE1}">
+      <dsp:nvSpPr>
+        <dsp:cNvPr id="0" name=""/>
+        <dsp:cNvSpPr/>
+      </dsp:nvSpPr>
+      <dsp:spPr>
+        <a:xfrm>
+          <a:off x="5308541" y="61211"/>
+          <a:ext cx="4342339" cy="2757385"/>
+        </a:xfrm>
+        <a:prstGeom prst="roundRect">
+          <a:avLst>
+            <a:gd name="adj" fmla="val 10000"/>
+          </a:avLst>
+        </a:prstGeom>
+        <a:solidFill>
+          <a:schemeClr val="accent1">
+            <a:hueOff val="0"/>
+            <a:satOff val="0"/>
+            <a:lumOff val="0"/>
+            <a:alphaOff val="0"/>
+          </a:schemeClr>
+        </a:solidFill>
+        <a:ln w="12700" cap="flat" cmpd="sng" algn="ctr">
+          <a:solidFill>
+            <a:schemeClr val="lt1">
+              <a:hueOff val="0"/>
+              <a:satOff val="0"/>
+              <a:lumOff val="0"/>
+              <a:alphaOff val="0"/>
+            </a:schemeClr>
+          </a:solidFill>
+          <a:prstDash val="solid"/>
+          <a:miter lim="800000"/>
+        </a:ln>
+        <a:effectLst/>
+      </dsp:spPr>
+      <dsp:style>
+        <a:lnRef idx="2">
+          <a:scrgbClr r="0" g="0" b="0"/>
+        </a:lnRef>
+        <a:fillRef idx="1">
+          <a:scrgbClr r="0" g="0" b="0"/>
+        </a:fillRef>
+        <a:effectRef idx="0">
+          <a:scrgbClr r="0" g="0" b="0"/>
+        </a:effectRef>
+        <a:fontRef idx="minor">
+          <a:schemeClr val="lt1"/>
+        </a:fontRef>
+      </dsp:style>
+    </dsp:sp>
+    <dsp:sp modelId="{CB2BC012-7D93-4B9B-9838-E4548465E9E7}">
+      <dsp:nvSpPr>
+        <dsp:cNvPr id="0" name=""/>
+        <dsp:cNvSpPr/>
+      </dsp:nvSpPr>
+      <dsp:spPr>
+        <a:xfrm>
+          <a:off x="5791023" y="519569"/>
+          <a:ext cx="4342339" cy="2757385"/>
+        </a:xfrm>
+        <a:prstGeom prst="roundRect">
+          <a:avLst>
+            <a:gd name="adj" fmla="val 10000"/>
+          </a:avLst>
+        </a:prstGeom>
+        <a:solidFill>
+          <a:schemeClr val="lt1">
+            <a:alpha val="90000"/>
+            <a:hueOff val="0"/>
+            <a:satOff val="0"/>
+            <a:lumOff val="0"/>
+            <a:alphaOff val="0"/>
+          </a:schemeClr>
+        </a:solidFill>
+        <a:ln w="12700" cap="flat" cmpd="sng" algn="ctr">
+          <a:solidFill>
+            <a:schemeClr val="accent1">
+              <a:hueOff val="0"/>
+              <a:satOff val="0"/>
+              <a:lumOff val="0"/>
+              <a:alphaOff val="0"/>
+            </a:schemeClr>
+          </a:solidFill>
+          <a:prstDash val="solid"/>
+          <a:miter lim="800000"/>
+        </a:ln>
+        <a:effectLst/>
+      </dsp:spPr>
+      <dsp:style>
+        <a:lnRef idx="2">
+          <a:scrgbClr r="0" g="0" b="0"/>
+        </a:lnRef>
+        <a:fillRef idx="1">
+          <a:scrgbClr r="0" g="0" b="0"/>
+        </a:fillRef>
+        <a:effectRef idx="0">
+          <a:scrgbClr r="0" g="0" b="0"/>
+        </a:effectRef>
+        <a:fontRef idx="minor"/>
+      </dsp:style>
+      <dsp:txBody>
+        <a:bodyPr spcFirstLastPara="0" vert="horz" wrap="square" lIns="76200" tIns="76200" rIns="76200" bIns="76200" numCol="1" spcCol="1270" anchor="ctr" anchorCtr="0">
+          <a:noAutofit/>
+        </a:bodyPr>
+        <a:lstStyle/>
+        <a:p>
+          <a:pPr marL="0" lvl="0" indent="0" algn="ctr" defTabSz="889000">
+            <a:lnSpc>
+              <a:spcPct val="90000"/>
+            </a:lnSpc>
+            <a:spcBef>
+              <a:spcPct val="0"/>
+            </a:spcBef>
+            <a:spcAft>
+              <a:spcPct val="35000"/>
+            </a:spcAft>
+            <a:buNone/>
+          </a:pPr>
+          <a:r>
+            <a:rPr lang="en-GB" sz="2000" kern="1200"/>
+            <a:t>This project encourages students to utilise this tool by providing a convenient location for students to log reflections on their work and actionable goals so that they are able to revisit their reflections at a later date and are able to remind themselves of key things they need to remember going forwards.</a:t>
+          </a:r>
+          <a:endParaRPr lang="en-US" sz="2000" kern="1200"/>
+        </a:p>
+      </dsp:txBody>
+      <dsp:txXfrm>
+        <a:off x="5871784" y="600330"/>
+        <a:ext cx="4180817" cy="2595863"/>
+      </dsp:txXfrm>
+    </dsp:sp>
+  </dsp:spTree>
+</dsp:drawing>
+</file>
+
+<file path=ppt/diagrams/layout1.xml><?xml version="1.0" encoding="utf-8"?>
+<dgm:layoutDef xmlns:dgm="http://schemas.openxmlformats.org/drawingml/2006/diagram" xmlns:a="http://schemas.openxmlformats.org/drawingml/2006/main" uniqueId="urn:microsoft.com/office/officeart/2005/8/layout/hierarchy1">
+  <dgm:title val=""/>
+  <dgm:desc val=""/>
+  <dgm:catLst>
+    <dgm:cat type="hierarchy" pri="2000"/>
+  </dgm:catLst>
+  <dgm:sampData>
+    <dgm:dataModel>
+      <dgm:ptLst>
+        <dgm:pt modelId="0" type="doc"/>
+        <dgm:pt modelId="1">
+          <dgm:prSet phldr="1"/>
+        </dgm:pt>
+        <dgm:pt modelId="2">
+          <dgm:prSet phldr="1"/>
+        </dgm:pt>
+        <dgm:pt modelId="21">
+          <dgm:prSet phldr="1"/>
+        </dgm:pt>
+        <dgm:pt modelId="22">
+          <dgm:prSet phldr="1"/>
+        </dgm:pt>
+        <dgm:pt modelId="3">
+          <dgm:prSet phldr="1"/>
+        </dgm:pt>
+        <dgm:pt modelId="31">
+          <dgm:prSet phldr="1"/>
+        </dgm:pt>
+      </dgm:ptLst>
+      <dgm:cxnLst>
+        <dgm:cxn modelId="4" srcId="0" destId="1" srcOrd="0" destOrd="0"/>
+        <dgm:cxn modelId="5" srcId="1" destId="2" srcOrd="0" destOrd="0"/>
+        <dgm:cxn modelId="6" srcId="1" destId="3" srcOrd="1" destOrd="0"/>
+        <dgm:cxn modelId="23" srcId="2" destId="21" srcOrd="0" destOrd="0"/>
+        <dgm:cxn modelId="24" srcId="2" destId="22" srcOrd="1" destOrd="0"/>
+        <dgm:cxn modelId="33" srcId="3" destId="31" srcOrd="0" destOrd="0"/>
+      </dgm:cxnLst>
+      <dgm:bg/>
+      <dgm:whole/>
+    </dgm:dataModel>
+  </dgm:sampData>
+  <dgm:styleData>
+    <dgm:dataModel>
+      <dgm:ptLst>
+        <dgm:pt modelId="0" type="doc"/>
+        <dgm:pt modelId="1"/>
+        <dgm:pt modelId="11"/>
+        <dgm:pt modelId="12"/>
+      </dgm:ptLst>
+      <dgm:cxnLst>
+        <dgm:cxn modelId="2" srcId="0" destId="1" srcOrd="0" destOrd="0"/>
+        <dgm:cxn modelId="13" srcId="1" destId="11" srcOrd="0" destOrd="0"/>
+        <dgm:cxn modelId="14" srcId="1" destId="12" srcOrd="1" destOrd="0"/>
+      </dgm:cxnLst>
+      <dgm:bg/>
+      <dgm:whole/>
+    </dgm:dataModel>
+  </dgm:styleData>
+  <dgm:clrData>
+    <dgm:dataModel>
+      <dgm:ptLst>
+        <dgm:pt modelId="0" type="doc"/>
+        <dgm:pt modelId="1"/>
+        <dgm:pt modelId="2"/>
+        <dgm:pt modelId="21"/>
+        <dgm:pt modelId="211"/>
+        <dgm:pt modelId="3"/>
+        <dgm:pt modelId="31"/>
+        <dgm:pt modelId="311"/>
+      </dgm:ptLst>
+      <dgm:cxnLst>
+        <dgm:cxn modelId="4" srcId="0" destId="1" srcOrd="0" destOrd="0"/>
+        <dgm:cxn modelId="5" srcId="1" destId="2" srcOrd="0" destOrd="0"/>
+        <dgm:cxn modelId="6" srcId="1" destId="3" srcOrd="1" destOrd="0"/>
+        <dgm:cxn modelId="23" srcId="2" destId="21" srcOrd="0" destOrd="0"/>
+        <dgm:cxn modelId="24" srcId="21" destId="211" srcOrd="0" destOrd="0"/>
+        <dgm:cxn modelId="33" srcId="3" destId="31" srcOrd="0" destOrd="0"/>
+        <dgm:cxn modelId="34" srcId="31" destId="311" srcOrd="0" destOrd="0"/>
+      </dgm:cxnLst>
+      <dgm:bg/>
+      <dgm:whole/>
+    </dgm:dataModel>
+  </dgm:clrData>
+  <dgm:layoutNode name="hierChild1">
+    <dgm:varLst>
+      <dgm:chPref val="1"/>
+      <dgm:dir/>
+      <dgm:animOne val="branch"/>
+      <dgm:animLvl val="lvl"/>
+      <dgm:resizeHandles/>
+    </dgm:varLst>
+    <dgm:choose name="Name0">
+      <dgm:if name="Name1" func="var" arg="dir" op="equ" val="norm">
+        <dgm:alg type="hierChild">
+          <dgm:param type="linDir" val="fromL"/>
+        </dgm:alg>
+      </dgm:if>
+      <dgm:else name="Name2">
+        <dgm:alg type="hierChild">
+          <dgm:param type="linDir" val="fromR"/>
+        </dgm:alg>
+      </dgm:else>
+    </dgm:choose>
+    <dgm:shape xmlns:r="http://schemas.openxmlformats.org/officeDocument/2006/relationships" r:blip="">
+      <dgm:adjLst/>
+    </dgm:shape>
+    <dgm:presOf/>
+    <dgm:constrLst>
+      <dgm:constr type="primFontSz" for="des" ptType="node" op="equ" val="65"/>
+      <dgm:constr type="w" for="des" forName="composite" refType="w"/>
+      <dgm:constr type="h" for="des" forName="composite" refType="w" refFor="des" refForName="composite" fact="0.667"/>
+      <dgm:constr type="w" for="des" forName="composite2" refType="w" refFor="des" refForName="composite"/>
+      <dgm:constr type="h" for="des" forName="composite2" refType="h" refFor="des" refForName="composite"/>
+      <dgm:constr type="w" for="des" forName="composite3" refType="w" refFor="des" refForName="composite"/>
+      <dgm:constr type="h" for="des" forName="composite3" refType="h" refFor="des" refForName="composite"/>
+      <dgm:constr type="w" for="des" forName="composite4" refType="w" refFor="des" refForName="composite"/>
+      <dgm:constr type="h" for="des" forName="composite4" refType="h" refFor="des" refForName="composite"/>
+      <dgm:constr type="w" for="des" forName="composite5" refType="w" refFor="des" refForName="composite"/>
+      <dgm:constr type="h" for="des" forName="composite5" refType="h" refFor="des" refForName="composite"/>
+      <dgm:constr type="sibSp" refType="w" refFor="des" refForName="composite" fact="0.1"/>
+      <dgm:constr type="sibSp" for="des" forName="hierChild2" refType="sibSp"/>
+      <dgm:constr type="sibSp" for="des" forName="hierChild3" refType="sibSp"/>
+      <dgm:constr type="sibSp" for="des" forName="hierChild4" refType="sibSp"/>
+      <dgm:constr type="sibSp" for="des" forName="hierChild5" refType="sibSp"/>
+      <dgm:constr type="sibSp" for="des" forName="hierChild6" refType="sibSp"/>
+      <dgm:constr type="sp" for="des" forName="hierRoot1" refType="h" refFor="des" refForName="composite" fact="0.25"/>
+      <dgm:constr type="sp" for="des" forName="hierRoot2" refType="sp" refFor="des" refForName="hierRoot1"/>
+      <dgm:constr type="sp" for="des" forName="hierRoot3" refType="sp" refFor="des" refForName="hierRoot1"/>
+      <dgm:constr type="sp" for="des" forName="hierRoot4" refType="sp" refFor="des" refForName="hierRoot1"/>
+      <dgm:constr type="sp" for="des" forName="hierRoot5" refType="sp" refFor="des" refForName="hierRoot1"/>
+    </dgm:constrLst>
+    <dgm:ruleLst/>
+    <dgm:forEach name="Name3" axis="ch">
+      <dgm:forEach name="Name4" axis="self" ptType="node">
+        <dgm:layoutNode name="hierRoot1">
+          <dgm:alg type="hierRoot"/>
+          <dgm:shape xmlns:r="http://schemas.openxmlformats.org/officeDocument/2006/relationships" r:blip="">
+            <dgm:adjLst/>
+          </dgm:shape>
+          <dgm:presOf/>
+          <dgm:constrLst>
+            <dgm:constr type="bendDist" for="des" ptType="parTrans" refType="sp" fact="0.5"/>
+          </dgm:constrLst>
+          <dgm:ruleLst/>
+          <dgm:layoutNode name="composite">
+            <dgm:alg type="composite"/>
+            <dgm:shape xmlns:r="http://schemas.openxmlformats.org/officeDocument/2006/relationships" r:blip="">
+              <dgm:adjLst/>
+            </dgm:shape>
+            <dgm:presOf/>
+            <dgm:constrLst>
+              <dgm:constr type="w" for="ch" forName="background" refType="w" fact="0.9"/>
+              <dgm:constr type="h" for="ch" forName="background" refType="w" refFor="ch" refForName="background" fact="0.635"/>
+              <dgm:constr type="t" for="ch" forName="background"/>
+              <dgm:constr type="l" for="ch" forName="background"/>
+              <dgm:constr type="w" for="ch" forName="text" refType="w" fact="0.9"/>
+              <dgm:constr type="h" for="ch" forName="text" refType="w" refFor="ch" refForName="text" fact="0.635"/>
+              <dgm:constr type="t" for="ch" forName="text" refType="w" fact="0.095"/>
+              <dgm:constr type="l" for="ch" forName="text" refType="w" fact="0.1"/>
+            </dgm:constrLst>
+            <dgm:ruleLst/>
+            <dgm:layoutNode name="background" styleLbl="node0" moveWith="text">
+              <dgm:alg type="sp"/>
+              <dgm:shape xmlns:r="http://schemas.openxmlformats.org/officeDocument/2006/relationships" type="roundRect" r:blip="">
+                <dgm:adjLst>
+                  <dgm:adj idx="1" val="0.1"/>
+                </dgm:adjLst>
+              </dgm:shape>
+              <dgm:presOf/>
+              <dgm:constrLst/>
+              <dgm:ruleLst/>
+            </dgm:layoutNode>
+            <dgm:layoutNode name="text" styleLbl="fgAcc0">
+              <dgm:varLst>
+                <dgm:chPref val="3"/>
+              </dgm:varLst>
+              <dgm:alg type="tx"/>
+              <dgm:shape xmlns:r="http://schemas.openxmlformats.org/officeDocument/2006/relationships" type="roundRect" r:blip="">
+                <dgm:adjLst>
+                  <dgm:adj idx="1" val="0.1"/>
+                </dgm:adjLst>
+              </dgm:shape>
+              <dgm:presOf axis="self"/>
+              <dgm:constrLst>
+                <dgm:constr type="tMarg" refType="primFontSz" fact="0.3"/>
+                <dgm:constr type="bMarg" refType="primFontSz" fact="0.3"/>
+                <dgm:constr type="lMarg" refType="primFontSz" fact="0.3"/>
+                <dgm:constr type="rMarg" refType="primFontSz" fact="0.3"/>
+              </dgm:constrLst>
+              <dgm:ruleLst>
+                <dgm:rule type="primFontSz" val="5" fact="NaN" max="NaN"/>
+              </dgm:ruleLst>
+            </dgm:layoutNode>
+          </dgm:layoutNode>
+          <dgm:layoutNode name="hierChild2">
+            <dgm:choose name="Name5">
+              <dgm:if name="Name6" func="var" arg="dir" op="equ" val="norm">
+                <dgm:alg type="hierChild">
+                  <dgm:param type="linDir" val="fromL"/>
+                </dgm:alg>
+              </dgm:if>
+              <dgm:else name="Name7">
+                <dgm:alg type="hierChild">
+                  <dgm:param type="linDir" val="fromR"/>
+                </dgm:alg>
+              </dgm:else>
+            </dgm:choose>
+            <dgm:shape xmlns:r="http://schemas.openxmlformats.org/officeDocument/2006/relationships" r:blip="">
+              <dgm:adjLst/>
+            </dgm:shape>
+            <dgm:presOf/>
+            <dgm:constrLst/>
+            <dgm:ruleLst/>
+            <dgm:forEach name="Name8" axis="ch">
+              <dgm:forEach name="Name9" axis="self" ptType="parTrans" cnt="1">
+                <dgm:layoutNode name="Name10">
+                  <dgm:alg type="conn">
+                    <dgm:param type="dim" val="1D"/>
+                    <dgm:param type="endSty" val="noArr"/>
+                    <dgm:param type="connRout" val="bend"/>
+                    <dgm:param type="bendPt" val="end"/>
+                    <dgm:param type="begPts" val="bCtr"/>
+                    <dgm:param type="endPts" val="tCtr"/>
+                    <dgm:param type="srcNode" val="background"/>
+                    <dgm:param type="dstNode" val="background2"/>
+                  </dgm:alg>
+                  <dgm:shape xmlns:r="http://schemas.openxmlformats.org/officeDocument/2006/relationships" type="conn" r:blip="" zOrderOff="-999">
+                    <dgm:adjLst/>
+                  </dgm:shape>
+                  <dgm:presOf axis="self"/>
+                  <dgm:constrLst>
+                    <dgm:constr type="begPad"/>
+                    <dgm:constr type="endPad"/>
+                  </dgm:constrLst>
+                  <dgm:ruleLst/>
+                </dgm:layoutNode>
+              </dgm:forEach>
+              <dgm:forEach name="Name11" axis="self" ptType="node">
+                <dgm:layoutNode name="hierRoot2">
+                  <dgm:alg type="hierRoot"/>
+                  <dgm:shape xmlns:r="http://schemas.openxmlformats.org/officeDocument/2006/relationships" r:blip="">
+                    <dgm:adjLst/>
+                  </dgm:shape>
+                  <dgm:presOf/>
+                  <dgm:constrLst>
+                    <dgm:constr type="bendDist" for="des" ptType="parTrans" refType="sp" fact="0.5"/>
+                  </dgm:constrLst>
+                  <dgm:ruleLst/>
+                  <dgm:layoutNode name="composite2">
+                    <dgm:alg type="composite"/>
+                    <dgm:shape xmlns:r="http://schemas.openxmlformats.org/officeDocument/2006/relationships" r:blip="">
+                      <dgm:adjLst/>
+                    </dgm:shape>
+                    <dgm:presOf/>
+                    <dgm:constrLst>
+                      <dgm:constr type="w" for="ch" forName="background2" refType="w" fact="0.9"/>
+                      <dgm:constr type="h" for="ch" forName="background2" refType="w" refFor="ch" refForName="background2" fact="0.635"/>
+                      <dgm:constr type="t" for="ch" forName="background2"/>
+                      <dgm:constr type="l" for="ch" forName="background2"/>
+                      <dgm:constr type="w" for="ch" forName="text2" refType="w" fact="0.9"/>
+                      <dgm:constr type="h" for="ch" forName="text2" refType="w" refFor="ch" refForName="text2" fact="0.635"/>
+                      <dgm:constr type="t" for="ch" forName="text2" refType="w" fact="0.095"/>
+                      <dgm:constr type="l" for="ch" forName="text2" refType="w" fact="0.1"/>
+                    </dgm:constrLst>
+                    <dgm:ruleLst/>
+                    <dgm:layoutNode name="background2" moveWith="text2">
+                      <dgm:alg type="sp"/>
+                      <dgm:shape xmlns:r="http://schemas.openxmlformats.org/officeDocument/2006/relationships" type="roundRect" r:blip="">
+                        <dgm:adjLst>
+                          <dgm:adj idx="1" val="0.1"/>
+                        </dgm:adjLst>
+                      </dgm:shape>
+                      <dgm:presOf/>
+                      <dgm:constrLst/>
+                      <dgm:ruleLst/>
+                    </dgm:layoutNode>
+                    <dgm:layoutNode name="text2" styleLbl="fgAcc2">
+                      <dgm:varLst>
+                        <dgm:chPref val="3"/>
+                      </dgm:varLst>
+                      <dgm:alg type="tx"/>
+                      <dgm:shape xmlns:r="http://schemas.openxmlformats.org/officeDocument/2006/relationships" type="roundRect" r:blip="">
+                        <dgm:adjLst>
+                          <dgm:adj idx="1" val="0.1"/>
+                        </dgm:adjLst>
+                      </dgm:shape>
+                      <dgm:presOf axis="self"/>
+                      <dgm:constrLst>
+                        <dgm:constr type="tMarg" refType="primFontSz" fact="0.3"/>
+                        <dgm:constr type="bMarg" refType="primFontSz" fact="0.3"/>
+                        <dgm:constr type="lMarg" refType="primFontSz" fact="0.3"/>
+                        <dgm:constr type="rMarg" refType="primFontSz" fact="0.3"/>
+                      </dgm:constrLst>
+                      <dgm:ruleLst>
+                        <dgm:rule type="primFontSz" val="5" fact="NaN" max="NaN"/>
+                      </dgm:ruleLst>
+                    </dgm:layoutNode>
+                  </dgm:layoutNode>
+                  <dgm:layoutNode name="hierChild3">
+                    <dgm:choose name="Name12">
+                      <dgm:if name="Name13" func="var" arg="dir" op="equ" val="norm">
+                        <dgm:alg type="hierChild">
+                          <dgm:param type="linDir" val="fromL"/>
+                        </dgm:alg>
+                      </dgm:if>
+                      <dgm:else name="Name14">
+                        <dgm:alg type="hierChild">
+                          <dgm:param type="linDir" val="fromR"/>
+                        </dgm:alg>
+                      </dgm:else>
+                    </dgm:choose>
+                    <dgm:shape xmlns:r="http://schemas.openxmlformats.org/officeDocument/2006/relationships" r:blip="">
+                      <dgm:adjLst/>
+                    </dgm:shape>
+                    <dgm:presOf/>
+                    <dgm:constrLst/>
+                    <dgm:ruleLst/>
+                    <dgm:forEach name="Name15" axis="ch">
+                      <dgm:forEach name="Name16" axis="self" ptType="parTrans" cnt="1">
+                        <dgm:layoutNode name="Name17">
+                          <dgm:alg type="conn">
+                            <dgm:param type="dim" val="1D"/>
+                            <dgm:param type="endSty" val="noArr"/>
+                            <dgm:param type="connRout" val="bend"/>
+                            <dgm:param type="bendPt" val="end"/>
+                            <dgm:param type="begPts" val="bCtr"/>
+                            <dgm:param type="endPts" val="tCtr"/>
+                            <dgm:param type="srcNode" val="background2"/>
+                            <dgm:param type="dstNode" val="background3"/>
+                          </dgm:alg>
+                          <dgm:shape xmlns:r="http://schemas.openxmlformats.org/officeDocument/2006/relationships" type="conn" r:blip="" zOrderOff="-999">
+                            <dgm:adjLst/>
+                          </dgm:shape>
+                          <dgm:presOf axis="self"/>
+                          <dgm:constrLst>
+                            <dgm:constr type="begPad"/>
+                            <dgm:constr type="endPad"/>
+                          </dgm:constrLst>
+                          <dgm:ruleLst/>
+                        </dgm:layoutNode>
+                      </dgm:forEach>
+                      <dgm:forEach name="Name18" axis="self" ptType="node">
+                        <dgm:layoutNode name="hierRoot3">
+                          <dgm:alg type="hierRoot"/>
+                          <dgm:shape xmlns:r="http://schemas.openxmlformats.org/officeDocument/2006/relationships" r:blip="">
+                            <dgm:adjLst/>
+                          </dgm:shape>
+                          <dgm:presOf/>
+                          <dgm:constrLst>
+                            <dgm:constr type="bendDist" for="des" ptType="parTrans" refType="sp" fact="0.5"/>
+                          </dgm:constrLst>
+                          <dgm:ruleLst/>
+                          <dgm:layoutNode name="composite3">
+                            <dgm:alg type="composite"/>
+                            <dgm:shape xmlns:r="http://schemas.openxmlformats.org/officeDocument/2006/relationships" r:blip="">
+                              <dgm:adjLst/>
+                            </dgm:shape>
+                            <dgm:presOf/>
+                            <dgm:constrLst>
+                              <dgm:constr type="w" for="ch" forName="background3" refType="w" fact="0.9"/>
+                              <dgm:constr type="h" for="ch" forName="background3" refType="w" refFor="ch" refForName="background3" fact="0.635"/>
+                              <dgm:constr type="t" for="ch" forName="background3"/>
+                              <dgm:constr type="l" for="ch" forName="background3"/>
+                              <dgm:constr type="w" for="ch" forName="text3" refType="w" fact="0.9"/>
+                              <dgm:constr type="h" for="ch" forName="text3" refType="w" refFor="ch" refForName="text3" fact="0.635"/>
+                              <dgm:constr type="t" for="ch" forName="text3" refType="w" fact="0.095"/>
+                              <dgm:constr type="l" for="ch" forName="text3" refType="w" fact="0.1"/>
+                            </dgm:constrLst>
+                            <dgm:ruleLst/>
+                            <dgm:layoutNode name="background3" moveWith="text3">
+                              <dgm:alg type="sp"/>
+                              <dgm:shape xmlns:r="http://schemas.openxmlformats.org/officeDocument/2006/relationships" type="roundRect" r:blip="">
+                                <dgm:adjLst>
+                                  <dgm:adj idx="1" val="0.1"/>
+                                </dgm:adjLst>
+                              </dgm:shape>
+                              <dgm:presOf/>
+                              <dgm:constrLst/>
+                              <dgm:ruleLst/>
+                            </dgm:layoutNode>
+                            <dgm:layoutNode name="text3" styleLbl="fgAcc3">
+                              <dgm:varLst>
+                                <dgm:chPref val="3"/>
+                              </dgm:varLst>
+                              <dgm:alg type="tx"/>
+                              <dgm:shape xmlns:r="http://schemas.openxmlformats.org/officeDocument/2006/relationships" type="roundRect" r:blip="">
+                                <dgm:adjLst>
+                                  <dgm:adj idx="1" val="0.1"/>
+                                </dgm:adjLst>
+                              </dgm:shape>
+                              <dgm:presOf axis="self"/>
+                              <dgm:constrLst>
+                                <dgm:constr type="tMarg" refType="primFontSz" fact="0.3"/>
+                                <dgm:constr type="bMarg" refType="primFontSz" fact="0.3"/>
+                                <dgm:constr type="lMarg" refType="primFontSz" fact="0.3"/>
+                                <dgm:constr type="rMarg" refType="primFontSz" fact="0.3"/>
+                              </dgm:constrLst>
+                              <dgm:ruleLst>
+                                <dgm:rule type="primFontSz" val="5" fact="NaN" max="NaN"/>
+                              </dgm:ruleLst>
+                            </dgm:layoutNode>
+                          </dgm:layoutNode>
+                          <dgm:layoutNode name="hierChild4">
+                            <dgm:choose name="Name19">
+                              <dgm:if name="Name20" func="var" arg="dir" op="equ" val="norm">
+                                <dgm:alg type="hierChild">
+                                  <dgm:param type="linDir" val="fromL"/>
+                                </dgm:alg>
+                              </dgm:if>
+                              <dgm:else name="Name21">
+                                <dgm:alg type="hierChild">
+                                  <dgm:param type="linDir" val="fromR"/>
+                                </dgm:alg>
+                              </dgm:else>
+                            </dgm:choose>
+                            <dgm:shape xmlns:r="http://schemas.openxmlformats.org/officeDocument/2006/relationships" r:blip="">
+                              <dgm:adjLst/>
+                            </dgm:shape>
+                            <dgm:presOf/>
+                            <dgm:constrLst/>
+                            <dgm:ruleLst/>
+                            <dgm:forEach name="repeat" axis="ch">
+                              <dgm:forEach name="Name22" axis="self" ptType="parTrans" cnt="1">
+                                <dgm:layoutNode name="Name23">
+                                  <dgm:choose name="Name24">
+                                    <dgm:if name="Name25" axis="self" func="depth" op="lte" val="4">
+                                      <dgm:alg type="conn">
+                                        <dgm:param type="dim" val="1D"/>
+                                        <dgm:param type="endSty" val="noArr"/>
+                                        <dgm:param type="connRout" val="bend"/>
+                                        <dgm:param type="bendPt" val="end"/>
+                                        <dgm:param type="begPts" val="bCtr"/>
+                                        <dgm:param type="endPts" val="tCtr"/>
+                                        <dgm:param type="srcNode" val="background3"/>
+                                        <dgm:param type="dstNode" val="background4"/>
+                                      </dgm:alg>
+                                    </dgm:if>
+                                    <dgm:else name="Name26">
+                                      <dgm:alg type="conn">
+                                        <dgm:param type="dim" val="1D"/>
+                                        <dgm:param type="endSty" val="noArr"/>
+                                        <dgm:param type="connRout" val="bend"/>
+                                        <dgm:param type="bendPt" val="end"/>
+                                        <dgm:param type="begPts" val="bCtr"/>
+                                        <dgm:param type="endPts" val="tCtr"/>
+                                        <dgm:param type="srcNode" val="background4"/>
+                                        <dgm:param type="dstNode" val="background4"/>
+                                      </dgm:alg>
+                                    </dgm:else>
+                                  </dgm:choose>
+                                  <dgm:shape xmlns:r="http://schemas.openxmlformats.org/officeDocument/2006/relationships" type="conn" r:blip="" zOrderOff="-999">
+                                    <dgm:adjLst/>
+                                  </dgm:shape>
+                                  <dgm:presOf axis="self"/>
+                                  <dgm:constrLst>
+                                    <dgm:constr type="begPad"/>
+                                    <dgm:constr type="endPad"/>
+                                  </dgm:constrLst>
+                                  <dgm:ruleLst/>
+                                </dgm:layoutNode>
+                              </dgm:forEach>
+                              <dgm:forEach name="Name27" axis="self" ptType="node">
+                                <dgm:layoutNode name="hierRoot4">
+                                  <dgm:alg type="hierRoot"/>
+                                  <dgm:shape xmlns:r="http://schemas.openxmlformats.org/officeDocument/2006/relationships" r:blip="">
+                                    <dgm:adjLst/>
+                                  </dgm:shape>
+                                  <dgm:presOf/>
+                                  <dgm:constrLst>
+                                    <dgm:constr type="bendDist" for="des" ptType="parTrans" refType="sp" fact="0.5"/>
+                                  </dgm:constrLst>
+                                  <dgm:ruleLst/>
+                                  <dgm:layoutNode name="composite4">
+                                    <dgm:alg type="composite"/>
+                                    <dgm:shape xmlns:r="http://schemas.openxmlformats.org/officeDocument/2006/relationships" r:blip="">
+                                      <dgm:adjLst/>
+                                    </dgm:shape>
+                                    <dgm:presOf/>
+                                    <dgm:constrLst>
+                                      <dgm:constr type="w" for="ch" forName="background4" refType="w" fact="0.9"/>
+                                      <dgm:constr type="h" for="ch" forName="background4" refType="w" refFor="ch" refForName="background4" fact="0.635"/>
+                                      <dgm:constr type="t" for="ch" forName="background4"/>
+                                      <dgm:constr type="l" for="ch" forName="background4"/>
+                                      <dgm:constr type="w" for="ch" forName="text4" refType="w" fact="0.9"/>
+                                      <dgm:constr type="h" for="ch" forName="text4" refType="w" refFor="ch" refForName="text4" fact="0.635"/>
+                                      <dgm:constr type="t" for="ch" forName="text4" refType="w" fact="0.095"/>
+                                      <dgm:constr type="l" for="ch" forName="text4" refType="w" fact="0.1"/>
+                                    </dgm:constrLst>
+                                    <dgm:ruleLst/>
+                                    <dgm:layoutNode name="background4" moveWith="text4">
+                                      <dgm:alg type="sp"/>
+                                      <dgm:shape xmlns:r="http://schemas.openxmlformats.org/officeDocument/2006/relationships" type="roundRect" r:blip="">
+                                        <dgm:adjLst>
+                                          <dgm:adj idx="1" val="0.1"/>
+                                        </dgm:adjLst>
+                                      </dgm:shape>
+                                      <dgm:presOf/>
+                                      <dgm:constrLst/>
+                                      <dgm:ruleLst/>
+                                    </dgm:layoutNode>
+                                    <dgm:layoutNode name="text4" styleLbl="fgAcc4">
+                                      <dgm:varLst>
+                                        <dgm:chPref val="3"/>
+                                      </dgm:varLst>
+                                      <dgm:alg type="tx"/>
+                                      <dgm:shape xmlns:r="http://schemas.openxmlformats.org/officeDocument/2006/relationships" type="roundRect" r:blip="">
+                                        <dgm:adjLst>
+                                          <dgm:adj idx="1" val="0.1"/>
+                                        </dgm:adjLst>
+                                      </dgm:shape>
+                                      <dgm:presOf axis="self"/>
+                                      <dgm:constrLst>
+                                        <dgm:constr type="tMarg" refType="primFontSz" fact="0.3"/>
+                                        <dgm:constr type="bMarg" refType="primFontSz" fact="0.3"/>
+                                        <dgm:constr type="lMarg" refType="primFontSz" fact="0.3"/>
+                                        <dgm:constr type="rMarg" refType="primFontSz" fact="0.3"/>
+                                      </dgm:constrLst>
+                                      <dgm:ruleLst>
+                                        <dgm:rule type="primFontSz" val="5" fact="NaN" max="NaN"/>
+                                      </dgm:ruleLst>
+                                    </dgm:layoutNode>
+                                  </dgm:layoutNode>
+                                  <dgm:layoutNode name="hierChild5">
+                                    <dgm:choose name="Name28">
+                                      <dgm:if name="Name29" func="var" arg="dir" op="equ" val="norm">
+                                        <dgm:alg type="hierChild">
+                                          <dgm:param type="linDir" val="fromL"/>
+                                        </dgm:alg>
+                                      </dgm:if>
+                                      <dgm:else name="Name30">
+                                        <dgm:alg type="hierChild">
+                                          <dgm:param type="linDir" val="fromR"/>
+                                        </dgm:alg>
+                                      </dgm:else>
+                                    </dgm:choose>
+                                    <dgm:shape xmlns:r="http://schemas.openxmlformats.org/officeDocument/2006/relationships" r:blip="">
+                                      <dgm:adjLst/>
+                                    </dgm:shape>
+                                    <dgm:presOf/>
+                                    <dgm:constrLst/>
+                                    <dgm:ruleLst/>
+                                    <dgm:forEach name="Name31" ref="repeat"/>
+                                  </dgm:layoutNode>
+                                </dgm:layoutNode>
+                              </dgm:forEach>
+                            </dgm:forEach>
+                          </dgm:layoutNode>
+                        </dgm:layoutNode>
+                      </dgm:forEach>
+                    </dgm:forEach>
+                  </dgm:layoutNode>
+                </dgm:layoutNode>
+              </dgm:forEach>
+            </dgm:forEach>
+          </dgm:layoutNode>
+        </dgm:layoutNode>
+      </dgm:forEach>
+    </dgm:forEach>
+  </dgm:layoutNode>
+</dgm:layoutDef>
+</file>
+
+<file path=ppt/diagrams/quickStyle1.xml><?xml version="1.0" encoding="utf-8"?>
+<dgm:styleDef xmlns:dgm="http://schemas.openxmlformats.org/drawingml/2006/diagram" xmlns:a="http://schemas.openxmlformats.org/drawingml/2006/main" uniqueId="urn:microsoft.com/office/officeart/2005/8/quickstyle/simple1">
+  <dgm:title val=""/>
+  <dgm:desc val=""/>
+  <dgm:catLst>
+    <dgm:cat type="simple" pri="10100"/>
+  </dgm:catLst>
+  <dgm:scene3d>
+    <a:camera prst="orthographicFront"/>
+    <a:lightRig rig="threePt" dir="t"/>
+  </dgm:scene3d>
+  <dgm:styleLbl name="node0">
+    <dgm:scene3d>
+      <a:camera prst="orthographicFront"/>
+      <a:lightRig rig="threePt" dir="t"/>
+    </dgm:scene3d>
+    <dgm:sp3d/>
+    <dgm:txPr/>
+    <dgm:style>
+      <a:lnRef idx="2">
+        <a:scrgbClr r="0" g="0" b="0"/>
+      </a:lnRef>
+      <a:fillRef idx="1">
+        <a:scrgbClr r="0" g="0" b="0"/>
+      </a:fillRef>
+      <a:effectRef idx="0">
+        <a:scrgbClr r="0" g="0" b="0"/>
+      </a:effectRef>
+      <a:fontRef idx="minor">
+        <a:schemeClr val="lt1"/>
+      </a:fontRef>
+    </dgm:style>
+  </dgm:styleLbl>
+  <dgm:styleLbl name="lnNode1">
+    <dgm:scene3d>
+      <a:camera prst="orthographicFront"/>
+      <a:lightRig rig="threePt" dir="t"/>
+    </dgm:scene3d>
+    <dgm:sp3d/>
+    <dgm:txPr/>
+    <dgm:style>
+      <a:lnRef idx="2">
+        <a:scrgbClr r="0" g="0" b="0"/>
+      </a:lnRef>
+      <a:fillRef idx="1">
+        <a:scrgbClr r="0" g="0" b="0"/>
+      </a:fillRef>
+      <a:effectRef idx="0">
+        <a:scrgbClr r="0" g="0" b="0"/>
+      </a:effectRef>
+      <a:fontRef idx="minor">
+        <a:schemeClr val="lt1"/>
+      </a:fontRef>
+    </dgm:style>
+  </dgm:styleLbl>
+  <dgm:styleLbl name="vennNode1">
+    <dgm:scene3d>
+      <a:camera prst="orthographicFront"/>
+      <a:lightRig rig="threePt" dir="t"/>
+    </dgm:scene3d>
+    <dgm:sp3d/>
+    <dgm:txPr/>
+    <dgm:style>
+      <a:lnRef idx="2">
+        <a:scrgbClr r="0" g="0" b="0"/>
+      </a:lnRef>
+      <a:fillRef idx="1">
+        <a:scrgbClr r="0" g="0" b="0"/>
+      </a:fillRef>
+      <a:effectRef idx="0">
+        <a:scrgbClr r="0" g="0" b="0"/>
+      </a:effectRef>
+      <a:fontRef idx="minor">
+        <a:schemeClr val="tx1"/>
+      </a:fontRef>
+    </dgm:style>
+  </dgm:styleLbl>
+  <dgm:styleLbl name="alignNode1">
+    <dgm:scene3d>
+      <a:camera prst="orthographicFront"/>
+      <a:lightRig rig="threePt" dir="t"/>
+    </dgm:scene3d>
+    <dgm:sp3d/>
+    <dgm:txPr/>
+    <dgm:style>
+      <a:lnRef idx="2">
+        <a:scrgbClr r="0" g="0" b="0"/>
+      </a:lnRef>
+      <a:fillRef idx="1">
+        <a:scrgbClr r="0" g="0" b="0"/>
+      </a:fillRef>
+      <a:effectRef idx="0">
+        <a:scrgbClr r="0" g="0" b="0"/>
+      </a:effectRef>
+      <a:fontRef idx="minor">
+        <a:schemeClr val="lt1"/>
+      </a:fontRef>
+    </dgm:style>
+  </dgm:styleLbl>
+  <dgm:styleLbl name="node1">
+    <dgm:scene3d>
+      <a:camera prst="orthographicFront"/>
+      <a:lightRig rig="threePt" dir="t"/>
+    </dgm:scene3d>
+    <dgm:sp3d/>
+    <dgm:txPr/>
+    <dgm:style>
+      <a:lnRef idx="2">
+        <a:scrgbClr r="0" g="0" b="0"/>
+      </a:lnRef>
+      <a:fillRef idx="1">
+        <a:scrgbClr r="0" g="0" b="0"/>
+      </a:fillRef>
+      <a:effectRef idx="0">
+        <a:scrgbClr r="0" g="0" b="0"/>
+      </a:effectRef>
+      <a:fontRef idx="minor">
+        <a:schemeClr val="lt1"/>
+      </a:fontRef>
+    </dgm:style>
+  </dgm:styleLbl>
+  <dgm:styleLbl name="node2">
+    <dgm:scene3d>
+      <a:camera prst="orthographicFront"/>
+      <a:lightRig rig="threePt" dir="t"/>
+    </dgm:scene3d>
+    <dgm:sp3d/>
+    <dgm:txPr/>
+    <dgm:style>
+      <a:lnRef idx="2">
+        <a:scrgbClr r="0" g="0" b="0"/>
+      </a:lnRef>
+      <a:fillRef idx="1">
+        <a:scrgbClr r="0" g="0" b="0"/>
+      </a:fillRef>
+      <a:effectRef idx="0">
+        <a:scrgbClr r="0" g="0" b="0"/>
+      </a:effectRef>
+      <a:fontRef idx="minor">
+        <a:schemeClr val="lt1"/>
+      </a:fontRef>
+    </dgm:style>
+  </dgm:styleLbl>
+  <dgm:styleLbl name="node3">
+    <dgm:scene3d>
+      <a:camera prst="orthographicFront"/>
+      <a:lightRig rig="threePt" dir="t"/>
+    </dgm:scene3d>
+    <dgm:sp3d/>
+    <dgm:txPr/>
+    <dgm:style>
+      <a:lnRef idx="2">
+        <a:scrgbClr r="0" g="0" b="0"/>
+      </a:lnRef>
+      <a:fillRef idx="1">
+        <a:scrgbClr r="0" g="0" b="0"/>
+      </a:fillRef>
+      <a:effectRef idx="0">
+        <a:scrgbClr r="0" g="0" b="0"/>
+      </a:effectRef>
+      <a:fontRef idx="minor">
+        <a:schemeClr val="lt1"/>
+      </a:fontRef>
+    </dgm:style>
+  </dgm:styleLbl>
+  <dgm:styleLbl name="node4">
+    <dgm:scene3d>
+      <a:camera prst="orthographicFront"/>
+      <a:lightRig rig="threePt" dir="t"/>
+    </dgm:scene3d>
+    <dgm:sp3d/>
+    <dgm:txPr/>
+    <dgm:style>
+      <a:lnRef idx="2">
+        <a:scrgbClr r="0" g="0" b="0"/>
+      </a:lnRef>
+      <a:fillRef idx="1">
+        <a:scrgbClr r="0" g="0" b="0"/>
+      </a:fillRef>
+      <a:effectRef idx="0">
+        <a:scrgbClr r="0" g="0" b="0"/>
+      </a:effectRef>
+      <a:fontRef idx="minor">
+        <a:schemeClr val="lt1"/>
+      </a:fontRef>
+    </dgm:style>
+  </dgm:styleLbl>
+  <dgm:styleLbl name="fgImgPlace1">
+    <dgm:scene3d>
+      <a:camera prst="orthographicFront"/>
+      <a:lightRig rig="threePt" dir="t"/>
+    </dgm:scene3d>
+    <dgm:sp3d/>
+    <dgm:txPr/>
+    <dgm:style>
+      <a:lnRef idx="2">
+        <a:scrgbClr r="0" g="0" b="0"/>
+      </a:lnRef>
+      <a:fillRef idx="1">
+        <a:scrgbClr r="0" g="0" b="0"/>
+      </a:fillRef>
+      <a:effectRef idx="0">
+        <a:scrgbClr r="0" g="0" b="0"/>
+      </a:effectRef>
+      <a:fontRef idx="minor"/>
+    </dgm:style>
+  </dgm:styleLbl>
+  <dgm:styleLbl name="alignImgPlace1">
+    <dgm:scene3d>
+      <a:camera prst="orthographicFront"/>
+      <a:lightRig rig="threePt" dir="t"/>
+    </dgm:scene3d>
+    <dgm:sp3d/>
+    <dgm:txPr/>
+    <dgm:style>
+      <a:lnRef idx="2">
+        <a:scrgbClr r="0" g="0" b="0"/>
+      </a:lnRef>
+      <a:fillRef idx="1">
+        <a:scrgbClr r="0" g="0" b="0"/>
+      </a:fillRef>
+      <a:effectRef idx="0">
+        <a:scrgbClr r="0" g="0" b="0"/>
+      </a:effectRef>
+      <a:fontRef idx="minor"/>
+    </dgm:style>
+  </dgm:styleLbl>
+  <dgm:styleLbl name="bgImgPlace1">
+    <dgm:scene3d>
+      <a:camera prst="orthographicFront"/>
+      <a:lightRig rig="threePt" dir="t"/>
+    </dgm:scene3d>
+    <dgm:sp3d/>
+    <dgm:txPr/>
+    <dgm:style>
+      <a:lnRef idx="2">
+        <a:scrgbClr r="0" g="0" b="0"/>
+      </a:lnRef>
+      <a:fillRef idx="1">
+        <a:scrgbClr r="0" g="0" b="0"/>
+      </a:fillRef>
+      <a:effectRef idx="0">
+        <a:scrgbClr r="0" g="0" b="0"/>
+      </a:effectRef>
+      <a:fontRef idx="minor"/>
+    </dgm:style>
+  </dgm:styleLbl>
+  <dgm:styleLbl name="sibTrans2D1">
+    <dgm:scene3d>
+      <a:camera prst="orthographicFront"/>
+      <a:lightRig rig="threePt" dir="t"/>
+    </dgm:scene3d>
+    <dgm:sp3d/>
+    <dgm:txPr/>
+    <dgm:style>
+      <a:lnRef idx="0">
+        <a:scrgbClr r="0" g="0" b="0"/>
+      </a:lnRef>
+      <a:fillRef idx="1">
+        <a:scrgbClr r="0" g="0" b="0"/>
+      </a:fillRef>
+      <a:effectRef idx="0">
+        <a:scrgbClr r="0" g="0" b="0"/>
+      </a:effectRef>
+      <a:fontRef idx="minor">
+        <a:schemeClr val="lt1"/>
+      </a:fontRef>
+    </dgm:style>
+  </dgm:styleLbl>
+  <dgm:styleLbl name="fgSibTrans2D1">
+    <dgm:scene3d>
+      <a:camera prst="orthographicFront"/>
+      <a:lightRig rig="threePt" dir="t"/>
+    </dgm:scene3d>
+    <dgm:sp3d/>
+    <dgm:txPr/>
+    <dgm:style>
+      <a:lnRef idx="0">
+        <a:scrgbClr r="0" g="0" b="0"/>
+      </a:lnRef>
+      <a:fillRef idx="1">
+        <a:scrgbClr r="0" g="0" b="0"/>
+      </a:fillRef>
+      <a:effectRef idx="0">
+        <a:scrgbClr r="0" g="0" b="0"/>
+      </a:effectRef>
+      <a:fontRef idx="minor">
+        <a:schemeClr val="lt1"/>
+      </a:fontRef>
+    </dgm:style>
+  </dgm:styleLbl>
+  <dgm:styleLbl name="bgSibTrans2D1">
+    <dgm:scene3d>
+      <a:camera prst="orthographicFront"/>
+      <a:lightRig rig="threePt" dir="t"/>
+    </dgm:scene3d>
+    <dgm:sp3d/>
+    <dgm:txPr/>
+    <dgm:style>
+      <a:lnRef idx="0">
+        <a:scrgbClr r="0" g="0" b="0"/>
+      </a:lnRef>
+      <a:fillRef idx="1">
+        <a:scrgbClr r="0" g="0" b="0"/>
+      </a:fillRef>
+      <a:effectRef idx="0">
+        <a:scrgbClr r="0" g="0" b="0"/>
+      </a:effectRef>
+      <a:fontRef idx="minor">
+        <a:schemeClr val="lt1"/>
+      </a:fontRef>
+    </dgm:style>
+  </dgm:styleLbl>
+  <dgm:styleLbl name="sibTrans1D1">
+    <dgm:scene3d>
+      <a:camera prst="orthographicFront"/>
+      <a:lightRig rig="threePt" dir="t"/>
+    </dgm:scene3d>
+    <dgm:sp3d/>
+    <dgm:txPr/>
+    <dgm:style>
+      <a:lnRef idx="1">
+        <a:scrgbClr r="0" g="0" b="0"/>
+      </a:lnRef>
+      <a:fillRef idx="0">
+        <a:scrgbClr r="0" g="0" b="0"/>
+      </a:fillRef>
+      <a:effectRef idx="0">
+        <a:scrgbClr r="0" g="0" b="0"/>
+      </a:effectRef>
+      <a:fontRef idx="minor"/>
+    </dgm:style>
+  </dgm:styleLbl>
+  <dgm:styleLbl name="callout">
+    <dgm:scene3d>
+      <a:camera prst="orthographicFront"/>
+      <a:lightRig rig="threePt" dir="t"/>
+    </dgm:scene3d>
+    <dgm:sp3d/>
+    <dgm:txPr/>
+    <dgm:style>
+      <a:lnRef idx="2">
+        <a:scrgbClr r="0" g="0" b="0"/>
+      </a:lnRef>
+      <a:fillRef idx="1">
+        <a:scrgbClr r="0" g="0" b="0"/>
+      </a:fillRef>
+      <a:effectRef idx="0">
+        <a:scrgbClr r="0" g="0" b="0"/>
+      </a:effectRef>
+      <a:fontRef idx="minor"/>
+    </dgm:style>
+  </dgm:styleLbl>
+  <dgm:styleLbl name="asst0">
+    <dgm:scene3d>
+      <a:camera prst="orthographicFront"/>
+      <a:lightRig rig="threePt" dir="t"/>
+    </dgm:scene3d>
+    <dgm:sp3d/>
+    <dgm:txPr/>
+    <dgm:style>
+      <a:lnRef idx="2">
+        <a:scrgbClr r="0" g="0" b="0"/>
+      </a:lnRef>
+      <a:fillRef idx="1">
+        <a:scrgbClr r="0" g="0" b="0"/>
+      </a:fillRef>
+      <a:effectRef idx="0">
+        <a:scrgbClr r="0" g="0" b="0"/>
+      </a:effectRef>
+      <a:fontRef idx="minor">
+        <a:schemeClr val="lt1"/>
+      </a:fontRef>
+    </dgm:style>
+  </dgm:styleLbl>
+  <dgm:styleLbl name="asst1">
+    <dgm:scene3d>
+      <a:camera prst="orthographicFront"/>
+      <a:lightRig rig="threePt" dir="t"/>
+    </dgm:scene3d>
+    <dgm:sp3d/>
+    <dgm:txPr/>
+    <dgm:style>
+      <a:lnRef idx="2">
+        <a:scrgbClr r="0" g="0" b="0"/>
+      </a:lnRef>
+      <a:fillRef idx="1">
+        <a:scrgbClr r="0" g="0" b="0"/>
+      </a:fillRef>
+      <a:effectRef idx="0">
+        <a:scrgbClr r="0" g="0" b="0"/>
+      </a:effectRef>
+      <a:fontRef idx="minor">
+        <a:schemeClr val="lt1"/>
+      </a:fontRef>
+    </dgm:style>
+  </dgm:styleLbl>
+  <dgm:styleLbl name="asst2">
+    <dgm:scene3d>
+      <a:camera prst="orthographicFront"/>
+      <a:lightRig rig="threePt" dir="t"/>
+    </dgm:scene3d>
+    <dgm:sp3d/>
+    <dgm:txPr/>
+    <dgm:style>
+      <a:lnRef idx="2">
+        <a:scrgbClr r="0" g="0" b="0"/>
+      </a:lnRef>
+      <a:fillRef idx="1">
+        <a:scrgbClr r="0" g="0" b="0"/>
+      </a:fillRef>
+      <a:effectRef idx="0">
+        <a:scrgbClr r="0" g="0" b="0"/>
+      </a:effectRef>
+      <a:fontRef idx="minor">
+        <a:schemeClr val="lt1"/>
+      </a:fontRef>
+    </dgm:style>
+  </dgm:styleLbl>
+  <dgm:styleLbl name="asst3">
+    <dgm:scene3d>
+      <a:camera prst="orthographicFront"/>
+      <a:lightRig rig="threePt" dir="t"/>
+    </dgm:scene3d>
+    <dgm:sp3d/>
+    <dgm:txPr/>
+    <dgm:style>
+      <a:lnRef idx="2">
+        <a:scrgbClr r="0" g="0" b="0"/>
+      </a:lnRef>
+      <a:fillRef idx="1">
+        <a:scrgbClr r="0" g="0" b="0"/>
+      </a:fillRef>
+      <a:effectRef idx="0">
+        <a:scrgbClr r="0" g="0" b="0"/>
+      </a:effectRef>
+      <a:fontRef idx="minor">
+        <a:schemeClr val="lt1"/>
+      </a:fontRef>
+    </dgm:style>
+  </dgm:styleLbl>
+  <dgm:styleLbl name="asst4">
+    <dgm:scene3d>
+      <a:camera prst="orthographicFront"/>
+      <a:lightRig rig="threePt" dir="t"/>
+    </dgm:scene3d>
+    <dgm:sp3d/>
+    <dgm:txPr/>
+    <dgm:style>
+      <a:lnRef idx="2">
+        <a:scrgbClr r="0" g="0" b="0"/>
+      </a:lnRef>
+      <a:fillRef idx="1">
+        <a:scrgbClr r="0" g="0" b="0"/>
+      </a:fillRef>
+      <a:effectRef idx="0">
+        <a:scrgbClr r="0" g="0" b="0"/>
+      </a:effectRef>
+      <a:fontRef idx="minor">
+        <a:schemeClr val="lt1"/>
+      </a:fontRef>
+    </dgm:style>
+  </dgm:styleLbl>
+  <dgm:styleLbl name="parChTrans2D1">
+    <dgm:scene3d>
+      <a:camera prst="orthographicFront"/>
+      <a:lightRig rig="threePt" dir="t"/>
+    </dgm:scene3d>
+    <dgm:sp3d/>
+    <dgm:txPr/>
+    <dgm:style>
+      <a:lnRef idx="2">
+        <a:scrgbClr r="0" g="0" b="0"/>
+      </a:lnRef>
+      <a:fillRef idx="1">
+        <a:scrgbClr r="0" g="0" b="0"/>
+      </a:fillRef>
+      <a:effectRef idx="0">
+        <a:scrgbClr r="0" g="0" b="0"/>
+      </a:effectRef>
+      <a:fontRef idx="minor">
+        <a:schemeClr val="lt1"/>
+      </a:fontRef>
+    </dgm:style>
+  </dgm:styleLbl>
+  <dgm:styleLbl name="parChTrans2D2">
+    <dgm:scene3d>
+      <a:camera prst="orthographicFront"/>
+      <a:lightRig rig="threePt" dir="t"/>
+    </dgm:scene3d>
+    <dgm:sp3d/>
+    <dgm:txPr/>
+    <dgm:style>
+      <a:lnRef idx="2">
+        <a:scrgbClr r="0" g="0" b="0"/>
+      </a:lnRef>
+      <a:fillRef idx="1">
+        <a:scrgbClr r="0" g="0" b="0"/>
+      </a:fillRef>
+      <a:effectRef idx="0">
+        <a:scrgbClr r="0" g="0" b="0"/>
+      </a:effectRef>
+      <a:fontRef idx="minor">
+        <a:schemeClr val="lt1"/>
+      </a:fontRef>
+    </dgm:style>
+  </dgm:styleLbl>
+  <dgm:styleLbl name="parChTrans2D3">
+    <dgm:scene3d>
+      <a:camera prst="orthographicFront"/>
+      <a:lightRig rig="threePt" dir="t"/>
+    </dgm:scene3d>
+    <dgm:sp3d/>
+    <dgm:txPr/>
+    <dgm:style>
+      <a:lnRef idx="2">
+        <a:scrgbClr r="0" g="0" b="0"/>
+      </a:lnRef>
+      <a:fillRef idx="1">
+        <a:scrgbClr r="0" g="0" b="0"/>
+      </a:fillRef>
+      <a:effectRef idx="0">
+        <a:scrgbClr r="0" g="0" b="0"/>
+      </a:effectRef>
+      <a:fontRef idx="minor">
+        <a:schemeClr val="lt1"/>
+      </a:fontRef>
+    </dgm:style>
+  </dgm:styleLbl>
+  <dgm:styleLbl name="parChTrans2D4">
+    <dgm:scene3d>
+      <a:camera prst="orthographicFront"/>
+      <a:lightRig rig="threePt" dir="t"/>
+    </dgm:scene3d>
+    <dgm:sp3d/>
+    <dgm:txPr/>
+    <dgm:style>
+      <a:lnRef idx="2">
+        <a:scrgbClr r="0" g="0" b="0"/>
+      </a:lnRef>
+      <a:fillRef idx="1">
+        <a:scrgbClr r="0" g="0" b="0"/>
+      </a:fillRef>
+      <a:effectRef idx="0">
+        <a:scrgbClr r="0" g="0" b="0"/>
+      </a:effectRef>
+      <a:fontRef idx="minor">
+        <a:schemeClr val="lt1"/>
+      </a:fontRef>
+    </dgm:style>
+  </dgm:styleLbl>
+  <dgm:styleLbl name="parChTrans1D1">
+    <dgm:scene3d>
+      <a:camera prst="orthographicFront"/>
+      <a:lightRig rig="threePt" dir="t"/>
+    </dgm:scene3d>
+    <dgm:sp3d/>
+    <dgm:txPr/>
+    <dgm:style>
+      <a:lnRef idx="2">
+        <a:scrgbClr r="0" g="0" b="0"/>
+      </a:lnRef>
+      <a:fillRef idx="0">
+        <a:scrgbClr r="0" g="0" b="0"/>
+      </a:fillRef>
+      <a:effectRef idx="0">
+        <a:scrgbClr r="0" g="0" b="0"/>
+      </a:effectRef>
+      <a:fontRef idx="minor"/>
+    </dgm:style>
+  </dgm:styleLbl>
+  <dgm:styleLbl name="parChTrans1D2">
+    <dgm:scene3d>
+      <a:camera prst="orthographicFront"/>
+      <a:lightRig rig="threePt" dir="t"/>
+    </dgm:scene3d>
+    <dgm:sp3d/>
+    <dgm:txPr/>
+    <dgm:style>
+      <a:lnRef idx="2">
+        <a:scrgbClr r="0" g="0" b="0"/>
+      </a:lnRef>
+      <a:fillRef idx="0">
+        <a:scrgbClr r="0" g="0" b="0"/>
+      </a:fillRef>
+      <a:effectRef idx="0">
+        <a:scrgbClr r="0" g="0" b="0"/>
+      </a:effectRef>
+      <a:fontRef idx="minor"/>
+    </dgm:style>
+  </dgm:styleLbl>
+  <dgm:styleLbl name="parChTrans1D3">
+    <dgm:scene3d>
+      <a:camera prst="orthographicFront"/>
+      <a:lightRig rig="threePt" dir="t"/>
+    </dgm:scene3d>
+    <dgm:sp3d/>
+    <dgm:txPr/>
+    <dgm:style>
+      <a:lnRef idx="2">
+        <a:scrgbClr r="0" g="0" b="0"/>
+      </a:lnRef>
+      <a:fillRef idx="0">
+        <a:scrgbClr r="0" g="0" b="0"/>
+      </a:fillRef>
+      <a:effectRef idx="0">
+        <a:scrgbClr r="0" g="0" b="0"/>
+      </a:effectRef>
+      <a:fontRef idx="minor"/>
+    </dgm:style>
+  </dgm:styleLbl>
+  <dgm:styleLbl name="parChTrans1D4">
+    <dgm:scene3d>
+      <a:camera prst="orthographicFront"/>
+      <a:lightRig rig="threePt" dir="t"/>
+    </dgm:scene3d>
+    <dgm:sp3d/>
+    <dgm:txPr/>
+    <dgm:style>
+      <a:lnRef idx="2">
+        <a:scrgbClr r="0" g="0" b="0"/>
+      </a:lnRef>
+      <a:fillRef idx="0">
+        <a:scrgbClr r="0" g="0" b="0"/>
+      </a:fillRef>
+      <a:effectRef idx="0">
+        <a:scrgbClr r="0" g="0" b="0"/>
+      </a:effectRef>
+      <a:fontRef idx="minor"/>
+    </dgm:style>
+  </dgm:styleLbl>
+  <dgm:styleLbl name="fgAcc1">
+    <dgm:scene3d>
+      <a:camera prst="orthographicFront"/>
+      <a:lightRig rig="threePt" dir="t"/>
+    </dgm:scene3d>
+    <dgm:sp3d/>
+    <dgm:txPr/>
+    <dgm:style>
+      <a:lnRef idx="2">
+        <a:scrgbClr r="0" g="0" b="0"/>
+      </a:lnRef>
+      <a:fillRef idx="1">
+        <a:scrgbClr r="0" g="0" b="0"/>
+      </a:fillRef>
+      <a:effectRef idx="0">
+        <a:scrgbClr r="0" g="0" b="0"/>
+      </a:effectRef>
+      <a:fontRef idx="minor"/>
+    </dgm:style>
+  </dgm:styleLbl>
+  <dgm:styleLbl name="conFgAcc1">
+    <dgm:scene3d>
+      <a:camera prst="orthographicFront"/>
+      <a:lightRig rig="threePt" dir="t"/>
+    </dgm:scene3d>
+    <dgm:sp3d/>
+    <dgm:txPr/>
+    <dgm:style>
+      <a:lnRef idx="2">
+        <a:scrgbClr r="0" g="0" b="0"/>
+      </a:lnRef>
+      <a:fillRef idx="1">
+        <a:scrgbClr r="0" g="0" b="0"/>
+      </a:fillRef>
+      <a:effectRef idx="0">
+        <a:scrgbClr r="0" g="0" b="0"/>
+      </a:effectRef>
+      <a:fontRef idx="minor"/>
+    </dgm:style>
+  </dgm:styleLbl>
+  <dgm:styleLbl name="alignAcc1">
+    <dgm:scene3d>
+      <a:camera prst="orthographicFront"/>
+      <a:lightRig rig="threePt" dir="t"/>
+    </dgm:scene3d>
+    <dgm:sp3d/>
+    <dgm:txPr/>
+    <dgm:style>
+      <a:lnRef idx="2">
+        <a:scrgbClr r="0" g="0" b="0"/>
+      </a:lnRef>
+      <a:fillRef idx="1">
+        <a:scrgbClr r="0" g="0" b="0"/>
+      </a:fillRef>
+      <a:effectRef idx="0">
+        <a:scrgbClr r="0" g="0" b="0"/>
+      </a:effectRef>
+      <a:fontRef idx="minor"/>
+    </dgm:style>
+  </dgm:styleLbl>
+  <dgm:styleLbl name="trAlignAcc1">
+    <dgm:scene3d>
+      <a:camera prst="orthographicFront"/>
+      <a:lightRig rig="threePt" dir="t"/>
+    </dgm:scene3d>
+    <dgm:sp3d/>
+    <dgm:txPr/>
+    <dgm:style>
+      <a:lnRef idx="1">
+        <a:scrgbClr r="0" g="0" b="0"/>
+      </a:lnRef>
+      <a:fillRef idx="1">
+        <a:scrgbClr r="0" g="0" b="0"/>
+      </a:fillRef>
+      <a:effectRef idx="0">
+        <a:scrgbClr r="0" g="0" b="0"/>
+      </a:effectRef>
+      <a:fontRef idx="minor"/>
+    </dgm:style>
+  </dgm:styleLbl>
+  <dgm:styleLbl name="bgAcc1">
+    <dgm:scene3d>
+      <a:camera prst="orthographicFront"/>
+      <a:lightRig rig="threePt" dir="t"/>
+    </dgm:scene3d>
+    <dgm:sp3d/>
+    <dgm:txPr/>
+    <dgm:style>
+      <a:lnRef idx="2">
+        <a:scrgbClr r="0" g="0" b="0"/>
+      </a:lnRef>
+      <a:fillRef idx="1">
+        <a:scrgbClr r="0" g="0" b="0"/>
+      </a:fillRef>
+      <a:effectRef idx="0">
+        <a:scrgbClr r="0" g="0" b="0"/>
+      </a:effectRef>
+      <a:fontRef idx="minor"/>
+    </dgm:style>
+  </dgm:styleLbl>
+  <dgm:styleLbl name="solidFgAcc1">
+    <dgm:scene3d>
+      <a:camera prst="orthographicFront"/>
+      <a:lightRig rig="threePt" dir="t"/>
+    </dgm:scene3d>
+    <dgm:sp3d/>
+    <dgm:txPr/>
+    <dgm:style>
+      <a:lnRef idx="2">
+        <a:scrgbClr r="0" g="0" b="0"/>
+      </a:lnRef>
+      <a:fillRef idx="1">
+        <a:scrgbClr r="0" g="0" b="0"/>
+      </a:fillRef>
+      <a:effectRef idx="0">
+        <a:scrgbClr r="0" g="0" b="0"/>
+      </a:effectRef>
+      <a:fontRef idx="minor"/>
+    </dgm:style>
+  </dgm:styleLbl>
+  <dgm:styleLbl name="solidAlignAcc1">
+    <dgm:scene3d>
+      <a:camera prst="orthographicFront"/>
+      <a:lightRig rig="threePt" dir="t"/>
+    </dgm:scene3d>
+    <dgm:sp3d/>
+    <dgm:txPr/>
+    <dgm:style>
+      <a:lnRef idx="2">
+        <a:scrgbClr r="0" g="0" b="0"/>
+      </a:lnRef>
+      <a:fillRef idx="1">
+        <a:scrgbClr r="0" g="0" b="0"/>
+      </a:fillRef>
+      <a:effectRef idx="0">
+        <a:scrgbClr r="0" g="0" b="0"/>
+      </a:effectRef>
+      <a:fontRef idx="minor"/>
+    </dgm:style>
+  </dgm:styleLbl>
+  <dgm:styleLbl name="solidBgAcc1">
+    <dgm:scene3d>
+      <a:camera prst="orthographicFront"/>
+      <a:lightRig rig="threePt" dir="t"/>
+    </dgm:scene3d>
+    <dgm:sp3d/>
+    <dgm:txPr/>
+    <dgm:style>
+      <a:lnRef idx="2">
+        <a:scrgbClr r="0" g="0" b="0"/>
+      </a:lnRef>
+      <a:fillRef idx="1">
+        <a:scrgbClr r="0" g="0" b="0"/>
+      </a:fillRef>
+      <a:effectRef idx="0">
+        <a:scrgbClr r="0" g="0" b="0"/>
+      </a:effectRef>
+      <a:fontRef idx="minor"/>
+    </dgm:style>
+  </dgm:styleLbl>
+  <dgm:styleLbl name="fgAccFollowNode1">
+    <dgm:scene3d>
+      <a:camera prst="orthographicFront"/>
+      <a:lightRig rig="threePt" dir="t"/>
+    </dgm:scene3d>
+    <dgm:sp3d/>
+    <dgm:txPr/>
+    <dgm:style>
+      <a:lnRef idx="2">
+        <a:scrgbClr r="0" g="0" b="0"/>
+      </a:lnRef>
+      <a:fillRef idx="1">
+        <a:scrgbClr r="0" g="0" b="0"/>
+      </a:fillRef>
+      <a:effectRef idx="0">
+        <a:scrgbClr r="0" g="0" b="0"/>
+      </a:effectRef>
+      <a:fontRef idx="minor"/>
+    </dgm:style>
+  </dgm:styleLbl>
+  <dgm:styleLbl name="alignAccFollowNode1">
+    <dgm:scene3d>
+      <a:camera prst="orthographicFront"/>
+      <a:lightRig rig="threePt" dir="t"/>
+    </dgm:scene3d>
+    <dgm:sp3d/>
+    <dgm:txPr/>
+    <dgm:style>
+      <a:lnRef idx="2">
+        <a:scrgbClr r="0" g="0" b="0"/>
+      </a:lnRef>
+      <a:fillRef idx="1">
+        <a:scrgbClr r="0" g="0" b="0"/>
+      </a:fillRef>
+      <a:effectRef idx="0">
+        <a:scrgbClr r="0" g="0" b="0"/>
+      </a:effectRef>
+      <a:fontRef idx="minor"/>
+    </dgm:style>
+  </dgm:styleLbl>
+  <dgm:styleLbl name="bgAccFollowNode1">
+    <dgm:scene3d>
+      <a:camera prst="orthographicFront"/>
+      <a:lightRig rig="threePt" dir="t"/>
+    </dgm:scene3d>
+    <dgm:sp3d/>
+    <dgm:txPr/>
+    <dgm:style>
+      <a:lnRef idx="2">
+        <a:scrgbClr r="0" g="0" b="0"/>
+      </a:lnRef>
+      <a:fillRef idx="1">
+        <a:scrgbClr r="0" g="0" b="0"/>
+      </a:fillRef>
+      <a:effectRef idx="0">
+        <a:scrgbClr r="0" g="0" b="0"/>
+      </a:effectRef>
+      <a:fontRef idx="minor"/>
+    </dgm:style>
+  </dgm:styleLbl>
+  <dgm:styleLbl name="fgAcc0">
+    <dgm:scene3d>
+      <a:camera prst="orthographicFront"/>
+      <a:lightRig rig="threePt" dir="t"/>
+    </dgm:scene3d>
+    <dgm:sp3d/>
+    <dgm:txPr/>
+    <dgm:style>
+      <a:lnRef idx="2">
+        <a:scrgbClr r="0" g="0" b="0"/>
+      </a:lnRef>
+      <a:fillRef idx="1">
+        <a:scrgbClr r="0" g="0" b="0"/>
+      </a:fillRef>
+      <a:effectRef idx="0">
+        <a:scrgbClr r="0" g="0" b="0"/>
+      </a:effectRef>
+      <a:fontRef idx="minor"/>
+    </dgm:style>
+  </dgm:styleLbl>
+  <dgm:styleLbl name="fgAcc2">
+    <dgm:scene3d>
+      <a:camera prst="orthographicFront"/>
+      <a:lightRig rig="threePt" dir="t"/>
+    </dgm:scene3d>
+    <dgm:sp3d/>
+    <dgm:txPr/>
+    <dgm:style>
+      <a:lnRef idx="2">
+        <a:scrgbClr r="0" g="0" b="0"/>
+      </a:lnRef>
+      <a:fillRef idx="1">
+        <a:scrgbClr r="0" g="0" b="0"/>
+      </a:fillRef>
+      <a:effectRef idx="0">
+        <a:scrgbClr r="0" g="0" b="0"/>
+      </a:effectRef>
+      <a:fontRef idx="minor"/>
+    </dgm:style>
+  </dgm:styleLbl>
+  <dgm:styleLbl name="fgAcc3">
+    <dgm:scene3d>
+      <a:camera prst="orthographicFront"/>
+      <a:lightRig rig="threePt" dir="t"/>
+    </dgm:scene3d>
+    <dgm:sp3d/>
+    <dgm:txPr/>
+    <dgm:style>
+      <a:lnRef idx="2">
+        <a:scrgbClr r="0" g="0" b="0"/>
+      </a:lnRef>
+      <a:fillRef idx="1">
+        <a:scrgbClr r="0" g="0" b="0"/>
+      </a:fillRef>
+      <a:effectRef idx="0">
+        <a:scrgbClr r="0" g="0" b="0"/>
+      </a:effectRef>
+      <a:fontRef idx="minor"/>
+    </dgm:style>
+  </dgm:styleLbl>
+  <dgm:styleLbl name="fgAcc4">
+    <dgm:scene3d>
+      <a:camera prst="orthographicFront"/>
+      <a:lightRig rig="threePt" dir="t"/>
+    </dgm:scene3d>
+    <dgm:sp3d/>
+    <dgm:txPr/>
+    <dgm:style>
+      <a:lnRef idx="2">
+        <a:scrgbClr r="0" g="0" b="0"/>
+      </a:lnRef>
+      <a:fillRef idx="1">
+        <a:scrgbClr r="0" g="0" b="0"/>
+      </a:fillRef>
+      <a:effectRef idx="0">
+        <a:scrgbClr r="0" g="0" b="0"/>
+      </a:effectRef>
+      <a:fontRef idx="minor"/>
+    </dgm:style>
+  </dgm:styleLbl>
+  <dgm:styleLbl name="bgShp">
+    <dgm:scene3d>
+      <a:camera prst="orthographicFront"/>
+      <a:lightRig rig="threePt" dir="t"/>
+    </dgm:scene3d>
+    <dgm:sp3d/>
+    <dgm:txPr/>
+    <dgm:style>
+      <a:lnRef idx="0">
+        <a:scrgbClr r="0" g="0" b="0"/>
+      </a:lnRef>
+      <a:fillRef idx="1">
+        <a:scrgbClr r="0" g="0" b="0"/>
+      </a:fillRef>
+      <a:effectRef idx="0">
+        <a:scrgbClr r="0" g="0" b="0"/>
+      </a:effectRef>
+      <a:fontRef idx="minor"/>
+    </dgm:style>
+  </dgm:styleLbl>
+  <dgm:styleLbl name="dkBgShp">
+    <dgm:scene3d>
+      <a:camera prst="orthographicFront"/>
+      <a:lightRig rig="threePt" dir="t"/>
+    </dgm:scene3d>
+    <dgm:sp3d/>
+    <dgm:txPr/>
+    <dgm:style>
+      <a:lnRef idx="0">
+        <a:scrgbClr r="0" g="0" b="0"/>
+      </a:lnRef>
+      <a:fillRef idx="1">
+        <a:scrgbClr r="0" g="0" b="0"/>
+      </a:fillRef>
+      <a:effectRef idx="0">
+        <a:scrgbClr r="0" g="0" b="0"/>
+      </a:effectRef>
+      <a:fontRef idx="minor"/>
+    </dgm:style>
+  </dgm:styleLbl>
+  <dgm:styleLbl name="trBgShp">
+    <dgm:scene3d>
+      <a:camera prst="orthographicFront"/>
+      <a:lightRig rig="threePt" dir="t"/>
+    </dgm:scene3d>
+    <dgm:sp3d/>
+    <dgm:txPr/>
+    <dgm:style>
+      <a:lnRef idx="0">
+        <a:scrgbClr r="0" g="0" b="0"/>
+      </a:lnRef>
+      <a:fillRef idx="1">
+        <a:scrgbClr r="0" g="0" b="0"/>
+      </a:fillRef>
+      <a:effectRef idx="0">
+        <a:scrgbClr r="0" g="0" b="0"/>
+      </a:effectRef>
+      <a:fontRef idx="minor"/>
+    </dgm:style>
+  </dgm:styleLbl>
+  <dgm:styleLbl name="fgShp">
+    <dgm:scene3d>
+      <a:camera prst="orthographicFront"/>
+      <a:lightRig rig="threePt" dir="t"/>
+    </dgm:scene3d>
+    <dgm:sp3d/>
+    <dgm:txPr/>
+    <dgm:style>
+      <a:lnRef idx="2">
+        <a:scrgbClr r="0" g="0" b="0"/>
+      </a:lnRef>
+      <a:fillRef idx="1">
+        <a:scrgbClr r="0" g="0" b="0"/>
+      </a:fillRef>
+      <a:effectRef idx="0">
+        <a:scrgbClr r="0" g="0" b="0"/>
+      </a:effectRef>
+      <a:fontRef idx="minor"/>
+    </dgm:style>
+  </dgm:styleLbl>
+  <dgm:styleLbl name="revTx">
+    <dgm:scene3d>
+      <a:camera prst="orthographicFront"/>
+      <a:lightRig rig="threePt" dir="t"/>
+    </dgm:scene3d>
+    <dgm:sp3d/>
+    <dgm:txPr/>
+    <dgm:style>
+      <a:lnRef idx="0">
+        <a:scrgbClr r="0" g="0" b="0"/>
+      </a:lnRef>
+      <a:fillRef idx="0">
+        <a:scrgbClr r="0" g="0" b="0"/>
+      </a:fillRef>
+      <a:effectRef idx="0">
+        <a:scrgbClr r="0" g="0" b="0"/>
+      </a:effectRef>
+      <a:fontRef idx="minor"/>
+    </dgm:style>
+  </dgm:styleLbl>
+</dgm:styleDef>
+</file>
+
 <file path=ppt/slideLayouts/slideLayout1.xml><?xml version="1.0" encoding="utf-8"?>
-<p:sldLayout xmlns:a="http://schemas.openxmlformats.org/drawingml/2006/main" xmlns:r="http://schemas.openxmlformats.org/officeDocument/2006/relationships" xmlns:p="http://schemas.openxmlformats.org/presentationml/2006/main" type="title" preserve="1">
+<p:sldLayout xmlns:a="http://schemas.openxmlformats.org/drawingml/2006/main" xmlns:r="http://schemas.openxmlformats.org/officeDocument/2006/relationships" xmlns:p="http://schemas.openxmlformats.org/presentationml/2006/main" showMasterSp="0" type="title" preserve="1">
   <p:cSld name="Title Slide">
     <p:spTree>
       <p:nvGrpSpPr>
@@ -126,10 +2983,62 @@
       </p:grpSpPr>
       <p:sp>
         <p:nvSpPr>
+          <p:cNvPr id="14" name="Rectangle 13">
+            <a:extLst>
+              <a:ext uri="{FF2B5EF4-FFF2-40B4-BE49-F238E27FC236}">
+                <a16:creationId xmlns:a16="http://schemas.microsoft.com/office/drawing/2014/main" id="{9D3B3C7E-BC2D-4436-8B03-AC421FA66787}"/>
+              </a:ext>
+            </a:extLst>
+          </p:cNvPr>
+          <p:cNvSpPr/>
+          <p:nvPr/>
+        </p:nvSpPr>
+        <p:spPr>
+          <a:xfrm>
+            <a:off x="160920" y="157606"/>
+            <a:ext cx="11870161" cy="6542788"/>
+          </a:xfrm>
+          <a:prstGeom prst="rect">
+            <a:avLst/>
+          </a:prstGeom>
+          <a:solidFill>
+            <a:schemeClr val="bg2"/>
+          </a:solidFill>
+          <a:ln>
+            <a:noFill/>
+          </a:ln>
+        </p:spPr>
+        <p:style>
+          <a:lnRef idx="2">
+            <a:schemeClr val="accent1">
+              <a:shade val="50000"/>
+            </a:schemeClr>
+          </a:lnRef>
+          <a:fillRef idx="1">
+            <a:schemeClr val="accent1"/>
+          </a:fillRef>
+          <a:effectRef idx="0">
+            <a:schemeClr val="accent1"/>
+          </a:effectRef>
+          <a:fontRef idx="minor">
+            <a:schemeClr val="lt1"/>
+          </a:fontRef>
+        </p:style>
+        <p:txBody>
+          <a:bodyPr rtlCol="0" anchor="ctr"/>
+          <a:lstStyle/>
+          <a:p>
+            <a:pPr algn="ctr"/>
+            <a:endParaRPr lang="en-US"/>
+          </a:p>
+        </p:txBody>
+      </p:sp>
+      <p:sp>
+        <p:nvSpPr>
           <p:cNvPr id="2" name="Title 1">
             <a:extLst>
               <a:ext uri="{FF2B5EF4-FFF2-40B4-BE49-F238E27FC236}">
-                <a16:creationId xmlns:a16="http://schemas.microsoft.com/office/drawing/2014/main" id="{274DE72A-33E5-0C8F-5BB9-967D1C4ED0AE}"/>
+                <a16:creationId xmlns:a16="http://schemas.microsoft.com/office/drawing/2014/main" id="{0B66887E-4265-46F7-9DE0-605FFFC90761}"/>
               </a:ext>
             </a:extLst>
           </p:cNvPr>
@@ -137,28 +3046,32 @@
             <a:spLocks noGrp="1"/>
           </p:cNvSpPr>
           <p:nvPr>
-            <p:ph type="ctrTitle"/>
+            <p:ph type="ctrTitle" hasCustomPrompt="1"/>
           </p:nvPr>
         </p:nvSpPr>
         <p:spPr>
           <a:xfrm>
-            <a:off x="1524000" y="1122363"/>
-            <a:ext cx="9144000" cy="2387600"/>
+            <a:off x="2035130" y="1066800"/>
+            <a:ext cx="8112369" cy="2073119"/>
           </a:xfrm>
         </p:spPr>
         <p:txBody>
-          <a:bodyPr anchor="b"/>
+          <a:bodyPr anchor="b">
+            <a:normAutofit/>
+          </a:bodyPr>
           <a:lstStyle>
             <a:lvl1pPr algn="ctr">
-              <a:defRPr sz="6000"/>
+              <a:lnSpc>
+                <a:spcPct val="110000"/>
+              </a:lnSpc>
+              <a:defRPr sz="2800" cap="all" spc="390" baseline="0"/>
             </a:lvl1pPr>
           </a:lstStyle>
           <a:p>
             <a:r>
-              <a:rPr lang="en-US"/>
-              <a:t>Click to edit Master title style</a:t>
+              <a:rPr lang="en-US" dirty="0"/>
+              <a:t>CLICK TO EDIT MASTER TITLE STYLE</a:t>
             </a:r>
-            <a:endParaRPr lang="en-GB"/>
           </a:p>
         </p:txBody>
       </p:sp>
@@ -167,7 +3080,7 @@
           <p:cNvPr id="3" name="Subtitle 2">
             <a:extLst>
               <a:ext uri="{FF2B5EF4-FFF2-40B4-BE49-F238E27FC236}">
-                <a16:creationId xmlns:a16="http://schemas.microsoft.com/office/drawing/2014/main" id="{752BFD13-0191-354A-BB85-9CB581E9B06B}"/>
+                <a16:creationId xmlns:a16="http://schemas.microsoft.com/office/drawing/2014/main" id="{7EDB1A74-54F5-45CA-8922-87FFD57515D4}"/>
               </a:ext>
             </a:extLst>
           </p:cNvPr>
@@ -180,16 +3093,21 @@
         </p:nvSpPr>
         <p:spPr>
           <a:xfrm>
-            <a:off x="1524000" y="3602038"/>
-            <a:ext cx="9144000" cy="1655762"/>
+            <a:off x="2175804" y="4876802"/>
+            <a:ext cx="7821637" cy="1028697"/>
           </a:xfrm>
         </p:spPr>
         <p:txBody>
-          <a:bodyPr/>
+          <a:bodyPr>
+            <a:normAutofit/>
+          </a:bodyPr>
           <a:lstStyle>
             <a:lvl1pPr marL="0" indent="0" algn="ctr">
+              <a:lnSpc>
+                <a:spcPct val="100000"/>
+              </a:lnSpc>
               <a:buNone/>
-              <a:defRPr sz="2400"/>
+              <a:defRPr sz="2000"/>
             </a:lvl1pPr>
             <a:lvl2pPr marL="457200" indent="0" algn="ctr">
               <a:buNone/>
@@ -226,10 +3144,9 @@
           </a:lstStyle>
           <a:p>
             <a:r>
-              <a:rPr lang="en-US"/>
+              <a:rPr lang="en-US" dirty="0"/>
               <a:t>Click to edit Master subtitle style</a:t>
             </a:r>
-            <a:endParaRPr lang="en-GB"/>
           </a:p>
         </p:txBody>
       </p:sp>
@@ -238,7 +3155,7 @@
           <p:cNvPr id="4" name="Date Placeholder 3">
             <a:extLst>
               <a:ext uri="{FF2B5EF4-FFF2-40B4-BE49-F238E27FC236}">
-                <a16:creationId xmlns:a16="http://schemas.microsoft.com/office/drawing/2014/main" id="{C94943D0-35FF-A98B-274A-76B43653905F}"/>
+                <a16:creationId xmlns:a16="http://schemas.microsoft.com/office/drawing/2014/main" id="{0B6BE6EF-9D0F-4ABF-B92C-E967FE3F16CF}"/>
               </a:ext>
             </a:extLst>
           </p:cNvPr>
@@ -254,11 +3171,11 @@
           <a:bodyPr/>
           <a:lstStyle/>
           <a:p>
-            <a:fld id="{54AEDE93-27E8-4F67-BEC4-6A48DA4EFD4A}" type="datetimeFigureOut">
-              <a:rPr lang="en-GB" smtClean="0"/>
-              <a:t>25/08/2024</a:t>
+            <a:fld id="{C485584D-7D79-4248-9986-4CA35242F944}" type="datetimeFigureOut">
+              <a:rPr lang="en-US" smtClean="0"/>
+              <a:t>8/25/2024</a:t>
             </a:fld>
-            <a:endParaRPr lang="en-GB"/>
+            <a:endParaRPr lang="en-US"/>
           </a:p>
         </p:txBody>
       </p:sp>
@@ -267,7 +3184,7 @@
           <p:cNvPr id="5" name="Footer Placeholder 4">
             <a:extLst>
               <a:ext uri="{FF2B5EF4-FFF2-40B4-BE49-F238E27FC236}">
-                <a16:creationId xmlns:a16="http://schemas.microsoft.com/office/drawing/2014/main" id="{47B082DD-45CB-C8CE-4674-7F2281E1D589}"/>
+                <a16:creationId xmlns:a16="http://schemas.microsoft.com/office/drawing/2014/main" id="{4E4AB150-954C-4F02-89AC-DA7163D75C39}"/>
               </a:ext>
             </a:extLst>
           </p:cNvPr>
@@ -278,12 +3195,17 @@
             <p:ph type="ftr" sz="quarter" idx="11"/>
           </p:nvPr>
         </p:nvSpPr>
-        <p:spPr/>
+        <p:spPr>
+          <a:xfrm>
+            <a:off x="7279965" y="6245352"/>
+            <a:ext cx="4114800" cy="365125"/>
+          </a:xfrm>
+        </p:spPr>
         <p:txBody>
           <a:bodyPr/>
           <a:lstStyle/>
           <a:p>
-            <a:endParaRPr lang="en-GB"/>
+            <a:endParaRPr lang="en-US"/>
           </a:p>
         </p:txBody>
       </p:sp>
@@ -292,7 +3214,7 @@
           <p:cNvPr id="6" name="Slide Number Placeholder 5">
             <a:extLst>
               <a:ext uri="{FF2B5EF4-FFF2-40B4-BE49-F238E27FC236}">
-                <a16:creationId xmlns:a16="http://schemas.microsoft.com/office/drawing/2014/main" id="{35007790-2100-41E6-F7E7-0279F245C5A4}"/>
+                <a16:creationId xmlns:a16="http://schemas.microsoft.com/office/drawing/2014/main" id="{E8E16270-CBD7-4ACC-BFC5-9CADE7226688}"/>
               </a:ext>
             </a:extLst>
           </p:cNvPr>
@@ -308,18 +3230,184 @@
           <a:bodyPr/>
           <a:lstStyle/>
           <a:p>
-            <a:fld id="{F4FA94F1-619B-4F15-94E7-14196A3A9A0B}" type="slidenum">
-              <a:rPr lang="en-GB" smtClean="0"/>
+            <a:fld id="{19590046-DA73-4BBF-84B5-C08E6F75191A}" type="slidenum">
+              <a:rPr lang="en-US" smtClean="0"/>
               <a:t>‹#›</a:t>
             </a:fld>
-            <a:endParaRPr lang="en-GB"/>
+            <a:endParaRPr lang="en-US"/>
           </a:p>
         </p:txBody>
       </p:sp>
+      <p:grpSp>
+        <p:nvGrpSpPr>
+          <p:cNvPr id="7" name="Group 6">
+            <a:extLst>
+              <a:ext uri="{FF2B5EF4-FFF2-40B4-BE49-F238E27FC236}">
+                <a16:creationId xmlns:a16="http://schemas.microsoft.com/office/drawing/2014/main" id="{79B5D0C1-066E-4C02-A6B8-59FAE4A19724}"/>
+              </a:ext>
+            </a:extLst>
+          </p:cNvPr>
+          <p:cNvGrpSpPr/>
+          <p:nvPr/>
+        </p:nvGrpSpPr>
+        <p:grpSpPr>
+          <a:xfrm>
+            <a:off x="5662258" y="4240546"/>
+            <a:ext cx="867485" cy="115439"/>
+            <a:chOff x="8910933" y="1861308"/>
+            <a:chExt cx="867485" cy="115439"/>
+          </a:xfrm>
+        </p:grpSpPr>
+        <p:sp>
+          <p:nvSpPr>
+            <p:cNvPr id="8" name="Rectangle 7">
+              <a:extLst>
+                <a:ext uri="{FF2B5EF4-FFF2-40B4-BE49-F238E27FC236}">
+                  <a16:creationId xmlns:a16="http://schemas.microsoft.com/office/drawing/2014/main" id="{D4386904-AFDC-449E-8D1B-906B305EBDA7}"/>
+                </a:ext>
+              </a:extLst>
+            </p:cNvPr>
+            <p:cNvSpPr/>
+            <p:nvPr/>
+          </p:nvSpPr>
+          <p:spPr>
+            <a:xfrm rot="18964825" flipH="1">
+              <a:off x="9286956" y="1861308"/>
+              <a:ext cx="115439" cy="115439"/>
+            </a:xfrm>
+            <a:prstGeom prst="rect">
+              <a:avLst/>
+            </a:prstGeom>
+            <a:noFill/>
+            <a:ln w="15875">
+              <a:solidFill>
+                <a:schemeClr val="tx2"/>
+              </a:solidFill>
+            </a:ln>
+          </p:spPr>
+          <p:style>
+            <a:lnRef idx="2">
+              <a:schemeClr val="accent1">
+                <a:shade val="50000"/>
+              </a:schemeClr>
+            </a:lnRef>
+            <a:fillRef idx="1">
+              <a:schemeClr val="accent1"/>
+            </a:fillRef>
+            <a:effectRef idx="0">
+              <a:schemeClr val="accent1"/>
+            </a:effectRef>
+            <a:fontRef idx="minor">
+              <a:schemeClr val="lt1"/>
+            </a:fontRef>
+          </p:style>
+          <p:txBody>
+            <a:bodyPr rtlCol="0" anchor="ctr"/>
+            <a:lstStyle/>
+            <a:p>
+              <a:pPr algn="ctr"/>
+              <a:endParaRPr lang="en-US">
+                <a:solidFill>
+                  <a:schemeClr val="bg1"/>
+                </a:solidFill>
+                <a:effectLst>
+                  <a:outerShdw blurRad="38100" dist="38100" dir="2700000" algn="tl">
+                    <a:srgbClr val="000000">
+                      <a:alpha val="43137"/>
+                    </a:srgbClr>
+                  </a:outerShdw>
+                </a:effectLst>
+              </a:endParaRPr>
+            </a:p>
+          </p:txBody>
+        </p:sp>
+        <p:cxnSp>
+          <p:nvCxnSpPr>
+            <p:cNvPr id="9" name="Straight Connector 8">
+              <a:extLst>
+                <a:ext uri="{FF2B5EF4-FFF2-40B4-BE49-F238E27FC236}">
+                  <a16:creationId xmlns:a16="http://schemas.microsoft.com/office/drawing/2014/main" id="{F70778F2-11E8-428C-8324-479CA9D6FE92}"/>
+                </a:ext>
+              </a:extLst>
+            </p:cNvPr>
+            <p:cNvCxnSpPr/>
+            <p:nvPr/>
+          </p:nvCxnSpPr>
+          <p:spPr>
+            <a:xfrm>
+              <a:off x="9426289" y="1919027"/>
+              <a:ext cx="352129" cy="0"/>
+            </a:xfrm>
+            <a:prstGeom prst="line">
+              <a:avLst/>
+            </a:prstGeom>
+            <a:ln w="15875">
+              <a:solidFill>
+                <a:schemeClr val="tx2"/>
+              </a:solidFill>
+            </a:ln>
+          </p:spPr>
+          <p:style>
+            <a:lnRef idx="1">
+              <a:schemeClr val="accent1"/>
+            </a:lnRef>
+            <a:fillRef idx="0">
+              <a:schemeClr val="accent1"/>
+            </a:fillRef>
+            <a:effectRef idx="0">
+              <a:schemeClr val="accent1"/>
+            </a:effectRef>
+            <a:fontRef idx="minor">
+              <a:schemeClr val="tx1"/>
+            </a:fontRef>
+          </p:style>
+        </p:cxnSp>
+        <p:cxnSp>
+          <p:nvCxnSpPr>
+            <p:cNvPr id="10" name="Straight Connector 9">
+              <a:extLst>
+                <a:ext uri="{FF2B5EF4-FFF2-40B4-BE49-F238E27FC236}">
+                  <a16:creationId xmlns:a16="http://schemas.microsoft.com/office/drawing/2014/main" id="{4A0BE89E-CB2D-48BA-A8D2-533FAAAA725F}"/>
+                </a:ext>
+              </a:extLst>
+            </p:cNvPr>
+            <p:cNvCxnSpPr/>
+            <p:nvPr/>
+          </p:nvCxnSpPr>
+          <p:spPr>
+            <a:xfrm>
+              <a:off x="8910933" y="1919027"/>
+              <a:ext cx="352129" cy="0"/>
+            </a:xfrm>
+            <a:prstGeom prst="line">
+              <a:avLst/>
+            </a:prstGeom>
+            <a:ln w="15875">
+              <a:solidFill>
+                <a:schemeClr val="tx2"/>
+              </a:solidFill>
+            </a:ln>
+          </p:spPr>
+          <p:style>
+            <a:lnRef idx="1">
+              <a:schemeClr val="accent1"/>
+            </a:lnRef>
+            <a:fillRef idx="0">
+              <a:schemeClr val="accent1"/>
+            </a:fillRef>
+            <a:effectRef idx="0">
+              <a:schemeClr val="accent1"/>
+            </a:effectRef>
+            <a:fontRef idx="minor">
+              <a:schemeClr val="tx1"/>
+            </a:fontRef>
+          </p:style>
+        </p:cxnSp>
+      </p:grpSp>
     </p:spTree>
     <p:extLst>
       <p:ext uri="{BB962C8B-B14F-4D97-AF65-F5344CB8AC3E}">
-        <p14:creationId xmlns:p14="http://schemas.microsoft.com/office/powerpoint/2010/main" val="3723137067"/>
+        <p14:creationId xmlns:p14="http://schemas.microsoft.com/office/powerpoint/2010/main" val="3220419535"/>
       </p:ext>
     </p:extLst>
   </p:cSld>
@@ -351,7 +3439,7 @@
           <p:cNvPr id="2" name="Title 1">
             <a:extLst>
               <a:ext uri="{FF2B5EF4-FFF2-40B4-BE49-F238E27FC236}">
-                <a16:creationId xmlns:a16="http://schemas.microsoft.com/office/drawing/2014/main" id="{4BC8FC8A-D21C-ABDB-F189-B8AB2DEF1C12}"/>
+                <a16:creationId xmlns:a16="http://schemas.microsoft.com/office/drawing/2014/main" id="{05DB1126-542A-43AD-8078-EE3565165448}"/>
               </a:ext>
             </a:extLst>
           </p:cNvPr>
@@ -371,7 +3459,6 @@
               <a:rPr lang="en-US"/>
               <a:t>Click to edit Master title style</a:t>
             </a:r>
-            <a:endParaRPr lang="en-GB"/>
           </a:p>
         </p:txBody>
       </p:sp>
@@ -380,7 +3467,7 @@
           <p:cNvPr id="3" name="Vertical Text Placeholder 2">
             <a:extLst>
               <a:ext uri="{FF2B5EF4-FFF2-40B4-BE49-F238E27FC236}">
-                <a16:creationId xmlns:a16="http://schemas.microsoft.com/office/drawing/2014/main" id="{0069537D-223C-2848-36D0-F18B6EDBD22E}"/>
+                <a16:creationId xmlns:a16="http://schemas.microsoft.com/office/drawing/2014/main" id="{A4A5F98B-5F32-4561-BFBC-9F6E5DA0A347}"/>
               </a:ext>
             </a:extLst>
           </p:cNvPr>
@@ -391,7 +3478,12 @@
             <p:ph type="body" orient="vert" idx="1"/>
           </p:nvPr>
         </p:nvSpPr>
-        <p:spPr/>
+        <p:spPr>
+          <a:xfrm>
+            <a:off x="1028700" y="2161903"/>
+            <a:ext cx="10134600" cy="3743597"/>
+          </a:xfrm>
+        </p:spPr>
         <p:txBody>
           <a:bodyPr vert="eaVert"/>
           <a:lstStyle/>
@@ -429,7 +3521,6 @@
               <a:rPr lang="en-US"/>
               <a:t>Fifth level</a:t>
             </a:r>
-            <a:endParaRPr lang="en-GB"/>
           </a:p>
         </p:txBody>
       </p:sp>
@@ -438,7 +3529,7 @@
           <p:cNvPr id="4" name="Date Placeholder 3">
             <a:extLst>
               <a:ext uri="{FF2B5EF4-FFF2-40B4-BE49-F238E27FC236}">
-                <a16:creationId xmlns:a16="http://schemas.microsoft.com/office/drawing/2014/main" id="{072430CD-9AF8-82E3-6E26-AEE455D9B25C}"/>
+                <a16:creationId xmlns:a16="http://schemas.microsoft.com/office/drawing/2014/main" id="{F773D0DD-B04E-4E48-8EE1-51E46131A9A2}"/>
               </a:ext>
             </a:extLst>
           </p:cNvPr>
@@ -454,11 +3545,11 @@
           <a:bodyPr/>
           <a:lstStyle/>
           <a:p>
-            <a:fld id="{54AEDE93-27E8-4F67-BEC4-6A48DA4EFD4A}" type="datetimeFigureOut">
-              <a:rPr lang="en-GB" smtClean="0"/>
-              <a:t>25/08/2024</a:t>
+            <a:fld id="{C485584D-7D79-4248-9986-4CA35242F944}" type="datetimeFigureOut">
+              <a:rPr lang="en-US" smtClean="0"/>
+              <a:t>8/25/2024</a:t>
             </a:fld>
-            <a:endParaRPr lang="en-GB"/>
+            <a:endParaRPr lang="en-US"/>
           </a:p>
         </p:txBody>
       </p:sp>
@@ -467,7 +3558,7 @@
           <p:cNvPr id="5" name="Footer Placeholder 4">
             <a:extLst>
               <a:ext uri="{FF2B5EF4-FFF2-40B4-BE49-F238E27FC236}">
-                <a16:creationId xmlns:a16="http://schemas.microsoft.com/office/drawing/2014/main" id="{91259B7A-C374-DCCD-ACA8-E7C7B8FAADED}"/>
+                <a16:creationId xmlns:a16="http://schemas.microsoft.com/office/drawing/2014/main" id="{0481352D-F9C0-4442-9601-A09A7655E685}"/>
               </a:ext>
             </a:extLst>
           </p:cNvPr>
@@ -483,7 +3574,7 @@
           <a:bodyPr/>
           <a:lstStyle/>
           <a:p>
-            <a:endParaRPr lang="en-GB"/>
+            <a:endParaRPr lang="en-US"/>
           </a:p>
         </p:txBody>
       </p:sp>
@@ -492,7 +3583,7 @@
           <p:cNvPr id="6" name="Slide Number Placeholder 5">
             <a:extLst>
               <a:ext uri="{FF2B5EF4-FFF2-40B4-BE49-F238E27FC236}">
-                <a16:creationId xmlns:a16="http://schemas.microsoft.com/office/drawing/2014/main" id="{885262E0-BA72-DB64-5304-5847C1B331CC}"/>
+                <a16:creationId xmlns:a16="http://schemas.microsoft.com/office/drawing/2014/main" id="{69FC0801-9C45-40AE-AB33-5742CDA4DAC7}"/>
               </a:ext>
             </a:extLst>
           </p:cNvPr>
@@ -508,18 +3599,18 @@
           <a:bodyPr/>
           <a:lstStyle/>
           <a:p>
-            <a:fld id="{F4FA94F1-619B-4F15-94E7-14196A3A9A0B}" type="slidenum">
-              <a:rPr lang="en-GB" smtClean="0"/>
+            <a:fld id="{19590046-DA73-4BBF-84B5-C08E6F75191A}" type="slidenum">
+              <a:rPr lang="en-US" smtClean="0"/>
               <a:t>‹#›</a:t>
             </a:fld>
-            <a:endParaRPr lang="en-GB"/>
+            <a:endParaRPr lang="en-US"/>
           </a:p>
         </p:txBody>
       </p:sp>
     </p:spTree>
     <p:extLst>
       <p:ext uri="{BB962C8B-B14F-4D97-AF65-F5344CB8AC3E}">
-        <p14:creationId xmlns:p14="http://schemas.microsoft.com/office/powerpoint/2010/main" val="4265957415"/>
+        <p14:creationId xmlns:p14="http://schemas.microsoft.com/office/powerpoint/2010/main" val="1797238441"/>
       </p:ext>
     </p:extLst>
   </p:cSld>
@@ -551,7 +3642,7 @@
           <p:cNvPr id="2" name="Vertical Title 1">
             <a:extLst>
               <a:ext uri="{FF2B5EF4-FFF2-40B4-BE49-F238E27FC236}">
-                <a16:creationId xmlns:a16="http://schemas.microsoft.com/office/drawing/2014/main" id="{779403C8-95D6-4E2D-9C38-E2AA1AC7D971}"/>
+                <a16:creationId xmlns:a16="http://schemas.microsoft.com/office/drawing/2014/main" id="{4E946561-59BF-4566-AD2C-9B05C4771DF4}"/>
               </a:ext>
             </a:extLst>
           </p:cNvPr>
@@ -564,8 +3655,8 @@
         </p:nvSpPr>
         <p:spPr>
           <a:xfrm>
-            <a:off x="8724900" y="365125"/>
-            <a:ext cx="2628900" cy="5811838"/>
+            <a:off x="9196250" y="723899"/>
+            <a:ext cx="2271849" cy="5410201"/>
           </a:xfrm>
         </p:spPr>
         <p:txBody>
@@ -576,7 +3667,7 @@
               <a:rPr lang="en-US"/>
               <a:t>Click to edit Master title style</a:t>
             </a:r>
-            <a:endParaRPr lang="en-GB"/>
+            <a:endParaRPr lang="en-US" dirty="0"/>
           </a:p>
         </p:txBody>
       </p:sp>
@@ -585,7 +3676,7 @@
           <p:cNvPr id="3" name="Vertical Text Placeholder 2">
             <a:extLst>
               <a:ext uri="{FF2B5EF4-FFF2-40B4-BE49-F238E27FC236}">
-                <a16:creationId xmlns:a16="http://schemas.microsoft.com/office/drawing/2014/main" id="{BCDD956F-F204-C21A-FBEB-E0DE1BDCDCEE}"/>
+                <a16:creationId xmlns:a16="http://schemas.microsoft.com/office/drawing/2014/main" id="{A1DF7870-6CBD-47E2-854C-68141BAA101D}"/>
               </a:ext>
             </a:extLst>
           </p:cNvPr>
@@ -598,8 +3689,8 @@
         </p:nvSpPr>
         <p:spPr>
           <a:xfrm>
-            <a:off x="838200" y="365125"/>
-            <a:ext cx="7734300" cy="5811838"/>
+            <a:off x="723900" y="723899"/>
+            <a:ext cx="8302534" cy="5410201"/>
           </a:xfrm>
         </p:spPr>
         <p:txBody>
@@ -639,7 +3730,7 @@
               <a:rPr lang="en-US"/>
               <a:t>Fifth level</a:t>
             </a:r>
-            <a:endParaRPr lang="en-GB"/>
+            <a:endParaRPr lang="en-US" dirty="0"/>
           </a:p>
         </p:txBody>
       </p:sp>
@@ -648,7 +3739,7 @@
           <p:cNvPr id="4" name="Date Placeholder 3">
             <a:extLst>
               <a:ext uri="{FF2B5EF4-FFF2-40B4-BE49-F238E27FC236}">
-                <a16:creationId xmlns:a16="http://schemas.microsoft.com/office/drawing/2014/main" id="{DF43FA62-C2BB-E8CE-C16A-FF2ECC53A6DF}"/>
+                <a16:creationId xmlns:a16="http://schemas.microsoft.com/office/drawing/2014/main" id="{8712FAF3-C106-49CB-A845-1FC7F731399D}"/>
               </a:ext>
             </a:extLst>
           </p:cNvPr>
@@ -664,11 +3755,11 @@
           <a:bodyPr/>
           <a:lstStyle/>
           <a:p>
-            <a:fld id="{54AEDE93-27E8-4F67-BEC4-6A48DA4EFD4A}" type="datetimeFigureOut">
-              <a:rPr lang="en-GB" smtClean="0"/>
-              <a:t>25/08/2024</a:t>
+            <a:fld id="{C485584D-7D79-4248-9986-4CA35242F944}" type="datetimeFigureOut">
+              <a:rPr lang="en-US" smtClean="0"/>
+              <a:t>8/25/2024</a:t>
             </a:fld>
-            <a:endParaRPr lang="en-GB"/>
+            <a:endParaRPr lang="en-US"/>
           </a:p>
         </p:txBody>
       </p:sp>
@@ -677,7 +3768,7 @@
           <p:cNvPr id="5" name="Footer Placeholder 4">
             <a:extLst>
               <a:ext uri="{FF2B5EF4-FFF2-40B4-BE49-F238E27FC236}">
-                <a16:creationId xmlns:a16="http://schemas.microsoft.com/office/drawing/2014/main" id="{799DC8F0-D84F-933E-043B-4EC53209C542}"/>
+                <a16:creationId xmlns:a16="http://schemas.microsoft.com/office/drawing/2014/main" id="{E34D5CCC-00E8-48FA-91A6-921E7B6440EB}"/>
               </a:ext>
             </a:extLst>
           </p:cNvPr>
@@ -693,7 +3784,7 @@
           <a:bodyPr/>
           <a:lstStyle/>
           <a:p>
-            <a:endParaRPr lang="en-GB"/>
+            <a:endParaRPr lang="en-US"/>
           </a:p>
         </p:txBody>
       </p:sp>
@@ -702,7 +3793,7 @@
           <p:cNvPr id="6" name="Slide Number Placeholder 5">
             <a:extLst>
               <a:ext uri="{FF2B5EF4-FFF2-40B4-BE49-F238E27FC236}">
-                <a16:creationId xmlns:a16="http://schemas.microsoft.com/office/drawing/2014/main" id="{270AB8E5-923E-1005-324A-0C60E47583B1}"/>
+                <a16:creationId xmlns:a16="http://schemas.microsoft.com/office/drawing/2014/main" id="{CB7E1751-E7AA-406D-A977-1ACEF1FBD134}"/>
               </a:ext>
             </a:extLst>
           </p:cNvPr>
@@ -718,18 +3809,18 @@
           <a:bodyPr/>
           <a:lstStyle/>
           <a:p>
-            <a:fld id="{F4FA94F1-619B-4F15-94E7-14196A3A9A0B}" type="slidenum">
-              <a:rPr lang="en-GB" smtClean="0"/>
+            <a:fld id="{19590046-DA73-4BBF-84B5-C08E6F75191A}" type="slidenum">
+              <a:rPr lang="en-US" smtClean="0"/>
               <a:t>‹#›</a:t>
             </a:fld>
-            <a:endParaRPr lang="en-GB"/>
+            <a:endParaRPr lang="en-US"/>
           </a:p>
         </p:txBody>
       </p:sp>
     </p:spTree>
     <p:extLst>
       <p:ext uri="{BB962C8B-B14F-4D97-AF65-F5344CB8AC3E}">
-        <p14:creationId xmlns:p14="http://schemas.microsoft.com/office/powerpoint/2010/main" val="2446731226"/>
+        <p14:creationId xmlns:p14="http://schemas.microsoft.com/office/powerpoint/2010/main" val="2937416979"/>
       </p:ext>
     </p:extLst>
   </p:cSld>
@@ -761,7 +3852,7 @@
           <p:cNvPr id="2" name="Title 1">
             <a:extLst>
               <a:ext uri="{FF2B5EF4-FFF2-40B4-BE49-F238E27FC236}">
-                <a16:creationId xmlns:a16="http://schemas.microsoft.com/office/drawing/2014/main" id="{37E295CF-3683-F5D5-569B-7CA74054C598}"/>
+                <a16:creationId xmlns:a16="http://schemas.microsoft.com/office/drawing/2014/main" id="{E8D2DC87-4B97-4A7C-BC4C-6E7724561615}"/>
               </a:ext>
             </a:extLst>
           </p:cNvPr>
@@ -781,7 +3872,7 @@
               <a:rPr lang="en-US"/>
               <a:t>Click to edit Master title style</a:t>
             </a:r>
-            <a:endParaRPr lang="en-GB"/>
+            <a:endParaRPr lang="en-US" dirty="0"/>
           </a:p>
         </p:txBody>
       </p:sp>
@@ -790,7 +3881,7 @@
           <p:cNvPr id="3" name="Content Placeholder 2">
             <a:extLst>
               <a:ext uri="{FF2B5EF4-FFF2-40B4-BE49-F238E27FC236}">
-                <a16:creationId xmlns:a16="http://schemas.microsoft.com/office/drawing/2014/main" id="{5D7BCE8E-113E-4A41-ED20-03E26B4EA173}"/>
+                <a16:creationId xmlns:a16="http://schemas.microsoft.com/office/drawing/2014/main" id="{F4B59FD9-57FD-4ABA-9FCD-7954052534CF}"/>
               </a:ext>
             </a:extLst>
           </p:cNvPr>
@@ -839,7 +3930,6 @@
               <a:rPr lang="en-US"/>
               <a:t>Fifth level</a:t>
             </a:r>
-            <a:endParaRPr lang="en-GB"/>
           </a:p>
         </p:txBody>
       </p:sp>
@@ -848,7 +3938,7 @@
           <p:cNvPr id="4" name="Date Placeholder 3">
             <a:extLst>
               <a:ext uri="{FF2B5EF4-FFF2-40B4-BE49-F238E27FC236}">
-                <a16:creationId xmlns:a16="http://schemas.microsoft.com/office/drawing/2014/main" id="{0AC62613-0341-4268-F342-B7AD8A9EF620}"/>
+                <a16:creationId xmlns:a16="http://schemas.microsoft.com/office/drawing/2014/main" id="{E87BD40E-B0AA-47B8-900F-488A8AEC1BC2}"/>
               </a:ext>
             </a:extLst>
           </p:cNvPr>
@@ -864,11 +3954,11 @@
           <a:bodyPr/>
           <a:lstStyle/>
           <a:p>
-            <a:fld id="{54AEDE93-27E8-4F67-BEC4-6A48DA4EFD4A}" type="datetimeFigureOut">
-              <a:rPr lang="en-GB" smtClean="0"/>
-              <a:t>25/08/2024</a:t>
+            <a:fld id="{C485584D-7D79-4248-9986-4CA35242F944}" type="datetimeFigureOut">
+              <a:rPr lang="en-US" smtClean="0"/>
+              <a:t>8/25/2024</a:t>
             </a:fld>
-            <a:endParaRPr lang="en-GB"/>
+            <a:endParaRPr lang="en-US"/>
           </a:p>
         </p:txBody>
       </p:sp>
@@ -877,7 +3967,7 @@
           <p:cNvPr id="5" name="Footer Placeholder 4">
             <a:extLst>
               <a:ext uri="{FF2B5EF4-FFF2-40B4-BE49-F238E27FC236}">
-                <a16:creationId xmlns:a16="http://schemas.microsoft.com/office/drawing/2014/main" id="{9FC17B51-5081-F82E-F605-4CC2A2D84407}"/>
+                <a16:creationId xmlns:a16="http://schemas.microsoft.com/office/drawing/2014/main" id="{865E623C-1E35-4485-A5B4-A71969BE706F}"/>
               </a:ext>
             </a:extLst>
           </p:cNvPr>
@@ -893,7 +3983,7 @@
           <a:bodyPr/>
           <a:lstStyle/>
           <a:p>
-            <a:endParaRPr lang="en-GB"/>
+            <a:endParaRPr lang="en-US"/>
           </a:p>
         </p:txBody>
       </p:sp>
@@ -902,7 +3992,7 @@
           <p:cNvPr id="6" name="Slide Number Placeholder 5">
             <a:extLst>
               <a:ext uri="{FF2B5EF4-FFF2-40B4-BE49-F238E27FC236}">
-                <a16:creationId xmlns:a16="http://schemas.microsoft.com/office/drawing/2014/main" id="{DD5190ED-45FA-4A31-07B9-CC89F0AE8923}"/>
+                <a16:creationId xmlns:a16="http://schemas.microsoft.com/office/drawing/2014/main" id="{4B5C6BB9-EF4F-465E-985B-34521F68C583}"/>
               </a:ext>
             </a:extLst>
           </p:cNvPr>
@@ -918,18 +4008,18 @@
           <a:bodyPr/>
           <a:lstStyle/>
           <a:p>
-            <a:fld id="{F4FA94F1-619B-4F15-94E7-14196A3A9A0B}" type="slidenum">
-              <a:rPr lang="en-GB" smtClean="0"/>
+            <a:fld id="{19590046-DA73-4BBF-84B5-C08E6F75191A}" type="slidenum">
+              <a:rPr lang="en-US" smtClean="0"/>
               <a:t>‹#›</a:t>
             </a:fld>
-            <a:endParaRPr lang="en-GB"/>
+            <a:endParaRPr lang="en-US"/>
           </a:p>
         </p:txBody>
       </p:sp>
     </p:spTree>
     <p:extLst>
       <p:ext uri="{BB962C8B-B14F-4D97-AF65-F5344CB8AC3E}">
-        <p14:creationId xmlns:p14="http://schemas.microsoft.com/office/powerpoint/2010/main" val="1143906447"/>
+        <p14:creationId xmlns:p14="http://schemas.microsoft.com/office/powerpoint/2010/main" val="1225295787"/>
       </p:ext>
     </p:extLst>
   </p:cSld>
@@ -940,7 +4030,7 @@
 </file>
 
 <file path=ppt/slideLayouts/slideLayout3.xml><?xml version="1.0" encoding="utf-8"?>
-<p:sldLayout xmlns:a="http://schemas.openxmlformats.org/drawingml/2006/main" xmlns:r="http://schemas.openxmlformats.org/officeDocument/2006/relationships" xmlns:p="http://schemas.openxmlformats.org/presentationml/2006/main" type="secHead" preserve="1">
+<p:sldLayout xmlns:a="http://schemas.openxmlformats.org/drawingml/2006/main" xmlns:r="http://schemas.openxmlformats.org/officeDocument/2006/relationships" xmlns:p="http://schemas.openxmlformats.org/presentationml/2006/main" showMasterSp="0" type="secHead" preserve="1">
   <p:cSld name="Section Header">
     <p:spTree>
       <p:nvGrpSpPr>
@@ -958,173 +4048,10 @@
       </p:grpSpPr>
       <p:sp>
         <p:nvSpPr>
-          <p:cNvPr id="2" name="Title 1">
-            <a:extLst>
-              <a:ext uri="{FF2B5EF4-FFF2-40B4-BE49-F238E27FC236}">
-                <a16:creationId xmlns:a16="http://schemas.microsoft.com/office/drawing/2014/main" id="{9BE6AF6F-512D-0C3B-F7A2-3C455612CD54}"/>
-              </a:ext>
-            </a:extLst>
-          </p:cNvPr>
-          <p:cNvSpPr>
-            <a:spLocks noGrp="1"/>
-          </p:cNvSpPr>
-          <p:nvPr>
-            <p:ph type="title"/>
-          </p:nvPr>
-        </p:nvSpPr>
-        <p:spPr>
-          <a:xfrm>
-            <a:off x="831850" y="1709738"/>
-            <a:ext cx="10515600" cy="2852737"/>
-          </a:xfrm>
-        </p:spPr>
-        <p:txBody>
-          <a:bodyPr anchor="b"/>
-          <a:lstStyle>
-            <a:lvl1pPr>
-              <a:defRPr sz="6000"/>
-            </a:lvl1pPr>
-          </a:lstStyle>
-          <a:p>
-            <a:r>
-              <a:rPr lang="en-US"/>
-              <a:t>Click to edit Master title style</a:t>
-            </a:r>
-            <a:endParaRPr lang="en-GB"/>
-          </a:p>
-        </p:txBody>
-      </p:sp>
-      <p:sp>
-        <p:nvSpPr>
-          <p:cNvPr id="3" name="Text Placeholder 2">
-            <a:extLst>
-              <a:ext uri="{FF2B5EF4-FFF2-40B4-BE49-F238E27FC236}">
-                <a16:creationId xmlns:a16="http://schemas.microsoft.com/office/drawing/2014/main" id="{64C24055-5395-8B63-8D1E-C70D1223FA52}"/>
-              </a:ext>
-            </a:extLst>
-          </p:cNvPr>
-          <p:cNvSpPr>
-            <a:spLocks noGrp="1"/>
-          </p:cNvSpPr>
-          <p:nvPr>
-            <p:ph type="body" idx="1"/>
-          </p:nvPr>
-        </p:nvSpPr>
-        <p:spPr>
-          <a:xfrm>
-            <a:off x="831850" y="4589463"/>
-            <a:ext cx="10515600" cy="1500187"/>
-          </a:xfrm>
-        </p:spPr>
-        <p:txBody>
-          <a:bodyPr/>
-          <a:lstStyle>
-            <a:lvl1pPr marL="0" indent="0">
-              <a:buNone/>
-              <a:defRPr sz="2400">
-                <a:solidFill>
-                  <a:schemeClr val="tx1">
-                    <a:tint val="82000"/>
-                  </a:schemeClr>
-                </a:solidFill>
-              </a:defRPr>
-            </a:lvl1pPr>
-            <a:lvl2pPr marL="457200" indent="0">
-              <a:buNone/>
-              <a:defRPr sz="2000">
-                <a:solidFill>
-                  <a:schemeClr val="tx1">
-                    <a:tint val="82000"/>
-                  </a:schemeClr>
-                </a:solidFill>
-              </a:defRPr>
-            </a:lvl2pPr>
-            <a:lvl3pPr marL="914400" indent="0">
-              <a:buNone/>
-              <a:defRPr sz="1800">
-                <a:solidFill>
-                  <a:schemeClr val="tx1">
-                    <a:tint val="82000"/>
-                  </a:schemeClr>
-                </a:solidFill>
-              </a:defRPr>
-            </a:lvl3pPr>
-            <a:lvl4pPr marL="1371600" indent="0">
-              <a:buNone/>
-              <a:defRPr sz="1600">
-                <a:solidFill>
-                  <a:schemeClr val="tx1">
-                    <a:tint val="82000"/>
-                  </a:schemeClr>
-                </a:solidFill>
-              </a:defRPr>
-            </a:lvl4pPr>
-            <a:lvl5pPr marL="1828800" indent="0">
-              <a:buNone/>
-              <a:defRPr sz="1600">
-                <a:solidFill>
-                  <a:schemeClr val="tx1">
-                    <a:tint val="82000"/>
-                  </a:schemeClr>
-                </a:solidFill>
-              </a:defRPr>
-            </a:lvl5pPr>
-            <a:lvl6pPr marL="2286000" indent="0">
-              <a:buNone/>
-              <a:defRPr sz="1600">
-                <a:solidFill>
-                  <a:schemeClr val="tx1">
-                    <a:tint val="82000"/>
-                  </a:schemeClr>
-                </a:solidFill>
-              </a:defRPr>
-            </a:lvl6pPr>
-            <a:lvl7pPr marL="2743200" indent="0">
-              <a:buNone/>
-              <a:defRPr sz="1600">
-                <a:solidFill>
-                  <a:schemeClr val="tx1">
-                    <a:tint val="82000"/>
-                  </a:schemeClr>
-                </a:solidFill>
-              </a:defRPr>
-            </a:lvl7pPr>
-            <a:lvl8pPr marL="3200400" indent="0">
-              <a:buNone/>
-              <a:defRPr sz="1600">
-                <a:solidFill>
-                  <a:schemeClr val="tx1">
-                    <a:tint val="82000"/>
-                  </a:schemeClr>
-                </a:solidFill>
-              </a:defRPr>
-            </a:lvl8pPr>
-            <a:lvl9pPr marL="3657600" indent="0">
-              <a:buNone/>
-              <a:defRPr sz="1600">
-                <a:solidFill>
-                  <a:schemeClr val="tx1">
-                    <a:tint val="82000"/>
-                  </a:schemeClr>
-                </a:solidFill>
-              </a:defRPr>
-            </a:lvl9pPr>
-          </a:lstStyle>
-          <a:p>
-            <a:pPr lvl="0"/>
-            <a:r>
-              <a:rPr lang="en-US"/>
-              <a:t>Click to edit Master text styles</a:t>
-            </a:r>
-          </a:p>
-        </p:txBody>
-      </p:sp>
-      <p:sp>
-        <p:nvSpPr>
           <p:cNvPr id="4" name="Date Placeholder 3">
             <a:extLst>
               <a:ext uri="{FF2B5EF4-FFF2-40B4-BE49-F238E27FC236}">
-                <a16:creationId xmlns:a16="http://schemas.microsoft.com/office/drawing/2014/main" id="{8FE994F6-C6FE-4C5C-CA4A-DD7202681D7F}"/>
+                <a16:creationId xmlns:a16="http://schemas.microsoft.com/office/drawing/2014/main" id="{587F5577-D71B-4279-B07A-62F703E5D1DC}"/>
               </a:ext>
             </a:extLst>
           </p:cNvPr>
@@ -1140,11 +4067,11 @@
           <a:bodyPr/>
           <a:lstStyle/>
           <a:p>
-            <a:fld id="{54AEDE93-27E8-4F67-BEC4-6A48DA4EFD4A}" type="datetimeFigureOut">
-              <a:rPr lang="en-GB" smtClean="0"/>
-              <a:t>25/08/2024</a:t>
+            <a:fld id="{C485584D-7D79-4248-9986-4CA35242F944}" type="datetimeFigureOut">
+              <a:rPr lang="en-US" smtClean="0"/>
+              <a:t>8/25/2024</a:t>
             </a:fld>
-            <a:endParaRPr lang="en-GB"/>
+            <a:endParaRPr lang="en-US"/>
           </a:p>
         </p:txBody>
       </p:sp>
@@ -1153,7 +4080,7 @@
           <p:cNvPr id="5" name="Footer Placeholder 4">
             <a:extLst>
               <a:ext uri="{FF2B5EF4-FFF2-40B4-BE49-F238E27FC236}">
-                <a16:creationId xmlns:a16="http://schemas.microsoft.com/office/drawing/2014/main" id="{F16993DF-90DE-C8DA-F8FA-88FB3D0EFCB9}"/>
+                <a16:creationId xmlns:a16="http://schemas.microsoft.com/office/drawing/2014/main" id="{F648367D-C35C-4023-BEBE-F834D033B0CC}"/>
               </a:ext>
             </a:extLst>
           </p:cNvPr>
@@ -1169,7 +4096,7 @@
           <a:bodyPr/>
           <a:lstStyle/>
           <a:p>
-            <a:endParaRPr lang="en-GB"/>
+            <a:endParaRPr lang="en-US"/>
           </a:p>
         </p:txBody>
       </p:sp>
@@ -1178,7 +4105,7 @@
           <p:cNvPr id="6" name="Slide Number Placeholder 5">
             <a:extLst>
               <a:ext uri="{FF2B5EF4-FFF2-40B4-BE49-F238E27FC236}">
-                <a16:creationId xmlns:a16="http://schemas.microsoft.com/office/drawing/2014/main" id="{C61BD567-D114-D650-E1B1-7989B52F7B12}"/>
+                <a16:creationId xmlns:a16="http://schemas.microsoft.com/office/drawing/2014/main" id="{22BFCF8A-B8C6-496A-98A5-BBB52DB70F16}"/>
               </a:ext>
             </a:extLst>
           </p:cNvPr>
@@ -1194,18 +4121,489 @@
           <a:bodyPr/>
           <a:lstStyle/>
           <a:p>
-            <a:fld id="{F4FA94F1-619B-4F15-94E7-14196A3A9A0B}" type="slidenum">
-              <a:rPr lang="en-GB" smtClean="0"/>
+            <a:fld id="{19590046-DA73-4BBF-84B5-C08E6F75191A}" type="slidenum">
+              <a:rPr lang="en-US" smtClean="0"/>
               <a:t>‹#›</a:t>
             </a:fld>
-            <a:endParaRPr lang="en-GB"/>
+            <a:endParaRPr lang="en-US"/>
+          </a:p>
+        </p:txBody>
+      </p:sp>
+      <p:sp>
+        <p:nvSpPr>
+          <p:cNvPr id="11" name="Rectangle 5">
+            <a:extLst>
+              <a:ext uri="{FF2B5EF4-FFF2-40B4-BE49-F238E27FC236}">
+                <a16:creationId xmlns:a16="http://schemas.microsoft.com/office/drawing/2014/main" id="{CDE45C10-227D-42DF-A888-EEFD3784FA8E}"/>
+              </a:ext>
+              <a:ext uri="{C183D7F6-B498-43B3-948B-1728B52AA6E4}">
+                <adec:decorative xmlns:adec="http://schemas.microsoft.com/office/drawing/2017/decorative" val="1"/>
+              </a:ext>
+            </a:extLst>
+          </p:cNvPr>
+          <p:cNvSpPr/>
+          <p:nvPr/>
+        </p:nvSpPr>
+        <p:spPr>
+          <a:xfrm>
+            <a:off x="723900" y="750338"/>
+            <a:ext cx="4580642" cy="5494694"/>
+          </a:xfrm>
+          <a:custGeom>
+            <a:avLst/>
+            <a:gdLst>
+              <a:gd name="connsiteX0" fmla="*/ 0 w 6096000"/>
+              <a:gd name="connsiteY0" fmla="*/ 0 h 6858000"/>
+              <a:gd name="connsiteX1" fmla="*/ 6096000 w 6096000"/>
+              <a:gd name="connsiteY1" fmla="*/ 0 h 6858000"/>
+              <a:gd name="connsiteX2" fmla="*/ 6096000 w 6096000"/>
+              <a:gd name="connsiteY2" fmla="*/ 6858000 h 6858000"/>
+              <a:gd name="connsiteX3" fmla="*/ 0 w 6096000"/>
+              <a:gd name="connsiteY3" fmla="*/ 6858000 h 6858000"/>
+              <a:gd name="connsiteX4" fmla="*/ 0 w 6096000"/>
+              <a:gd name="connsiteY4" fmla="*/ 0 h 6858000"/>
+              <a:gd name="connsiteX0" fmla="*/ 0 w 6096000"/>
+              <a:gd name="connsiteY0" fmla="*/ 0 h 6858000"/>
+              <a:gd name="connsiteX1" fmla="*/ 6096000 w 6096000"/>
+              <a:gd name="connsiteY1" fmla="*/ 0 h 6858000"/>
+              <a:gd name="connsiteX2" fmla="*/ 6096000 w 6096000"/>
+              <a:gd name="connsiteY2" fmla="*/ 6858000 h 6858000"/>
+              <a:gd name="connsiteX3" fmla="*/ 3058886 w 6096000"/>
+              <a:gd name="connsiteY3" fmla="*/ 6858000 h 6858000"/>
+              <a:gd name="connsiteX4" fmla="*/ 0 w 6096000"/>
+              <a:gd name="connsiteY4" fmla="*/ 6858000 h 6858000"/>
+              <a:gd name="connsiteX5" fmla="*/ 0 w 6096000"/>
+              <a:gd name="connsiteY5" fmla="*/ 0 h 6858000"/>
+              <a:gd name="connsiteX0" fmla="*/ 0 w 6096000"/>
+              <a:gd name="connsiteY0" fmla="*/ 0 h 6858000"/>
+              <a:gd name="connsiteX1" fmla="*/ 6096000 w 6096000"/>
+              <a:gd name="connsiteY1" fmla="*/ 0 h 6858000"/>
+              <a:gd name="connsiteX2" fmla="*/ 6096000 w 6096000"/>
+              <a:gd name="connsiteY2" fmla="*/ 6858000 h 6858000"/>
+              <a:gd name="connsiteX3" fmla="*/ 3037115 w 6096000"/>
+              <a:gd name="connsiteY3" fmla="*/ 5889172 h 6858000"/>
+              <a:gd name="connsiteX4" fmla="*/ 0 w 6096000"/>
+              <a:gd name="connsiteY4" fmla="*/ 6858000 h 6858000"/>
+              <a:gd name="connsiteX5" fmla="*/ 0 w 6096000"/>
+              <a:gd name="connsiteY5" fmla="*/ 0 h 6858000"/>
+            </a:gdLst>
+            <a:ahLst/>
+            <a:cxnLst>
+              <a:cxn ang="0">
+                <a:pos x="connsiteX0" y="connsiteY0"/>
+              </a:cxn>
+              <a:cxn ang="0">
+                <a:pos x="connsiteX1" y="connsiteY1"/>
+              </a:cxn>
+              <a:cxn ang="0">
+                <a:pos x="connsiteX2" y="connsiteY2"/>
+              </a:cxn>
+              <a:cxn ang="0">
+                <a:pos x="connsiteX3" y="connsiteY3"/>
+              </a:cxn>
+              <a:cxn ang="0">
+                <a:pos x="connsiteX4" y="connsiteY4"/>
+              </a:cxn>
+              <a:cxn ang="0">
+                <a:pos x="connsiteX5" y="connsiteY5"/>
+              </a:cxn>
+            </a:cxnLst>
+            <a:rect l="l" t="t" r="r" b="b"/>
+            <a:pathLst>
+              <a:path w="6096000" h="6858000">
+                <a:moveTo>
+                  <a:pt x="0" y="0"/>
+                </a:moveTo>
+                <a:lnTo>
+                  <a:pt x="6096000" y="0"/>
+                </a:lnTo>
+                <a:lnTo>
+                  <a:pt x="6096000" y="6858000"/>
+                </a:lnTo>
+                <a:lnTo>
+                  <a:pt x="3037115" y="5889172"/>
+                </a:lnTo>
+                <a:lnTo>
+                  <a:pt x="0" y="6858000"/>
+                </a:lnTo>
+                <a:lnTo>
+                  <a:pt x="0" y="0"/>
+                </a:lnTo>
+                <a:close/>
+              </a:path>
+            </a:pathLst>
+          </a:custGeom>
+          <a:solidFill>
+            <a:schemeClr val="bg2">
+              <a:alpha val="81000"/>
+            </a:schemeClr>
+          </a:solidFill>
+          <a:ln>
+            <a:noFill/>
+          </a:ln>
+        </p:spPr>
+        <p:style>
+          <a:lnRef idx="2">
+            <a:schemeClr val="accent1">
+              <a:shade val="50000"/>
+            </a:schemeClr>
+          </a:lnRef>
+          <a:fillRef idx="1">
+            <a:schemeClr val="accent1"/>
+          </a:fillRef>
+          <a:effectRef idx="0">
+            <a:schemeClr val="accent1"/>
+          </a:effectRef>
+          <a:fontRef idx="minor">
+            <a:schemeClr val="lt1"/>
+          </a:fontRef>
+        </p:style>
+        <p:txBody>
+          <a:bodyPr rtlCol="0" anchor="ctr"/>
+          <a:lstStyle/>
+          <a:p>
+            <a:pPr algn="ctr"/>
+            <a:endParaRPr lang="en-US"/>
+          </a:p>
+        </p:txBody>
+      </p:sp>
+      <p:grpSp>
+        <p:nvGrpSpPr>
+          <p:cNvPr id="7" name="Group 6">
+            <a:extLst>
+              <a:ext uri="{FF2B5EF4-FFF2-40B4-BE49-F238E27FC236}">
+                <a16:creationId xmlns:a16="http://schemas.microsoft.com/office/drawing/2014/main" id="{DA214944-8898-48BC-AE6F-065DA7BBB8E8}"/>
+              </a:ext>
+              <a:ext uri="{C183D7F6-B498-43B3-948B-1728B52AA6E4}">
+                <adec:decorative xmlns:adec="http://schemas.microsoft.com/office/drawing/2017/decorative" val="1"/>
+              </a:ext>
+            </a:extLst>
+          </p:cNvPr>
+          <p:cNvGrpSpPr/>
+          <p:nvPr/>
+        </p:nvGrpSpPr>
+        <p:grpSpPr>
+          <a:xfrm>
+            <a:off x="2580478" y="4714704"/>
+            <a:ext cx="867485" cy="115439"/>
+            <a:chOff x="8910933" y="1861308"/>
+            <a:chExt cx="867485" cy="115439"/>
+          </a:xfrm>
+        </p:grpSpPr>
+        <p:sp>
+          <p:nvSpPr>
+            <p:cNvPr id="8" name="Rectangle 7">
+              <a:extLst>
+                <a:ext uri="{FF2B5EF4-FFF2-40B4-BE49-F238E27FC236}">
+                  <a16:creationId xmlns:a16="http://schemas.microsoft.com/office/drawing/2014/main" id="{B94B3AAB-30C4-441D-B481-D253F8325953}"/>
+                </a:ext>
+              </a:extLst>
+            </p:cNvPr>
+            <p:cNvSpPr/>
+            <p:nvPr/>
+          </p:nvSpPr>
+          <p:spPr>
+            <a:xfrm rot="18964825" flipH="1">
+              <a:off x="9286956" y="1861308"/>
+              <a:ext cx="115439" cy="115439"/>
+            </a:xfrm>
+            <a:prstGeom prst="rect">
+              <a:avLst/>
+            </a:prstGeom>
+            <a:noFill/>
+            <a:ln w="15875">
+              <a:solidFill>
+                <a:schemeClr val="tx2"/>
+              </a:solidFill>
+            </a:ln>
+          </p:spPr>
+          <p:style>
+            <a:lnRef idx="2">
+              <a:schemeClr val="accent1">
+                <a:shade val="50000"/>
+              </a:schemeClr>
+            </a:lnRef>
+            <a:fillRef idx="1">
+              <a:schemeClr val="accent1"/>
+            </a:fillRef>
+            <a:effectRef idx="0">
+              <a:schemeClr val="accent1"/>
+            </a:effectRef>
+            <a:fontRef idx="minor">
+              <a:schemeClr val="lt1"/>
+            </a:fontRef>
+          </p:style>
+          <p:txBody>
+            <a:bodyPr rtlCol="0" anchor="ctr"/>
+            <a:lstStyle/>
+            <a:p>
+              <a:pPr algn="ctr"/>
+              <a:endParaRPr lang="en-US">
+                <a:solidFill>
+                  <a:schemeClr val="bg1"/>
+                </a:solidFill>
+                <a:effectLst>
+                  <a:outerShdw blurRad="38100" dist="38100" dir="2700000" algn="tl">
+                    <a:srgbClr val="000000">
+                      <a:alpha val="43137"/>
+                    </a:srgbClr>
+                  </a:outerShdw>
+                </a:effectLst>
+              </a:endParaRPr>
+            </a:p>
+          </p:txBody>
+        </p:sp>
+        <p:cxnSp>
+          <p:nvCxnSpPr>
+            <p:cNvPr id="9" name="Straight Connector 8">
+              <a:extLst>
+                <a:ext uri="{FF2B5EF4-FFF2-40B4-BE49-F238E27FC236}">
+                  <a16:creationId xmlns:a16="http://schemas.microsoft.com/office/drawing/2014/main" id="{FDCB6176-5585-40BC-BC9C-CA625F989F1B}"/>
+                </a:ext>
+              </a:extLst>
+            </p:cNvPr>
+            <p:cNvCxnSpPr/>
+            <p:nvPr/>
+          </p:nvCxnSpPr>
+          <p:spPr>
+            <a:xfrm>
+              <a:off x="9426289" y="1919027"/>
+              <a:ext cx="352129" cy="0"/>
+            </a:xfrm>
+            <a:prstGeom prst="line">
+              <a:avLst/>
+            </a:prstGeom>
+            <a:ln w="15875">
+              <a:solidFill>
+                <a:schemeClr val="tx2"/>
+              </a:solidFill>
+            </a:ln>
+          </p:spPr>
+          <p:style>
+            <a:lnRef idx="1">
+              <a:schemeClr val="accent1"/>
+            </a:lnRef>
+            <a:fillRef idx="0">
+              <a:schemeClr val="accent1"/>
+            </a:fillRef>
+            <a:effectRef idx="0">
+              <a:schemeClr val="accent1"/>
+            </a:effectRef>
+            <a:fontRef idx="minor">
+              <a:schemeClr val="tx1"/>
+            </a:fontRef>
+          </p:style>
+        </p:cxnSp>
+        <p:cxnSp>
+          <p:nvCxnSpPr>
+            <p:cNvPr id="10" name="Straight Connector 9">
+              <a:extLst>
+                <a:ext uri="{FF2B5EF4-FFF2-40B4-BE49-F238E27FC236}">
+                  <a16:creationId xmlns:a16="http://schemas.microsoft.com/office/drawing/2014/main" id="{77C4F1D9-97D8-43DD-A319-C56367F97FCE}"/>
+                </a:ext>
+              </a:extLst>
+            </p:cNvPr>
+            <p:cNvCxnSpPr/>
+            <p:nvPr/>
+          </p:nvCxnSpPr>
+          <p:spPr>
+            <a:xfrm>
+              <a:off x="8910933" y="1919027"/>
+              <a:ext cx="352129" cy="0"/>
+            </a:xfrm>
+            <a:prstGeom prst="line">
+              <a:avLst/>
+            </a:prstGeom>
+            <a:ln w="15875">
+              <a:solidFill>
+                <a:schemeClr val="tx2"/>
+              </a:solidFill>
+            </a:ln>
+          </p:spPr>
+          <p:style>
+            <a:lnRef idx="1">
+              <a:schemeClr val="accent1"/>
+            </a:lnRef>
+            <a:fillRef idx="0">
+              <a:schemeClr val="accent1"/>
+            </a:fillRef>
+            <a:effectRef idx="0">
+              <a:schemeClr val="accent1"/>
+            </a:effectRef>
+            <a:fontRef idx="minor">
+              <a:schemeClr val="tx1"/>
+            </a:fontRef>
+          </p:style>
+        </p:cxnSp>
+      </p:grpSp>
+      <p:sp>
+        <p:nvSpPr>
+          <p:cNvPr id="2" name="Title 1">
+            <a:extLst>
+              <a:ext uri="{FF2B5EF4-FFF2-40B4-BE49-F238E27FC236}">
+                <a16:creationId xmlns:a16="http://schemas.microsoft.com/office/drawing/2014/main" id="{D25E64ED-B373-4866-B5A2-E805D3168BBB}"/>
+              </a:ext>
+            </a:extLst>
+          </p:cNvPr>
+          <p:cNvSpPr>
+            <a:spLocks noGrp="1"/>
+          </p:cNvSpPr>
+          <p:nvPr>
+            <p:ph type="title"/>
+          </p:nvPr>
+        </p:nvSpPr>
+        <p:spPr>
+          <a:xfrm>
+            <a:off x="1151291" y="1274475"/>
+            <a:ext cx="3761832" cy="2823913"/>
+          </a:xfrm>
+        </p:spPr>
+        <p:txBody>
+          <a:bodyPr anchor="b">
+            <a:normAutofit/>
+          </a:bodyPr>
+          <a:lstStyle>
+            <a:lvl1pPr algn="ctr">
+              <a:defRPr sz="3200" cap="all" spc="600" baseline="0"/>
+            </a:lvl1pPr>
+          </a:lstStyle>
+          <a:p>
+            <a:r>
+              <a:rPr lang="en-US" dirty="0"/>
+              <a:t>Click to edit Master title style</a:t>
+            </a:r>
+          </a:p>
+        </p:txBody>
+      </p:sp>
+      <p:sp>
+        <p:nvSpPr>
+          <p:cNvPr id="3" name="Text Placeholder 2">
+            <a:extLst>
+              <a:ext uri="{FF2B5EF4-FFF2-40B4-BE49-F238E27FC236}">
+                <a16:creationId xmlns:a16="http://schemas.microsoft.com/office/drawing/2014/main" id="{AB6D6168-DDAE-41B2-A0D5-42185A2D028C}"/>
+              </a:ext>
+            </a:extLst>
+          </p:cNvPr>
+          <p:cNvSpPr>
+            <a:spLocks noGrp="1"/>
+          </p:cNvSpPr>
+          <p:nvPr>
+            <p:ph type="body" idx="1"/>
+          </p:nvPr>
+        </p:nvSpPr>
+        <p:spPr>
+          <a:xfrm>
+            <a:off x="6556756" y="2730304"/>
+            <a:ext cx="4383030" cy="1397390"/>
+          </a:xfrm>
+        </p:spPr>
+        <p:txBody>
+          <a:bodyPr anchor="ctr">
+            <a:normAutofit/>
+          </a:bodyPr>
+          <a:lstStyle>
+            <a:lvl1pPr marL="0" indent="0" algn="ctr">
+              <a:buNone/>
+              <a:defRPr sz="2000">
+                <a:solidFill>
+                  <a:schemeClr val="tx2"/>
+                </a:solidFill>
+              </a:defRPr>
+            </a:lvl1pPr>
+            <a:lvl2pPr marL="457200" indent="0">
+              <a:buNone/>
+              <a:defRPr sz="2000">
+                <a:solidFill>
+                  <a:schemeClr val="tx1">
+                    <a:tint val="75000"/>
+                  </a:schemeClr>
+                </a:solidFill>
+              </a:defRPr>
+            </a:lvl2pPr>
+            <a:lvl3pPr marL="914400" indent="0">
+              <a:buNone/>
+              <a:defRPr sz="1800">
+                <a:solidFill>
+                  <a:schemeClr val="tx1">
+                    <a:tint val="75000"/>
+                  </a:schemeClr>
+                </a:solidFill>
+              </a:defRPr>
+            </a:lvl3pPr>
+            <a:lvl4pPr marL="1371600" indent="0">
+              <a:buNone/>
+              <a:defRPr sz="1600">
+                <a:solidFill>
+                  <a:schemeClr val="tx1">
+                    <a:tint val="75000"/>
+                  </a:schemeClr>
+                </a:solidFill>
+              </a:defRPr>
+            </a:lvl4pPr>
+            <a:lvl5pPr marL="1828800" indent="0">
+              <a:buNone/>
+              <a:defRPr sz="1600">
+                <a:solidFill>
+                  <a:schemeClr val="tx1">
+                    <a:tint val="75000"/>
+                  </a:schemeClr>
+                </a:solidFill>
+              </a:defRPr>
+            </a:lvl5pPr>
+            <a:lvl6pPr marL="2286000" indent="0">
+              <a:buNone/>
+              <a:defRPr sz="1600">
+                <a:solidFill>
+                  <a:schemeClr val="tx1">
+                    <a:tint val="75000"/>
+                  </a:schemeClr>
+                </a:solidFill>
+              </a:defRPr>
+            </a:lvl6pPr>
+            <a:lvl7pPr marL="2743200" indent="0">
+              <a:buNone/>
+              <a:defRPr sz="1600">
+                <a:solidFill>
+                  <a:schemeClr val="tx1">
+                    <a:tint val="75000"/>
+                  </a:schemeClr>
+                </a:solidFill>
+              </a:defRPr>
+            </a:lvl7pPr>
+            <a:lvl8pPr marL="3200400" indent="0">
+              <a:buNone/>
+              <a:defRPr sz="1600">
+                <a:solidFill>
+                  <a:schemeClr val="tx1">
+                    <a:tint val="75000"/>
+                  </a:schemeClr>
+                </a:solidFill>
+              </a:defRPr>
+            </a:lvl8pPr>
+            <a:lvl9pPr marL="3657600" indent="0">
+              <a:buNone/>
+              <a:defRPr sz="1600">
+                <a:solidFill>
+                  <a:schemeClr val="tx1">
+                    <a:tint val="75000"/>
+                  </a:schemeClr>
+                </a:solidFill>
+              </a:defRPr>
+            </a:lvl9pPr>
+          </a:lstStyle>
+          <a:p>
+            <a:pPr lvl="0"/>
+            <a:r>
+              <a:rPr lang="en-US" dirty="0"/>
+              <a:t>Click to edit Master text styles</a:t>
+            </a:r>
           </a:p>
         </p:txBody>
       </p:sp>
     </p:spTree>
     <p:extLst>
       <p:ext uri="{BB962C8B-B14F-4D97-AF65-F5344CB8AC3E}">
-        <p14:creationId xmlns:p14="http://schemas.microsoft.com/office/powerpoint/2010/main" val="2010503136"/>
+        <p14:creationId xmlns:p14="http://schemas.microsoft.com/office/powerpoint/2010/main" val="481109952"/>
       </p:ext>
     </p:extLst>
   </p:cSld>
@@ -1237,7 +4635,7 @@
           <p:cNvPr id="2" name="Title 1">
             <a:extLst>
               <a:ext uri="{FF2B5EF4-FFF2-40B4-BE49-F238E27FC236}">
-                <a16:creationId xmlns:a16="http://schemas.microsoft.com/office/drawing/2014/main" id="{13977538-4815-F8B7-6450-E8E2D1626EB7}"/>
+                <a16:creationId xmlns:a16="http://schemas.microsoft.com/office/drawing/2014/main" id="{725825EB-71EE-41B3-89D2-47A0C7C3598E}"/>
               </a:ext>
             </a:extLst>
           </p:cNvPr>
@@ -1257,7 +4655,6 @@
               <a:rPr lang="en-US"/>
               <a:t>Click to edit Master title style</a:t>
             </a:r>
-            <a:endParaRPr lang="en-GB"/>
           </a:p>
         </p:txBody>
       </p:sp>
@@ -1266,7 +4663,7 @@
           <p:cNvPr id="3" name="Content Placeholder 2">
             <a:extLst>
               <a:ext uri="{FF2B5EF4-FFF2-40B4-BE49-F238E27FC236}">
-                <a16:creationId xmlns:a16="http://schemas.microsoft.com/office/drawing/2014/main" id="{9D350A8B-38E5-63D2-7DB6-436DE78D6002}"/>
+                <a16:creationId xmlns:a16="http://schemas.microsoft.com/office/drawing/2014/main" id="{DE662F7D-C4AD-4BD4-AAC8-F0223EE4A38B}"/>
               </a:ext>
             </a:extLst>
           </p:cNvPr>
@@ -1279,8 +4676,8 @@
         </p:nvSpPr>
         <p:spPr>
           <a:xfrm>
-            <a:off x="838200" y="1825625"/>
-            <a:ext cx="5181600" cy="4351338"/>
+            <a:off x="1037305" y="2155369"/>
+            <a:ext cx="4953000" cy="3998323"/>
           </a:xfrm>
         </p:spPr>
         <p:txBody>
@@ -1289,38 +4686,37 @@
           <a:p>
             <a:pPr lvl="0"/>
             <a:r>
-              <a:rPr lang="en-US"/>
+              <a:rPr lang="en-US" dirty="0"/>
               <a:t>Click to edit Master text styles</a:t>
             </a:r>
           </a:p>
           <a:p>
             <a:pPr lvl="1"/>
             <a:r>
-              <a:rPr lang="en-US"/>
+              <a:rPr lang="en-US" dirty="0"/>
               <a:t>Second level</a:t>
             </a:r>
           </a:p>
           <a:p>
             <a:pPr lvl="2"/>
             <a:r>
-              <a:rPr lang="en-US"/>
+              <a:rPr lang="en-US" dirty="0"/>
               <a:t>Third level</a:t>
             </a:r>
           </a:p>
           <a:p>
             <a:pPr lvl="3"/>
             <a:r>
-              <a:rPr lang="en-US"/>
+              <a:rPr lang="en-US" dirty="0"/>
               <a:t>Fourth level</a:t>
             </a:r>
           </a:p>
           <a:p>
             <a:pPr lvl="4"/>
             <a:r>
-              <a:rPr lang="en-US"/>
+              <a:rPr lang="en-US" dirty="0"/>
               <a:t>Fifth level</a:t>
             </a:r>
-            <a:endParaRPr lang="en-GB"/>
           </a:p>
         </p:txBody>
       </p:sp>
@@ -1329,7 +4725,7 @@
           <p:cNvPr id="4" name="Content Placeholder 3">
             <a:extLst>
               <a:ext uri="{FF2B5EF4-FFF2-40B4-BE49-F238E27FC236}">
-                <a16:creationId xmlns:a16="http://schemas.microsoft.com/office/drawing/2014/main" id="{356CD7FC-5849-DD66-5953-62B49DC6B088}"/>
+                <a16:creationId xmlns:a16="http://schemas.microsoft.com/office/drawing/2014/main" id="{9D0FB088-28C6-4667-8DF2-0DE32AE3EC30}"/>
               </a:ext>
             </a:extLst>
           </p:cNvPr>
@@ -1342,8 +4738,8 @@
         </p:nvSpPr>
         <p:spPr>
           <a:xfrm>
-            <a:off x="6172200" y="1825625"/>
-            <a:ext cx="5181600" cy="4351338"/>
+            <a:off x="6172200" y="2155369"/>
+            <a:ext cx="4953000" cy="3998323"/>
           </a:xfrm>
         </p:spPr>
         <p:txBody>
@@ -1383,7 +4779,6 @@
               <a:rPr lang="en-US"/>
               <a:t>Fifth level</a:t>
             </a:r>
-            <a:endParaRPr lang="en-GB"/>
           </a:p>
         </p:txBody>
       </p:sp>
@@ -1392,7 +4787,7 @@
           <p:cNvPr id="5" name="Date Placeholder 4">
             <a:extLst>
               <a:ext uri="{FF2B5EF4-FFF2-40B4-BE49-F238E27FC236}">
-                <a16:creationId xmlns:a16="http://schemas.microsoft.com/office/drawing/2014/main" id="{C93A8315-6B95-AC71-C0AF-E9D72D476BEE}"/>
+                <a16:creationId xmlns:a16="http://schemas.microsoft.com/office/drawing/2014/main" id="{BF36095F-AE34-4E94-B722-E3A1205AEEDC}"/>
               </a:ext>
             </a:extLst>
           </p:cNvPr>
@@ -1408,11 +4803,11 @@
           <a:bodyPr/>
           <a:lstStyle/>
           <a:p>
-            <a:fld id="{54AEDE93-27E8-4F67-BEC4-6A48DA4EFD4A}" type="datetimeFigureOut">
-              <a:rPr lang="en-GB" smtClean="0"/>
-              <a:t>25/08/2024</a:t>
+            <a:fld id="{C485584D-7D79-4248-9986-4CA35242F944}" type="datetimeFigureOut">
+              <a:rPr lang="en-US" smtClean="0"/>
+              <a:t>8/25/2024</a:t>
             </a:fld>
-            <a:endParaRPr lang="en-GB"/>
+            <a:endParaRPr lang="en-US"/>
           </a:p>
         </p:txBody>
       </p:sp>
@@ -1421,7 +4816,7 @@
           <p:cNvPr id="6" name="Footer Placeholder 5">
             <a:extLst>
               <a:ext uri="{FF2B5EF4-FFF2-40B4-BE49-F238E27FC236}">
-                <a16:creationId xmlns:a16="http://schemas.microsoft.com/office/drawing/2014/main" id="{F6D690CE-5BA8-3536-7D42-91E727F8F716}"/>
+                <a16:creationId xmlns:a16="http://schemas.microsoft.com/office/drawing/2014/main" id="{6E06A8E6-BD94-48EA-8F35-DA0DF910AC25}"/>
               </a:ext>
             </a:extLst>
           </p:cNvPr>
@@ -1437,7 +4832,7 @@
           <a:bodyPr/>
           <a:lstStyle/>
           <a:p>
-            <a:endParaRPr lang="en-GB"/>
+            <a:endParaRPr lang="en-US"/>
           </a:p>
         </p:txBody>
       </p:sp>
@@ -1446,7 +4841,7 @@
           <p:cNvPr id="7" name="Slide Number Placeholder 6">
             <a:extLst>
               <a:ext uri="{FF2B5EF4-FFF2-40B4-BE49-F238E27FC236}">
-                <a16:creationId xmlns:a16="http://schemas.microsoft.com/office/drawing/2014/main" id="{76A9D882-524F-57B9-9302-1187CED1AB0B}"/>
+                <a16:creationId xmlns:a16="http://schemas.microsoft.com/office/drawing/2014/main" id="{50478AEF-56B8-49F5-81E8-663B1FFA073B}"/>
               </a:ext>
             </a:extLst>
           </p:cNvPr>
@@ -1462,18 +4857,18 @@
           <a:bodyPr/>
           <a:lstStyle/>
           <a:p>
-            <a:fld id="{F4FA94F1-619B-4F15-94E7-14196A3A9A0B}" type="slidenum">
-              <a:rPr lang="en-GB" smtClean="0"/>
+            <a:fld id="{19590046-DA73-4BBF-84B5-C08E6F75191A}" type="slidenum">
+              <a:rPr lang="en-US" smtClean="0"/>
               <a:t>‹#›</a:t>
             </a:fld>
-            <a:endParaRPr lang="en-GB"/>
+            <a:endParaRPr lang="en-US"/>
           </a:p>
         </p:txBody>
       </p:sp>
     </p:spTree>
     <p:extLst>
       <p:ext uri="{BB962C8B-B14F-4D97-AF65-F5344CB8AC3E}">
-        <p14:creationId xmlns:p14="http://schemas.microsoft.com/office/powerpoint/2010/main" val="620198632"/>
+        <p14:creationId xmlns:p14="http://schemas.microsoft.com/office/powerpoint/2010/main" val="3782200155"/>
       </p:ext>
     </p:extLst>
   </p:cSld>
@@ -1505,7 +4900,7 @@
           <p:cNvPr id="2" name="Title 1">
             <a:extLst>
               <a:ext uri="{FF2B5EF4-FFF2-40B4-BE49-F238E27FC236}">
-                <a16:creationId xmlns:a16="http://schemas.microsoft.com/office/drawing/2014/main" id="{98E1A28D-FB95-5510-AC0A-EA0DAA2E3DD4}"/>
+                <a16:creationId xmlns:a16="http://schemas.microsoft.com/office/drawing/2014/main" id="{EFCF873F-001F-4254-97F3-05329E6A7B67}"/>
               </a:ext>
             </a:extLst>
           </p:cNvPr>
@@ -1518,8 +4913,8 @@
         </p:nvSpPr>
         <p:spPr>
           <a:xfrm>
-            <a:off x="839788" y="365125"/>
-            <a:ext cx="10515600" cy="1325563"/>
+            <a:off x="1028700" y="555171"/>
+            <a:ext cx="10134600" cy="1135517"/>
           </a:xfrm>
         </p:spPr>
         <p:txBody>
@@ -1527,10 +4922,9 @@
           <a:lstStyle/>
           <a:p>
             <a:r>
-              <a:rPr lang="en-US"/>
+              <a:rPr lang="en-US" dirty="0"/>
               <a:t>Click to edit Master title style</a:t>
             </a:r>
-            <a:endParaRPr lang="en-GB"/>
           </a:p>
         </p:txBody>
       </p:sp>
@@ -1539,7 +4933,7 @@
           <p:cNvPr id="3" name="Text Placeholder 2">
             <a:extLst>
               <a:ext uri="{FF2B5EF4-FFF2-40B4-BE49-F238E27FC236}">
-                <a16:creationId xmlns:a16="http://schemas.microsoft.com/office/drawing/2014/main" id="{AC04205F-6123-5C06-5321-92F093C451D3}"/>
+                <a16:creationId xmlns:a16="http://schemas.microsoft.com/office/drawing/2014/main" id="{4A37B575-060F-4296-A28A-93DA109F96F5}"/>
               </a:ext>
             </a:extLst>
           </p:cNvPr>
@@ -1552,16 +4946,18 @@
         </p:nvSpPr>
         <p:spPr>
           <a:xfrm>
-            <a:off x="839788" y="1681163"/>
-            <a:ext cx="5157787" cy="823912"/>
+            <a:off x="1037306" y="1801620"/>
+            <a:ext cx="4849036" cy="814387"/>
           </a:xfrm>
         </p:spPr>
         <p:txBody>
-          <a:bodyPr anchor="b"/>
+          <a:bodyPr anchor="b">
+            <a:normAutofit/>
+          </a:bodyPr>
           <a:lstStyle>
             <a:lvl1pPr marL="0" indent="0">
               <a:buNone/>
-              <a:defRPr sz="2400" b="1"/>
+              <a:defRPr sz="1800" b="0" cap="all" spc="300" baseline="0"/>
             </a:lvl1pPr>
             <a:lvl2pPr marL="457200" indent="0">
               <a:buNone/>
@@ -1599,7 +4995,7 @@
           <a:p>
             <a:pPr lvl="0"/>
             <a:r>
-              <a:rPr lang="en-US"/>
+              <a:rPr lang="en-US" dirty="0"/>
               <a:t>Click to edit Master text styles</a:t>
             </a:r>
           </a:p>
@@ -1610,7 +5006,7 @@
           <p:cNvPr id="4" name="Content Placeholder 3">
             <a:extLst>
               <a:ext uri="{FF2B5EF4-FFF2-40B4-BE49-F238E27FC236}">
-                <a16:creationId xmlns:a16="http://schemas.microsoft.com/office/drawing/2014/main" id="{4987DE1B-C1C4-1E46-DF44-F66BF6AB541A}"/>
+                <a16:creationId xmlns:a16="http://schemas.microsoft.com/office/drawing/2014/main" id="{BA581A51-F4D1-4A02-9918-C416F820B646}"/>
               </a:ext>
             </a:extLst>
           </p:cNvPr>
@@ -1623,8 +5019,8 @@
         </p:nvSpPr>
         <p:spPr>
           <a:xfrm>
-            <a:off x="839788" y="2505075"/>
-            <a:ext cx="5157787" cy="3684588"/>
+            <a:off x="1037306" y="2619103"/>
+            <a:ext cx="4849036" cy="3514997"/>
           </a:xfrm>
         </p:spPr>
         <p:txBody>
@@ -1664,7 +5060,6 @@
               <a:rPr lang="en-US"/>
               <a:t>Fifth level</a:t>
             </a:r>
-            <a:endParaRPr lang="en-GB"/>
           </a:p>
         </p:txBody>
       </p:sp>
@@ -1673,7 +5068,7 @@
           <p:cNvPr id="5" name="Text Placeholder 4">
             <a:extLst>
               <a:ext uri="{FF2B5EF4-FFF2-40B4-BE49-F238E27FC236}">
-                <a16:creationId xmlns:a16="http://schemas.microsoft.com/office/drawing/2014/main" id="{4C40A05B-72E5-3878-A5B3-CA1A1F1017A1}"/>
+                <a16:creationId xmlns:a16="http://schemas.microsoft.com/office/drawing/2014/main" id="{D32916D0-3DFE-455D-9888-3FDEFD3DE0CD}"/>
               </a:ext>
             </a:extLst>
           </p:cNvPr>
@@ -1686,16 +5081,18 @@
         </p:nvSpPr>
         <p:spPr>
           <a:xfrm>
-            <a:off x="6172200" y="1681163"/>
-            <a:ext cx="5183188" cy="823912"/>
+            <a:off x="6250108" y="1801620"/>
+            <a:ext cx="4904585" cy="814387"/>
           </a:xfrm>
         </p:spPr>
         <p:txBody>
-          <a:bodyPr anchor="b"/>
+          <a:bodyPr anchor="b">
+            <a:normAutofit/>
+          </a:bodyPr>
           <a:lstStyle>
             <a:lvl1pPr marL="0" indent="0">
               <a:buNone/>
-              <a:defRPr sz="2400" b="1"/>
+              <a:defRPr sz="1800" b="0" cap="all" spc="300" baseline="0"/>
             </a:lvl1pPr>
             <a:lvl2pPr marL="457200" indent="0">
               <a:buNone/>
@@ -1733,7 +5130,7 @@
           <a:p>
             <a:pPr lvl="0"/>
             <a:r>
-              <a:rPr lang="en-US"/>
+              <a:rPr lang="en-US" dirty="0"/>
               <a:t>Click to edit Master text styles</a:t>
             </a:r>
           </a:p>
@@ -1744,7 +5141,7 @@
           <p:cNvPr id="6" name="Content Placeholder 5">
             <a:extLst>
               <a:ext uri="{FF2B5EF4-FFF2-40B4-BE49-F238E27FC236}">
-                <a16:creationId xmlns:a16="http://schemas.microsoft.com/office/drawing/2014/main" id="{426BA806-1DAC-A131-43E6-04AF98E2CAD1}"/>
+                <a16:creationId xmlns:a16="http://schemas.microsoft.com/office/drawing/2014/main" id="{F093D763-0643-4A48-8007-93391C59F6D5}"/>
               </a:ext>
             </a:extLst>
           </p:cNvPr>
@@ -1757,8 +5154,8 @@
         </p:nvSpPr>
         <p:spPr>
           <a:xfrm>
-            <a:off x="6172200" y="2505075"/>
-            <a:ext cx="5183188" cy="3684588"/>
+            <a:off x="6250108" y="2619103"/>
+            <a:ext cx="4904585" cy="3514997"/>
           </a:xfrm>
         </p:spPr>
         <p:txBody>
@@ -1798,7 +5195,6 @@
               <a:rPr lang="en-US"/>
               <a:t>Fifth level</a:t>
             </a:r>
-            <a:endParaRPr lang="en-GB"/>
           </a:p>
         </p:txBody>
       </p:sp>
@@ -1807,7 +5203,7 @@
           <p:cNvPr id="7" name="Date Placeholder 6">
             <a:extLst>
               <a:ext uri="{FF2B5EF4-FFF2-40B4-BE49-F238E27FC236}">
-                <a16:creationId xmlns:a16="http://schemas.microsoft.com/office/drawing/2014/main" id="{7EF0BD96-3C72-1AD6-F8BB-7460CEDC520B}"/>
+                <a16:creationId xmlns:a16="http://schemas.microsoft.com/office/drawing/2014/main" id="{69A2D07B-3A5D-41C2-83B8-BD1AD6522CAD}"/>
               </a:ext>
             </a:extLst>
           </p:cNvPr>
@@ -1823,11 +5219,11 @@
           <a:bodyPr/>
           <a:lstStyle/>
           <a:p>
-            <a:fld id="{54AEDE93-27E8-4F67-BEC4-6A48DA4EFD4A}" type="datetimeFigureOut">
-              <a:rPr lang="en-GB" smtClean="0"/>
-              <a:t>25/08/2024</a:t>
+            <a:fld id="{C485584D-7D79-4248-9986-4CA35242F944}" type="datetimeFigureOut">
+              <a:rPr lang="en-US" smtClean="0"/>
+              <a:t>8/25/2024</a:t>
             </a:fld>
-            <a:endParaRPr lang="en-GB"/>
+            <a:endParaRPr lang="en-US"/>
           </a:p>
         </p:txBody>
       </p:sp>
@@ -1836,7 +5232,7 @@
           <p:cNvPr id="8" name="Footer Placeholder 7">
             <a:extLst>
               <a:ext uri="{FF2B5EF4-FFF2-40B4-BE49-F238E27FC236}">
-                <a16:creationId xmlns:a16="http://schemas.microsoft.com/office/drawing/2014/main" id="{1DE3B7E5-8A8D-63E0-816E-947CC0EFFECB}"/>
+                <a16:creationId xmlns:a16="http://schemas.microsoft.com/office/drawing/2014/main" id="{0E2C1367-FE5A-4CDD-B85B-724FFFE5B58F}"/>
               </a:ext>
             </a:extLst>
           </p:cNvPr>
@@ -1852,7 +5248,7 @@
           <a:bodyPr/>
           <a:lstStyle/>
           <a:p>
-            <a:endParaRPr lang="en-GB"/>
+            <a:endParaRPr lang="en-US"/>
           </a:p>
         </p:txBody>
       </p:sp>
@@ -1861,7 +5257,7 @@
           <p:cNvPr id="9" name="Slide Number Placeholder 8">
             <a:extLst>
               <a:ext uri="{FF2B5EF4-FFF2-40B4-BE49-F238E27FC236}">
-                <a16:creationId xmlns:a16="http://schemas.microsoft.com/office/drawing/2014/main" id="{43D50D40-F977-6E01-A922-2944A2D90058}"/>
+                <a16:creationId xmlns:a16="http://schemas.microsoft.com/office/drawing/2014/main" id="{9992F244-23EB-4E1A-B74F-77F23F87978D}"/>
               </a:ext>
             </a:extLst>
           </p:cNvPr>
@@ -1877,18 +5273,18 @@
           <a:bodyPr/>
           <a:lstStyle/>
           <a:p>
-            <a:fld id="{F4FA94F1-619B-4F15-94E7-14196A3A9A0B}" type="slidenum">
-              <a:rPr lang="en-GB" smtClean="0"/>
+            <a:fld id="{19590046-DA73-4BBF-84B5-C08E6F75191A}" type="slidenum">
+              <a:rPr lang="en-US" smtClean="0"/>
               <a:t>‹#›</a:t>
             </a:fld>
-            <a:endParaRPr lang="en-GB"/>
+            <a:endParaRPr lang="en-US"/>
           </a:p>
         </p:txBody>
       </p:sp>
     </p:spTree>
     <p:extLst>
       <p:ext uri="{BB962C8B-B14F-4D97-AF65-F5344CB8AC3E}">
-        <p14:creationId xmlns:p14="http://schemas.microsoft.com/office/powerpoint/2010/main" val="4230213529"/>
+        <p14:creationId xmlns:p14="http://schemas.microsoft.com/office/powerpoint/2010/main" val="3993944786"/>
       </p:ext>
     </p:extLst>
   </p:cSld>
@@ -1920,7 +5316,7 @@
           <p:cNvPr id="2" name="Title 1">
             <a:extLst>
               <a:ext uri="{FF2B5EF4-FFF2-40B4-BE49-F238E27FC236}">
-                <a16:creationId xmlns:a16="http://schemas.microsoft.com/office/drawing/2014/main" id="{EFD0485E-CCF4-B8A5-D202-0862ED11F57D}"/>
+                <a16:creationId xmlns:a16="http://schemas.microsoft.com/office/drawing/2014/main" id="{FB876C0A-BEF4-4DE4-A9D2-C60298FC7F99}"/>
               </a:ext>
             </a:extLst>
           </p:cNvPr>
@@ -1940,7 +5336,6 @@
               <a:rPr lang="en-US"/>
               <a:t>Click to edit Master title style</a:t>
             </a:r>
-            <a:endParaRPr lang="en-GB"/>
           </a:p>
         </p:txBody>
       </p:sp>
@@ -1949,7 +5344,7 @@
           <p:cNvPr id="3" name="Date Placeholder 2">
             <a:extLst>
               <a:ext uri="{FF2B5EF4-FFF2-40B4-BE49-F238E27FC236}">
-                <a16:creationId xmlns:a16="http://schemas.microsoft.com/office/drawing/2014/main" id="{A9CB6A7E-4F91-9B4F-D007-4CF59A2C5C95}"/>
+                <a16:creationId xmlns:a16="http://schemas.microsoft.com/office/drawing/2014/main" id="{1367C0AC-3C98-4D68-AE72-CFFA1638CC02}"/>
               </a:ext>
             </a:extLst>
           </p:cNvPr>
@@ -1965,11 +5360,11 @@
           <a:bodyPr/>
           <a:lstStyle/>
           <a:p>
-            <a:fld id="{54AEDE93-27E8-4F67-BEC4-6A48DA4EFD4A}" type="datetimeFigureOut">
-              <a:rPr lang="en-GB" smtClean="0"/>
-              <a:t>25/08/2024</a:t>
+            <a:fld id="{C485584D-7D79-4248-9986-4CA35242F944}" type="datetimeFigureOut">
+              <a:rPr lang="en-US" smtClean="0"/>
+              <a:t>8/25/2024</a:t>
             </a:fld>
-            <a:endParaRPr lang="en-GB"/>
+            <a:endParaRPr lang="en-US"/>
           </a:p>
         </p:txBody>
       </p:sp>
@@ -1978,7 +5373,7 @@
           <p:cNvPr id="4" name="Footer Placeholder 3">
             <a:extLst>
               <a:ext uri="{FF2B5EF4-FFF2-40B4-BE49-F238E27FC236}">
-                <a16:creationId xmlns:a16="http://schemas.microsoft.com/office/drawing/2014/main" id="{DCA752CD-AEC3-F8CF-92DE-634B9B22F267}"/>
+                <a16:creationId xmlns:a16="http://schemas.microsoft.com/office/drawing/2014/main" id="{FEA7722A-E2E4-45D2-8A20-4853ED6837B1}"/>
               </a:ext>
             </a:extLst>
           </p:cNvPr>
@@ -1994,7 +5389,7 @@
           <a:bodyPr/>
           <a:lstStyle/>
           <a:p>
-            <a:endParaRPr lang="en-GB"/>
+            <a:endParaRPr lang="en-US"/>
           </a:p>
         </p:txBody>
       </p:sp>
@@ -2003,7 +5398,7 @@
           <p:cNvPr id="5" name="Slide Number Placeholder 4">
             <a:extLst>
               <a:ext uri="{FF2B5EF4-FFF2-40B4-BE49-F238E27FC236}">
-                <a16:creationId xmlns:a16="http://schemas.microsoft.com/office/drawing/2014/main" id="{61F7A641-9A80-9C3B-7398-E2813CAF2C56}"/>
+                <a16:creationId xmlns:a16="http://schemas.microsoft.com/office/drawing/2014/main" id="{146B9201-B20B-4412-B745-F2F6A91487E8}"/>
               </a:ext>
             </a:extLst>
           </p:cNvPr>
@@ -2019,18 +5414,18 @@
           <a:bodyPr/>
           <a:lstStyle/>
           <a:p>
-            <a:fld id="{F4FA94F1-619B-4F15-94E7-14196A3A9A0B}" type="slidenum">
-              <a:rPr lang="en-GB" smtClean="0"/>
+            <a:fld id="{19590046-DA73-4BBF-84B5-C08E6F75191A}" type="slidenum">
+              <a:rPr lang="en-US" smtClean="0"/>
               <a:t>‹#›</a:t>
             </a:fld>
-            <a:endParaRPr lang="en-GB"/>
+            <a:endParaRPr lang="en-US"/>
           </a:p>
         </p:txBody>
       </p:sp>
     </p:spTree>
     <p:extLst>
       <p:ext uri="{BB962C8B-B14F-4D97-AF65-F5344CB8AC3E}">
-        <p14:creationId xmlns:p14="http://schemas.microsoft.com/office/powerpoint/2010/main" val="1524121945"/>
+        <p14:creationId xmlns:p14="http://schemas.microsoft.com/office/powerpoint/2010/main" val="829634788"/>
       </p:ext>
     </p:extLst>
   </p:cSld>
@@ -2062,7 +5457,7 @@
           <p:cNvPr id="2" name="Date Placeholder 1">
             <a:extLst>
               <a:ext uri="{FF2B5EF4-FFF2-40B4-BE49-F238E27FC236}">
-                <a16:creationId xmlns:a16="http://schemas.microsoft.com/office/drawing/2014/main" id="{D7779AA4-66AB-7083-9458-01FF82CB56AE}"/>
+                <a16:creationId xmlns:a16="http://schemas.microsoft.com/office/drawing/2014/main" id="{CBC4889A-9ABE-4409-BAD8-F84C36C1FA09}"/>
               </a:ext>
             </a:extLst>
           </p:cNvPr>
@@ -2078,11 +5473,11 @@
           <a:bodyPr/>
           <a:lstStyle/>
           <a:p>
-            <a:fld id="{54AEDE93-27E8-4F67-BEC4-6A48DA4EFD4A}" type="datetimeFigureOut">
-              <a:rPr lang="en-GB" smtClean="0"/>
-              <a:t>25/08/2024</a:t>
+            <a:fld id="{C485584D-7D79-4248-9986-4CA35242F944}" type="datetimeFigureOut">
+              <a:rPr lang="en-US" smtClean="0"/>
+              <a:t>8/25/2024</a:t>
             </a:fld>
-            <a:endParaRPr lang="en-GB"/>
+            <a:endParaRPr lang="en-US"/>
           </a:p>
         </p:txBody>
       </p:sp>
@@ -2091,7 +5486,7 @@
           <p:cNvPr id="3" name="Footer Placeholder 2">
             <a:extLst>
               <a:ext uri="{FF2B5EF4-FFF2-40B4-BE49-F238E27FC236}">
-                <a16:creationId xmlns:a16="http://schemas.microsoft.com/office/drawing/2014/main" id="{40399521-B219-83D2-1E70-2E40485B81BD}"/>
+                <a16:creationId xmlns:a16="http://schemas.microsoft.com/office/drawing/2014/main" id="{7DDA5A70-FE21-4CB6-A67B-1DC798E9E3B1}"/>
               </a:ext>
             </a:extLst>
           </p:cNvPr>
@@ -2107,7 +5502,7 @@
           <a:bodyPr/>
           <a:lstStyle/>
           <a:p>
-            <a:endParaRPr lang="en-GB"/>
+            <a:endParaRPr lang="en-US"/>
           </a:p>
         </p:txBody>
       </p:sp>
@@ -2116,7 +5511,7 @@
           <p:cNvPr id="4" name="Slide Number Placeholder 3">
             <a:extLst>
               <a:ext uri="{FF2B5EF4-FFF2-40B4-BE49-F238E27FC236}">
-                <a16:creationId xmlns:a16="http://schemas.microsoft.com/office/drawing/2014/main" id="{E82DE77C-F097-2D33-8989-2A10F4660D9A}"/>
+                <a16:creationId xmlns:a16="http://schemas.microsoft.com/office/drawing/2014/main" id="{B984AD11-7FD2-432C-A6AB-395BE9275C1B}"/>
               </a:ext>
             </a:extLst>
           </p:cNvPr>
@@ -2132,18 +5527,18 @@
           <a:bodyPr/>
           <a:lstStyle/>
           <a:p>
-            <a:fld id="{F4FA94F1-619B-4F15-94E7-14196A3A9A0B}" type="slidenum">
-              <a:rPr lang="en-GB" smtClean="0"/>
+            <a:fld id="{19590046-DA73-4BBF-84B5-C08E6F75191A}" type="slidenum">
+              <a:rPr lang="en-US" smtClean="0"/>
               <a:t>‹#›</a:t>
             </a:fld>
-            <a:endParaRPr lang="en-GB"/>
+            <a:endParaRPr lang="en-US"/>
           </a:p>
         </p:txBody>
       </p:sp>
     </p:spTree>
     <p:extLst>
       <p:ext uri="{BB962C8B-B14F-4D97-AF65-F5344CB8AC3E}">
-        <p14:creationId xmlns:p14="http://schemas.microsoft.com/office/powerpoint/2010/main" val="825334288"/>
+        <p14:creationId xmlns:p14="http://schemas.microsoft.com/office/powerpoint/2010/main" val="14799872"/>
       </p:ext>
     </p:extLst>
   </p:cSld>
@@ -2175,7 +5570,7 @@
           <p:cNvPr id="2" name="Title 1">
             <a:extLst>
               <a:ext uri="{FF2B5EF4-FFF2-40B4-BE49-F238E27FC236}">
-                <a16:creationId xmlns:a16="http://schemas.microsoft.com/office/drawing/2014/main" id="{C01CCBB8-FA33-D7F0-3C99-340B844DE963}"/>
+                <a16:creationId xmlns:a16="http://schemas.microsoft.com/office/drawing/2014/main" id="{EFF397CF-9CDD-4E78-8F35-A2FFE7867419}"/>
               </a:ext>
             </a:extLst>
           </p:cNvPr>
@@ -2188,8 +5583,8 @@
         </p:nvSpPr>
         <p:spPr>
           <a:xfrm>
-            <a:off x="839788" y="457200"/>
-            <a:ext cx="3932237" cy="1600200"/>
+            <a:off x="1066800" y="457200"/>
+            <a:ext cx="3705225" cy="1600200"/>
           </a:xfrm>
         </p:spPr>
         <p:txBody>
@@ -2204,7 +5599,7 @@
               <a:rPr lang="en-US"/>
               <a:t>Click to edit Master title style</a:t>
             </a:r>
-            <a:endParaRPr lang="en-GB"/>
+            <a:endParaRPr lang="en-US" dirty="0"/>
           </a:p>
         </p:txBody>
       </p:sp>
@@ -2213,7 +5608,7 @@
           <p:cNvPr id="3" name="Content Placeholder 2">
             <a:extLst>
               <a:ext uri="{FF2B5EF4-FFF2-40B4-BE49-F238E27FC236}">
-                <a16:creationId xmlns:a16="http://schemas.microsoft.com/office/drawing/2014/main" id="{4540FBFB-D8D9-238F-CDAF-6FABF6EA2438}"/>
+                <a16:creationId xmlns:a16="http://schemas.microsoft.com/office/drawing/2014/main" id="{87194BFE-7A85-4123-B0F7-4DB1C141CE60}"/>
               </a:ext>
             </a:extLst>
           </p:cNvPr>
@@ -2226,8 +5621,8 @@
         </p:nvSpPr>
         <p:spPr>
           <a:xfrm>
-            <a:off x="5183188" y="987425"/>
-            <a:ext cx="6172200" cy="4873625"/>
+            <a:off x="5183188" y="1066800"/>
+            <a:ext cx="6172200" cy="4838699"/>
           </a:xfrm>
         </p:spPr>
         <p:txBody>
@@ -2295,7 +5690,7 @@
               <a:rPr lang="en-US"/>
               <a:t>Fifth level</a:t>
             </a:r>
-            <a:endParaRPr lang="en-GB"/>
+            <a:endParaRPr lang="en-US" dirty="0"/>
           </a:p>
         </p:txBody>
       </p:sp>
@@ -2304,7 +5699,7 @@
           <p:cNvPr id="4" name="Text Placeholder 3">
             <a:extLst>
               <a:ext uri="{FF2B5EF4-FFF2-40B4-BE49-F238E27FC236}">
-                <a16:creationId xmlns:a16="http://schemas.microsoft.com/office/drawing/2014/main" id="{389E99D4-A97D-AF40-4C42-66C98094E1CA}"/>
+                <a16:creationId xmlns:a16="http://schemas.microsoft.com/office/drawing/2014/main" id="{641EFD6D-1929-4A73-A860-22A36FF5C17D}"/>
               </a:ext>
             </a:extLst>
           </p:cNvPr>
@@ -2317,8 +5712,8 @@
         </p:nvSpPr>
         <p:spPr>
           <a:xfrm>
-            <a:off x="839788" y="2057400"/>
-            <a:ext cx="3932237" cy="3811588"/>
+            <a:off x="1066800" y="2057400"/>
+            <a:ext cx="3705225" cy="3811588"/>
           </a:xfrm>
         </p:spPr>
         <p:txBody>
@@ -2375,7 +5770,7 @@
           <p:cNvPr id="5" name="Date Placeholder 4">
             <a:extLst>
               <a:ext uri="{FF2B5EF4-FFF2-40B4-BE49-F238E27FC236}">
-                <a16:creationId xmlns:a16="http://schemas.microsoft.com/office/drawing/2014/main" id="{CBCD591D-A3AB-A25B-289E-BA50FA1E70B0}"/>
+                <a16:creationId xmlns:a16="http://schemas.microsoft.com/office/drawing/2014/main" id="{A9B399A5-94A1-4452-AFF0-918BDA8B14F9}"/>
               </a:ext>
             </a:extLst>
           </p:cNvPr>
@@ -2391,11 +5786,11 @@
           <a:bodyPr/>
           <a:lstStyle/>
           <a:p>
-            <a:fld id="{54AEDE93-27E8-4F67-BEC4-6A48DA4EFD4A}" type="datetimeFigureOut">
-              <a:rPr lang="en-GB" smtClean="0"/>
-              <a:t>25/08/2024</a:t>
+            <a:fld id="{C485584D-7D79-4248-9986-4CA35242F944}" type="datetimeFigureOut">
+              <a:rPr lang="en-US" smtClean="0"/>
+              <a:t>8/25/2024</a:t>
             </a:fld>
-            <a:endParaRPr lang="en-GB"/>
+            <a:endParaRPr lang="en-US"/>
           </a:p>
         </p:txBody>
       </p:sp>
@@ -2404,7 +5799,7 @@
           <p:cNvPr id="6" name="Footer Placeholder 5">
             <a:extLst>
               <a:ext uri="{FF2B5EF4-FFF2-40B4-BE49-F238E27FC236}">
-                <a16:creationId xmlns:a16="http://schemas.microsoft.com/office/drawing/2014/main" id="{3D1B2C62-C461-B0EF-A114-172EF3E7711E}"/>
+                <a16:creationId xmlns:a16="http://schemas.microsoft.com/office/drawing/2014/main" id="{489589D8-DD83-406C-A77A-176D23993BA8}"/>
               </a:ext>
             </a:extLst>
           </p:cNvPr>
@@ -2420,7 +5815,7 @@
           <a:bodyPr/>
           <a:lstStyle/>
           <a:p>
-            <a:endParaRPr lang="en-GB"/>
+            <a:endParaRPr lang="en-US"/>
           </a:p>
         </p:txBody>
       </p:sp>
@@ -2429,7 +5824,7 @@
           <p:cNvPr id="7" name="Slide Number Placeholder 6">
             <a:extLst>
               <a:ext uri="{FF2B5EF4-FFF2-40B4-BE49-F238E27FC236}">
-                <a16:creationId xmlns:a16="http://schemas.microsoft.com/office/drawing/2014/main" id="{B32AB297-48AC-BC08-BA8B-AE5EDD7408F1}"/>
+                <a16:creationId xmlns:a16="http://schemas.microsoft.com/office/drawing/2014/main" id="{6DE46024-82ED-40EF-8846-F6CC44BC53DE}"/>
               </a:ext>
             </a:extLst>
           </p:cNvPr>
@@ -2445,18 +5840,18 @@
           <a:bodyPr/>
           <a:lstStyle/>
           <a:p>
-            <a:fld id="{F4FA94F1-619B-4F15-94E7-14196A3A9A0B}" type="slidenum">
-              <a:rPr lang="en-GB" smtClean="0"/>
+            <a:fld id="{19590046-DA73-4BBF-84B5-C08E6F75191A}" type="slidenum">
+              <a:rPr lang="en-US" smtClean="0"/>
               <a:t>‹#›</a:t>
             </a:fld>
-            <a:endParaRPr lang="en-GB"/>
+            <a:endParaRPr lang="en-US"/>
           </a:p>
         </p:txBody>
       </p:sp>
     </p:spTree>
     <p:extLst>
       <p:ext uri="{BB962C8B-B14F-4D97-AF65-F5344CB8AC3E}">
-        <p14:creationId xmlns:p14="http://schemas.microsoft.com/office/powerpoint/2010/main" val="2989910801"/>
+        <p14:creationId xmlns:p14="http://schemas.microsoft.com/office/powerpoint/2010/main" val="678480551"/>
       </p:ext>
     </p:extLst>
   </p:cSld>
@@ -2488,7 +5883,7 @@
           <p:cNvPr id="2" name="Title 1">
             <a:extLst>
               <a:ext uri="{FF2B5EF4-FFF2-40B4-BE49-F238E27FC236}">
-                <a16:creationId xmlns:a16="http://schemas.microsoft.com/office/drawing/2014/main" id="{984766CC-D222-B546-79CD-D7669070C455}"/>
+                <a16:creationId xmlns:a16="http://schemas.microsoft.com/office/drawing/2014/main" id="{70BD12FA-83A4-42AF-98D7-312C4C5A7128}"/>
               </a:ext>
             </a:extLst>
           </p:cNvPr>
@@ -2501,8 +5896,8 @@
         </p:nvSpPr>
         <p:spPr>
           <a:xfrm>
-            <a:off x="839788" y="457200"/>
-            <a:ext cx="3932237" cy="1600200"/>
+            <a:off x="1066800" y="457200"/>
+            <a:ext cx="3705225" cy="1600200"/>
           </a:xfrm>
         </p:spPr>
         <p:txBody>
@@ -2517,7 +5912,7 @@
               <a:rPr lang="en-US"/>
               <a:t>Click to edit Master title style</a:t>
             </a:r>
-            <a:endParaRPr lang="en-GB"/>
+            <a:endParaRPr lang="en-US" dirty="0"/>
           </a:p>
         </p:txBody>
       </p:sp>
@@ -2526,7 +5921,7 @@
           <p:cNvPr id="3" name="Picture Placeholder 2">
             <a:extLst>
               <a:ext uri="{FF2B5EF4-FFF2-40B4-BE49-F238E27FC236}">
-                <a16:creationId xmlns:a16="http://schemas.microsoft.com/office/drawing/2014/main" id="{1F78845E-2D04-6F8E-BD4F-4F64B4ECA3FF}"/>
+                <a16:creationId xmlns:a16="http://schemas.microsoft.com/office/drawing/2014/main" id="{46CF1DC8-2932-4C6E-BFBB-8BA1C9598425}"/>
               </a:ext>
             </a:extLst>
           </p:cNvPr>
@@ -2539,8 +5934,8 @@
         </p:nvSpPr>
         <p:spPr>
           <a:xfrm>
-            <a:off x="5183188" y="987425"/>
-            <a:ext cx="6172200" cy="4873625"/>
+            <a:off x="5183188" y="1066800"/>
+            <a:ext cx="5942012" cy="4838700"/>
           </a:xfrm>
         </p:spPr>
         <p:txBody>
@@ -2584,7 +5979,10 @@
             </a:lvl9pPr>
           </a:lstStyle>
           <a:p>
-            <a:endParaRPr lang="en-GB"/>
+            <a:r>
+              <a:rPr lang="en-US"/>
+              <a:t>Click icon to add picture</a:t>
+            </a:r>
           </a:p>
         </p:txBody>
       </p:sp>
@@ -2593,7 +5991,7 @@
           <p:cNvPr id="4" name="Text Placeholder 3">
             <a:extLst>
               <a:ext uri="{FF2B5EF4-FFF2-40B4-BE49-F238E27FC236}">
-                <a16:creationId xmlns:a16="http://schemas.microsoft.com/office/drawing/2014/main" id="{05DE6EB8-B505-F42F-7735-A14C16E9452B}"/>
+                <a16:creationId xmlns:a16="http://schemas.microsoft.com/office/drawing/2014/main" id="{8D6E0000-EF01-46A5-8A71-25FB7EA3F94A}"/>
               </a:ext>
             </a:extLst>
           </p:cNvPr>
@@ -2606,8 +6004,8 @@
         </p:nvSpPr>
         <p:spPr>
           <a:xfrm>
-            <a:off x="839788" y="2057400"/>
-            <a:ext cx="3932237" cy="3811588"/>
+            <a:off x="1066800" y="2057400"/>
+            <a:ext cx="3705225" cy="3811588"/>
           </a:xfrm>
         </p:spPr>
         <p:txBody>
@@ -2664,7 +6062,7 @@
           <p:cNvPr id="5" name="Date Placeholder 4">
             <a:extLst>
               <a:ext uri="{FF2B5EF4-FFF2-40B4-BE49-F238E27FC236}">
-                <a16:creationId xmlns:a16="http://schemas.microsoft.com/office/drawing/2014/main" id="{D5805207-14E0-0A32-EAAC-112E9F83D3A4}"/>
+                <a16:creationId xmlns:a16="http://schemas.microsoft.com/office/drawing/2014/main" id="{401AD40B-9246-4532-9F73-5BA9061C3ABA}"/>
               </a:ext>
             </a:extLst>
           </p:cNvPr>
@@ -2680,11 +6078,11 @@
           <a:bodyPr/>
           <a:lstStyle/>
           <a:p>
-            <a:fld id="{54AEDE93-27E8-4F67-BEC4-6A48DA4EFD4A}" type="datetimeFigureOut">
-              <a:rPr lang="en-GB" smtClean="0"/>
-              <a:t>25/08/2024</a:t>
+            <a:fld id="{C485584D-7D79-4248-9986-4CA35242F944}" type="datetimeFigureOut">
+              <a:rPr lang="en-US" smtClean="0"/>
+              <a:t>8/25/2024</a:t>
             </a:fld>
-            <a:endParaRPr lang="en-GB"/>
+            <a:endParaRPr lang="en-US"/>
           </a:p>
         </p:txBody>
       </p:sp>
@@ -2693,7 +6091,7 @@
           <p:cNvPr id="6" name="Footer Placeholder 5">
             <a:extLst>
               <a:ext uri="{FF2B5EF4-FFF2-40B4-BE49-F238E27FC236}">
-                <a16:creationId xmlns:a16="http://schemas.microsoft.com/office/drawing/2014/main" id="{09F30F99-C851-BBE9-E844-A32CEF6A690C}"/>
+                <a16:creationId xmlns:a16="http://schemas.microsoft.com/office/drawing/2014/main" id="{8BE6B9A0-5B1C-4F7B-828A-EF74E51478BD}"/>
               </a:ext>
             </a:extLst>
           </p:cNvPr>
@@ -2709,7 +6107,7 @@
           <a:bodyPr/>
           <a:lstStyle/>
           <a:p>
-            <a:endParaRPr lang="en-GB"/>
+            <a:endParaRPr lang="en-US"/>
           </a:p>
         </p:txBody>
       </p:sp>
@@ -2718,7 +6116,7 @@
           <p:cNvPr id="7" name="Slide Number Placeholder 6">
             <a:extLst>
               <a:ext uri="{FF2B5EF4-FFF2-40B4-BE49-F238E27FC236}">
-                <a16:creationId xmlns:a16="http://schemas.microsoft.com/office/drawing/2014/main" id="{0BC9A234-293E-EFD3-CC8A-831FA127715B}"/>
+                <a16:creationId xmlns:a16="http://schemas.microsoft.com/office/drawing/2014/main" id="{A82E99FB-C932-4165-A612-8B302D8F7229}"/>
               </a:ext>
             </a:extLst>
           </p:cNvPr>
@@ -2734,18 +6132,18 @@
           <a:bodyPr/>
           <a:lstStyle/>
           <a:p>
-            <a:fld id="{F4FA94F1-619B-4F15-94E7-14196A3A9A0B}" type="slidenum">
-              <a:rPr lang="en-GB" smtClean="0"/>
+            <a:fld id="{19590046-DA73-4BBF-84B5-C08E6F75191A}" type="slidenum">
+              <a:rPr lang="en-US" smtClean="0"/>
               <a:t>‹#›</a:t>
             </a:fld>
-            <a:endParaRPr lang="en-GB"/>
+            <a:endParaRPr lang="en-US"/>
           </a:p>
         </p:txBody>
       </p:sp>
     </p:spTree>
     <p:extLst>
       <p:ext uri="{BB962C8B-B14F-4D97-AF65-F5344CB8AC3E}">
-        <p14:creationId xmlns:p14="http://schemas.microsoft.com/office/powerpoint/2010/main" val="685848729"/>
+        <p14:creationId xmlns:p14="http://schemas.microsoft.com/office/powerpoint/2010/main" val="3559511903"/>
       </p:ext>
     </p:extLst>
   </p:cSld>
@@ -2782,7 +6180,7 @@
           <p:cNvPr id="2" name="Title Placeholder 1">
             <a:extLst>
               <a:ext uri="{FF2B5EF4-FFF2-40B4-BE49-F238E27FC236}">
-                <a16:creationId xmlns:a16="http://schemas.microsoft.com/office/drawing/2014/main" id="{C69625D4-C38B-8F14-E418-9AB66287A65B}"/>
+                <a16:creationId xmlns:a16="http://schemas.microsoft.com/office/drawing/2014/main" id="{16CE7638-D991-46E7-BF2C-67D1AC829628}"/>
               </a:ext>
             </a:extLst>
           </p:cNvPr>
@@ -2795,24 +6193,23 @@
         </p:nvSpPr>
         <p:spPr>
           <a:xfrm>
-            <a:off x="838200" y="365125"/>
-            <a:ext cx="10515600" cy="1325563"/>
+            <a:off x="1028700" y="723900"/>
+            <a:ext cx="10134600" cy="1288489"/>
           </a:xfrm>
           <a:prstGeom prst="rect">
             <a:avLst/>
           </a:prstGeom>
         </p:spPr>
         <p:txBody>
-          <a:bodyPr vert="horz" lIns="91440" tIns="45720" rIns="91440" bIns="45720" rtlCol="0" anchor="ctr">
+          <a:bodyPr vert="horz" lIns="91440" tIns="45720" rIns="91440" bIns="45720" rtlCol="0" anchor="b">
             <a:normAutofit/>
           </a:bodyPr>
           <a:lstStyle/>
           <a:p>
             <a:r>
-              <a:rPr lang="en-US"/>
+              <a:rPr lang="en-US" dirty="0"/>
               <a:t>Click to edit Master title style</a:t>
             </a:r>
-            <a:endParaRPr lang="en-GB"/>
           </a:p>
         </p:txBody>
       </p:sp>
@@ -2821,7 +6218,7 @@
           <p:cNvPr id="3" name="Text Placeholder 2">
             <a:extLst>
               <a:ext uri="{FF2B5EF4-FFF2-40B4-BE49-F238E27FC236}">
-                <a16:creationId xmlns:a16="http://schemas.microsoft.com/office/drawing/2014/main" id="{2C99FD0C-7DDD-260C-A3DD-8819381AD0E4}"/>
+                <a16:creationId xmlns:a16="http://schemas.microsoft.com/office/drawing/2014/main" id="{CA7C6B9C-4923-4DAB-9748-D5CD289EB978}"/>
               </a:ext>
             </a:extLst>
           </p:cNvPr>
@@ -2834,8 +6231,8 @@
         </p:nvSpPr>
         <p:spPr>
           <a:xfrm>
-            <a:off x="838200" y="1825625"/>
-            <a:ext cx="10515600" cy="4351338"/>
+            <a:off x="1028700" y="2161903"/>
+            <a:ext cx="10134600" cy="3969342"/>
           </a:xfrm>
           <a:prstGeom prst="rect">
             <a:avLst/>
@@ -2849,38 +6246,82 @@
           <a:p>
             <a:pPr lvl="0"/>
             <a:r>
-              <a:rPr lang="en-US"/>
+              <a:rPr lang="en-US" dirty="0"/>
               <a:t>Click to edit Master text styles</a:t>
             </a:r>
           </a:p>
           <a:p>
             <a:pPr lvl="1"/>
             <a:r>
-              <a:rPr lang="en-US"/>
+              <a:rPr lang="en-US" dirty="0"/>
               <a:t>Second level</a:t>
             </a:r>
           </a:p>
           <a:p>
             <a:pPr lvl="2"/>
             <a:r>
-              <a:rPr lang="en-US"/>
+              <a:rPr lang="en-US" dirty="0"/>
               <a:t>Third level</a:t>
             </a:r>
           </a:p>
           <a:p>
             <a:pPr lvl="3"/>
             <a:r>
-              <a:rPr lang="en-US"/>
+              <a:rPr lang="en-US" dirty="0"/>
               <a:t>Fourth level</a:t>
             </a:r>
           </a:p>
           <a:p>
             <a:pPr lvl="4"/>
             <a:r>
-              <a:rPr lang="en-US"/>
+              <a:rPr lang="en-US" dirty="0"/>
               <a:t>Fifth level</a:t>
             </a:r>
-            <a:endParaRPr lang="en-GB"/>
+          </a:p>
+        </p:txBody>
+      </p:sp>
+      <p:sp>
+        <p:nvSpPr>
+          <p:cNvPr id="6" name="Slide Number Placeholder 5">
+            <a:extLst>
+              <a:ext uri="{FF2B5EF4-FFF2-40B4-BE49-F238E27FC236}">
+                <a16:creationId xmlns:a16="http://schemas.microsoft.com/office/drawing/2014/main" id="{E7578CF6-4B33-40E4-B881-5F4C568378E1}"/>
+              </a:ext>
+            </a:extLst>
+          </p:cNvPr>
+          <p:cNvSpPr>
+            <a:spLocks noGrp="1"/>
+          </p:cNvSpPr>
+          <p:nvPr>
+            <p:ph type="sldNum" sz="quarter" idx="4"/>
+          </p:nvPr>
+        </p:nvSpPr>
+        <p:spPr>
+          <a:xfrm>
+            <a:off x="11394765" y="6245032"/>
+            <a:ext cx="524491" cy="365125"/>
+          </a:xfrm>
+          <a:prstGeom prst="rect">
+            <a:avLst/>
+          </a:prstGeom>
+        </p:spPr>
+        <p:txBody>
+          <a:bodyPr vert="horz" lIns="91440" tIns="45720" rIns="91440" bIns="45720" rtlCol="0" anchor="ctr"/>
+          <a:lstStyle>
+            <a:lvl1pPr algn="r">
+              <a:defRPr sz="1050">
+                <a:solidFill>
+                  <a:schemeClr val="tx2"/>
+                </a:solidFill>
+              </a:defRPr>
+            </a:lvl1pPr>
+          </a:lstStyle>
+          <a:p>
+            <a:fld id="{19590046-DA73-4BBF-84B5-C08E6F75191A}" type="slidenum">
+              <a:rPr lang="en-US" smtClean="0"/>
+              <a:t>‹#›</a:t>
+            </a:fld>
+            <a:endParaRPr lang="en-US"/>
           </a:p>
         </p:txBody>
       </p:sp>
@@ -2889,7 +6330,7 @@
           <p:cNvPr id="4" name="Date Placeholder 3">
             <a:extLst>
               <a:ext uri="{FF2B5EF4-FFF2-40B4-BE49-F238E27FC236}">
-                <a16:creationId xmlns:a16="http://schemas.microsoft.com/office/drawing/2014/main" id="{6C7D8468-3FBF-6AB4-02DF-5390C6630901}"/>
+                <a16:creationId xmlns:a16="http://schemas.microsoft.com/office/drawing/2014/main" id="{25AE857E-F564-4539-9984-10435B6140AC}"/>
               </a:ext>
             </a:extLst>
           </p:cNvPr>
@@ -2902,8 +6343,8 @@
         </p:nvSpPr>
         <p:spPr>
           <a:xfrm>
-            <a:off x="838200" y="6356350"/>
-            <a:ext cx="2743200" cy="365125"/>
+            <a:off x="354841" y="6245032"/>
+            <a:ext cx="2659380" cy="365125"/>
           </a:xfrm>
           <a:prstGeom prst="rect">
             <a:avLst/>
@@ -2913,21 +6354,19 @@
           <a:bodyPr vert="horz" lIns="91440" tIns="45720" rIns="91440" bIns="45720" rtlCol="0" anchor="ctr"/>
           <a:lstStyle>
             <a:lvl1pPr algn="l">
-              <a:defRPr sz="1200">
+              <a:defRPr sz="1050">
                 <a:solidFill>
-                  <a:schemeClr val="tx1">
-                    <a:tint val="82000"/>
-                  </a:schemeClr>
+                  <a:schemeClr val="tx2"/>
                 </a:solidFill>
               </a:defRPr>
             </a:lvl1pPr>
           </a:lstStyle>
           <a:p>
-            <a:fld id="{54AEDE93-27E8-4F67-BEC4-6A48DA4EFD4A}" type="datetimeFigureOut">
-              <a:rPr lang="en-GB" smtClean="0"/>
-              <a:t>25/08/2024</a:t>
+            <a:fld id="{C485584D-7D79-4248-9986-4CA35242F944}" type="datetimeFigureOut">
+              <a:rPr lang="en-US" smtClean="0"/>
+              <a:t>8/25/2024</a:t>
             </a:fld>
-            <a:endParaRPr lang="en-GB"/>
+            <a:endParaRPr lang="en-US"/>
           </a:p>
         </p:txBody>
       </p:sp>
@@ -2936,7 +6375,7 @@
           <p:cNvPr id="5" name="Footer Placeholder 4">
             <a:extLst>
               <a:ext uri="{FF2B5EF4-FFF2-40B4-BE49-F238E27FC236}">
-                <a16:creationId xmlns:a16="http://schemas.microsoft.com/office/drawing/2014/main" id="{E0154629-D537-E1E3-9E11-0344F23256B2}"/>
+                <a16:creationId xmlns:a16="http://schemas.microsoft.com/office/drawing/2014/main" id="{7D1EABEF-B998-4B11-A878-8F492F8E3983}"/>
               </a:ext>
             </a:extLst>
           </p:cNvPr>
@@ -2949,51 +6388,8 @@
         </p:nvSpPr>
         <p:spPr>
           <a:xfrm>
-            <a:off x="4038600" y="6356350"/>
-            <a:ext cx="4114800" cy="365125"/>
-          </a:xfrm>
-          <a:prstGeom prst="rect">
-            <a:avLst/>
-          </a:prstGeom>
-        </p:spPr>
-        <p:txBody>
-          <a:bodyPr vert="horz" lIns="91440" tIns="45720" rIns="91440" bIns="45720" rtlCol="0" anchor="ctr"/>
-          <a:lstStyle>
-            <a:lvl1pPr algn="ctr">
-              <a:defRPr sz="1200">
-                <a:solidFill>
-                  <a:schemeClr val="tx1">
-                    <a:tint val="82000"/>
-                  </a:schemeClr>
-                </a:solidFill>
-              </a:defRPr>
-            </a:lvl1pPr>
-          </a:lstStyle>
-          <a:p>
-            <a:endParaRPr lang="en-GB"/>
-          </a:p>
-        </p:txBody>
-      </p:sp>
-      <p:sp>
-        <p:nvSpPr>
-          <p:cNvPr id="6" name="Slide Number Placeholder 5">
-            <a:extLst>
-              <a:ext uri="{FF2B5EF4-FFF2-40B4-BE49-F238E27FC236}">
-                <a16:creationId xmlns:a16="http://schemas.microsoft.com/office/drawing/2014/main" id="{733AEF82-6A88-64B6-8DF0-7F496C35EAD4}"/>
-              </a:ext>
-            </a:extLst>
-          </p:cNvPr>
-          <p:cNvSpPr>
-            <a:spLocks noGrp="1"/>
-          </p:cNvSpPr>
-          <p:nvPr>
-            <p:ph type="sldNum" sz="quarter" idx="4"/>
-          </p:nvPr>
-        </p:nvSpPr>
-        <p:spPr>
-          <a:xfrm>
-            <a:off x="8610600" y="6356350"/>
-            <a:ext cx="2743200" cy="365125"/>
+            <a:off x="7279964" y="6245033"/>
+            <a:ext cx="4112222" cy="365125"/>
           </a:xfrm>
           <a:prstGeom prst="rect">
             <a:avLst/>
@@ -3003,58 +6399,183 @@
           <a:bodyPr vert="horz" lIns="91440" tIns="45720" rIns="91440" bIns="45720" rtlCol="0" anchor="ctr"/>
           <a:lstStyle>
             <a:lvl1pPr algn="r">
-              <a:defRPr sz="1200">
+              <a:defRPr sz="1050">
                 <a:solidFill>
-                  <a:schemeClr val="tx1">
-                    <a:tint val="82000"/>
-                  </a:schemeClr>
+                  <a:schemeClr val="tx2"/>
                 </a:solidFill>
               </a:defRPr>
             </a:lvl1pPr>
           </a:lstStyle>
           <a:p>
-            <a:fld id="{F4FA94F1-619B-4F15-94E7-14196A3A9A0B}" type="slidenum">
-              <a:rPr lang="en-GB" smtClean="0"/>
-              <a:t>‹#›</a:t>
-            </a:fld>
-            <a:endParaRPr lang="en-GB"/>
+            <a:endParaRPr lang="en-US"/>
+          </a:p>
+        </p:txBody>
+      </p:sp>
+      <p:sp>
+        <p:nvSpPr>
+          <p:cNvPr id="16" name="Freeform: Shape 15">
+            <a:extLst>
+              <a:ext uri="{FF2B5EF4-FFF2-40B4-BE49-F238E27FC236}">
+                <a16:creationId xmlns:a16="http://schemas.microsoft.com/office/drawing/2014/main" id="{9EB54D17-3792-403D-9127-495845021D2B}"/>
+              </a:ext>
+            </a:extLst>
+          </p:cNvPr>
+          <p:cNvSpPr/>
+          <p:nvPr/>
+        </p:nvSpPr>
+        <p:spPr>
+          <a:xfrm>
+            <a:off x="0" y="0"/>
+            <a:ext cx="12192000" cy="6858000"/>
+          </a:xfrm>
+          <a:custGeom>
+            <a:avLst/>
+            <a:gdLst>
+              <a:gd name="connsiteX0" fmla="*/ 160920 w 12192000"/>
+              <a:gd name="connsiteY0" fmla="*/ 157606 h 6858000"/>
+              <a:gd name="connsiteX1" fmla="*/ 160920 w 12192000"/>
+              <a:gd name="connsiteY1" fmla="*/ 6700394 h 6858000"/>
+              <a:gd name="connsiteX2" fmla="*/ 12031081 w 12192000"/>
+              <a:gd name="connsiteY2" fmla="*/ 6700394 h 6858000"/>
+              <a:gd name="connsiteX3" fmla="*/ 12031081 w 12192000"/>
+              <a:gd name="connsiteY3" fmla="*/ 157606 h 6858000"/>
+              <a:gd name="connsiteX4" fmla="*/ 0 w 12192000"/>
+              <a:gd name="connsiteY4" fmla="*/ 0 h 6858000"/>
+              <a:gd name="connsiteX5" fmla="*/ 12192000 w 12192000"/>
+              <a:gd name="connsiteY5" fmla="*/ 0 h 6858000"/>
+              <a:gd name="connsiteX6" fmla="*/ 12192000 w 12192000"/>
+              <a:gd name="connsiteY6" fmla="*/ 6858000 h 6858000"/>
+              <a:gd name="connsiteX7" fmla="*/ 0 w 12192000"/>
+              <a:gd name="connsiteY7" fmla="*/ 6858000 h 6858000"/>
+            </a:gdLst>
+            <a:ahLst/>
+            <a:cxnLst>
+              <a:cxn ang="0">
+                <a:pos x="connsiteX0" y="connsiteY0"/>
+              </a:cxn>
+              <a:cxn ang="0">
+                <a:pos x="connsiteX1" y="connsiteY1"/>
+              </a:cxn>
+              <a:cxn ang="0">
+                <a:pos x="connsiteX2" y="connsiteY2"/>
+              </a:cxn>
+              <a:cxn ang="0">
+                <a:pos x="connsiteX3" y="connsiteY3"/>
+              </a:cxn>
+              <a:cxn ang="0">
+                <a:pos x="connsiteX4" y="connsiteY4"/>
+              </a:cxn>
+              <a:cxn ang="0">
+                <a:pos x="connsiteX5" y="connsiteY5"/>
+              </a:cxn>
+              <a:cxn ang="0">
+                <a:pos x="connsiteX6" y="connsiteY6"/>
+              </a:cxn>
+              <a:cxn ang="0">
+                <a:pos x="connsiteX7" y="connsiteY7"/>
+              </a:cxn>
+            </a:cxnLst>
+            <a:rect l="l" t="t" r="r" b="b"/>
+            <a:pathLst>
+              <a:path w="12192000" h="6858000">
+                <a:moveTo>
+                  <a:pt x="160920" y="157606"/>
+                </a:moveTo>
+                <a:lnTo>
+                  <a:pt x="160920" y="6700394"/>
+                </a:lnTo>
+                <a:lnTo>
+                  <a:pt x="12031081" y="6700394"/>
+                </a:lnTo>
+                <a:lnTo>
+                  <a:pt x="12031081" y="157606"/>
+                </a:lnTo>
+                <a:close/>
+                <a:moveTo>
+                  <a:pt x="0" y="0"/>
+                </a:moveTo>
+                <a:lnTo>
+                  <a:pt x="12192000" y="0"/>
+                </a:lnTo>
+                <a:lnTo>
+                  <a:pt x="12192000" y="6858000"/>
+                </a:lnTo>
+                <a:lnTo>
+                  <a:pt x="0" y="6858000"/>
+                </a:lnTo>
+                <a:close/>
+              </a:path>
+            </a:pathLst>
+          </a:custGeom>
+          <a:solidFill>
+            <a:schemeClr val="bg2"/>
+          </a:solidFill>
+          <a:ln w="12700" cap="flat" cmpd="sng" algn="ctr">
+            <a:noFill/>
+            <a:prstDash val="solid"/>
+            <a:miter lim="800000"/>
+          </a:ln>
+          <a:effectLst/>
+        </p:spPr>
+        <p:style>
+          <a:lnRef idx="2">
+            <a:schemeClr val="accent1">
+              <a:shade val="50000"/>
+            </a:schemeClr>
+          </a:lnRef>
+          <a:fillRef idx="1">
+            <a:schemeClr val="accent1"/>
+          </a:fillRef>
+          <a:effectRef idx="0">
+            <a:schemeClr val="accent1"/>
+          </a:effectRef>
+          <a:fontRef idx="minor">
+            <a:schemeClr val="lt1"/>
+          </a:fontRef>
+        </p:style>
+        <p:txBody>
+          <a:bodyPr rtlCol="0" anchor="ctr"/>
+          <a:lstStyle/>
+          <a:p>
+            <a:pPr algn="ctr"/>
+            <a:endParaRPr lang="en-US"/>
           </a:p>
         </p:txBody>
       </p:sp>
     </p:spTree>
     <p:extLst>
       <p:ext uri="{BB962C8B-B14F-4D97-AF65-F5344CB8AC3E}">
-        <p14:creationId xmlns:p14="http://schemas.microsoft.com/office/powerpoint/2010/main" val="4064476298"/>
+        <p14:creationId xmlns:p14="http://schemas.microsoft.com/office/powerpoint/2010/main" val="3517365110"/>
       </p:ext>
     </p:extLst>
   </p:cSld>
   <p:clrMap bg1="lt1" tx1="dk1" bg2="lt2" tx2="dk2" accent1="accent1" accent2="accent2" accent3="accent3" accent4="accent4" accent5="accent5" accent6="accent6" hlink="hlink" folHlink="folHlink"/>
   <p:sldLayoutIdLst>
-    <p:sldLayoutId id="2147483649" r:id="rId1"/>
-    <p:sldLayoutId id="2147483650" r:id="rId2"/>
-    <p:sldLayoutId id="2147483651" r:id="rId3"/>
-    <p:sldLayoutId id="2147483652" r:id="rId4"/>
-    <p:sldLayoutId id="2147483653" r:id="rId5"/>
-    <p:sldLayoutId id="2147483654" r:id="rId6"/>
-    <p:sldLayoutId id="2147483655" r:id="rId7"/>
-    <p:sldLayoutId id="2147483656" r:id="rId8"/>
-    <p:sldLayoutId id="2147483657" r:id="rId9"/>
-    <p:sldLayoutId id="2147483658" r:id="rId10"/>
-    <p:sldLayoutId id="2147483659" r:id="rId11"/>
+    <p:sldLayoutId id="2147483720" r:id="rId1"/>
+    <p:sldLayoutId id="2147483721" r:id="rId2"/>
+    <p:sldLayoutId id="2147483722" r:id="rId3"/>
+    <p:sldLayoutId id="2147483723" r:id="rId4"/>
+    <p:sldLayoutId id="2147483724" r:id="rId5"/>
+    <p:sldLayoutId id="2147483718" r:id="rId6"/>
+    <p:sldLayoutId id="2147483714" r:id="rId7"/>
+    <p:sldLayoutId id="2147483715" r:id="rId8"/>
+    <p:sldLayoutId id="2147483716" r:id="rId9"/>
+    <p:sldLayoutId id="2147483717" r:id="rId10"/>
+    <p:sldLayoutId id="2147483719" r:id="rId11"/>
   </p:sldLayoutIdLst>
   <p:txStyles>
     <p:titleStyle>
       <a:lvl1pPr algn="l" defTabSz="914400" rtl="0" eaLnBrk="1" latinLnBrk="0" hangingPunct="1">
         <a:lnSpc>
-          <a:spcPct val="90000"/>
+          <a:spcPct val="110000"/>
         </a:lnSpc>
         <a:spcBef>
           <a:spcPct val="0"/>
         </a:spcBef>
         <a:buNone/>
-        <a:defRPr sz="4400" kern="1200">
+        <a:defRPr sz="3200" kern="1200" cap="none" baseline="0">
           <a:solidFill>
-            <a:schemeClr val="tx1"/>
+            <a:schemeClr val="tx2"/>
           </a:solidFill>
           <a:latin typeface="+mj-lt"/>
           <a:ea typeface="+mj-ea"/>
@@ -3063,90 +6584,91 @@
       </a:lvl1pPr>
     </p:titleStyle>
     <p:bodyStyle>
-      <a:lvl1pPr marL="228600" indent="-228600" algn="l" defTabSz="914400" rtl="0" eaLnBrk="1" latinLnBrk="0" hangingPunct="1">
+      <a:lvl1pPr marL="0" indent="0" algn="l" defTabSz="914400" rtl="0" eaLnBrk="1" latinLnBrk="0" hangingPunct="1">
         <a:lnSpc>
-          <a:spcPct val="90000"/>
+          <a:spcPct val="110000"/>
         </a:lnSpc>
         <a:spcBef>
           <a:spcPts val="1000"/>
         </a:spcBef>
-        <a:buFont typeface="Arial" panose="020B0604020202020204" pitchFamily="34" charset="0"/>
-        <a:buChar char="•"/>
-        <a:defRPr sz="2800" kern="1200">
+        <a:buFontTx/>
+        <a:buNone/>
+        <a:defRPr sz="2000" kern="1200">
           <a:solidFill>
-            <a:schemeClr val="tx1"/>
+            <a:schemeClr val="tx2"/>
           </a:solidFill>
           <a:latin typeface="+mn-lt"/>
           <a:ea typeface="+mn-ea"/>
           <a:cs typeface="+mn-cs"/>
         </a:defRPr>
       </a:lvl1pPr>
-      <a:lvl2pPr marL="685800" indent="-228600" algn="l" defTabSz="914400" rtl="0" eaLnBrk="1" latinLnBrk="0" hangingPunct="1">
+      <a:lvl2pPr marL="274320" indent="-228600" algn="l" defTabSz="914400" rtl="0" eaLnBrk="1" latinLnBrk="0" hangingPunct="1">
         <a:lnSpc>
-          <a:spcPct val="90000"/>
+          <a:spcPct val="110000"/>
+        </a:lnSpc>
+        <a:spcBef>
+          <a:spcPts val="500"/>
+        </a:spcBef>
+        <a:buSzPct val="85000"/>
+        <a:buFont typeface="Arial" panose="020B0604020202020204" pitchFamily="34" charset="0"/>
+        <a:buChar char="•"/>
+        <a:defRPr sz="1800" kern="1200">
+          <a:solidFill>
+            <a:schemeClr val="tx2"/>
+          </a:solidFill>
+          <a:latin typeface="+mn-lt"/>
+          <a:ea typeface="+mn-ea"/>
+          <a:cs typeface="+mn-cs"/>
+        </a:defRPr>
+      </a:lvl2pPr>
+      <a:lvl3pPr marL="274320" indent="0" algn="l" defTabSz="914400" rtl="0" eaLnBrk="1" latinLnBrk="0" hangingPunct="1">
+        <a:lnSpc>
+          <a:spcPct val="110000"/>
+        </a:lnSpc>
+        <a:spcBef>
+          <a:spcPts val="500"/>
+        </a:spcBef>
+        <a:buFontTx/>
+        <a:buNone/>
+        <a:defRPr sz="1600" kern="1200">
+          <a:solidFill>
+            <a:schemeClr val="tx2"/>
+          </a:solidFill>
+          <a:latin typeface="+mn-lt"/>
+          <a:ea typeface="+mn-ea"/>
+          <a:cs typeface="+mn-cs"/>
+        </a:defRPr>
+      </a:lvl3pPr>
+      <a:lvl4pPr marL="548640" indent="-228600" algn="l" defTabSz="914400" rtl="0" eaLnBrk="1" latinLnBrk="0" hangingPunct="1">
+        <a:lnSpc>
+          <a:spcPct val="110000"/>
         </a:lnSpc>
         <a:spcBef>
           <a:spcPts val="500"/>
         </a:spcBef>
         <a:buFont typeface="Arial" panose="020B0604020202020204" pitchFamily="34" charset="0"/>
         <a:buChar char="•"/>
-        <a:defRPr sz="2400" kern="1200">
+        <a:defRPr sz="1400" kern="1200">
           <a:solidFill>
-            <a:schemeClr val="tx1"/>
-          </a:solidFill>
-          <a:latin typeface="+mn-lt"/>
-          <a:ea typeface="+mn-ea"/>
-          <a:cs typeface="+mn-cs"/>
-        </a:defRPr>
-      </a:lvl2pPr>
-      <a:lvl3pPr marL="1143000" indent="-228600" algn="l" defTabSz="914400" rtl="0" eaLnBrk="1" latinLnBrk="0" hangingPunct="1">
-        <a:lnSpc>
-          <a:spcPct val="90000"/>
-        </a:lnSpc>
-        <a:spcBef>
-          <a:spcPts val="500"/>
-        </a:spcBef>
-        <a:buFont typeface="Arial" panose="020B0604020202020204" pitchFamily="34" charset="0"/>
-        <a:buChar char="•"/>
-        <a:defRPr sz="2000" kern="1200">
-          <a:solidFill>
-            <a:schemeClr val="tx1"/>
-          </a:solidFill>
-          <a:latin typeface="+mn-lt"/>
-          <a:ea typeface="+mn-ea"/>
-          <a:cs typeface="+mn-cs"/>
-        </a:defRPr>
-      </a:lvl3pPr>
-      <a:lvl4pPr marL="1600200" indent="-228600" algn="l" defTabSz="914400" rtl="0" eaLnBrk="1" latinLnBrk="0" hangingPunct="1">
-        <a:lnSpc>
-          <a:spcPct val="90000"/>
-        </a:lnSpc>
-        <a:spcBef>
-          <a:spcPts val="500"/>
-        </a:spcBef>
-        <a:buFont typeface="Arial" panose="020B0604020202020204" pitchFamily="34" charset="0"/>
-        <a:buChar char="•"/>
-        <a:defRPr sz="1800" kern="1200">
-          <a:solidFill>
-            <a:schemeClr val="tx1"/>
+            <a:schemeClr val="tx2"/>
           </a:solidFill>
           <a:latin typeface="+mn-lt"/>
           <a:ea typeface="+mn-ea"/>
           <a:cs typeface="+mn-cs"/>
         </a:defRPr>
       </a:lvl4pPr>
-      <a:lvl5pPr marL="2057400" indent="-228600" algn="l" defTabSz="914400" rtl="0" eaLnBrk="1" latinLnBrk="0" hangingPunct="1">
+      <a:lvl5pPr marL="548640" indent="0" algn="l" defTabSz="914400" rtl="0" eaLnBrk="1" latinLnBrk="0" hangingPunct="1">
         <a:lnSpc>
-          <a:spcPct val="90000"/>
+          <a:spcPct val="110000"/>
         </a:lnSpc>
         <a:spcBef>
           <a:spcPts val="500"/>
         </a:spcBef>
-        <a:buFont typeface="Arial" panose="020B0604020202020204" pitchFamily="34" charset="0"/>
-        <a:buChar char="•"/>
-        <a:defRPr sz="1800" kern="1200">
+        <a:buFontTx/>
+        <a:buNone/>
+        <a:defRPr sz="1400" kern="1200">
           <a:solidFill>
-            <a:schemeClr val="tx1"/>
+            <a:schemeClr val="tx2"/>
           </a:solidFill>
           <a:latin typeface="+mn-lt"/>
           <a:ea typeface="+mn-ea"/>
@@ -3328,6 +6850,1596 @@
 <file path=ppt/slides/slide1.xml><?xml version="1.0" encoding="utf-8"?>
 <p:sld xmlns:a="http://schemas.openxmlformats.org/drawingml/2006/main" xmlns:r="http://schemas.openxmlformats.org/officeDocument/2006/relationships" xmlns:p="http://schemas.openxmlformats.org/presentationml/2006/main">
   <p:cSld>
+    <p:bg>
+      <p:bgPr>
+        <a:solidFill>
+          <a:schemeClr val="bg1"/>
+        </a:solidFill>
+        <a:effectLst/>
+      </p:bgPr>
+    </p:bg>
+    <p:spTree>
+      <p:nvGrpSpPr>
+        <p:cNvPr id="1" name=""/>
+        <p:cNvGrpSpPr/>
+        <p:nvPr/>
+      </p:nvGrpSpPr>
+      <p:grpSpPr>
+        <a:xfrm>
+          <a:off x="0" y="0"/>
+          <a:ext cx="0" cy="0"/>
+          <a:chOff x="0" y="0"/>
+          <a:chExt cx="0" cy="0"/>
+        </a:xfrm>
+      </p:grpSpPr>
+      <p:sp useBgFill="1">
+        <p:nvSpPr>
+          <p:cNvPr id="17" name="Rectangle 16">
+            <a:extLst>
+              <a:ext uri="{FF2B5EF4-FFF2-40B4-BE49-F238E27FC236}">
+                <a16:creationId xmlns:a16="http://schemas.microsoft.com/office/drawing/2014/main" id="{DD8EACB7-D372-470B-B76E-A829D00310CD}"/>
+              </a:ext>
+              <a:ext uri="{C183D7F6-B498-43B3-948B-1728B52AA6E4}">
+                <adec:decorative xmlns:adec="http://schemas.microsoft.com/office/drawing/2017/decorative" val="1"/>
+              </a:ext>
+            </a:extLst>
+          </p:cNvPr>
+          <p:cNvSpPr>
+            <a:spLocks noGrp="1" noRot="1" noChangeAspect="1" noMove="1" noResize="1" noEditPoints="1" noAdjustHandles="1" noChangeArrowheads="1" noChangeShapeType="1" noTextEdit="1"/>
+          </p:cNvSpPr>
+          <p:nvPr>
+            <p:extLst>
+              <p:ext uri="{386F3935-93C4-4BCD-93E2-E3B085C9AB24}">
+                <p16:designElem xmlns:p16="http://schemas.microsoft.com/office/powerpoint/2015/main" val="1"/>
+              </p:ext>
+            </p:extLst>
+          </p:nvPr>
+        </p:nvSpPr>
+        <p:spPr>
+          <a:xfrm>
+            <a:off x="0" y="0"/>
+            <a:ext cx="12192000" cy="6858000"/>
+          </a:xfrm>
+          <a:prstGeom prst="rect">
+            <a:avLst/>
+          </a:prstGeom>
+          <a:ln w="12700" cap="flat" cmpd="sng" algn="ctr">
+            <a:noFill/>
+            <a:prstDash val="solid"/>
+            <a:miter lim="800000"/>
+          </a:ln>
+          <a:effectLst/>
+          <a:extLst>
+            <a:ext uri="{91240B29-F687-4F45-9708-019B960494DF}">
+              <a14:hiddenLine xmlns:a14="http://schemas.microsoft.com/office/drawing/2010/main" w="12700" cap="flat" cmpd="sng" algn="ctr">
+                <a:solidFill>
+                  <a:schemeClr val="accent1">
+                    <a:shade val="50000"/>
+                  </a:schemeClr>
+                </a:solidFill>
+                <a:prstDash val="solid"/>
+                <a:miter lim="800000"/>
+              </a14:hiddenLine>
+            </a:ext>
+          </a:extLst>
+        </p:spPr>
+        <p:style>
+          <a:lnRef idx="2">
+            <a:schemeClr val="accent1">
+              <a:shade val="50000"/>
+            </a:schemeClr>
+          </a:lnRef>
+          <a:fillRef idx="1">
+            <a:schemeClr val="accent1"/>
+          </a:fillRef>
+          <a:effectRef idx="0">
+            <a:schemeClr val="accent1"/>
+          </a:effectRef>
+          <a:fontRef idx="minor">
+            <a:schemeClr val="lt1"/>
+          </a:fontRef>
+        </p:style>
+        <p:txBody>
+          <a:bodyPr rtlCol="0" anchor="ctr"/>
+          <a:lstStyle/>
+          <a:p>
+            <a:pPr algn="ctr"/>
+            <a:endParaRPr lang="en-US"/>
+          </a:p>
+        </p:txBody>
+      </p:sp>
+      <p:sp>
+        <p:nvSpPr>
+          <p:cNvPr id="19" name="Rectangle 5">
+            <a:extLst>
+              <a:ext uri="{FF2B5EF4-FFF2-40B4-BE49-F238E27FC236}">
+                <a16:creationId xmlns:a16="http://schemas.microsoft.com/office/drawing/2014/main" id="{FBE11A49-02A1-4D4C-9A49-CDF496B1094F}"/>
+              </a:ext>
+              <a:ext uri="{C183D7F6-B498-43B3-948B-1728B52AA6E4}">
+                <adec:decorative xmlns:adec="http://schemas.microsoft.com/office/drawing/2017/decorative" val="1"/>
+              </a:ext>
+            </a:extLst>
+          </p:cNvPr>
+          <p:cNvSpPr>
+            <a:spLocks noGrp="1" noRot="1" noChangeAspect="1" noMove="1" noResize="1" noEditPoints="1" noAdjustHandles="1" noChangeArrowheads="1" noChangeShapeType="1" noTextEdit="1"/>
+          </p:cNvSpPr>
+          <p:nvPr>
+            <p:extLst>
+              <p:ext uri="{386F3935-93C4-4BCD-93E2-E3B085C9AB24}">
+                <p16:designElem xmlns:p16="http://schemas.microsoft.com/office/powerpoint/2015/main" val="1"/>
+              </p:ext>
+            </p:extLst>
+          </p:nvPr>
+        </p:nvSpPr>
+        <p:spPr>
+          <a:xfrm>
+            <a:off x="723900" y="723900"/>
+            <a:ext cx="4614421" cy="5494694"/>
+          </a:xfrm>
+          <a:custGeom>
+            <a:avLst/>
+            <a:gdLst>
+              <a:gd name="connsiteX0" fmla="*/ 0 w 6096000"/>
+              <a:gd name="connsiteY0" fmla="*/ 0 h 6858000"/>
+              <a:gd name="connsiteX1" fmla="*/ 6096000 w 6096000"/>
+              <a:gd name="connsiteY1" fmla="*/ 0 h 6858000"/>
+              <a:gd name="connsiteX2" fmla="*/ 6096000 w 6096000"/>
+              <a:gd name="connsiteY2" fmla="*/ 6858000 h 6858000"/>
+              <a:gd name="connsiteX3" fmla="*/ 0 w 6096000"/>
+              <a:gd name="connsiteY3" fmla="*/ 6858000 h 6858000"/>
+              <a:gd name="connsiteX4" fmla="*/ 0 w 6096000"/>
+              <a:gd name="connsiteY4" fmla="*/ 0 h 6858000"/>
+              <a:gd name="connsiteX0" fmla="*/ 0 w 6096000"/>
+              <a:gd name="connsiteY0" fmla="*/ 0 h 6858000"/>
+              <a:gd name="connsiteX1" fmla="*/ 6096000 w 6096000"/>
+              <a:gd name="connsiteY1" fmla="*/ 0 h 6858000"/>
+              <a:gd name="connsiteX2" fmla="*/ 6096000 w 6096000"/>
+              <a:gd name="connsiteY2" fmla="*/ 6858000 h 6858000"/>
+              <a:gd name="connsiteX3" fmla="*/ 3058886 w 6096000"/>
+              <a:gd name="connsiteY3" fmla="*/ 6858000 h 6858000"/>
+              <a:gd name="connsiteX4" fmla="*/ 0 w 6096000"/>
+              <a:gd name="connsiteY4" fmla="*/ 6858000 h 6858000"/>
+              <a:gd name="connsiteX5" fmla="*/ 0 w 6096000"/>
+              <a:gd name="connsiteY5" fmla="*/ 0 h 6858000"/>
+              <a:gd name="connsiteX0" fmla="*/ 0 w 6096000"/>
+              <a:gd name="connsiteY0" fmla="*/ 0 h 6858000"/>
+              <a:gd name="connsiteX1" fmla="*/ 6096000 w 6096000"/>
+              <a:gd name="connsiteY1" fmla="*/ 0 h 6858000"/>
+              <a:gd name="connsiteX2" fmla="*/ 6096000 w 6096000"/>
+              <a:gd name="connsiteY2" fmla="*/ 6858000 h 6858000"/>
+              <a:gd name="connsiteX3" fmla="*/ 3037115 w 6096000"/>
+              <a:gd name="connsiteY3" fmla="*/ 5889172 h 6858000"/>
+              <a:gd name="connsiteX4" fmla="*/ 0 w 6096000"/>
+              <a:gd name="connsiteY4" fmla="*/ 6858000 h 6858000"/>
+              <a:gd name="connsiteX5" fmla="*/ 0 w 6096000"/>
+              <a:gd name="connsiteY5" fmla="*/ 0 h 6858000"/>
+            </a:gdLst>
+            <a:ahLst/>
+            <a:cxnLst>
+              <a:cxn ang="0">
+                <a:pos x="connsiteX0" y="connsiteY0"/>
+              </a:cxn>
+              <a:cxn ang="0">
+                <a:pos x="connsiteX1" y="connsiteY1"/>
+              </a:cxn>
+              <a:cxn ang="0">
+                <a:pos x="connsiteX2" y="connsiteY2"/>
+              </a:cxn>
+              <a:cxn ang="0">
+                <a:pos x="connsiteX3" y="connsiteY3"/>
+              </a:cxn>
+              <a:cxn ang="0">
+                <a:pos x="connsiteX4" y="connsiteY4"/>
+              </a:cxn>
+              <a:cxn ang="0">
+                <a:pos x="connsiteX5" y="connsiteY5"/>
+              </a:cxn>
+            </a:cxnLst>
+            <a:rect l="l" t="t" r="r" b="b"/>
+            <a:pathLst>
+              <a:path w="6096000" h="6858000">
+                <a:moveTo>
+                  <a:pt x="0" y="0"/>
+                </a:moveTo>
+                <a:lnTo>
+                  <a:pt x="6096000" y="0"/>
+                </a:lnTo>
+                <a:lnTo>
+                  <a:pt x="6096000" y="6858000"/>
+                </a:lnTo>
+                <a:lnTo>
+                  <a:pt x="3037115" y="5889172"/>
+                </a:lnTo>
+                <a:lnTo>
+                  <a:pt x="0" y="6858000"/>
+                </a:lnTo>
+                <a:lnTo>
+                  <a:pt x="0" y="0"/>
+                </a:lnTo>
+                <a:close/>
+              </a:path>
+            </a:pathLst>
+          </a:custGeom>
+          <a:solidFill>
+            <a:schemeClr val="bg2"/>
+          </a:solidFill>
+          <a:ln>
+            <a:noFill/>
+          </a:ln>
+        </p:spPr>
+        <p:style>
+          <a:lnRef idx="2">
+            <a:schemeClr val="accent1">
+              <a:shade val="50000"/>
+            </a:schemeClr>
+          </a:lnRef>
+          <a:fillRef idx="1">
+            <a:schemeClr val="accent1"/>
+          </a:fillRef>
+          <a:effectRef idx="0">
+            <a:schemeClr val="accent1"/>
+          </a:effectRef>
+          <a:fontRef idx="minor">
+            <a:schemeClr val="lt1"/>
+          </a:fontRef>
+        </p:style>
+        <p:txBody>
+          <a:bodyPr rtlCol="0" anchor="ctr"/>
+          <a:lstStyle/>
+          <a:p>
+            <a:pPr algn="ctr"/>
+            <a:endParaRPr lang="en-US"/>
+          </a:p>
+        </p:txBody>
+      </p:sp>
+      <p:sp>
+        <p:nvSpPr>
+          <p:cNvPr id="2" name="Title 1">
+            <a:extLst>
+              <a:ext uri="{FF2B5EF4-FFF2-40B4-BE49-F238E27FC236}">
+                <a16:creationId xmlns:a16="http://schemas.microsoft.com/office/drawing/2014/main" id="{0357B532-A49D-951C-2F74-7D13AB027704}"/>
+              </a:ext>
+            </a:extLst>
+          </p:cNvPr>
+          <p:cNvSpPr>
+            <a:spLocks noGrp="1"/>
+          </p:cNvSpPr>
+          <p:nvPr>
+            <p:ph type="ctrTitle"/>
+          </p:nvPr>
+        </p:nvSpPr>
+        <p:spPr>
+          <a:xfrm>
+            <a:off x="1082340" y="1066800"/>
+            <a:ext cx="3931320" cy="2267193"/>
+          </a:xfrm>
+        </p:spPr>
+        <p:txBody>
+          <a:bodyPr>
+            <a:normAutofit/>
+          </a:bodyPr>
+          <a:lstStyle/>
+          <a:p>
+            <a:r>
+              <a:rPr lang="en-GB"/>
+              <a:t>DIRT Hub – a reflection tool for students</a:t>
+            </a:r>
+          </a:p>
+        </p:txBody>
+      </p:sp>
+      <p:sp>
+        <p:nvSpPr>
+          <p:cNvPr id="3" name="Subtitle 2">
+            <a:extLst>
+              <a:ext uri="{FF2B5EF4-FFF2-40B4-BE49-F238E27FC236}">
+                <a16:creationId xmlns:a16="http://schemas.microsoft.com/office/drawing/2014/main" id="{B5CD4068-AFCC-B856-1EF0-62E48E7614EA}"/>
+              </a:ext>
+            </a:extLst>
+          </p:cNvPr>
+          <p:cNvSpPr>
+            <a:spLocks noGrp="1"/>
+          </p:cNvSpPr>
+          <p:nvPr>
+            <p:ph type="subTitle" idx="1"/>
+          </p:nvPr>
+        </p:nvSpPr>
+        <p:spPr>
+          <a:xfrm>
+            <a:off x="1082340" y="4327781"/>
+            <a:ext cx="3931321" cy="1033669"/>
+          </a:xfrm>
+        </p:spPr>
+        <p:txBody>
+          <a:bodyPr>
+            <a:normAutofit/>
+          </a:bodyPr>
+          <a:lstStyle/>
+          <a:p>
+            <a:r>
+              <a:rPr lang="en-GB"/>
+              <a:t>By  Ben Chapman</a:t>
+            </a:r>
+          </a:p>
+        </p:txBody>
+      </p:sp>
+      <p:pic>
+        <p:nvPicPr>
+          <p:cNvPr id="5" name="Picture 4" descr="A screenshot of a computer&#10;&#10;Description automatically generated">
+            <a:extLst>
+              <a:ext uri="{FF2B5EF4-FFF2-40B4-BE49-F238E27FC236}">
+                <a16:creationId xmlns:a16="http://schemas.microsoft.com/office/drawing/2014/main" id="{946F9805-52E6-99FF-C309-C004740F8C95}"/>
+              </a:ext>
+            </a:extLst>
+          </p:cNvPr>
+          <p:cNvPicPr>
+            <a:picLocks noChangeAspect="1"/>
+          </p:cNvPicPr>
+          <p:nvPr/>
+        </p:nvPicPr>
+        <p:blipFill>
+          <a:blip r:embed="rId2"/>
+          <a:srcRect t="5263"/>
+          <a:stretch/>
+        </p:blipFill>
+        <p:spPr>
+          <a:xfrm>
+            <a:off x="6062222" y="2214593"/>
+            <a:ext cx="5439657" cy="2447850"/>
+          </a:xfrm>
+          <a:prstGeom prst="rect">
+            <a:avLst/>
+          </a:prstGeom>
+        </p:spPr>
+      </p:pic>
+      <p:grpSp>
+        <p:nvGrpSpPr>
+          <p:cNvPr id="21" name="Group 20">
+            <a:extLst>
+              <a:ext uri="{FF2B5EF4-FFF2-40B4-BE49-F238E27FC236}">
+                <a16:creationId xmlns:a16="http://schemas.microsoft.com/office/drawing/2014/main" id="{F1732D3A-CFF0-45BE-AD79-F83D0272C6C6}"/>
+              </a:ext>
+              <a:ext uri="{C183D7F6-B498-43B3-948B-1728B52AA6E4}">
+                <adec:decorative xmlns:adec="http://schemas.microsoft.com/office/drawing/2017/decorative" val="1"/>
+              </a:ext>
+            </a:extLst>
+          </p:cNvPr>
+          <p:cNvGrpSpPr>
+            <a:grpSpLocks noGrp="1" noUngrp="1" noRot="1" noChangeAspect="1" noMove="1" noResize="1"/>
+          </p:cNvGrpSpPr>
+          <p:nvPr>
+            <p:extLst>
+              <p:ext uri="{386F3935-93C4-4BCD-93E2-E3B085C9AB24}">
+                <p16:designElem xmlns:p16="http://schemas.microsoft.com/office/powerpoint/2015/main" val="1"/>
+              </p:ext>
+            </p:extLst>
+          </p:nvPr>
+        </p:nvGrpSpPr>
+        <p:grpSpPr>
+          <a:xfrm>
+            <a:off x="2614258" y="3871114"/>
+            <a:ext cx="867485" cy="115439"/>
+            <a:chOff x="8910933" y="1861308"/>
+            <a:chExt cx="867485" cy="115439"/>
+          </a:xfrm>
+        </p:grpSpPr>
+        <p:sp>
+          <p:nvSpPr>
+            <p:cNvPr id="22" name="Rectangle 21">
+              <a:extLst>
+                <a:ext uri="{FF2B5EF4-FFF2-40B4-BE49-F238E27FC236}">
+                  <a16:creationId xmlns:a16="http://schemas.microsoft.com/office/drawing/2014/main" id="{C892F72C-7FB6-49C8-A402-D5DC42DB6746}"/>
+                </a:ext>
+                <a:ext uri="{C183D7F6-B498-43B3-948B-1728B52AA6E4}">
+                  <adec:decorative xmlns:adec="http://schemas.microsoft.com/office/drawing/2017/decorative" val="1"/>
+                </a:ext>
+              </a:extLst>
+            </p:cNvPr>
+            <p:cNvSpPr/>
+            <p:nvPr>
+              <p:extLst>
+                <p:ext uri="{386F3935-93C4-4BCD-93E2-E3B085C9AB24}">
+                  <p16:designElem xmlns:p16="http://schemas.microsoft.com/office/powerpoint/2015/main" val="1"/>
+                </p:ext>
+              </p:extLst>
+            </p:nvPr>
+          </p:nvSpPr>
+          <p:spPr>
+            <a:xfrm rot="18964825" flipH="1">
+              <a:off x="9286956" y="1861308"/>
+              <a:ext cx="115439" cy="115439"/>
+            </a:xfrm>
+            <a:prstGeom prst="rect">
+              <a:avLst/>
+            </a:prstGeom>
+            <a:noFill/>
+            <a:ln w="15875">
+              <a:solidFill>
+                <a:schemeClr val="tx2"/>
+              </a:solidFill>
+            </a:ln>
+          </p:spPr>
+          <p:style>
+            <a:lnRef idx="2">
+              <a:schemeClr val="accent1">
+                <a:shade val="50000"/>
+              </a:schemeClr>
+            </a:lnRef>
+            <a:fillRef idx="1">
+              <a:schemeClr val="accent1"/>
+            </a:fillRef>
+            <a:effectRef idx="0">
+              <a:schemeClr val="accent1"/>
+            </a:effectRef>
+            <a:fontRef idx="minor">
+              <a:schemeClr val="lt1"/>
+            </a:fontRef>
+          </p:style>
+          <p:txBody>
+            <a:bodyPr rtlCol="0" anchor="ctr"/>
+            <a:lstStyle/>
+            <a:p>
+              <a:pPr algn="ctr"/>
+              <a:endParaRPr lang="en-US"/>
+            </a:p>
+          </p:txBody>
+        </p:sp>
+        <p:cxnSp>
+          <p:nvCxnSpPr>
+            <p:cNvPr id="23" name="Straight Connector 22">
+              <a:extLst>
+                <a:ext uri="{FF2B5EF4-FFF2-40B4-BE49-F238E27FC236}">
+                  <a16:creationId xmlns:a16="http://schemas.microsoft.com/office/drawing/2014/main" id="{FC92C2E1-605F-49BD-8AC8-DC52B3015E39}"/>
+                </a:ext>
+                <a:ext uri="{C183D7F6-B498-43B3-948B-1728B52AA6E4}">
+                  <adec:decorative xmlns:adec="http://schemas.microsoft.com/office/drawing/2017/decorative" val="1"/>
+                </a:ext>
+              </a:extLst>
+            </p:cNvPr>
+            <p:cNvCxnSpPr/>
+            <p:nvPr>
+              <p:extLst>
+                <p:ext uri="{386F3935-93C4-4BCD-93E2-E3B085C9AB24}">
+                  <p16:designElem xmlns:p16="http://schemas.microsoft.com/office/powerpoint/2015/main" val="1"/>
+                </p:ext>
+              </p:extLst>
+            </p:nvPr>
+          </p:nvCxnSpPr>
+          <p:spPr>
+            <a:xfrm>
+              <a:off x="9426289" y="1919027"/>
+              <a:ext cx="352129" cy="0"/>
+            </a:xfrm>
+            <a:prstGeom prst="line">
+              <a:avLst/>
+            </a:prstGeom>
+            <a:ln w="15875">
+              <a:solidFill>
+                <a:schemeClr val="tx2"/>
+              </a:solidFill>
+            </a:ln>
+          </p:spPr>
+          <p:style>
+            <a:lnRef idx="1">
+              <a:schemeClr val="accent1"/>
+            </a:lnRef>
+            <a:fillRef idx="0">
+              <a:schemeClr val="accent1"/>
+            </a:fillRef>
+            <a:effectRef idx="0">
+              <a:schemeClr val="accent1"/>
+            </a:effectRef>
+            <a:fontRef idx="minor">
+              <a:schemeClr val="tx1"/>
+            </a:fontRef>
+          </p:style>
+        </p:cxnSp>
+        <p:cxnSp>
+          <p:nvCxnSpPr>
+            <p:cNvPr id="24" name="Straight Connector 23">
+              <a:extLst>
+                <a:ext uri="{FF2B5EF4-FFF2-40B4-BE49-F238E27FC236}">
+                  <a16:creationId xmlns:a16="http://schemas.microsoft.com/office/drawing/2014/main" id="{38BE2E0F-EE6D-4748-AB8F-724D0DDC6E00}"/>
+                </a:ext>
+                <a:ext uri="{C183D7F6-B498-43B3-948B-1728B52AA6E4}">
+                  <adec:decorative xmlns:adec="http://schemas.microsoft.com/office/drawing/2017/decorative" val="1"/>
+                </a:ext>
+              </a:extLst>
+            </p:cNvPr>
+            <p:cNvCxnSpPr/>
+            <p:nvPr>
+              <p:extLst>
+                <p:ext uri="{386F3935-93C4-4BCD-93E2-E3B085C9AB24}">
+                  <p16:designElem xmlns:p16="http://schemas.microsoft.com/office/powerpoint/2015/main" val="1"/>
+                </p:ext>
+              </p:extLst>
+            </p:nvPr>
+          </p:nvCxnSpPr>
+          <p:spPr>
+            <a:xfrm>
+              <a:off x="8910933" y="1919027"/>
+              <a:ext cx="352129" cy="0"/>
+            </a:xfrm>
+            <a:prstGeom prst="line">
+              <a:avLst/>
+            </a:prstGeom>
+            <a:ln w="15875">
+              <a:solidFill>
+                <a:schemeClr val="tx2"/>
+              </a:solidFill>
+            </a:ln>
+          </p:spPr>
+          <p:style>
+            <a:lnRef idx="1">
+              <a:schemeClr val="accent1"/>
+            </a:lnRef>
+            <a:fillRef idx="0">
+              <a:schemeClr val="accent1"/>
+            </a:fillRef>
+            <a:effectRef idx="0">
+              <a:schemeClr val="accent1"/>
+            </a:effectRef>
+            <a:fontRef idx="minor">
+              <a:schemeClr val="tx1"/>
+            </a:fontRef>
+          </p:style>
+        </p:cxnSp>
+      </p:grpSp>
+    </p:spTree>
+    <p:extLst>
+      <p:ext uri="{BB962C8B-B14F-4D97-AF65-F5344CB8AC3E}">
+        <p14:creationId xmlns:p14="http://schemas.microsoft.com/office/powerpoint/2010/main" val="146356456"/>
+      </p:ext>
+    </p:extLst>
+  </p:cSld>
+  <p:clrMapOvr>
+    <a:masterClrMapping/>
+  </p:clrMapOvr>
+</p:sld>
+</file>
+
+<file path=ppt/slides/slide2.xml><?xml version="1.0" encoding="utf-8"?>
+<p:sld xmlns:a="http://schemas.openxmlformats.org/drawingml/2006/main" xmlns:r="http://schemas.openxmlformats.org/officeDocument/2006/relationships" xmlns:p="http://schemas.openxmlformats.org/presentationml/2006/main">
+  <p:cSld>
+    <p:bg>
+      <p:bgPr>
+        <a:solidFill>
+          <a:schemeClr val="bg1"/>
+        </a:solidFill>
+        <a:effectLst/>
+      </p:bgPr>
+    </p:bg>
+    <p:spTree>
+      <p:nvGrpSpPr>
+        <p:cNvPr id="1" name=""/>
+        <p:cNvGrpSpPr/>
+        <p:nvPr/>
+      </p:nvGrpSpPr>
+      <p:grpSpPr>
+        <a:xfrm>
+          <a:off x="0" y="0"/>
+          <a:ext cx="0" cy="0"/>
+          <a:chOff x="0" y="0"/>
+          <a:chExt cx="0" cy="0"/>
+        </a:xfrm>
+      </p:grpSpPr>
+      <p:sp useBgFill="1">
+        <p:nvSpPr>
+          <p:cNvPr id="9" name="Rectangle 8">
+            <a:extLst>
+              <a:ext uri="{FF2B5EF4-FFF2-40B4-BE49-F238E27FC236}">
+                <a16:creationId xmlns:a16="http://schemas.microsoft.com/office/drawing/2014/main" id="{7B22176A-41DB-4D9A-9B6F-F2296F1ED173}"/>
+              </a:ext>
+              <a:ext uri="{C183D7F6-B498-43B3-948B-1728B52AA6E4}">
+                <adec:decorative xmlns:adec="http://schemas.microsoft.com/office/drawing/2017/decorative" val="1"/>
+              </a:ext>
+            </a:extLst>
+          </p:cNvPr>
+          <p:cNvSpPr>
+            <a:spLocks noGrp="1" noRot="1" noChangeAspect="1" noMove="1" noResize="1" noEditPoints="1" noAdjustHandles="1" noChangeArrowheads="1" noChangeShapeType="1" noTextEdit="1"/>
+          </p:cNvSpPr>
+          <p:nvPr>
+            <p:extLst>
+              <p:ext uri="{386F3935-93C4-4BCD-93E2-E3B085C9AB24}">
+                <p16:designElem xmlns:p16="http://schemas.microsoft.com/office/powerpoint/2015/main" val="1"/>
+              </p:ext>
+            </p:extLst>
+          </p:nvPr>
+        </p:nvSpPr>
+        <p:spPr>
+          <a:xfrm>
+            <a:off x="0" y="0"/>
+            <a:ext cx="12192000" cy="6858000"/>
+          </a:xfrm>
+          <a:prstGeom prst="rect">
+            <a:avLst/>
+          </a:prstGeom>
+          <a:ln w="12700" cap="flat" cmpd="sng" algn="ctr">
+            <a:noFill/>
+            <a:prstDash val="solid"/>
+            <a:miter lim="800000"/>
+          </a:ln>
+          <a:effectLst/>
+        </p:spPr>
+        <p:style>
+          <a:lnRef idx="2">
+            <a:schemeClr val="accent1">
+              <a:shade val="50000"/>
+            </a:schemeClr>
+          </a:lnRef>
+          <a:fillRef idx="1">
+            <a:schemeClr val="accent1"/>
+          </a:fillRef>
+          <a:effectRef idx="0">
+            <a:schemeClr val="accent1"/>
+          </a:effectRef>
+          <a:fontRef idx="minor">
+            <a:schemeClr val="lt1"/>
+          </a:fontRef>
+        </p:style>
+        <p:txBody>
+          <a:bodyPr rtlCol="0" anchor="ctr"/>
+          <a:lstStyle/>
+          <a:p>
+            <a:pPr algn="ctr"/>
+            <a:endParaRPr lang="en-US"/>
+          </a:p>
+        </p:txBody>
+      </p:sp>
+      <p:sp>
+        <p:nvSpPr>
+          <p:cNvPr id="11" name="Rectangle 10">
+            <a:extLst>
+              <a:ext uri="{FF2B5EF4-FFF2-40B4-BE49-F238E27FC236}">
+                <a16:creationId xmlns:a16="http://schemas.microsoft.com/office/drawing/2014/main" id="{774A8DF5-445E-49C5-B10A-8DF5FEFBCC46}"/>
+              </a:ext>
+              <a:ext uri="{C183D7F6-B498-43B3-948B-1728B52AA6E4}">
+                <adec:decorative xmlns:adec="http://schemas.microsoft.com/office/drawing/2017/decorative" val="1"/>
+              </a:ext>
+            </a:extLst>
+          </p:cNvPr>
+          <p:cNvSpPr>
+            <a:spLocks noGrp="1" noRot="1" noChangeAspect="1" noMove="1" noResize="1" noEditPoints="1" noAdjustHandles="1" noChangeArrowheads="1" noChangeShapeType="1" noTextEdit="1"/>
+          </p:cNvSpPr>
+          <p:nvPr>
+            <p:extLst>
+              <p:ext uri="{386F3935-93C4-4BCD-93E2-E3B085C9AB24}">
+                <p16:designElem xmlns:p16="http://schemas.microsoft.com/office/powerpoint/2015/main" val="1"/>
+              </p:ext>
+            </p:extLst>
+          </p:nvPr>
+        </p:nvSpPr>
+        <p:spPr>
+          <a:xfrm>
+            <a:off x="0" y="0"/>
+            <a:ext cx="12192000" cy="6858000"/>
+          </a:xfrm>
+          <a:prstGeom prst="rect">
+            <a:avLst/>
+          </a:prstGeom>
+          <a:solidFill>
+            <a:schemeClr val="bg2"/>
+          </a:solidFill>
+          <a:ln w="12700" cap="flat" cmpd="sng" algn="ctr">
+            <a:noFill/>
+            <a:prstDash val="solid"/>
+            <a:miter lim="800000"/>
+          </a:ln>
+          <a:effectLst/>
+        </p:spPr>
+        <p:style>
+          <a:lnRef idx="2">
+            <a:schemeClr val="accent1">
+              <a:shade val="50000"/>
+            </a:schemeClr>
+          </a:lnRef>
+          <a:fillRef idx="1">
+            <a:schemeClr val="accent1"/>
+          </a:fillRef>
+          <a:effectRef idx="0">
+            <a:schemeClr val="accent1"/>
+          </a:effectRef>
+          <a:fontRef idx="minor">
+            <a:schemeClr val="lt1"/>
+          </a:fontRef>
+        </p:style>
+        <p:txBody>
+          <a:bodyPr rtlCol="0" anchor="ctr"/>
+          <a:lstStyle/>
+          <a:p>
+            <a:pPr algn="ctr"/>
+            <a:endParaRPr lang="en-US"/>
+          </a:p>
+        </p:txBody>
+      </p:sp>
+      <p:sp>
+        <p:nvSpPr>
+          <p:cNvPr id="13" name="Rectangle 12">
+            <a:extLst>
+              <a:ext uri="{FF2B5EF4-FFF2-40B4-BE49-F238E27FC236}">
+                <a16:creationId xmlns:a16="http://schemas.microsoft.com/office/drawing/2014/main" id="{9A4E38D9-EFB8-40B5-B42B-514FBF180360}"/>
+              </a:ext>
+              <a:ext uri="{C183D7F6-B498-43B3-948B-1728B52AA6E4}">
+                <adec:decorative xmlns:adec="http://schemas.microsoft.com/office/drawing/2017/decorative" val="1"/>
+              </a:ext>
+            </a:extLst>
+          </p:cNvPr>
+          <p:cNvSpPr>
+            <a:spLocks noGrp="1" noRot="1" noChangeAspect="1" noMove="1" noResize="1" noEditPoints="1" noAdjustHandles="1" noChangeArrowheads="1" noChangeShapeType="1" noTextEdit="1"/>
+          </p:cNvSpPr>
+          <p:nvPr>
+            <p:extLst>
+              <p:ext uri="{386F3935-93C4-4BCD-93E2-E3B085C9AB24}">
+                <p16:designElem xmlns:p16="http://schemas.microsoft.com/office/powerpoint/2015/main" val="1"/>
+              </p:ext>
+            </p:extLst>
+          </p:nvPr>
+        </p:nvSpPr>
+        <p:spPr>
+          <a:xfrm>
+            <a:off x="160920" y="157606"/>
+            <a:ext cx="11870161" cy="6542788"/>
+          </a:xfrm>
+          <a:prstGeom prst="rect">
+            <a:avLst/>
+          </a:prstGeom>
+          <a:solidFill>
+            <a:schemeClr val="bg1"/>
+          </a:solidFill>
+          <a:ln>
+            <a:noFill/>
+          </a:ln>
+        </p:spPr>
+        <p:style>
+          <a:lnRef idx="2">
+            <a:schemeClr val="accent1">
+              <a:shade val="50000"/>
+            </a:schemeClr>
+          </a:lnRef>
+          <a:fillRef idx="1">
+            <a:schemeClr val="accent1"/>
+          </a:fillRef>
+          <a:effectRef idx="0">
+            <a:schemeClr val="accent1"/>
+          </a:effectRef>
+          <a:fontRef idx="minor">
+            <a:schemeClr val="lt1"/>
+          </a:fontRef>
+        </p:style>
+        <p:txBody>
+          <a:bodyPr rtlCol="0" anchor="ctr"/>
+          <a:lstStyle/>
+          <a:p>
+            <a:pPr algn="ctr"/>
+            <a:endParaRPr lang="en-US"/>
+          </a:p>
+        </p:txBody>
+      </p:sp>
+      <p:sp>
+        <p:nvSpPr>
+          <p:cNvPr id="2" name="Title 1">
+            <a:extLst>
+              <a:ext uri="{FF2B5EF4-FFF2-40B4-BE49-F238E27FC236}">
+                <a16:creationId xmlns:a16="http://schemas.microsoft.com/office/drawing/2014/main" id="{25390111-044F-A538-22A2-0BD78945F565}"/>
+              </a:ext>
+            </a:extLst>
+          </p:cNvPr>
+          <p:cNvSpPr>
+            <a:spLocks noGrp="1"/>
+          </p:cNvSpPr>
+          <p:nvPr>
+            <p:ph type="title"/>
+          </p:nvPr>
+        </p:nvSpPr>
+        <p:spPr>
+          <a:xfrm>
+            <a:off x="1028701" y="963919"/>
+            <a:ext cx="10134600" cy="1036994"/>
+          </a:xfrm>
+        </p:spPr>
+        <p:txBody>
+          <a:bodyPr anchor="b">
+            <a:normAutofit/>
+          </a:bodyPr>
+          <a:lstStyle/>
+          <a:p>
+            <a:pPr algn="ctr"/>
+            <a:r>
+              <a:rPr lang="en-GB" dirty="0"/>
+              <a:t>Outline</a:t>
+            </a:r>
+            <a:endParaRPr lang="en-GB"/>
+          </a:p>
+        </p:txBody>
+      </p:sp>
+      <p:grpSp>
+        <p:nvGrpSpPr>
+          <p:cNvPr id="15" name="Group 14">
+            <a:extLst>
+              <a:ext uri="{FF2B5EF4-FFF2-40B4-BE49-F238E27FC236}">
+                <a16:creationId xmlns:a16="http://schemas.microsoft.com/office/drawing/2014/main" id="{D87FFE71-34DC-4C53-AE0F-6B141D081D09}"/>
+              </a:ext>
+              <a:ext uri="{C183D7F6-B498-43B3-948B-1728B52AA6E4}">
+                <adec:decorative xmlns:adec="http://schemas.microsoft.com/office/drawing/2017/decorative" val="1"/>
+              </a:ext>
+            </a:extLst>
+          </p:cNvPr>
+          <p:cNvGrpSpPr>
+            <a:grpSpLocks noGrp="1" noUngrp="1" noRot="1" noChangeAspect="1" noMove="1" noResize="1"/>
+          </p:cNvGrpSpPr>
+          <p:nvPr>
+            <p:extLst>
+              <p:ext uri="{386F3935-93C4-4BCD-93E2-E3B085C9AB24}">
+                <p16:designElem xmlns:p16="http://schemas.microsoft.com/office/powerpoint/2015/main" val="1"/>
+              </p:ext>
+            </p:extLst>
+          </p:nvPr>
+        </p:nvGrpSpPr>
+        <p:grpSpPr>
+          <a:xfrm>
+            <a:off x="5662257" y="2169459"/>
+            <a:ext cx="867485" cy="115439"/>
+            <a:chOff x="8910933" y="1861308"/>
+            <a:chExt cx="867485" cy="115439"/>
+          </a:xfrm>
+        </p:grpSpPr>
+        <p:sp>
+          <p:nvSpPr>
+            <p:cNvPr id="16" name="Rectangle 15">
+              <a:extLst>
+                <a:ext uri="{FF2B5EF4-FFF2-40B4-BE49-F238E27FC236}">
+                  <a16:creationId xmlns:a16="http://schemas.microsoft.com/office/drawing/2014/main" id="{37DF92F1-0E20-46AC-BB8F-F66926B40C84}"/>
+                </a:ext>
+                <a:ext uri="{C183D7F6-B498-43B3-948B-1728B52AA6E4}">
+                  <adec:decorative xmlns:adec="http://schemas.microsoft.com/office/drawing/2017/decorative" val="1"/>
+                </a:ext>
+              </a:extLst>
+            </p:cNvPr>
+            <p:cNvSpPr/>
+            <p:nvPr>
+              <p:extLst>
+                <p:ext uri="{386F3935-93C4-4BCD-93E2-E3B085C9AB24}">
+                  <p16:designElem xmlns:p16="http://schemas.microsoft.com/office/powerpoint/2015/main" val="1"/>
+                </p:ext>
+              </p:extLst>
+            </p:nvPr>
+          </p:nvSpPr>
+          <p:spPr>
+            <a:xfrm rot="18964825" flipH="1">
+              <a:off x="9286956" y="1861308"/>
+              <a:ext cx="115439" cy="115439"/>
+            </a:xfrm>
+            <a:prstGeom prst="rect">
+              <a:avLst/>
+            </a:prstGeom>
+            <a:noFill/>
+            <a:ln w="15875">
+              <a:solidFill>
+                <a:schemeClr val="tx2"/>
+              </a:solidFill>
+            </a:ln>
+          </p:spPr>
+          <p:style>
+            <a:lnRef idx="2">
+              <a:schemeClr val="accent1">
+                <a:shade val="50000"/>
+              </a:schemeClr>
+            </a:lnRef>
+            <a:fillRef idx="1">
+              <a:schemeClr val="accent1"/>
+            </a:fillRef>
+            <a:effectRef idx="0">
+              <a:schemeClr val="accent1"/>
+            </a:effectRef>
+            <a:fontRef idx="minor">
+              <a:schemeClr val="lt1"/>
+            </a:fontRef>
+          </p:style>
+          <p:txBody>
+            <a:bodyPr rtlCol="0" anchor="ctr"/>
+            <a:lstStyle/>
+            <a:p>
+              <a:pPr algn="ctr"/>
+              <a:endParaRPr lang="en-US">
+                <a:solidFill>
+                  <a:schemeClr val="bg1"/>
+                </a:solidFill>
+                <a:effectLst>
+                  <a:outerShdw blurRad="38100" dist="38100" dir="2700000" algn="tl">
+                    <a:srgbClr val="000000">
+                      <a:alpha val="43137"/>
+                    </a:srgbClr>
+                  </a:outerShdw>
+                </a:effectLst>
+              </a:endParaRPr>
+            </a:p>
+          </p:txBody>
+        </p:sp>
+        <p:cxnSp>
+          <p:nvCxnSpPr>
+            <p:cNvPr id="17" name="Straight Connector 16">
+              <a:extLst>
+                <a:ext uri="{FF2B5EF4-FFF2-40B4-BE49-F238E27FC236}">
+                  <a16:creationId xmlns:a16="http://schemas.microsoft.com/office/drawing/2014/main" id="{FFA14CB4-8459-4D23-B4FF-8F9868E3FC98}"/>
+                </a:ext>
+                <a:ext uri="{C183D7F6-B498-43B3-948B-1728B52AA6E4}">
+                  <adec:decorative xmlns:adec="http://schemas.microsoft.com/office/drawing/2017/decorative" val="1"/>
+                </a:ext>
+              </a:extLst>
+            </p:cNvPr>
+            <p:cNvCxnSpPr/>
+            <p:nvPr>
+              <p:extLst>
+                <p:ext uri="{386F3935-93C4-4BCD-93E2-E3B085C9AB24}">
+                  <p16:designElem xmlns:p16="http://schemas.microsoft.com/office/powerpoint/2015/main" val="1"/>
+                </p:ext>
+              </p:extLst>
+            </p:nvPr>
+          </p:nvCxnSpPr>
+          <p:spPr>
+            <a:xfrm>
+              <a:off x="9426289" y="1919027"/>
+              <a:ext cx="352129" cy="0"/>
+            </a:xfrm>
+            <a:prstGeom prst="line">
+              <a:avLst/>
+            </a:prstGeom>
+            <a:ln w="15875">
+              <a:solidFill>
+                <a:schemeClr val="tx2"/>
+              </a:solidFill>
+            </a:ln>
+          </p:spPr>
+          <p:style>
+            <a:lnRef idx="1">
+              <a:schemeClr val="accent1"/>
+            </a:lnRef>
+            <a:fillRef idx="0">
+              <a:schemeClr val="accent1"/>
+            </a:fillRef>
+            <a:effectRef idx="0">
+              <a:schemeClr val="accent1"/>
+            </a:effectRef>
+            <a:fontRef idx="minor">
+              <a:schemeClr val="tx1"/>
+            </a:fontRef>
+          </p:style>
+        </p:cxnSp>
+        <p:cxnSp>
+          <p:nvCxnSpPr>
+            <p:cNvPr id="18" name="Straight Connector 17">
+              <a:extLst>
+                <a:ext uri="{FF2B5EF4-FFF2-40B4-BE49-F238E27FC236}">
+                  <a16:creationId xmlns:a16="http://schemas.microsoft.com/office/drawing/2014/main" id="{7A0C763F-37C4-4E00-AEB2-8867F4AA2574}"/>
+                </a:ext>
+                <a:ext uri="{C183D7F6-B498-43B3-948B-1728B52AA6E4}">
+                  <adec:decorative xmlns:adec="http://schemas.microsoft.com/office/drawing/2017/decorative" val="1"/>
+                </a:ext>
+              </a:extLst>
+            </p:cNvPr>
+            <p:cNvCxnSpPr/>
+            <p:nvPr>
+              <p:extLst>
+                <p:ext uri="{386F3935-93C4-4BCD-93E2-E3B085C9AB24}">
+                  <p16:designElem xmlns:p16="http://schemas.microsoft.com/office/powerpoint/2015/main" val="1"/>
+                </p:ext>
+              </p:extLst>
+            </p:nvPr>
+          </p:nvCxnSpPr>
+          <p:spPr>
+            <a:xfrm>
+              <a:off x="8910933" y="1919027"/>
+              <a:ext cx="352129" cy="0"/>
+            </a:xfrm>
+            <a:prstGeom prst="line">
+              <a:avLst/>
+            </a:prstGeom>
+            <a:ln w="15875">
+              <a:solidFill>
+                <a:schemeClr val="tx2"/>
+              </a:solidFill>
+            </a:ln>
+          </p:spPr>
+          <p:style>
+            <a:lnRef idx="1">
+              <a:schemeClr val="accent1"/>
+            </a:lnRef>
+            <a:fillRef idx="0">
+              <a:schemeClr val="accent1"/>
+            </a:fillRef>
+            <a:effectRef idx="0">
+              <a:schemeClr val="accent1"/>
+            </a:effectRef>
+            <a:fontRef idx="minor">
+              <a:schemeClr val="tx1"/>
+            </a:fontRef>
+          </p:style>
+        </p:cxnSp>
+      </p:grpSp>
+      <p:graphicFrame>
+        <p:nvGraphicFramePr>
+          <p:cNvPr id="5" name="Content Placeholder 2">
+            <a:extLst>
+              <a:ext uri="{FF2B5EF4-FFF2-40B4-BE49-F238E27FC236}">
+                <a16:creationId xmlns:a16="http://schemas.microsoft.com/office/drawing/2014/main" id="{70DF18D8-7D77-F336-EFEB-31821C2E671C}"/>
+              </a:ext>
+            </a:extLst>
+          </p:cNvPr>
+          <p:cNvGraphicFramePr>
+            <a:graphicFrameLocks noGrp="1"/>
+          </p:cNvGraphicFramePr>
+          <p:nvPr>
+            <p:ph idx="1"/>
+            <p:extLst>
+              <p:ext uri="{D42A27DB-BD31-4B8C-83A1-F6EECF244321}">
+                <p14:modId xmlns:p14="http://schemas.microsoft.com/office/powerpoint/2010/main" val="207625459"/>
+              </p:ext>
+            </p:extLst>
+          </p:nvPr>
+        </p:nvGraphicFramePr>
+        <p:xfrm>
+          <a:off x="1028700" y="2749258"/>
+          <a:ext cx="10134600" cy="3338166"/>
+        </p:xfrm>
+        <a:graphic>
+          <a:graphicData uri="http://schemas.openxmlformats.org/drawingml/2006/diagram">
+            <dgm:relIds xmlns:dgm="http://schemas.openxmlformats.org/drawingml/2006/diagram" xmlns:r="http://schemas.openxmlformats.org/officeDocument/2006/relationships" r:dm="rId2" r:lo="rId3" r:qs="rId4" r:cs="rId5"/>
+          </a:graphicData>
+        </a:graphic>
+      </p:graphicFrame>
+    </p:spTree>
+    <p:extLst>
+      <p:ext uri="{BB962C8B-B14F-4D97-AF65-F5344CB8AC3E}">
+        <p14:creationId xmlns:p14="http://schemas.microsoft.com/office/powerpoint/2010/main" val="670103872"/>
+      </p:ext>
+    </p:extLst>
+  </p:cSld>
+  <p:clrMapOvr>
+    <a:masterClrMapping/>
+  </p:clrMapOvr>
+</p:sld>
+</file>
+
+<file path=ppt/slides/slide3.xml><?xml version="1.0" encoding="utf-8"?>
+<p:sld xmlns:a="http://schemas.openxmlformats.org/drawingml/2006/main" xmlns:r="http://schemas.openxmlformats.org/officeDocument/2006/relationships" xmlns:p="http://schemas.openxmlformats.org/presentationml/2006/main">
+  <p:cSld>
+    <p:bg>
+      <p:bgPr>
+        <a:solidFill>
+          <a:schemeClr val="bg1"/>
+        </a:solidFill>
+        <a:effectLst/>
+      </p:bgPr>
+    </p:bg>
+    <p:spTree>
+      <p:nvGrpSpPr>
+        <p:cNvPr id="1" name=""/>
+        <p:cNvGrpSpPr/>
+        <p:nvPr/>
+      </p:nvGrpSpPr>
+      <p:grpSpPr>
+        <a:xfrm>
+          <a:off x="0" y="0"/>
+          <a:ext cx="0" cy="0"/>
+          <a:chOff x="0" y="0"/>
+          <a:chExt cx="0" cy="0"/>
+        </a:xfrm>
+      </p:grpSpPr>
+      <p:sp>
+        <p:nvSpPr>
+          <p:cNvPr id="10" name="Rectangle 9">
+            <a:extLst>
+              <a:ext uri="{FF2B5EF4-FFF2-40B4-BE49-F238E27FC236}">
+                <a16:creationId xmlns:a16="http://schemas.microsoft.com/office/drawing/2014/main" id="{9D3B3C7E-BC2D-4436-8B03-AC421FA66787}"/>
+              </a:ext>
+              <a:ext uri="{C183D7F6-B498-43B3-948B-1728B52AA6E4}">
+                <adec:decorative xmlns:adec="http://schemas.microsoft.com/office/drawing/2017/decorative" val="1"/>
+              </a:ext>
+            </a:extLst>
+          </p:cNvPr>
+          <p:cNvSpPr>
+            <a:spLocks noGrp="1" noRot="1" noChangeAspect="1" noMove="1" noResize="1" noEditPoints="1" noAdjustHandles="1" noChangeArrowheads="1" noChangeShapeType="1" noTextEdit="1"/>
+          </p:cNvSpPr>
+          <p:nvPr>
+            <p:extLst>
+              <p:ext uri="{386F3935-93C4-4BCD-93E2-E3B085C9AB24}">
+                <p16:designElem xmlns:p16="http://schemas.microsoft.com/office/powerpoint/2015/main" val="1"/>
+              </p:ext>
+            </p:extLst>
+          </p:nvPr>
+        </p:nvSpPr>
+        <p:spPr>
+          <a:xfrm>
+            <a:off x="160920" y="157606"/>
+            <a:ext cx="11870161" cy="6542788"/>
+          </a:xfrm>
+          <a:prstGeom prst="rect">
+            <a:avLst/>
+          </a:prstGeom>
+          <a:solidFill>
+            <a:schemeClr val="bg2"/>
+          </a:solidFill>
+          <a:ln>
+            <a:noFill/>
+          </a:ln>
+        </p:spPr>
+        <p:style>
+          <a:lnRef idx="2">
+            <a:schemeClr val="accent1">
+              <a:shade val="50000"/>
+            </a:schemeClr>
+          </a:lnRef>
+          <a:fillRef idx="1">
+            <a:schemeClr val="accent1"/>
+          </a:fillRef>
+          <a:effectRef idx="0">
+            <a:schemeClr val="accent1"/>
+          </a:effectRef>
+          <a:fontRef idx="minor">
+            <a:schemeClr val="lt1"/>
+          </a:fontRef>
+        </p:style>
+        <p:txBody>
+          <a:bodyPr rtlCol="0" anchor="ctr"/>
+          <a:lstStyle/>
+          <a:p>
+            <a:pPr algn="ctr"/>
+            <a:endParaRPr lang="en-US"/>
+          </a:p>
+        </p:txBody>
+      </p:sp>
+      <p:grpSp>
+        <p:nvGrpSpPr>
+          <p:cNvPr id="12" name="Group 11">
+            <a:extLst>
+              <a:ext uri="{FF2B5EF4-FFF2-40B4-BE49-F238E27FC236}">
+                <a16:creationId xmlns:a16="http://schemas.microsoft.com/office/drawing/2014/main" id="{79B5D0C1-066E-4C02-A6B8-59FAE4A19724}"/>
+              </a:ext>
+              <a:ext uri="{C183D7F6-B498-43B3-948B-1728B52AA6E4}">
+                <adec:decorative xmlns:adec="http://schemas.microsoft.com/office/drawing/2017/decorative" val="1"/>
+              </a:ext>
+            </a:extLst>
+          </p:cNvPr>
+          <p:cNvGrpSpPr>
+            <a:grpSpLocks noGrp="1" noUngrp="1" noRot="1" noChangeAspect="1" noMove="1" noResize="1"/>
+          </p:cNvGrpSpPr>
+          <p:nvPr>
+            <p:extLst>
+              <p:ext uri="{386F3935-93C4-4BCD-93E2-E3B085C9AB24}">
+                <p16:designElem xmlns:p16="http://schemas.microsoft.com/office/powerpoint/2015/main" val="1"/>
+              </p:ext>
+            </p:extLst>
+          </p:nvPr>
+        </p:nvGrpSpPr>
+        <p:grpSpPr>
+          <a:xfrm>
+            <a:off x="5662258" y="4240546"/>
+            <a:ext cx="867485" cy="115439"/>
+            <a:chOff x="8910933" y="1861308"/>
+            <a:chExt cx="867485" cy="115439"/>
+          </a:xfrm>
+        </p:grpSpPr>
+        <p:sp>
+          <p:nvSpPr>
+            <p:cNvPr id="13" name="Rectangle 12">
+              <a:extLst>
+                <a:ext uri="{FF2B5EF4-FFF2-40B4-BE49-F238E27FC236}">
+                  <a16:creationId xmlns:a16="http://schemas.microsoft.com/office/drawing/2014/main" id="{D4386904-AFDC-449E-8D1B-906B305EBDA7}"/>
+                </a:ext>
+                <a:ext uri="{C183D7F6-B498-43B3-948B-1728B52AA6E4}">
+                  <adec:decorative xmlns:adec="http://schemas.microsoft.com/office/drawing/2017/decorative" val="1"/>
+                </a:ext>
+              </a:extLst>
+            </p:cNvPr>
+            <p:cNvSpPr/>
+            <p:nvPr>
+              <p:extLst>
+                <p:ext uri="{386F3935-93C4-4BCD-93E2-E3B085C9AB24}">
+                  <p16:designElem xmlns:p16="http://schemas.microsoft.com/office/powerpoint/2015/main" val="1"/>
+                </p:ext>
+              </p:extLst>
+            </p:nvPr>
+          </p:nvSpPr>
+          <p:spPr>
+            <a:xfrm rot="18964825" flipH="1">
+              <a:off x="9286956" y="1861308"/>
+              <a:ext cx="115439" cy="115439"/>
+            </a:xfrm>
+            <a:prstGeom prst="rect">
+              <a:avLst/>
+            </a:prstGeom>
+            <a:noFill/>
+            <a:ln w="15875">
+              <a:solidFill>
+                <a:schemeClr val="tx2"/>
+              </a:solidFill>
+            </a:ln>
+          </p:spPr>
+          <p:style>
+            <a:lnRef idx="2">
+              <a:schemeClr val="accent1">
+                <a:shade val="50000"/>
+              </a:schemeClr>
+            </a:lnRef>
+            <a:fillRef idx="1">
+              <a:schemeClr val="accent1"/>
+            </a:fillRef>
+            <a:effectRef idx="0">
+              <a:schemeClr val="accent1"/>
+            </a:effectRef>
+            <a:fontRef idx="minor">
+              <a:schemeClr val="lt1"/>
+            </a:fontRef>
+          </p:style>
+          <p:txBody>
+            <a:bodyPr rtlCol="0" anchor="ctr"/>
+            <a:lstStyle/>
+            <a:p>
+              <a:pPr algn="ctr"/>
+              <a:endParaRPr lang="en-US">
+                <a:solidFill>
+                  <a:schemeClr val="bg1"/>
+                </a:solidFill>
+                <a:effectLst>
+                  <a:outerShdw blurRad="38100" dist="38100" dir="2700000" algn="tl">
+                    <a:srgbClr val="000000">
+                      <a:alpha val="43137"/>
+                    </a:srgbClr>
+                  </a:outerShdw>
+                </a:effectLst>
+              </a:endParaRPr>
+            </a:p>
+          </p:txBody>
+        </p:sp>
+        <p:cxnSp>
+          <p:nvCxnSpPr>
+            <p:cNvPr id="14" name="Straight Connector 13">
+              <a:extLst>
+                <a:ext uri="{FF2B5EF4-FFF2-40B4-BE49-F238E27FC236}">
+                  <a16:creationId xmlns:a16="http://schemas.microsoft.com/office/drawing/2014/main" id="{F70778F2-11E8-428C-8324-479CA9D6FE92}"/>
+                </a:ext>
+                <a:ext uri="{C183D7F6-B498-43B3-948B-1728B52AA6E4}">
+                  <adec:decorative xmlns:adec="http://schemas.microsoft.com/office/drawing/2017/decorative" val="1"/>
+                </a:ext>
+              </a:extLst>
+            </p:cNvPr>
+            <p:cNvCxnSpPr/>
+            <p:nvPr>
+              <p:extLst>
+                <p:ext uri="{386F3935-93C4-4BCD-93E2-E3B085C9AB24}">
+                  <p16:designElem xmlns:p16="http://schemas.microsoft.com/office/powerpoint/2015/main" val="1"/>
+                </p:ext>
+              </p:extLst>
+            </p:nvPr>
+          </p:nvCxnSpPr>
+          <p:spPr>
+            <a:xfrm>
+              <a:off x="9426289" y="1919027"/>
+              <a:ext cx="352129" cy="0"/>
+            </a:xfrm>
+            <a:prstGeom prst="line">
+              <a:avLst/>
+            </a:prstGeom>
+            <a:ln w="15875">
+              <a:solidFill>
+                <a:schemeClr val="tx2"/>
+              </a:solidFill>
+            </a:ln>
+          </p:spPr>
+          <p:style>
+            <a:lnRef idx="1">
+              <a:schemeClr val="accent1"/>
+            </a:lnRef>
+            <a:fillRef idx="0">
+              <a:schemeClr val="accent1"/>
+            </a:fillRef>
+            <a:effectRef idx="0">
+              <a:schemeClr val="accent1"/>
+            </a:effectRef>
+            <a:fontRef idx="minor">
+              <a:schemeClr val="tx1"/>
+            </a:fontRef>
+          </p:style>
+        </p:cxnSp>
+        <p:cxnSp>
+          <p:nvCxnSpPr>
+            <p:cNvPr id="15" name="Straight Connector 14">
+              <a:extLst>
+                <a:ext uri="{FF2B5EF4-FFF2-40B4-BE49-F238E27FC236}">
+                  <a16:creationId xmlns:a16="http://schemas.microsoft.com/office/drawing/2014/main" id="{4A0BE89E-CB2D-48BA-A8D2-533FAAAA725F}"/>
+                </a:ext>
+                <a:ext uri="{C183D7F6-B498-43B3-948B-1728B52AA6E4}">
+                  <adec:decorative xmlns:adec="http://schemas.microsoft.com/office/drawing/2017/decorative" val="1"/>
+                </a:ext>
+              </a:extLst>
+            </p:cNvPr>
+            <p:cNvCxnSpPr/>
+            <p:nvPr>
+              <p:extLst>
+                <p:ext uri="{386F3935-93C4-4BCD-93E2-E3B085C9AB24}">
+                  <p16:designElem xmlns:p16="http://schemas.microsoft.com/office/powerpoint/2015/main" val="1"/>
+                </p:ext>
+              </p:extLst>
+            </p:nvPr>
+          </p:nvCxnSpPr>
+          <p:spPr>
+            <a:xfrm>
+              <a:off x="8910933" y="1919027"/>
+              <a:ext cx="352129" cy="0"/>
+            </a:xfrm>
+            <a:prstGeom prst="line">
+              <a:avLst/>
+            </a:prstGeom>
+            <a:ln w="15875">
+              <a:solidFill>
+                <a:schemeClr val="tx2"/>
+              </a:solidFill>
+            </a:ln>
+          </p:spPr>
+          <p:style>
+            <a:lnRef idx="1">
+              <a:schemeClr val="accent1"/>
+            </a:lnRef>
+            <a:fillRef idx="0">
+              <a:schemeClr val="accent1"/>
+            </a:fillRef>
+            <a:effectRef idx="0">
+              <a:schemeClr val="accent1"/>
+            </a:effectRef>
+            <a:fontRef idx="minor">
+              <a:schemeClr val="tx1"/>
+            </a:fontRef>
+          </p:style>
+        </p:cxnSp>
+      </p:grpSp>
+      <p:sp useBgFill="1">
+        <p:nvSpPr>
+          <p:cNvPr id="17" name="Rectangle 16">
+            <a:extLst>
+              <a:ext uri="{FF2B5EF4-FFF2-40B4-BE49-F238E27FC236}">
+                <a16:creationId xmlns:a16="http://schemas.microsoft.com/office/drawing/2014/main" id="{1AB7CFDD-E67B-4078-9BD0-D09D4200E4E1}"/>
+              </a:ext>
+              <a:ext uri="{C183D7F6-B498-43B3-948B-1728B52AA6E4}">
+                <adec:decorative xmlns:adec="http://schemas.microsoft.com/office/drawing/2017/decorative" val="1"/>
+              </a:ext>
+            </a:extLst>
+          </p:cNvPr>
+          <p:cNvSpPr>
+            <a:spLocks noGrp="1" noRot="1" noChangeAspect="1" noMove="1" noResize="1" noEditPoints="1" noAdjustHandles="1" noChangeArrowheads="1" noChangeShapeType="1" noTextEdit="1"/>
+          </p:cNvSpPr>
+          <p:nvPr>
+            <p:extLst>
+              <p:ext uri="{386F3935-93C4-4BCD-93E2-E3B085C9AB24}">
+                <p16:designElem xmlns:p16="http://schemas.microsoft.com/office/powerpoint/2015/main" val="1"/>
+              </p:ext>
+            </p:extLst>
+          </p:nvPr>
+        </p:nvSpPr>
+        <p:spPr>
+          <a:xfrm>
+            <a:off x="0" y="0"/>
+            <a:ext cx="12192000" cy="6858000"/>
+          </a:xfrm>
+          <a:prstGeom prst="rect">
+            <a:avLst/>
+          </a:prstGeom>
+          <a:ln w="12700" cap="flat" cmpd="sng" algn="ctr">
+            <a:noFill/>
+            <a:prstDash val="solid"/>
+            <a:miter lim="800000"/>
+          </a:ln>
+          <a:effectLst/>
+          <a:extLst>
+            <a:ext uri="{91240B29-F687-4F45-9708-019B960494DF}">
+              <a14:hiddenLine xmlns:a14="http://schemas.microsoft.com/office/drawing/2010/main" w="12700" cap="flat" cmpd="sng" algn="ctr">
+                <a:solidFill>
+                  <a:schemeClr val="accent1">
+                    <a:shade val="50000"/>
+                  </a:schemeClr>
+                </a:solidFill>
+                <a:prstDash val="solid"/>
+                <a:miter lim="800000"/>
+              </a14:hiddenLine>
+            </a:ext>
+          </a:extLst>
+        </p:spPr>
+        <p:style>
+          <a:lnRef idx="2">
+            <a:schemeClr val="accent1">
+              <a:shade val="50000"/>
+            </a:schemeClr>
+          </a:lnRef>
+          <a:fillRef idx="1">
+            <a:schemeClr val="accent1"/>
+          </a:fillRef>
+          <a:effectRef idx="0">
+            <a:schemeClr val="accent1"/>
+          </a:effectRef>
+          <a:fontRef idx="minor">
+            <a:schemeClr val="lt1"/>
+          </a:fontRef>
+        </p:style>
+        <p:txBody>
+          <a:bodyPr rtlCol="0" anchor="ctr"/>
+          <a:lstStyle/>
+          <a:p>
+            <a:pPr algn="ctr"/>
+            <a:endParaRPr lang="en-US"/>
+          </a:p>
+        </p:txBody>
+      </p:sp>
+      <p:pic>
+        <p:nvPicPr>
+          <p:cNvPr id="5" name="Content Placeholder 4">
+            <a:extLst>
+              <a:ext uri="{FF2B5EF4-FFF2-40B4-BE49-F238E27FC236}">
+                <a16:creationId xmlns:a16="http://schemas.microsoft.com/office/drawing/2014/main" id="{8F27030E-6C27-EB7B-DB0E-A53986B7E8E4}"/>
+              </a:ext>
+            </a:extLst>
+          </p:cNvPr>
+          <p:cNvPicPr>
+            <a:picLocks noGrp="1" noChangeAspect="1"/>
+          </p:cNvPicPr>
+          <p:nvPr>
+            <p:ph idx="1"/>
+          </p:nvPr>
+        </p:nvPicPr>
+        <p:blipFill>
+          <a:blip r:embed="rId2">
+            <a:alphaModFix/>
+          </a:blip>
+          <a:srcRect l="7775" r="7782" b="1"/>
+          <a:stretch/>
+        </p:blipFill>
+        <p:spPr>
+          <a:xfrm>
+            <a:off x="-1" y="10"/>
+            <a:ext cx="12192000" cy="6857989"/>
+          </a:xfrm>
+          <a:prstGeom prst="rect">
+            <a:avLst/>
+          </a:prstGeom>
+        </p:spPr>
+      </p:pic>
+      <p:sp>
+        <p:nvSpPr>
+          <p:cNvPr id="19" name="Rectangle 18">
+            <a:extLst>
+              <a:ext uri="{FF2B5EF4-FFF2-40B4-BE49-F238E27FC236}">
+                <a16:creationId xmlns:a16="http://schemas.microsoft.com/office/drawing/2014/main" id="{4DAEF25D-C97E-48E9-B20C-FEFC2EC6E59B}"/>
+              </a:ext>
+              <a:ext uri="{C183D7F6-B498-43B3-948B-1728B52AA6E4}">
+                <adec:decorative xmlns:adec="http://schemas.microsoft.com/office/drawing/2017/decorative" val="1"/>
+              </a:ext>
+            </a:extLst>
+          </p:cNvPr>
+          <p:cNvSpPr>
+            <a:spLocks noGrp="1" noRot="1" noChangeAspect="1" noMove="1" noResize="1" noEditPoints="1" noAdjustHandles="1" noChangeArrowheads="1" noChangeShapeType="1" noTextEdit="1"/>
+          </p:cNvSpPr>
+          <p:nvPr>
+            <p:extLst>
+              <p:ext uri="{386F3935-93C4-4BCD-93E2-E3B085C9AB24}">
+                <p16:designElem xmlns:p16="http://schemas.microsoft.com/office/powerpoint/2015/main" val="1"/>
+              </p:ext>
+            </p:extLst>
+          </p:nvPr>
+        </p:nvSpPr>
+        <p:spPr>
+          <a:xfrm rot="10800000">
+            <a:off x="-2" y="-1"/>
+            <a:ext cx="12191999" cy="3842872"/>
+          </a:xfrm>
+          <a:prstGeom prst="rect">
+            <a:avLst/>
+          </a:prstGeom>
+          <a:gradFill flip="none" rotWithShape="1">
+            <a:gsLst>
+              <a:gs pos="0">
+                <a:srgbClr val="000000">
+                  <a:alpha val="0"/>
+                </a:srgbClr>
+              </a:gs>
+              <a:gs pos="49000">
+                <a:srgbClr val="000000">
+                  <a:alpha val="45000"/>
+                </a:srgbClr>
+              </a:gs>
+              <a:gs pos="100000">
+                <a:srgbClr val="000000">
+                  <a:alpha val="64000"/>
+                </a:srgbClr>
+              </a:gs>
+            </a:gsLst>
+            <a:lin ang="5400000" scaled="1"/>
+            <a:tileRect/>
+          </a:gradFill>
+          <a:ln>
+            <a:noFill/>
+          </a:ln>
+        </p:spPr>
+        <p:style>
+          <a:lnRef idx="2">
+            <a:schemeClr val="accent1">
+              <a:shade val="50000"/>
+            </a:schemeClr>
+          </a:lnRef>
+          <a:fillRef idx="1">
+            <a:schemeClr val="accent1"/>
+          </a:fillRef>
+          <a:effectRef idx="0">
+            <a:schemeClr val="accent1"/>
+          </a:effectRef>
+          <a:fontRef idx="minor">
+            <a:schemeClr val="lt1"/>
+          </a:fontRef>
+        </p:style>
+        <p:txBody>
+          <a:bodyPr rtlCol="0" anchor="ctr"/>
+          <a:lstStyle/>
+          <a:p>
+            <a:pPr algn="ctr"/>
+            <a:endParaRPr lang="en-US"/>
+          </a:p>
+        </p:txBody>
+      </p:sp>
+      <p:sp>
+        <p:nvSpPr>
+          <p:cNvPr id="2" name="Title 1">
+            <a:extLst>
+              <a:ext uri="{FF2B5EF4-FFF2-40B4-BE49-F238E27FC236}">
+                <a16:creationId xmlns:a16="http://schemas.microsoft.com/office/drawing/2014/main" id="{958B0D1A-22B5-D711-2259-B8F0FA98F62F}"/>
+              </a:ext>
+            </a:extLst>
+          </p:cNvPr>
+          <p:cNvSpPr>
+            <a:spLocks noGrp="1"/>
+          </p:cNvSpPr>
+          <p:nvPr>
+            <p:ph type="title"/>
+          </p:nvPr>
+        </p:nvSpPr>
+        <p:spPr>
+          <a:xfrm>
+            <a:off x="1066800" y="723900"/>
+            <a:ext cx="10058399" cy="962026"/>
+          </a:xfrm>
+        </p:spPr>
+        <p:txBody>
+          <a:bodyPr vert="horz" lIns="91440" tIns="45720" rIns="91440" bIns="45720" rtlCol="0" anchor="b">
+            <a:normAutofit/>
+          </a:bodyPr>
+          <a:lstStyle/>
+          <a:p>
+            <a:pPr algn="ctr"/>
+            <a:r>
+              <a:rPr lang="en-US" sz="2800" kern="1200" cap="all" spc="390" baseline="0">
+                <a:solidFill>
+                  <a:srgbClr val="FFFFFF"/>
+                </a:solidFill>
+                <a:latin typeface="+mj-lt"/>
+                <a:ea typeface="+mj-ea"/>
+                <a:cs typeface="+mj-cs"/>
+              </a:rPr>
+              <a:t>Home Page</a:t>
+            </a:r>
+          </a:p>
+        </p:txBody>
+      </p:sp>
+    </p:spTree>
+    <p:extLst>
+      <p:ext uri="{BB962C8B-B14F-4D97-AF65-F5344CB8AC3E}">
+        <p14:creationId xmlns:p14="http://schemas.microsoft.com/office/powerpoint/2010/main" val="2118784344"/>
+      </p:ext>
+    </p:extLst>
+  </p:cSld>
+  <p:clrMapOvr>
+    <a:masterClrMapping/>
+  </p:clrMapOvr>
+</p:sld>
+</file>
+
+<file path=ppt/slides/slide4.xml><?xml version="1.0" encoding="utf-8"?>
+<p:sld xmlns:a="http://schemas.openxmlformats.org/drawingml/2006/main" xmlns:r="http://schemas.openxmlformats.org/officeDocument/2006/relationships" xmlns:p="http://schemas.openxmlformats.org/presentationml/2006/main">
+  <p:cSld>
     <p:spTree>
       <p:nvGrpSpPr>
         <p:cNvPr id="1" name=""/>
@@ -3347,7 +8459,7 @@
           <p:cNvPr id="2" name="Title 1">
             <a:extLst>
               <a:ext uri="{FF2B5EF4-FFF2-40B4-BE49-F238E27FC236}">
-                <a16:creationId xmlns:a16="http://schemas.microsoft.com/office/drawing/2014/main" id="{0357B532-A49D-951C-2F74-7D13AB027704}"/>
+                <a16:creationId xmlns:a16="http://schemas.microsoft.com/office/drawing/2014/main" id="{26EDD9A2-D28D-DC54-833F-5D70BB1FBB4F}"/>
               </a:ext>
             </a:extLst>
           </p:cNvPr>
@@ -3355,7 +8467,7 @@
             <a:spLocks noGrp="1"/>
           </p:cNvSpPr>
           <p:nvPr>
-            <p:ph type="ctrTitle"/>
+            <p:ph type="title"/>
           </p:nvPr>
         </p:nvSpPr>
         <p:spPr/>
@@ -3363,16 +8475,301 @@
           <a:bodyPr/>
           <a:lstStyle/>
           <a:p>
-            <a:endParaRPr lang="en-GB"/>
+            <a:r>
+              <a:rPr lang="en-GB" dirty="0"/>
+              <a:t>Add or Remove Goals</a:t>
+            </a:r>
+          </a:p>
+        </p:txBody>
+      </p:sp>
+      <p:pic>
+        <p:nvPicPr>
+          <p:cNvPr id="5" name="Content Placeholder 4">
+            <a:extLst>
+              <a:ext uri="{FF2B5EF4-FFF2-40B4-BE49-F238E27FC236}">
+                <a16:creationId xmlns:a16="http://schemas.microsoft.com/office/drawing/2014/main" id="{35500CB2-6751-AB45-AA62-CF721B9AAC58}"/>
+              </a:ext>
+            </a:extLst>
+          </p:cNvPr>
+          <p:cNvPicPr>
+            <a:picLocks noGrp="1" noChangeAspect="1"/>
+          </p:cNvPicPr>
+          <p:nvPr>
+            <p:ph idx="1"/>
+          </p:nvPr>
+        </p:nvPicPr>
+        <p:blipFill>
+          <a:blip r:embed="rId2"/>
+          <a:stretch>
+            <a:fillRect/>
+          </a:stretch>
+        </p:blipFill>
+        <p:spPr>
+          <a:xfrm>
+            <a:off x="1853238" y="2162175"/>
+            <a:ext cx="8485523" cy="3968750"/>
+          </a:xfrm>
+        </p:spPr>
+      </p:pic>
+    </p:spTree>
+    <p:extLst>
+      <p:ext uri="{BB962C8B-B14F-4D97-AF65-F5344CB8AC3E}">
+        <p14:creationId xmlns:p14="http://schemas.microsoft.com/office/powerpoint/2010/main" val="1404130611"/>
+      </p:ext>
+    </p:extLst>
+  </p:cSld>
+  <p:clrMapOvr>
+    <a:masterClrMapping/>
+  </p:clrMapOvr>
+</p:sld>
+</file>
+
+<file path=ppt/slides/slide5.xml><?xml version="1.0" encoding="utf-8"?>
+<p:sld xmlns:a="http://schemas.openxmlformats.org/drawingml/2006/main" xmlns:r="http://schemas.openxmlformats.org/officeDocument/2006/relationships" xmlns:p="http://schemas.openxmlformats.org/presentationml/2006/main">
+  <p:cSld>
+    <p:spTree>
+      <p:nvGrpSpPr>
+        <p:cNvPr id="1" name=""/>
+        <p:cNvGrpSpPr/>
+        <p:nvPr/>
+      </p:nvGrpSpPr>
+      <p:grpSpPr>
+        <a:xfrm>
+          <a:off x="0" y="0"/>
+          <a:ext cx="0" cy="0"/>
+          <a:chOff x="0" y="0"/>
+          <a:chExt cx="0" cy="0"/>
+        </a:xfrm>
+      </p:grpSpPr>
+      <p:pic>
+        <p:nvPicPr>
+          <p:cNvPr id="5" name="Content Placeholder 4">
+            <a:extLst>
+              <a:ext uri="{FF2B5EF4-FFF2-40B4-BE49-F238E27FC236}">
+                <a16:creationId xmlns:a16="http://schemas.microsoft.com/office/drawing/2014/main" id="{4A8F7A16-93CA-3E55-AAD0-32F77829E87A}"/>
+              </a:ext>
+            </a:extLst>
+          </p:cNvPr>
+          <p:cNvPicPr>
+            <a:picLocks noGrp="1" noChangeAspect="1"/>
+          </p:cNvPicPr>
+          <p:nvPr>
+            <p:ph idx="1"/>
+          </p:nvPr>
+        </p:nvPicPr>
+        <p:blipFill>
+          <a:blip r:embed="rId2"/>
+          <a:stretch>
+            <a:fillRect/>
+          </a:stretch>
+        </p:blipFill>
+        <p:spPr>
+          <a:xfrm>
+            <a:off x="-415787" y="2748445"/>
+            <a:ext cx="6511787" cy="3968750"/>
+          </a:xfrm>
+        </p:spPr>
+      </p:pic>
+      <p:pic>
+        <p:nvPicPr>
+          <p:cNvPr id="7" name="Picture 6">
+            <a:extLst>
+              <a:ext uri="{FF2B5EF4-FFF2-40B4-BE49-F238E27FC236}">
+                <a16:creationId xmlns:a16="http://schemas.microsoft.com/office/drawing/2014/main" id="{055CB316-B604-13DD-5F77-89DC3205BB56}"/>
+              </a:ext>
+            </a:extLst>
+          </p:cNvPr>
+          <p:cNvPicPr>
+            <a:picLocks noChangeAspect="1"/>
+          </p:cNvPicPr>
+          <p:nvPr/>
+        </p:nvPicPr>
+        <p:blipFill>
+          <a:blip r:embed="rId3"/>
+          <a:stretch>
+            <a:fillRect/>
+          </a:stretch>
+        </p:blipFill>
+        <p:spPr>
+          <a:xfrm>
+            <a:off x="6096000" y="2748444"/>
+            <a:ext cx="6142847" cy="3968751"/>
+          </a:xfrm>
+          <a:prstGeom prst="rect">
+            <a:avLst/>
+          </a:prstGeom>
+        </p:spPr>
+      </p:pic>
+      <p:sp>
+        <p:nvSpPr>
+          <p:cNvPr id="8" name="TextBox 7">
+            <a:extLst>
+              <a:ext uri="{FF2B5EF4-FFF2-40B4-BE49-F238E27FC236}">
+                <a16:creationId xmlns:a16="http://schemas.microsoft.com/office/drawing/2014/main" id="{11CBEF5A-6058-66B4-74F4-EEAEDF7ECBDD}"/>
+              </a:ext>
+            </a:extLst>
+          </p:cNvPr>
+          <p:cNvSpPr txBox="1"/>
+          <p:nvPr/>
+        </p:nvSpPr>
+        <p:spPr>
+          <a:xfrm>
+            <a:off x="1839567" y="1183478"/>
+            <a:ext cx="2001078" cy="369332"/>
+          </a:xfrm>
+          <a:prstGeom prst="rect">
+            <a:avLst/>
+          </a:prstGeom>
+        </p:spPr>
+        <p:style>
+          <a:lnRef idx="2">
+            <a:schemeClr val="dk1"/>
+          </a:lnRef>
+          <a:fillRef idx="1">
+            <a:schemeClr val="lt1"/>
+          </a:fillRef>
+          <a:effectRef idx="0">
+            <a:schemeClr val="dk1"/>
+          </a:effectRef>
+          <a:fontRef idx="minor">
+            <a:schemeClr val="dk1"/>
+          </a:fontRef>
+        </p:style>
+        <p:txBody>
+          <a:bodyPr wrap="square" rtlCol="0">
+            <a:spAutoFit/>
+          </a:bodyPr>
+          <a:lstStyle/>
+          <a:p>
+            <a:pPr algn="ctr"/>
+            <a:r>
+              <a:rPr lang="en-GB" dirty="0"/>
+              <a:t>Add new goals</a:t>
+            </a:r>
           </a:p>
         </p:txBody>
       </p:sp>
       <p:sp>
         <p:nvSpPr>
-          <p:cNvPr id="3" name="Subtitle 2">
-            <a:extLst>
-              <a:ext uri="{FF2B5EF4-FFF2-40B4-BE49-F238E27FC236}">
-                <a16:creationId xmlns:a16="http://schemas.microsoft.com/office/drawing/2014/main" id="{B5CD4068-AFCC-B856-1EF0-62E48E7614EA}"/>
+          <p:cNvPr id="9" name="TextBox 8">
+            <a:extLst>
+              <a:ext uri="{FF2B5EF4-FFF2-40B4-BE49-F238E27FC236}">
+                <a16:creationId xmlns:a16="http://schemas.microsoft.com/office/drawing/2014/main" id="{1D285F05-63AC-2142-EE3E-DBF636C1CA51}"/>
+              </a:ext>
+            </a:extLst>
+          </p:cNvPr>
+          <p:cNvSpPr txBox="1"/>
+          <p:nvPr/>
+        </p:nvSpPr>
+        <p:spPr>
+          <a:xfrm>
+            <a:off x="7958393" y="906479"/>
+            <a:ext cx="2408351" cy="923330"/>
+          </a:xfrm>
+          <a:prstGeom prst="rect">
+            <a:avLst/>
+          </a:prstGeom>
+        </p:spPr>
+        <p:style>
+          <a:lnRef idx="2">
+            <a:schemeClr val="dk1"/>
+          </a:lnRef>
+          <a:fillRef idx="1">
+            <a:schemeClr val="lt1"/>
+          </a:fillRef>
+          <a:effectRef idx="0">
+            <a:schemeClr val="dk1"/>
+          </a:effectRef>
+          <a:fontRef idx="minor">
+            <a:schemeClr val="dk1"/>
+          </a:fontRef>
+        </p:style>
+        <p:txBody>
+          <a:bodyPr wrap="square" rtlCol="0">
+            <a:spAutoFit/>
+          </a:bodyPr>
+          <a:lstStyle/>
+          <a:p>
+            <a:pPr algn="ctr"/>
+            <a:r>
+              <a:rPr lang="en-GB" dirty="0"/>
+              <a:t>Mark goals as completed or delete them</a:t>
+            </a:r>
+          </a:p>
+        </p:txBody>
+      </p:sp>
+      <p:cxnSp>
+        <p:nvCxnSpPr>
+          <p:cNvPr id="12" name="Straight Connector 11">
+            <a:extLst>
+              <a:ext uri="{FF2B5EF4-FFF2-40B4-BE49-F238E27FC236}">
+                <a16:creationId xmlns:a16="http://schemas.microsoft.com/office/drawing/2014/main" id="{C806D904-9B11-7C65-CC8E-C50B6618E1D2}"/>
+              </a:ext>
+            </a:extLst>
+          </p:cNvPr>
+          <p:cNvCxnSpPr/>
+          <p:nvPr/>
+        </p:nvCxnSpPr>
+        <p:spPr>
+          <a:xfrm flipV="1">
+            <a:off x="6096000" y="-556591"/>
+            <a:ext cx="0" cy="7553739"/>
+          </a:xfrm>
+          <a:prstGeom prst="line">
+            <a:avLst/>
+          </a:prstGeom>
+        </p:spPr>
+        <p:style>
+          <a:lnRef idx="1">
+            <a:schemeClr val="accent1"/>
+          </a:lnRef>
+          <a:fillRef idx="0">
+            <a:schemeClr val="accent1"/>
+          </a:fillRef>
+          <a:effectRef idx="0">
+            <a:schemeClr val="accent1"/>
+          </a:effectRef>
+          <a:fontRef idx="minor">
+            <a:schemeClr val="tx1"/>
+          </a:fontRef>
+        </p:style>
+      </p:cxnSp>
+    </p:spTree>
+    <p:extLst>
+      <p:ext uri="{BB962C8B-B14F-4D97-AF65-F5344CB8AC3E}">
+        <p14:creationId xmlns:p14="http://schemas.microsoft.com/office/powerpoint/2010/main" val="1265166039"/>
+      </p:ext>
+    </p:extLst>
+  </p:cSld>
+  <p:clrMapOvr>
+    <a:masterClrMapping/>
+  </p:clrMapOvr>
+</p:sld>
+</file>
+
+<file path=ppt/slides/slide6.xml><?xml version="1.0" encoding="utf-8"?>
+<p:sld xmlns:a="http://schemas.openxmlformats.org/drawingml/2006/main" xmlns:r="http://schemas.openxmlformats.org/officeDocument/2006/relationships" xmlns:p="http://schemas.openxmlformats.org/presentationml/2006/main">
+  <p:cSld>
+    <p:spTree>
+      <p:nvGrpSpPr>
+        <p:cNvPr id="1" name=""/>
+        <p:cNvGrpSpPr/>
+        <p:nvPr/>
+      </p:nvGrpSpPr>
+      <p:grpSpPr>
+        <a:xfrm>
+          <a:off x="0" y="0"/>
+          <a:ext cx="0" cy="0"/>
+          <a:chOff x="0" y="0"/>
+          <a:chExt cx="0" cy="0"/>
+        </a:xfrm>
+      </p:grpSpPr>
+      <p:sp>
+        <p:nvSpPr>
+          <p:cNvPr id="2" name="Title 1">
+            <a:extLst>
+              <a:ext uri="{FF2B5EF4-FFF2-40B4-BE49-F238E27FC236}">
+                <a16:creationId xmlns:a16="http://schemas.microsoft.com/office/drawing/2014/main" id="{FF1FE35F-E798-D7F0-E0E0-5E8C20780651}"/>
               </a:ext>
             </a:extLst>
           </p:cNvPr>
@@ -3380,7 +8777,7 @@
             <a:spLocks noGrp="1"/>
           </p:cNvSpPr>
           <p:nvPr>
-            <p:ph type="subTitle" idx="1"/>
+            <p:ph type="title"/>
           </p:nvPr>
         </p:nvSpPr>
         <p:spPr/>
@@ -3392,10 +8789,35 @@
           </a:p>
         </p:txBody>
       </p:sp>
+      <p:sp>
+        <p:nvSpPr>
+          <p:cNvPr id="3" name="Content Placeholder 2">
+            <a:extLst>
+              <a:ext uri="{FF2B5EF4-FFF2-40B4-BE49-F238E27FC236}">
+                <a16:creationId xmlns:a16="http://schemas.microsoft.com/office/drawing/2014/main" id="{58464AD5-8E4F-8F98-E7C8-A98C26177E68}"/>
+              </a:ext>
+            </a:extLst>
+          </p:cNvPr>
+          <p:cNvSpPr>
+            <a:spLocks noGrp="1"/>
+          </p:cNvSpPr>
+          <p:nvPr>
+            <p:ph idx="1"/>
+          </p:nvPr>
+        </p:nvSpPr>
+        <p:spPr/>
+        <p:txBody>
+          <a:bodyPr/>
+          <a:lstStyle/>
+          <a:p>
+            <a:endParaRPr lang="en-GB"/>
+          </a:p>
+        </p:txBody>
+      </p:sp>
     </p:spTree>
     <p:extLst>
       <p:ext uri="{BB962C8B-B14F-4D97-AF65-F5344CB8AC3E}">
-        <p14:creationId xmlns:p14="http://schemas.microsoft.com/office/powerpoint/2010/main" val="146356456"/>
+        <p14:creationId xmlns:p14="http://schemas.microsoft.com/office/powerpoint/2010/main" val="4077475487"/>
       </p:ext>
     </p:extLst>
   </p:cSld>
@@ -3406,9 +8828,9 @@
 </file>
 
 <file path=ppt/theme/theme1.xml><?xml version="1.0" encoding="utf-8"?>
-<a:theme xmlns:a="http://schemas.openxmlformats.org/drawingml/2006/main" name="Office Theme">
+<a:theme xmlns:a="http://schemas.openxmlformats.org/drawingml/2006/main" name="AdornVTI">
   <a:themeElements>
-    <a:clrScheme name="Office">
+    <a:clrScheme name="GC1">
       <a:dk1>
         <a:sysClr val="windowText" lastClr="000000"/>
       </a:dk1>
@@ -3416,140 +8838,46 @@
         <a:sysClr val="window" lastClr="FFFFFF"/>
       </a:lt1>
       <a:dk2>
-        <a:srgbClr val="0E2841"/>
+        <a:srgbClr val="2C2830"/>
       </a:dk2>
       <a:lt2>
-        <a:srgbClr val="E8E8E8"/>
+        <a:srgbClr val="E0DCE1"/>
       </a:lt2>
       <a:accent1>
-        <a:srgbClr val="156082"/>
+        <a:srgbClr val="908193"/>
       </a:accent1>
       <a:accent2>
-        <a:srgbClr val="E97132"/>
+        <a:srgbClr val="A08889"/>
       </a:accent2>
       <a:accent3>
-        <a:srgbClr val="196B24"/>
+        <a:srgbClr val="B48C7E"/>
       </a:accent3>
       <a:accent4>
-        <a:srgbClr val="0F9ED5"/>
+        <a:srgbClr val="809C9B"/>
       </a:accent4>
       <a:accent5>
-        <a:srgbClr val="A02B93"/>
+        <a:srgbClr val="899F91"/>
       </a:accent5>
       <a:accent6>
-        <a:srgbClr val="4EA72E"/>
+        <a:srgbClr val="728274"/>
       </a:accent6>
       <a:hlink>
-        <a:srgbClr val="467886"/>
+        <a:srgbClr val="837585"/>
       </a:hlink>
       <a:folHlink>
-        <a:srgbClr val="96607D"/>
+        <a:srgbClr val="677E83"/>
       </a:folHlink>
     </a:clrScheme>
-    <a:fontScheme name="Office">
+    <a:fontScheme name="Bembo">
       <a:majorFont>
-        <a:latin typeface="Aptos Display" panose="02110004020202020204"/>
+        <a:latin typeface="Bembo"/>
         <a:ea typeface=""/>
         <a:cs typeface=""/>
-        <a:font script="Jpan" typeface="游ゴシック Light"/>
-        <a:font script="Hang" typeface="맑은 고딕"/>
-        <a:font script="Hans" typeface="等线 Light"/>
-        <a:font script="Hant" typeface="新細明體"/>
-        <a:font script="Arab" typeface="Times New Roman"/>
-        <a:font script="Hebr" typeface="Times New Roman"/>
-        <a:font script="Thai" typeface="Angsana New"/>
-        <a:font script="Ethi" typeface="Nyala"/>
-        <a:font script="Beng" typeface="Vrinda"/>
-        <a:font script="Gujr" typeface="Shruti"/>
-        <a:font script="Khmr" typeface="MoolBoran"/>
-        <a:font script="Knda" typeface="Tunga"/>
-        <a:font script="Guru" typeface="Raavi"/>
-        <a:font script="Cans" typeface="Euphemia"/>
-        <a:font script="Cher" typeface="Plantagenet Cherokee"/>
-        <a:font script="Yiii" typeface="Microsoft Yi Baiti"/>
-        <a:font script="Tibt" typeface="Microsoft Himalaya"/>
-        <a:font script="Thaa" typeface="MV Boli"/>
-        <a:font script="Deva" typeface="Mangal"/>
-        <a:font script="Telu" typeface="Gautami"/>
-        <a:font script="Taml" typeface="Latha"/>
-        <a:font script="Syrc" typeface="Estrangelo Edessa"/>
-        <a:font script="Orya" typeface="Kalinga"/>
-        <a:font script="Mlym" typeface="Kartika"/>
-        <a:font script="Laoo" typeface="DokChampa"/>
-        <a:font script="Sinh" typeface="Iskoola Pota"/>
-        <a:font script="Mong" typeface="Mongolian Baiti"/>
-        <a:font script="Viet" typeface="Times New Roman"/>
-        <a:font script="Uigh" typeface="Microsoft Uighur"/>
-        <a:font script="Geor" typeface="Sylfaen"/>
-        <a:font script="Armn" typeface="Arial"/>
-        <a:font script="Bugi" typeface="Leelawadee UI"/>
-        <a:font script="Bopo" typeface="Microsoft JhengHei"/>
-        <a:font script="Java" typeface="Javanese Text"/>
-        <a:font script="Lisu" typeface="Segoe UI"/>
-        <a:font script="Mymr" typeface="Myanmar Text"/>
-        <a:font script="Nkoo" typeface="Ebrima"/>
-        <a:font script="Olck" typeface="Nirmala UI"/>
-        <a:font script="Osma" typeface="Ebrima"/>
-        <a:font script="Phag" typeface="Phagspa"/>
-        <a:font script="Syrn" typeface="Estrangelo Edessa"/>
-        <a:font script="Syrj" typeface="Estrangelo Edessa"/>
-        <a:font script="Syre" typeface="Estrangelo Edessa"/>
-        <a:font script="Sora" typeface="Nirmala UI"/>
-        <a:font script="Tale" typeface="Microsoft Tai Le"/>
-        <a:font script="Talu" typeface="Microsoft New Tai Lue"/>
-        <a:font script="Tfng" typeface="Ebrima"/>
       </a:majorFont>
       <a:minorFont>
-        <a:latin typeface="Aptos" panose="02110004020202020204"/>
+        <a:latin typeface="Bembo"/>
         <a:ea typeface=""/>
         <a:cs typeface=""/>
-        <a:font script="Jpan" typeface="游ゴシック"/>
-        <a:font script="Hang" typeface="맑은 고딕"/>
-        <a:font script="Hans" typeface="等线"/>
-        <a:font script="Hant" typeface="新細明體"/>
-        <a:font script="Arab" typeface="Arial"/>
-        <a:font script="Hebr" typeface="Arial"/>
-        <a:font script="Thai" typeface="Cordia New"/>
-        <a:font script="Ethi" typeface="Nyala"/>
-        <a:font script="Beng" typeface="Vrinda"/>
-        <a:font script="Gujr" typeface="Shruti"/>
-        <a:font script="Khmr" typeface="DaunPenh"/>
-        <a:font script="Knda" typeface="Tunga"/>
-        <a:font script="Guru" typeface="Raavi"/>
-        <a:font script="Cans" typeface="Euphemia"/>
-        <a:font script="Cher" typeface="Plantagenet Cherokee"/>
-        <a:font script="Yiii" typeface="Microsoft Yi Baiti"/>
-        <a:font script="Tibt" typeface="Microsoft Himalaya"/>
-        <a:font script="Thaa" typeface="MV Boli"/>
-        <a:font script="Deva" typeface="Mangal"/>
-        <a:font script="Telu" typeface="Gautami"/>
-        <a:font script="Taml" typeface="Latha"/>
-        <a:font script="Syrc" typeface="Estrangelo Edessa"/>
-        <a:font script="Orya" typeface="Kalinga"/>
-        <a:font script="Mlym" typeface="Kartika"/>
-        <a:font script="Laoo" typeface="DokChampa"/>
-        <a:font script="Sinh" typeface="Iskoola Pota"/>
-        <a:font script="Mong" typeface="Mongolian Baiti"/>
-        <a:font script="Viet" typeface="Arial"/>
-        <a:font script="Uigh" typeface="Microsoft Uighur"/>
-        <a:font script="Geor" typeface="Sylfaen"/>
-        <a:font script="Armn" typeface="Arial"/>
-        <a:font script="Bugi" typeface="Leelawadee UI"/>
-        <a:font script="Bopo" typeface="Microsoft JhengHei"/>
-        <a:font script="Java" typeface="Javanese Text"/>
-        <a:font script="Lisu" typeface="Segoe UI"/>
-        <a:font script="Mymr" typeface="Myanmar Text"/>
-        <a:font script="Nkoo" typeface="Ebrima"/>
-        <a:font script="Olck" typeface="Nirmala UI"/>
-        <a:font script="Osma" typeface="Ebrima"/>
-        <a:font script="Phag" typeface="Phagspa"/>
-        <a:font script="Syrn" typeface="Estrangelo Edessa"/>
-        <a:font script="Syrj" typeface="Estrangelo Edessa"/>
-        <a:font script="Syre" typeface="Estrangelo Edessa"/>
-        <a:font script="Sora" typeface="Nirmala UI"/>
-        <a:font script="Tale" typeface="Microsoft Tai Le"/>
-        <a:font script="Talu" typeface="Microsoft New Tai Lue"/>
-        <a:font script="Tfng" typeface="Ebrima"/>
       </a:minorFont>
     </a:fontScheme>
     <a:fmtScheme name="Office">
@@ -3611,6 +8939,13 @@
         </a:gradFill>
       </a:fillStyleLst>
       <a:lnStyleLst>
+        <a:ln w="6350" cap="flat" cmpd="sng" algn="ctr">
+          <a:solidFill>
+            <a:schemeClr val="phClr"/>
+          </a:solidFill>
+          <a:prstDash val="solid"/>
+          <a:miter lim="800000"/>
+        </a:ln>
         <a:ln w="12700" cap="flat" cmpd="sng" algn="ctr">
           <a:solidFill>
             <a:schemeClr val="phClr"/>
@@ -3619,13 +8954,6 @@
           <a:miter lim="800000"/>
         </a:ln>
         <a:ln w="19050" cap="flat" cmpd="sng" algn="ctr">
-          <a:solidFill>
-            <a:schemeClr val="phClr"/>
-          </a:solidFill>
-          <a:prstDash val="solid"/>
-          <a:miter lim="800000"/>
-        </a:ln>
-        <a:ln w="25400" cap="flat" cmpd="sng" algn="ctr">
           <a:solidFill>
             <a:schemeClr val="phClr"/>
           </a:solidFill>
@@ -3690,31 +9018,11 @@
       </a:bgFillStyleLst>
     </a:fmtScheme>
   </a:themeElements>
-  <a:objectDefaults>
-    <a:lnDef>
-      <a:spPr/>
-      <a:bodyPr/>
-      <a:lstStyle/>
-      <a:style>
-        <a:lnRef idx="2">
-          <a:schemeClr val="accent1"/>
-        </a:lnRef>
-        <a:fillRef idx="0">
-          <a:schemeClr val="accent1"/>
-        </a:fillRef>
-        <a:effectRef idx="1">
-          <a:schemeClr val="accent1"/>
-        </a:effectRef>
-        <a:fontRef idx="minor">
-          <a:schemeClr val="tx1"/>
-        </a:fontRef>
-      </a:style>
-    </a:lnDef>
-  </a:objectDefaults>
+  <a:objectDefaults/>
   <a:extraClrSchemeLst/>
   <a:extLst>
     <a:ext uri="{05A4C25C-085E-4340-85A3-A5531E510DB2}">
-      <thm15:themeFamily xmlns:thm15="http://schemas.microsoft.com/office/thememl/2012/main" name="Office Theme" id="{2E142A2C-CD16-42D6-873A-C26D2A0506FA}" vid="{1BDDFF52-6CD6-40A5-AB3C-68EB2F1E4D0A}"/>
+      <thm15:themeFamily xmlns:thm15="http://schemas.microsoft.com/office/thememl/2012/main" name="AdornVTI" id="{497E3FA9-5A27-4D12-9D04-917BEF3D1303}" vid="{34192A01-61CA-4566-9818-841C607496F7}"/>
     </a:ext>
   </a:extLst>
 </a:theme>

--- a/DIRT Hub.pptx
+++ b/DIRT Hub.pptx
@@ -4,6 +4,9 @@
   <p:sldMasterIdLst>
     <p:sldMasterId id="2147483725" r:id="rId1"/>
   </p:sldMasterIdLst>
+  <p:notesMasterIdLst>
+    <p:notesMasterId r:id="rId12"/>
+  </p:notesMasterIdLst>
   <p:sldIdLst>
     <p:sldId id="256" r:id="rId2"/>
     <p:sldId id="257" r:id="rId3"/>
@@ -11,6 +14,10 @@
     <p:sldId id="259" r:id="rId5"/>
     <p:sldId id="260" r:id="rId6"/>
     <p:sldId id="261" r:id="rId7"/>
+    <p:sldId id="262" r:id="rId8"/>
+    <p:sldId id="263" r:id="rId9"/>
+    <p:sldId id="264" r:id="rId10"/>
+    <p:sldId id="265" r:id="rId11"/>
   </p:sldIdLst>
   <p:sldSz cx="12192000" cy="6858000"/>
   <p:notesSz cx="6858000" cy="9144000"/>
@@ -2964,6 +2971,440 @@
 </dgm:styleDef>
 </file>
 
+<file path=ppt/notesMasters/notesMaster1.xml><?xml version="1.0" encoding="utf-8"?>
+<p:notesMaster xmlns:a="http://schemas.openxmlformats.org/drawingml/2006/main" xmlns:r="http://schemas.openxmlformats.org/officeDocument/2006/relationships" xmlns:p="http://schemas.openxmlformats.org/presentationml/2006/main">
+  <p:cSld>
+    <p:bg>
+      <p:bgRef idx="1001">
+        <a:schemeClr val="bg1"/>
+      </p:bgRef>
+    </p:bg>
+    <p:spTree>
+      <p:nvGrpSpPr>
+        <p:cNvPr id="1" name=""/>
+        <p:cNvGrpSpPr/>
+        <p:nvPr/>
+      </p:nvGrpSpPr>
+      <p:grpSpPr>
+        <a:xfrm>
+          <a:off x="0" y="0"/>
+          <a:ext cx="0" cy="0"/>
+          <a:chOff x="0" y="0"/>
+          <a:chExt cx="0" cy="0"/>
+        </a:xfrm>
+      </p:grpSpPr>
+      <p:sp>
+        <p:nvSpPr>
+          <p:cNvPr id="2" name="Header Placeholder 1"/>
+          <p:cNvSpPr>
+            <a:spLocks noGrp="1"/>
+          </p:cNvSpPr>
+          <p:nvPr>
+            <p:ph type="hdr" sz="quarter"/>
+          </p:nvPr>
+        </p:nvSpPr>
+        <p:spPr>
+          <a:xfrm>
+            <a:off x="0" y="0"/>
+            <a:ext cx="2971800" cy="458788"/>
+          </a:xfrm>
+          <a:prstGeom prst="rect">
+            <a:avLst/>
+          </a:prstGeom>
+        </p:spPr>
+        <p:txBody>
+          <a:bodyPr vert="horz" lIns="91440" tIns="45720" rIns="91440" bIns="45720" rtlCol="0"/>
+          <a:lstStyle>
+            <a:lvl1pPr algn="l">
+              <a:defRPr sz="1200"/>
+            </a:lvl1pPr>
+          </a:lstStyle>
+          <a:p>
+            <a:endParaRPr lang="en-GB"/>
+          </a:p>
+        </p:txBody>
+      </p:sp>
+      <p:sp>
+        <p:nvSpPr>
+          <p:cNvPr id="3" name="Date Placeholder 2"/>
+          <p:cNvSpPr>
+            <a:spLocks noGrp="1"/>
+          </p:cNvSpPr>
+          <p:nvPr>
+            <p:ph type="dt" idx="1"/>
+          </p:nvPr>
+        </p:nvSpPr>
+        <p:spPr>
+          <a:xfrm>
+            <a:off x="3884613" y="0"/>
+            <a:ext cx="2971800" cy="458788"/>
+          </a:xfrm>
+          <a:prstGeom prst="rect">
+            <a:avLst/>
+          </a:prstGeom>
+        </p:spPr>
+        <p:txBody>
+          <a:bodyPr vert="horz" lIns="91440" tIns="45720" rIns="91440" bIns="45720" rtlCol="0"/>
+          <a:lstStyle>
+            <a:lvl1pPr algn="r">
+              <a:defRPr sz="1200"/>
+            </a:lvl1pPr>
+          </a:lstStyle>
+          <a:p>
+            <a:fld id="{2BD50E3C-AF16-4817-AAAB-E9C0EDDC24B8}" type="datetimeFigureOut">
+              <a:rPr lang="en-GB" smtClean="0"/>
+              <a:t>27/08/2024</a:t>
+            </a:fld>
+            <a:endParaRPr lang="en-GB"/>
+          </a:p>
+        </p:txBody>
+      </p:sp>
+      <p:sp>
+        <p:nvSpPr>
+          <p:cNvPr id="4" name="Slide Image Placeholder 3"/>
+          <p:cNvSpPr>
+            <a:spLocks noGrp="1" noRot="1" noChangeAspect="1"/>
+          </p:cNvSpPr>
+          <p:nvPr>
+            <p:ph type="sldImg" idx="2"/>
+          </p:nvPr>
+        </p:nvSpPr>
+        <p:spPr>
+          <a:xfrm>
+            <a:off x="685800" y="1143000"/>
+            <a:ext cx="5486400" cy="3086100"/>
+          </a:xfrm>
+          <a:prstGeom prst="rect">
+            <a:avLst/>
+          </a:prstGeom>
+          <a:noFill/>
+          <a:ln w="12700">
+            <a:solidFill>
+              <a:prstClr val="black"/>
+            </a:solidFill>
+          </a:ln>
+        </p:spPr>
+        <p:txBody>
+          <a:bodyPr vert="horz" lIns="91440" tIns="45720" rIns="91440" bIns="45720" rtlCol="0" anchor="ctr"/>
+          <a:lstStyle/>
+          <a:p>
+            <a:endParaRPr lang="en-GB"/>
+          </a:p>
+        </p:txBody>
+      </p:sp>
+      <p:sp>
+        <p:nvSpPr>
+          <p:cNvPr id="5" name="Notes Placeholder 4"/>
+          <p:cNvSpPr>
+            <a:spLocks noGrp="1"/>
+          </p:cNvSpPr>
+          <p:nvPr>
+            <p:ph type="body" sz="quarter" idx="3"/>
+          </p:nvPr>
+        </p:nvSpPr>
+        <p:spPr>
+          <a:xfrm>
+            <a:off x="685800" y="4400550"/>
+            <a:ext cx="5486400" cy="3600450"/>
+          </a:xfrm>
+          <a:prstGeom prst="rect">
+            <a:avLst/>
+          </a:prstGeom>
+        </p:spPr>
+        <p:txBody>
+          <a:bodyPr vert="horz" lIns="91440" tIns="45720" rIns="91440" bIns="45720" rtlCol="0"/>
+          <a:lstStyle/>
+          <a:p>
+            <a:pPr lvl="0"/>
+            <a:r>
+              <a:rPr lang="en-US"/>
+              <a:t>Click to edit Master text styles</a:t>
+            </a:r>
+          </a:p>
+          <a:p>
+            <a:pPr lvl="1"/>
+            <a:r>
+              <a:rPr lang="en-US"/>
+              <a:t>Second level</a:t>
+            </a:r>
+          </a:p>
+          <a:p>
+            <a:pPr lvl="2"/>
+            <a:r>
+              <a:rPr lang="en-US"/>
+              <a:t>Third level</a:t>
+            </a:r>
+          </a:p>
+          <a:p>
+            <a:pPr lvl="3"/>
+            <a:r>
+              <a:rPr lang="en-US"/>
+              <a:t>Fourth level</a:t>
+            </a:r>
+          </a:p>
+          <a:p>
+            <a:pPr lvl="4"/>
+            <a:r>
+              <a:rPr lang="en-US"/>
+              <a:t>Fifth level</a:t>
+            </a:r>
+            <a:endParaRPr lang="en-GB"/>
+          </a:p>
+        </p:txBody>
+      </p:sp>
+      <p:sp>
+        <p:nvSpPr>
+          <p:cNvPr id="6" name="Footer Placeholder 5"/>
+          <p:cNvSpPr>
+            <a:spLocks noGrp="1"/>
+          </p:cNvSpPr>
+          <p:nvPr>
+            <p:ph type="ftr" sz="quarter" idx="4"/>
+          </p:nvPr>
+        </p:nvSpPr>
+        <p:spPr>
+          <a:xfrm>
+            <a:off x="0" y="8685213"/>
+            <a:ext cx="2971800" cy="458787"/>
+          </a:xfrm>
+          <a:prstGeom prst="rect">
+            <a:avLst/>
+          </a:prstGeom>
+        </p:spPr>
+        <p:txBody>
+          <a:bodyPr vert="horz" lIns="91440" tIns="45720" rIns="91440" bIns="45720" rtlCol="0" anchor="b"/>
+          <a:lstStyle>
+            <a:lvl1pPr algn="l">
+              <a:defRPr sz="1200"/>
+            </a:lvl1pPr>
+          </a:lstStyle>
+          <a:p>
+            <a:endParaRPr lang="en-GB"/>
+          </a:p>
+        </p:txBody>
+      </p:sp>
+      <p:sp>
+        <p:nvSpPr>
+          <p:cNvPr id="7" name="Slide Number Placeholder 6"/>
+          <p:cNvSpPr>
+            <a:spLocks noGrp="1"/>
+          </p:cNvSpPr>
+          <p:nvPr>
+            <p:ph type="sldNum" sz="quarter" idx="5"/>
+          </p:nvPr>
+        </p:nvSpPr>
+        <p:spPr>
+          <a:xfrm>
+            <a:off x="3884613" y="8685213"/>
+            <a:ext cx="2971800" cy="458787"/>
+          </a:xfrm>
+          <a:prstGeom prst="rect">
+            <a:avLst/>
+          </a:prstGeom>
+        </p:spPr>
+        <p:txBody>
+          <a:bodyPr vert="horz" lIns="91440" tIns="45720" rIns="91440" bIns="45720" rtlCol="0" anchor="b"/>
+          <a:lstStyle>
+            <a:lvl1pPr algn="r">
+              <a:defRPr sz="1200"/>
+            </a:lvl1pPr>
+          </a:lstStyle>
+          <a:p>
+            <a:fld id="{2B87DCB6-BDF6-49C2-9480-76664335094C}" type="slidenum">
+              <a:rPr lang="en-GB" smtClean="0"/>
+              <a:t>‹#›</a:t>
+            </a:fld>
+            <a:endParaRPr lang="en-GB"/>
+          </a:p>
+        </p:txBody>
+      </p:sp>
+    </p:spTree>
+    <p:extLst>
+      <p:ext uri="{BB962C8B-B14F-4D97-AF65-F5344CB8AC3E}">
+        <p14:creationId xmlns:p14="http://schemas.microsoft.com/office/powerpoint/2010/main" val="884088330"/>
+      </p:ext>
+    </p:extLst>
+  </p:cSld>
+  <p:clrMap bg1="lt1" tx1="dk1" bg2="lt2" tx2="dk2" accent1="accent1" accent2="accent2" accent3="accent3" accent4="accent4" accent5="accent5" accent6="accent6" hlink="hlink" folHlink="folHlink"/>
+  <p:notesStyle>
+    <a:lvl1pPr marL="0" algn="l" defTabSz="914400" rtl="0" eaLnBrk="1" latinLnBrk="0" hangingPunct="1">
+      <a:defRPr sz="1200" kern="1200">
+        <a:solidFill>
+          <a:schemeClr val="tx1"/>
+        </a:solidFill>
+        <a:latin typeface="+mn-lt"/>
+        <a:ea typeface="+mn-ea"/>
+        <a:cs typeface="+mn-cs"/>
+      </a:defRPr>
+    </a:lvl1pPr>
+    <a:lvl2pPr marL="457200" algn="l" defTabSz="914400" rtl="0" eaLnBrk="1" latinLnBrk="0" hangingPunct="1">
+      <a:defRPr sz="1200" kern="1200">
+        <a:solidFill>
+          <a:schemeClr val="tx1"/>
+        </a:solidFill>
+        <a:latin typeface="+mn-lt"/>
+        <a:ea typeface="+mn-ea"/>
+        <a:cs typeface="+mn-cs"/>
+      </a:defRPr>
+    </a:lvl2pPr>
+    <a:lvl3pPr marL="914400" algn="l" defTabSz="914400" rtl="0" eaLnBrk="1" latinLnBrk="0" hangingPunct="1">
+      <a:defRPr sz="1200" kern="1200">
+        <a:solidFill>
+          <a:schemeClr val="tx1"/>
+        </a:solidFill>
+        <a:latin typeface="+mn-lt"/>
+        <a:ea typeface="+mn-ea"/>
+        <a:cs typeface="+mn-cs"/>
+      </a:defRPr>
+    </a:lvl3pPr>
+    <a:lvl4pPr marL="1371600" algn="l" defTabSz="914400" rtl="0" eaLnBrk="1" latinLnBrk="0" hangingPunct="1">
+      <a:defRPr sz="1200" kern="1200">
+        <a:solidFill>
+          <a:schemeClr val="tx1"/>
+        </a:solidFill>
+        <a:latin typeface="+mn-lt"/>
+        <a:ea typeface="+mn-ea"/>
+        <a:cs typeface="+mn-cs"/>
+      </a:defRPr>
+    </a:lvl4pPr>
+    <a:lvl5pPr marL="1828800" algn="l" defTabSz="914400" rtl="0" eaLnBrk="1" latinLnBrk="0" hangingPunct="1">
+      <a:defRPr sz="1200" kern="1200">
+        <a:solidFill>
+          <a:schemeClr val="tx1"/>
+        </a:solidFill>
+        <a:latin typeface="+mn-lt"/>
+        <a:ea typeface="+mn-ea"/>
+        <a:cs typeface="+mn-cs"/>
+      </a:defRPr>
+    </a:lvl5pPr>
+    <a:lvl6pPr marL="2286000" algn="l" defTabSz="914400" rtl="0" eaLnBrk="1" latinLnBrk="0" hangingPunct="1">
+      <a:defRPr sz="1200" kern="1200">
+        <a:solidFill>
+          <a:schemeClr val="tx1"/>
+        </a:solidFill>
+        <a:latin typeface="+mn-lt"/>
+        <a:ea typeface="+mn-ea"/>
+        <a:cs typeface="+mn-cs"/>
+      </a:defRPr>
+    </a:lvl6pPr>
+    <a:lvl7pPr marL="2743200" algn="l" defTabSz="914400" rtl="0" eaLnBrk="1" latinLnBrk="0" hangingPunct="1">
+      <a:defRPr sz="1200" kern="1200">
+        <a:solidFill>
+          <a:schemeClr val="tx1"/>
+        </a:solidFill>
+        <a:latin typeface="+mn-lt"/>
+        <a:ea typeface="+mn-ea"/>
+        <a:cs typeface="+mn-cs"/>
+      </a:defRPr>
+    </a:lvl7pPr>
+    <a:lvl8pPr marL="3200400" algn="l" defTabSz="914400" rtl="0" eaLnBrk="1" latinLnBrk="0" hangingPunct="1">
+      <a:defRPr sz="1200" kern="1200">
+        <a:solidFill>
+          <a:schemeClr val="tx1"/>
+        </a:solidFill>
+        <a:latin typeface="+mn-lt"/>
+        <a:ea typeface="+mn-ea"/>
+        <a:cs typeface="+mn-cs"/>
+      </a:defRPr>
+    </a:lvl8pPr>
+    <a:lvl9pPr marL="3657600" algn="l" defTabSz="914400" rtl="0" eaLnBrk="1" latinLnBrk="0" hangingPunct="1">
+      <a:defRPr sz="1200" kern="1200">
+        <a:solidFill>
+          <a:schemeClr val="tx1"/>
+        </a:solidFill>
+        <a:latin typeface="+mn-lt"/>
+        <a:ea typeface="+mn-ea"/>
+        <a:cs typeface="+mn-cs"/>
+      </a:defRPr>
+    </a:lvl9pPr>
+  </p:notesStyle>
+</p:notesMaster>
+</file>
+
+<file path=ppt/notesSlides/notesSlide1.xml><?xml version="1.0" encoding="utf-8"?>
+<p:notes xmlns:a="http://schemas.openxmlformats.org/drawingml/2006/main" xmlns:r="http://schemas.openxmlformats.org/officeDocument/2006/relationships" xmlns:p="http://schemas.openxmlformats.org/presentationml/2006/main">
+  <p:cSld>
+    <p:spTree>
+      <p:nvGrpSpPr>
+        <p:cNvPr id="1" name=""/>
+        <p:cNvGrpSpPr/>
+        <p:nvPr/>
+      </p:nvGrpSpPr>
+      <p:grpSpPr>
+        <a:xfrm>
+          <a:off x="0" y="0"/>
+          <a:ext cx="0" cy="0"/>
+          <a:chOff x="0" y="0"/>
+          <a:chExt cx="0" cy="0"/>
+        </a:xfrm>
+      </p:grpSpPr>
+      <p:sp>
+        <p:nvSpPr>
+          <p:cNvPr id="2" name="Slide Image Placeholder 1"/>
+          <p:cNvSpPr>
+            <a:spLocks noGrp="1" noRot="1" noChangeAspect="1"/>
+          </p:cNvSpPr>
+          <p:nvPr>
+            <p:ph type="sldImg"/>
+          </p:nvPr>
+        </p:nvSpPr>
+        <p:spPr/>
+      </p:sp>
+      <p:sp>
+        <p:nvSpPr>
+          <p:cNvPr id="3" name="Notes Placeholder 2"/>
+          <p:cNvSpPr>
+            <a:spLocks noGrp="1"/>
+          </p:cNvSpPr>
+          <p:nvPr>
+            <p:ph type="body" idx="1"/>
+          </p:nvPr>
+        </p:nvSpPr>
+        <p:spPr/>
+        <p:txBody>
+          <a:bodyPr/>
+          <a:lstStyle/>
+          <a:p>
+            <a:endParaRPr lang="en-GB" dirty="0"/>
+          </a:p>
+        </p:txBody>
+      </p:sp>
+      <p:sp>
+        <p:nvSpPr>
+          <p:cNvPr id="4" name="Slide Number Placeholder 3"/>
+          <p:cNvSpPr>
+            <a:spLocks noGrp="1"/>
+          </p:cNvSpPr>
+          <p:nvPr>
+            <p:ph type="sldNum" sz="quarter" idx="5"/>
+          </p:nvPr>
+        </p:nvSpPr>
+        <p:spPr/>
+        <p:txBody>
+          <a:bodyPr/>
+          <a:lstStyle/>
+          <a:p>
+            <a:fld id="{2B87DCB6-BDF6-49C2-9480-76664335094C}" type="slidenum">
+              <a:rPr lang="en-GB" smtClean="0"/>
+              <a:t>8</a:t>
+            </a:fld>
+            <a:endParaRPr lang="en-GB"/>
+          </a:p>
+        </p:txBody>
+      </p:sp>
+    </p:spTree>
+    <p:extLst>
+      <p:ext uri="{BB962C8B-B14F-4D97-AF65-F5344CB8AC3E}">
+        <p14:creationId xmlns:p14="http://schemas.microsoft.com/office/powerpoint/2010/main" val="1255166302"/>
+      </p:ext>
+    </p:extLst>
+  </p:cSld>
+  <p:clrMapOvr>
+    <a:masterClrMapping/>
+  </p:clrMapOvr>
+</p:notes>
+</file>
+
 <file path=ppt/slideLayouts/slideLayout1.xml><?xml version="1.0" encoding="utf-8"?>
 <p:sldLayout xmlns:a="http://schemas.openxmlformats.org/drawingml/2006/main" xmlns:r="http://schemas.openxmlformats.org/officeDocument/2006/relationships" xmlns:p="http://schemas.openxmlformats.org/presentationml/2006/main" showMasterSp="0" type="title" preserve="1">
   <p:cSld name="Title Slide">
@@ -3173,7 +3614,7 @@
           <a:p>
             <a:fld id="{C485584D-7D79-4248-9986-4CA35242F944}" type="datetimeFigureOut">
               <a:rPr lang="en-US" smtClean="0"/>
-              <a:t>8/25/2024</a:t>
+              <a:t>8/27/2024</a:t>
             </a:fld>
             <a:endParaRPr lang="en-US"/>
           </a:p>
@@ -3547,7 +3988,7 @@
           <a:p>
             <a:fld id="{C485584D-7D79-4248-9986-4CA35242F944}" type="datetimeFigureOut">
               <a:rPr lang="en-US" smtClean="0"/>
-              <a:t>8/25/2024</a:t>
+              <a:t>8/27/2024</a:t>
             </a:fld>
             <a:endParaRPr lang="en-US"/>
           </a:p>
@@ -3757,7 +4198,7 @@
           <a:p>
             <a:fld id="{C485584D-7D79-4248-9986-4CA35242F944}" type="datetimeFigureOut">
               <a:rPr lang="en-US" smtClean="0"/>
-              <a:t>8/25/2024</a:t>
+              <a:t>8/27/2024</a:t>
             </a:fld>
             <a:endParaRPr lang="en-US"/>
           </a:p>
@@ -3956,7 +4397,7 @@
           <a:p>
             <a:fld id="{C485584D-7D79-4248-9986-4CA35242F944}" type="datetimeFigureOut">
               <a:rPr lang="en-US" smtClean="0"/>
-              <a:t>8/25/2024</a:t>
+              <a:t>8/27/2024</a:t>
             </a:fld>
             <a:endParaRPr lang="en-US"/>
           </a:p>
@@ -4069,7 +4510,7 @@
           <a:p>
             <a:fld id="{C485584D-7D79-4248-9986-4CA35242F944}" type="datetimeFigureOut">
               <a:rPr lang="en-US" smtClean="0"/>
-              <a:t>8/25/2024</a:t>
+              <a:t>8/27/2024</a:t>
             </a:fld>
             <a:endParaRPr lang="en-US"/>
           </a:p>
@@ -4805,7 +5246,7 @@
           <a:p>
             <a:fld id="{C485584D-7D79-4248-9986-4CA35242F944}" type="datetimeFigureOut">
               <a:rPr lang="en-US" smtClean="0"/>
-              <a:t>8/25/2024</a:t>
+              <a:t>8/27/2024</a:t>
             </a:fld>
             <a:endParaRPr lang="en-US"/>
           </a:p>
@@ -5221,7 +5662,7 @@
           <a:p>
             <a:fld id="{C485584D-7D79-4248-9986-4CA35242F944}" type="datetimeFigureOut">
               <a:rPr lang="en-US" smtClean="0"/>
-              <a:t>8/25/2024</a:t>
+              <a:t>8/27/2024</a:t>
             </a:fld>
             <a:endParaRPr lang="en-US"/>
           </a:p>
@@ -5362,7 +5803,7 @@
           <a:p>
             <a:fld id="{C485584D-7D79-4248-9986-4CA35242F944}" type="datetimeFigureOut">
               <a:rPr lang="en-US" smtClean="0"/>
-              <a:t>8/25/2024</a:t>
+              <a:t>8/27/2024</a:t>
             </a:fld>
             <a:endParaRPr lang="en-US"/>
           </a:p>
@@ -5475,7 +5916,7 @@
           <a:p>
             <a:fld id="{C485584D-7D79-4248-9986-4CA35242F944}" type="datetimeFigureOut">
               <a:rPr lang="en-US" smtClean="0"/>
-              <a:t>8/25/2024</a:t>
+              <a:t>8/27/2024</a:t>
             </a:fld>
             <a:endParaRPr lang="en-US"/>
           </a:p>
@@ -5788,7 +6229,7 @@
           <a:p>
             <a:fld id="{C485584D-7D79-4248-9986-4CA35242F944}" type="datetimeFigureOut">
               <a:rPr lang="en-US" smtClean="0"/>
-              <a:t>8/25/2024</a:t>
+              <a:t>8/27/2024</a:t>
             </a:fld>
             <a:endParaRPr lang="en-US"/>
           </a:p>
@@ -6080,7 +6521,7 @@
           <a:p>
             <a:fld id="{C485584D-7D79-4248-9986-4CA35242F944}" type="datetimeFigureOut">
               <a:rPr lang="en-US" smtClean="0"/>
-              <a:t>8/25/2024</a:t>
+              <a:t>8/27/2024</a:t>
             </a:fld>
             <a:endParaRPr lang="en-US"/>
           </a:p>
@@ -6364,7 +6805,7 @@
           <a:p>
             <a:fld id="{C485584D-7D79-4248-9986-4CA35242F944}" type="datetimeFigureOut">
               <a:rPr lang="en-US" smtClean="0"/>
-              <a:t>8/25/2024</a:t>
+              <a:t>8/27/2024</a:t>
             </a:fld>
             <a:endParaRPr lang="en-US"/>
           </a:p>
@@ -7397,6 +7838,133 @@
 </p:sld>
 </file>
 
+<file path=ppt/slides/slide10.xml><?xml version="1.0" encoding="utf-8"?>
+<p:sld xmlns:a="http://schemas.openxmlformats.org/drawingml/2006/main" xmlns:r="http://schemas.openxmlformats.org/officeDocument/2006/relationships" xmlns:p="http://schemas.openxmlformats.org/presentationml/2006/main">
+  <p:cSld>
+    <p:spTree>
+      <p:nvGrpSpPr>
+        <p:cNvPr id="1" name=""/>
+        <p:cNvGrpSpPr/>
+        <p:nvPr/>
+      </p:nvGrpSpPr>
+      <p:grpSpPr>
+        <a:xfrm>
+          <a:off x="0" y="0"/>
+          <a:ext cx="0" cy="0"/>
+          <a:chOff x="0" y="0"/>
+          <a:chExt cx="0" cy="0"/>
+        </a:xfrm>
+      </p:grpSpPr>
+      <p:sp>
+        <p:nvSpPr>
+          <p:cNvPr id="2" name="Title 1">
+            <a:extLst>
+              <a:ext uri="{FF2B5EF4-FFF2-40B4-BE49-F238E27FC236}">
+                <a16:creationId xmlns:a16="http://schemas.microsoft.com/office/drawing/2014/main" id="{B1DD3875-E42F-58AD-2DC2-AB28EDA4A6FA}"/>
+              </a:ext>
+            </a:extLst>
+          </p:cNvPr>
+          <p:cNvSpPr>
+            <a:spLocks noGrp="1"/>
+          </p:cNvSpPr>
+          <p:nvPr>
+            <p:ph type="title"/>
+          </p:nvPr>
+        </p:nvSpPr>
+        <p:spPr/>
+        <p:txBody>
+          <a:bodyPr/>
+          <a:lstStyle/>
+          <a:p>
+            <a:r>
+              <a:rPr lang="en-GB" dirty="0"/>
+              <a:t>How This Project Could Impact Education</a:t>
+            </a:r>
+          </a:p>
+        </p:txBody>
+      </p:sp>
+      <p:sp>
+        <p:nvSpPr>
+          <p:cNvPr id="3" name="Content Placeholder 2">
+            <a:extLst>
+              <a:ext uri="{FF2B5EF4-FFF2-40B4-BE49-F238E27FC236}">
+                <a16:creationId xmlns:a16="http://schemas.microsoft.com/office/drawing/2014/main" id="{1079C577-3E5D-7A44-9129-4D4CF7F83F96}"/>
+              </a:ext>
+            </a:extLst>
+          </p:cNvPr>
+          <p:cNvSpPr>
+            <a:spLocks noGrp="1"/>
+          </p:cNvSpPr>
+          <p:nvPr>
+            <p:ph idx="1"/>
+          </p:nvPr>
+        </p:nvSpPr>
+        <p:spPr/>
+        <p:txBody>
+          <a:bodyPr/>
+          <a:lstStyle/>
+          <a:p>
+            <a:pPr marL="342900" indent="-342900">
+              <a:buFont typeface="Arial" panose="020B0604020202020204" pitchFamily="34" charset="0"/>
+              <a:buChar char="•"/>
+            </a:pPr>
+            <a:r>
+              <a:rPr lang="en-GB" dirty="0"/>
+              <a:t>This project encourages students to reflect frequently and effectively on their work.</a:t>
+            </a:r>
+          </a:p>
+          <a:p>
+            <a:pPr marL="342900" indent="-342900">
+              <a:buFont typeface="Arial" panose="020B0604020202020204" pitchFamily="34" charset="0"/>
+              <a:buChar char="•"/>
+            </a:pPr>
+            <a:r>
+              <a:rPr lang="en-GB" dirty="0"/>
+              <a:t>This project allows committed students to maximise the use of their learning time and enables students to acheive better results in exams by helping students prepare more effectively.</a:t>
+            </a:r>
+          </a:p>
+          <a:p>
+            <a:pPr marL="342900" indent="-342900">
+              <a:buFont typeface="Arial" panose="020B0604020202020204" pitchFamily="34" charset="0"/>
+              <a:buChar char="•"/>
+            </a:pPr>
+            <a:r>
+              <a:rPr lang="en-GB" dirty="0"/>
+              <a:t>The tool is a prototype that could be expanded upon by implementing a log-in system for users to create an account and store their reflections server-side instead of client-side. This would allow users to manage their reflections from multiple devices.</a:t>
+            </a:r>
+          </a:p>
+          <a:p>
+            <a:pPr marL="342900" indent="-342900">
+              <a:buFont typeface="Arial" panose="020B0604020202020204" pitchFamily="34" charset="0"/>
+              <a:buChar char="•"/>
+            </a:pPr>
+            <a:r>
+              <a:rPr lang="en-GB" dirty="0"/>
+              <a:t>Another potential expansion could be to add a timeline to goals and use email reminders to encourage users to meet these goal timelines.</a:t>
+            </a:r>
+          </a:p>
+          <a:p>
+            <a:pPr marL="342900" indent="-342900">
+              <a:buFont typeface="Arial" panose="020B0604020202020204" pitchFamily="34" charset="0"/>
+              <a:buChar char="•"/>
+            </a:pPr>
+            <a:endParaRPr lang="en-GB" dirty="0"/>
+          </a:p>
+        </p:txBody>
+      </p:sp>
+    </p:spTree>
+    <p:extLst>
+      <p:ext uri="{BB962C8B-B14F-4D97-AF65-F5344CB8AC3E}">
+        <p14:creationId xmlns:p14="http://schemas.microsoft.com/office/powerpoint/2010/main" val="3155325300"/>
+      </p:ext>
+    </p:extLst>
+  </p:cSld>
+  <p:clrMapOvr>
+    <a:masterClrMapping/>
+  </p:clrMapOvr>
+</p:sld>
+</file>
+
 <file path=ppt/slides/slide2.xml><?xml version="1.0" encoding="utf-8"?>
 <p:sld xmlns:a="http://schemas.openxmlformats.org/drawingml/2006/main" xmlns:r="http://schemas.openxmlformats.org/officeDocument/2006/relationships" xmlns:p="http://schemas.openxmlformats.org/presentationml/2006/main">
   <p:cSld>
@@ -8814,10 +9382,564 @@
           </a:p>
         </p:txBody>
       </p:sp>
+      <p:sp>
+        <p:nvSpPr>
+          <p:cNvPr id="8" name="TextBox 7">
+            <a:extLst>
+              <a:ext uri="{FF2B5EF4-FFF2-40B4-BE49-F238E27FC236}">
+                <a16:creationId xmlns:a16="http://schemas.microsoft.com/office/drawing/2014/main" id="{378373CB-7C06-01FD-C863-81355F5E8D13}"/>
+              </a:ext>
+            </a:extLst>
+          </p:cNvPr>
+          <p:cNvSpPr txBox="1"/>
+          <p:nvPr/>
+        </p:nvSpPr>
+        <p:spPr>
+          <a:xfrm>
+            <a:off x="1825256" y="973483"/>
+            <a:ext cx="2001078" cy="923330"/>
+          </a:xfrm>
+          <a:prstGeom prst="rect">
+            <a:avLst/>
+          </a:prstGeom>
+        </p:spPr>
+        <p:style>
+          <a:lnRef idx="2">
+            <a:schemeClr val="dk1"/>
+          </a:lnRef>
+          <a:fillRef idx="1">
+            <a:schemeClr val="lt1"/>
+          </a:fillRef>
+          <a:effectRef idx="0">
+            <a:schemeClr val="dk1"/>
+          </a:effectRef>
+          <a:fontRef idx="minor">
+            <a:schemeClr val="dk1"/>
+          </a:fontRef>
+        </p:style>
+        <p:txBody>
+          <a:bodyPr wrap="square" rtlCol="0">
+            <a:spAutoFit/>
+          </a:bodyPr>
+          <a:lstStyle/>
+          <a:p>
+            <a:pPr algn="ctr"/>
+            <a:r>
+              <a:rPr lang="en-GB" dirty="0"/>
+              <a:t>Add Reflections about Areas that Went Well</a:t>
+            </a:r>
+          </a:p>
+        </p:txBody>
+      </p:sp>
+      <p:sp>
+        <p:nvSpPr>
+          <p:cNvPr id="9" name="TextBox 8">
+            <a:extLst>
+              <a:ext uri="{FF2B5EF4-FFF2-40B4-BE49-F238E27FC236}">
+                <a16:creationId xmlns:a16="http://schemas.microsoft.com/office/drawing/2014/main" id="{BDC22FAE-7DC1-68B5-1B37-BCAF16988458}"/>
+              </a:ext>
+            </a:extLst>
+          </p:cNvPr>
+          <p:cNvSpPr txBox="1"/>
+          <p:nvPr/>
+        </p:nvSpPr>
+        <p:spPr>
+          <a:xfrm>
+            <a:off x="7939825" y="973483"/>
+            <a:ext cx="2408351" cy="646331"/>
+          </a:xfrm>
+          <a:prstGeom prst="rect">
+            <a:avLst/>
+          </a:prstGeom>
+        </p:spPr>
+        <p:style>
+          <a:lnRef idx="2">
+            <a:schemeClr val="dk1"/>
+          </a:lnRef>
+          <a:fillRef idx="1">
+            <a:schemeClr val="lt1"/>
+          </a:fillRef>
+          <a:effectRef idx="0">
+            <a:schemeClr val="dk1"/>
+          </a:effectRef>
+          <a:fontRef idx="minor">
+            <a:schemeClr val="dk1"/>
+          </a:fontRef>
+        </p:style>
+        <p:txBody>
+          <a:bodyPr wrap="square" rtlCol="0">
+            <a:spAutoFit/>
+          </a:bodyPr>
+          <a:lstStyle/>
+          <a:p>
+            <a:pPr algn="ctr"/>
+            <a:r>
+              <a:rPr lang="en-GB" dirty="0"/>
+              <a:t>Keep Track of Areas for Improvement</a:t>
+            </a:r>
+          </a:p>
+        </p:txBody>
+      </p:sp>
+      <p:pic>
+        <p:nvPicPr>
+          <p:cNvPr id="12" name="Picture 11">
+            <a:extLst>
+              <a:ext uri="{FF2B5EF4-FFF2-40B4-BE49-F238E27FC236}">
+                <a16:creationId xmlns:a16="http://schemas.microsoft.com/office/drawing/2014/main" id="{DB7EC350-76A5-1DC3-0379-F93381DDEFD6}"/>
+              </a:ext>
+            </a:extLst>
+          </p:cNvPr>
+          <p:cNvPicPr>
+            <a:picLocks noChangeAspect="1"/>
+          </p:cNvPicPr>
+          <p:nvPr/>
+        </p:nvPicPr>
+        <p:blipFill>
+          <a:blip r:embed="rId2"/>
+          <a:stretch>
+            <a:fillRect/>
+          </a:stretch>
+        </p:blipFill>
+        <p:spPr>
+          <a:xfrm>
+            <a:off x="0" y="2047625"/>
+            <a:ext cx="6095999" cy="4810375"/>
+          </a:xfrm>
+          <a:prstGeom prst="rect">
+            <a:avLst/>
+          </a:prstGeom>
+        </p:spPr>
+      </p:pic>
+      <p:pic>
+        <p:nvPicPr>
+          <p:cNvPr id="14" name="Picture 13">
+            <a:extLst>
+              <a:ext uri="{FF2B5EF4-FFF2-40B4-BE49-F238E27FC236}">
+                <a16:creationId xmlns:a16="http://schemas.microsoft.com/office/drawing/2014/main" id="{37476B57-3098-49D9-D416-D976E0CE5A7E}"/>
+              </a:ext>
+            </a:extLst>
+          </p:cNvPr>
+          <p:cNvPicPr>
+            <a:picLocks noChangeAspect="1"/>
+          </p:cNvPicPr>
+          <p:nvPr/>
+        </p:nvPicPr>
+        <p:blipFill>
+          <a:blip r:embed="rId3"/>
+          <a:stretch>
+            <a:fillRect/>
+          </a:stretch>
+        </p:blipFill>
+        <p:spPr>
+          <a:xfrm>
+            <a:off x="6091692" y="2047624"/>
+            <a:ext cx="6100308" cy="4810375"/>
+          </a:xfrm>
+          <a:prstGeom prst="rect">
+            <a:avLst/>
+          </a:prstGeom>
+        </p:spPr>
+      </p:pic>
+      <p:cxnSp>
+        <p:nvCxnSpPr>
+          <p:cNvPr id="10" name="Straight Connector 9">
+            <a:extLst>
+              <a:ext uri="{FF2B5EF4-FFF2-40B4-BE49-F238E27FC236}">
+                <a16:creationId xmlns:a16="http://schemas.microsoft.com/office/drawing/2014/main" id="{0AA190B3-85A9-05AC-CD69-F9911ABB828E}"/>
+              </a:ext>
+            </a:extLst>
+          </p:cNvPr>
+          <p:cNvCxnSpPr/>
+          <p:nvPr/>
+        </p:nvCxnSpPr>
+        <p:spPr>
+          <a:xfrm flipV="1">
+            <a:off x="6096000" y="-556591"/>
+            <a:ext cx="0" cy="7553739"/>
+          </a:xfrm>
+          <a:prstGeom prst="line">
+            <a:avLst/>
+          </a:prstGeom>
+        </p:spPr>
+        <p:style>
+          <a:lnRef idx="1">
+            <a:schemeClr val="accent1"/>
+          </a:lnRef>
+          <a:fillRef idx="0">
+            <a:schemeClr val="accent1"/>
+          </a:fillRef>
+          <a:effectRef idx="0">
+            <a:schemeClr val="accent1"/>
+          </a:effectRef>
+          <a:fontRef idx="minor">
+            <a:schemeClr val="tx1"/>
+          </a:fontRef>
+        </p:style>
+      </p:cxnSp>
     </p:spTree>
     <p:extLst>
       <p:ext uri="{BB962C8B-B14F-4D97-AF65-F5344CB8AC3E}">
         <p14:creationId xmlns:p14="http://schemas.microsoft.com/office/powerpoint/2010/main" val="4077475487"/>
+      </p:ext>
+    </p:extLst>
+  </p:cSld>
+  <p:clrMapOvr>
+    <a:masterClrMapping/>
+  </p:clrMapOvr>
+</p:sld>
+</file>
+
+<file path=ppt/slides/slide7.xml><?xml version="1.0" encoding="utf-8"?>
+<p:sld xmlns:a="http://schemas.openxmlformats.org/drawingml/2006/main" xmlns:r="http://schemas.openxmlformats.org/officeDocument/2006/relationships" xmlns:p="http://schemas.openxmlformats.org/presentationml/2006/main">
+  <p:cSld>
+    <p:spTree>
+      <p:nvGrpSpPr>
+        <p:cNvPr id="1" name=""/>
+        <p:cNvGrpSpPr/>
+        <p:nvPr/>
+      </p:nvGrpSpPr>
+      <p:grpSpPr>
+        <a:xfrm>
+          <a:off x="0" y="0"/>
+          <a:ext cx="0" cy="0"/>
+          <a:chOff x="0" y="0"/>
+          <a:chExt cx="0" cy="0"/>
+        </a:xfrm>
+      </p:grpSpPr>
+      <p:sp>
+        <p:nvSpPr>
+          <p:cNvPr id="2" name="Title 1">
+            <a:extLst>
+              <a:ext uri="{FF2B5EF4-FFF2-40B4-BE49-F238E27FC236}">
+                <a16:creationId xmlns:a16="http://schemas.microsoft.com/office/drawing/2014/main" id="{83E84EF4-10F3-B8C3-1FDA-C1D51ADAB8FA}"/>
+              </a:ext>
+            </a:extLst>
+          </p:cNvPr>
+          <p:cNvSpPr>
+            <a:spLocks noGrp="1"/>
+          </p:cNvSpPr>
+          <p:nvPr>
+            <p:ph type="title"/>
+          </p:nvPr>
+        </p:nvSpPr>
+        <p:spPr/>
+        <p:txBody>
+          <a:bodyPr/>
+          <a:lstStyle/>
+          <a:p>
+            <a:r>
+              <a:rPr lang="en-GB" dirty="0"/>
+              <a:t>Help Page</a:t>
+            </a:r>
+          </a:p>
+        </p:txBody>
+      </p:sp>
+      <p:sp>
+        <p:nvSpPr>
+          <p:cNvPr id="3" name="Content Placeholder 2">
+            <a:extLst>
+              <a:ext uri="{FF2B5EF4-FFF2-40B4-BE49-F238E27FC236}">
+                <a16:creationId xmlns:a16="http://schemas.microsoft.com/office/drawing/2014/main" id="{AB153891-5121-CAB9-B82E-FDF134C166EA}"/>
+              </a:ext>
+            </a:extLst>
+          </p:cNvPr>
+          <p:cNvSpPr>
+            <a:spLocks noGrp="1"/>
+          </p:cNvSpPr>
+          <p:nvPr>
+            <p:ph idx="1"/>
+          </p:nvPr>
+        </p:nvSpPr>
+        <p:spPr/>
+        <p:txBody>
+          <a:bodyPr/>
+          <a:lstStyle/>
+          <a:p>
+            <a:pPr marL="342900" indent="-342900">
+              <a:buFont typeface="Arial" panose="020B0604020202020204" pitchFamily="34" charset="0"/>
+              <a:buChar char="•"/>
+            </a:pPr>
+            <a:r>
+              <a:rPr lang="en-GB" dirty="0"/>
+              <a:t>Defines what DIRT is.</a:t>
+            </a:r>
+          </a:p>
+          <a:p>
+            <a:pPr marL="342900" indent="-342900">
+              <a:buFont typeface="Arial" panose="020B0604020202020204" pitchFamily="34" charset="0"/>
+              <a:buChar char="•"/>
+            </a:pPr>
+            <a:r>
+              <a:rPr lang="en-GB" dirty="0"/>
+              <a:t>Explains how DIRT works.</a:t>
+            </a:r>
+          </a:p>
+          <a:p>
+            <a:pPr marL="342900" indent="-342900">
+              <a:buFont typeface="Arial" panose="020B0604020202020204" pitchFamily="34" charset="0"/>
+              <a:buChar char="•"/>
+            </a:pPr>
+            <a:r>
+              <a:rPr lang="en-GB" dirty="0"/>
+              <a:t>Details benefits of DIRT.</a:t>
+            </a:r>
+          </a:p>
+          <a:p>
+            <a:pPr marL="342900" indent="-342900">
+              <a:buFont typeface="Arial" panose="020B0604020202020204" pitchFamily="34" charset="0"/>
+              <a:buChar char="•"/>
+            </a:pPr>
+            <a:r>
+              <a:rPr lang="en-GB" dirty="0"/>
+              <a:t>Describes how to create achievable goals.</a:t>
+            </a:r>
+          </a:p>
+          <a:p>
+            <a:pPr marL="342900" indent="-342900">
+              <a:buFont typeface="Arial" panose="020B0604020202020204" pitchFamily="34" charset="0"/>
+              <a:buChar char="•"/>
+            </a:pPr>
+            <a:r>
+              <a:rPr lang="en-GB" dirty="0"/>
+              <a:t>Provides advice on how to reflect effectively.</a:t>
+            </a:r>
+          </a:p>
+          <a:p>
+            <a:pPr marL="342900" indent="-342900">
+              <a:buFont typeface="Arial" panose="020B0604020202020204" pitchFamily="34" charset="0"/>
+              <a:buChar char="•"/>
+            </a:pPr>
+            <a:endParaRPr lang="en-GB" dirty="0"/>
+          </a:p>
+        </p:txBody>
+      </p:sp>
+    </p:spTree>
+    <p:extLst>
+      <p:ext uri="{BB962C8B-B14F-4D97-AF65-F5344CB8AC3E}">
+        <p14:creationId xmlns:p14="http://schemas.microsoft.com/office/powerpoint/2010/main" val="1360135751"/>
+      </p:ext>
+    </p:extLst>
+  </p:cSld>
+  <p:clrMapOvr>
+    <a:masterClrMapping/>
+  </p:clrMapOvr>
+</p:sld>
+</file>
+
+<file path=ppt/slides/slide8.xml><?xml version="1.0" encoding="utf-8"?>
+<p:sld xmlns:a="http://schemas.openxmlformats.org/drawingml/2006/main" xmlns:r="http://schemas.openxmlformats.org/officeDocument/2006/relationships" xmlns:p="http://schemas.openxmlformats.org/presentationml/2006/main">
+  <p:cSld>
+    <p:spTree>
+      <p:nvGrpSpPr>
+        <p:cNvPr id="1" name=""/>
+        <p:cNvGrpSpPr/>
+        <p:nvPr/>
+      </p:nvGrpSpPr>
+      <p:grpSpPr>
+        <a:xfrm>
+          <a:off x="0" y="0"/>
+          <a:ext cx="0" cy="0"/>
+          <a:chOff x="0" y="0"/>
+          <a:chExt cx="0" cy="0"/>
+        </a:xfrm>
+      </p:grpSpPr>
+      <p:sp>
+        <p:nvSpPr>
+          <p:cNvPr id="2" name="Title 1">
+            <a:extLst>
+              <a:ext uri="{FF2B5EF4-FFF2-40B4-BE49-F238E27FC236}">
+                <a16:creationId xmlns:a16="http://schemas.microsoft.com/office/drawing/2014/main" id="{EA2BEF08-3ED6-2602-B05E-390645267641}"/>
+              </a:ext>
+            </a:extLst>
+          </p:cNvPr>
+          <p:cNvSpPr>
+            <a:spLocks noGrp="1"/>
+          </p:cNvSpPr>
+          <p:nvPr>
+            <p:ph type="title"/>
+          </p:nvPr>
+        </p:nvSpPr>
+        <p:spPr/>
+        <p:txBody>
+          <a:bodyPr/>
+          <a:lstStyle/>
+          <a:p>
+            <a:endParaRPr lang="en-GB"/>
+          </a:p>
+        </p:txBody>
+      </p:sp>
+      <p:pic>
+        <p:nvPicPr>
+          <p:cNvPr id="11" name="Content Placeholder 10">
+            <a:extLst>
+              <a:ext uri="{FF2B5EF4-FFF2-40B4-BE49-F238E27FC236}">
+                <a16:creationId xmlns:a16="http://schemas.microsoft.com/office/drawing/2014/main" id="{F88F3549-F8BF-0120-8440-FA1DC01EC759}"/>
+              </a:ext>
+            </a:extLst>
+          </p:cNvPr>
+          <p:cNvPicPr>
+            <a:picLocks noGrp="1" noChangeAspect="1"/>
+          </p:cNvPicPr>
+          <p:nvPr>
+            <p:ph idx="1"/>
+          </p:nvPr>
+        </p:nvPicPr>
+        <p:blipFill rotWithShape="1">
+          <a:blip r:embed="rId3"/>
+          <a:srcRect t="17365" b="1568"/>
+          <a:stretch/>
+        </p:blipFill>
+        <p:spPr>
+          <a:xfrm>
+            <a:off x="-1148831" y="125361"/>
+            <a:ext cx="14489662" cy="6607277"/>
+          </a:xfrm>
+        </p:spPr>
+      </p:pic>
+      <p:sp>
+        <p:nvSpPr>
+          <p:cNvPr id="12" name="TextBox 11">
+            <a:extLst>
+              <a:ext uri="{FF2B5EF4-FFF2-40B4-BE49-F238E27FC236}">
+                <a16:creationId xmlns:a16="http://schemas.microsoft.com/office/drawing/2014/main" id="{F5D7AF05-E2B4-241F-C113-9790B22EE936}"/>
+              </a:ext>
+            </a:extLst>
+          </p:cNvPr>
+          <p:cNvSpPr txBox="1"/>
+          <p:nvPr/>
+        </p:nvSpPr>
+        <p:spPr>
+          <a:xfrm>
+            <a:off x="629265" y="1170039"/>
+            <a:ext cx="2546554" cy="646331"/>
+          </a:xfrm>
+          <a:prstGeom prst="rect">
+            <a:avLst/>
+          </a:prstGeom>
+          <a:noFill/>
+        </p:spPr>
+        <p:txBody>
+          <a:bodyPr wrap="square" rtlCol="0">
+            <a:spAutoFit/>
+          </a:bodyPr>
+          <a:lstStyle/>
+          <a:p>
+            <a:r>
+              <a:rPr lang="en-GB" dirty="0">
+                <a:solidFill>
+                  <a:schemeClr val="bg1"/>
+                </a:solidFill>
+              </a:rPr>
+              <a:t>First two sections of help page:</a:t>
+            </a:r>
+          </a:p>
+        </p:txBody>
+      </p:sp>
+    </p:spTree>
+    <p:extLst>
+      <p:ext uri="{BB962C8B-B14F-4D97-AF65-F5344CB8AC3E}">
+        <p14:creationId xmlns:p14="http://schemas.microsoft.com/office/powerpoint/2010/main" val="2601801982"/>
+      </p:ext>
+    </p:extLst>
+  </p:cSld>
+  <p:clrMapOvr>
+    <a:masterClrMapping/>
+  </p:clrMapOvr>
+</p:sld>
+</file>
+
+<file path=ppt/slides/slide9.xml><?xml version="1.0" encoding="utf-8"?>
+<p:sld xmlns:a="http://schemas.openxmlformats.org/drawingml/2006/main" xmlns:r="http://schemas.openxmlformats.org/officeDocument/2006/relationships" xmlns:p="http://schemas.openxmlformats.org/presentationml/2006/main">
+  <p:cSld>
+    <p:spTree>
+      <p:nvGrpSpPr>
+        <p:cNvPr id="1" name=""/>
+        <p:cNvGrpSpPr/>
+        <p:nvPr/>
+      </p:nvGrpSpPr>
+      <p:grpSpPr>
+        <a:xfrm>
+          <a:off x="0" y="0"/>
+          <a:ext cx="0" cy="0"/>
+          <a:chOff x="0" y="0"/>
+          <a:chExt cx="0" cy="0"/>
+        </a:xfrm>
+      </p:grpSpPr>
+      <p:sp>
+        <p:nvSpPr>
+          <p:cNvPr id="2" name="Title 1">
+            <a:extLst>
+              <a:ext uri="{FF2B5EF4-FFF2-40B4-BE49-F238E27FC236}">
+                <a16:creationId xmlns:a16="http://schemas.microsoft.com/office/drawing/2014/main" id="{BE3B46CA-1489-2F05-34D4-619B3C3F44D2}"/>
+              </a:ext>
+            </a:extLst>
+          </p:cNvPr>
+          <p:cNvSpPr>
+            <a:spLocks noGrp="1"/>
+          </p:cNvSpPr>
+          <p:nvPr>
+            <p:ph type="title"/>
+          </p:nvPr>
+        </p:nvSpPr>
+        <p:spPr/>
+        <p:txBody>
+          <a:bodyPr/>
+          <a:lstStyle/>
+          <a:p>
+            <a:r>
+              <a:rPr lang="en-GB" dirty="0"/>
+              <a:t>This Project’s Aim</a:t>
+            </a:r>
+          </a:p>
+        </p:txBody>
+      </p:sp>
+      <p:sp>
+        <p:nvSpPr>
+          <p:cNvPr id="3" name="Content Placeholder 2">
+            <a:extLst>
+              <a:ext uri="{FF2B5EF4-FFF2-40B4-BE49-F238E27FC236}">
+                <a16:creationId xmlns:a16="http://schemas.microsoft.com/office/drawing/2014/main" id="{B90D40C3-0F6F-63EF-FBE5-CFEF43F31AF0}"/>
+              </a:ext>
+            </a:extLst>
+          </p:cNvPr>
+          <p:cNvSpPr>
+            <a:spLocks noGrp="1"/>
+          </p:cNvSpPr>
+          <p:nvPr>
+            <p:ph idx="1"/>
+          </p:nvPr>
+        </p:nvSpPr>
+        <p:spPr/>
+        <p:txBody>
+          <a:bodyPr/>
+          <a:lstStyle/>
+          <a:p>
+            <a:r>
+              <a:rPr lang="en-GB" dirty="0"/>
+              <a:t>Reflecting on the results of homework and exams is an extremely key method for improving as a student.</a:t>
+            </a:r>
+          </a:p>
+          <a:p>
+            <a:r>
+              <a:rPr lang="en-GB" dirty="0"/>
+              <a:t>During my time as a student, we would often not be encouraged to reflect properly on our results or if we were we would be given paper sheets that were often lost.</a:t>
+            </a:r>
+          </a:p>
+          <a:p>
+            <a:r>
+              <a:rPr lang="en-GB" dirty="0"/>
+              <a:t>I aim to create a web page for students to review their past reflections and create actionable goals which they can track over time.</a:t>
+            </a:r>
+          </a:p>
+          <a:p>
+            <a:endParaRPr lang="en-GB" dirty="0"/>
+          </a:p>
+        </p:txBody>
+      </p:sp>
+    </p:spTree>
+    <p:extLst>
+      <p:ext uri="{BB962C8B-B14F-4D97-AF65-F5344CB8AC3E}">
+        <p14:creationId xmlns:p14="http://schemas.microsoft.com/office/powerpoint/2010/main" val="757363156"/>
       </p:ext>
     </p:extLst>
   </p:cSld>
@@ -9026,4 +10148,319 @@
     </a:ext>
   </a:extLst>
 </a:theme>
+</file>
+
+<file path=ppt/theme/theme2.xml><?xml version="1.0" encoding="utf-8"?>
+<a:theme xmlns:a="http://schemas.openxmlformats.org/drawingml/2006/main" name="Office Theme">
+  <a:themeElements>
+    <a:clrScheme name="Office">
+      <a:dk1>
+        <a:sysClr val="windowText" lastClr="000000"/>
+      </a:dk1>
+      <a:lt1>
+        <a:sysClr val="window" lastClr="FFFFFF"/>
+      </a:lt1>
+      <a:dk2>
+        <a:srgbClr val="0E2841"/>
+      </a:dk2>
+      <a:lt2>
+        <a:srgbClr val="E8E8E8"/>
+      </a:lt2>
+      <a:accent1>
+        <a:srgbClr val="156082"/>
+      </a:accent1>
+      <a:accent2>
+        <a:srgbClr val="E97132"/>
+      </a:accent2>
+      <a:accent3>
+        <a:srgbClr val="196B24"/>
+      </a:accent3>
+      <a:accent4>
+        <a:srgbClr val="0F9ED5"/>
+      </a:accent4>
+      <a:accent5>
+        <a:srgbClr val="A02B93"/>
+      </a:accent5>
+      <a:accent6>
+        <a:srgbClr val="4EA72E"/>
+      </a:accent6>
+      <a:hlink>
+        <a:srgbClr val="467886"/>
+      </a:hlink>
+      <a:folHlink>
+        <a:srgbClr val="96607D"/>
+      </a:folHlink>
+    </a:clrScheme>
+    <a:fontScheme name="Office">
+      <a:majorFont>
+        <a:latin typeface="Aptos Display" panose="02110004020202020204"/>
+        <a:ea typeface=""/>
+        <a:cs typeface=""/>
+        <a:font script="Jpan" typeface="游ゴシック Light"/>
+        <a:font script="Hang" typeface="맑은 고딕"/>
+        <a:font script="Hans" typeface="等线 Light"/>
+        <a:font script="Hant" typeface="新細明體"/>
+        <a:font script="Arab" typeface="Times New Roman"/>
+        <a:font script="Hebr" typeface="Times New Roman"/>
+        <a:font script="Thai" typeface="Angsana New"/>
+        <a:font script="Ethi" typeface="Nyala"/>
+        <a:font script="Beng" typeface="Vrinda"/>
+        <a:font script="Gujr" typeface="Shruti"/>
+        <a:font script="Khmr" typeface="MoolBoran"/>
+        <a:font script="Knda" typeface="Tunga"/>
+        <a:font script="Guru" typeface="Raavi"/>
+        <a:font script="Cans" typeface="Euphemia"/>
+        <a:font script="Cher" typeface="Plantagenet Cherokee"/>
+        <a:font script="Yiii" typeface="Microsoft Yi Baiti"/>
+        <a:font script="Tibt" typeface="Microsoft Himalaya"/>
+        <a:font script="Thaa" typeface="MV Boli"/>
+        <a:font script="Deva" typeface="Mangal"/>
+        <a:font script="Telu" typeface="Gautami"/>
+        <a:font script="Taml" typeface="Latha"/>
+        <a:font script="Syrc" typeface="Estrangelo Edessa"/>
+        <a:font script="Orya" typeface="Kalinga"/>
+        <a:font script="Mlym" typeface="Kartika"/>
+        <a:font script="Laoo" typeface="DokChampa"/>
+        <a:font script="Sinh" typeface="Iskoola Pota"/>
+        <a:font script="Mong" typeface="Mongolian Baiti"/>
+        <a:font script="Viet" typeface="Times New Roman"/>
+        <a:font script="Uigh" typeface="Microsoft Uighur"/>
+        <a:font script="Geor" typeface="Sylfaen"/>
+        <a:font script="Armn" typeface="Arial"/>
+        <a:font script="Bugi" typeface="Leelawadee UI"/>
+        <a:font script="Bopo" typeface="Microsoft JhengHei"/>
+        <a:font script="Java" typeface="Javanese Text"/>
+        <a:font script="Lisu" typeface="Segoe UI"/>
+        <a:font script="Mymr" typeface="Myanmar Text"/>
+        <a:font script="Nkoo" typeface="Ebrima"/>
+        <a:font script="Olck" typeface="Nirmala UI"/>
+        <a:font script="Osma" typeface="Ebrima"/>
+        <a:font script="Phag" typeface="Phagspa"/>
+        <a:font script="Syrn" typeface="Estrangelo Edessa"/>
+        <a:font script="Syrj" typeface="Estrangelo Edessa"/>
+        <a:font script="Syre" typeface="Estrangelo Edessa"/>
+        <a:font script="Sora" typeface="Nirmala UI"/>
+        <a:font script="Tale" typeface="Microsoft Tai Le"/>
+        <a:font script="Talu" typeface="Microsoft New Tai Lue"/>
+        <a:font script="Tfng" typeface="Ebrima"/>
+      </a:majorFont>
+      <a:minorFont>
+        <a:latin typeface="Aptos" panose="02110004020202020204"/>
+        <a:ea typeface=""/>
+        <a:cs typeface=""/>
+        <a:font script="Jpan" typeface="游ゴシック"/>
+        <a:font script="Hang" typeface="맑은 고딕"/>
+        <a:font script="Hans" typeface="等线"/>
+        <a:font script="Hant" typeface="新細明體"/>
+        <a:font script="Arab" typeface="Arial"/>
+        <a:font script="Hebr" typeface="Arial"/>
+        <a:font script="Thai" typeface="Cordia New"/>
+        <a:font script="Ethi" typeface="Nyala"/>
+        <a:font script="Beng" typeface="Vrinda"/>
+        <a:font script="Gujr" typeface="Shruti"/>
+        <a:font script="Khmr" typeface="DaunPenh"/>
+        <a:font script="Knda" typeface="Tunga"/>
+        <a:font script="Guru" typeface="Raavi"/>
+        <a:font script="Cans" typeface="Euphemia"/>
+        <a:font script="Cher" typeface="Plantagenet Cherokee"/>
+        <a:font script="Yiii" typeface="Microsoft Yi Baiti"/>
+        <a:font script="Tibt" typeface="Microsoft Himalaya"/>
+        <a:font script="Thaa" typeface="MV Boli"/>
+        <a:font script="Deva" typeface="Mangal"/>
+        <a:font script="Telu" typeface="Gautami"/>
+        <a:font script="Taml" typeface="Latha"/>
+        <a:font script="Syrc" typeface="Estrangelo Edessa"/>
+        <a:font script="Orya" typeface="Kalinga"/>
+        <a:font script="Mlym" typeface="Kartika"/>
+        <a:font script="Laoo" typeface="DokChampa"/>
+        <a:font script="Sinh" typeface="Iskoola Pota"/>
+        <a:font script="Mong" typeface="Mongolian Baiti"/>
+        <a:font script="Viet" typeface="Arial"/>
+        <a:font script="Uigh" typeface="Microsoft Uighur"/>
+        <a:font script="Geor" typeface="Sylfaen"/>
+        <a:font script="Armn" typeface="Arial"/>
+        <a:font script="Bugi" typeface="Leelawadee UI"/>
+        <a:font script="Bopo" typeface="Microsoft JhengHei"/>
+        <a:font script="Java" typeface="Javanese Text"/>
+        <a:font script="Lisu" typeface="Segoe UI"/>
+        <a:font script="Mymr" typeface="Myanmar Text"/>
+        <a:font script="Nkoo" typeface="Ebrima"/>
+        <a:font script="Olck" typeface="Nirmala UI"/>
+        <a:font script="Osma" typeface="Ebrima"/>
+        <a:font script="Phag" typeface="Phagspa"/>
+        <a:font script="Syrn" typeface="Estrangelo Edessa"/>
+        <a:font script="Syrj" typeface="Estrangelo Edessa"/>
+        <a:font script="Syre" typeface="Estrangelo Edessa"/>
+        <a:font script="Sora" typeface="Nirmala UI"/>
+        <a:font script="Tale" typeface="Microsoft Tai Le"/>
+        <a:font script="Talu" typeface="Microsoft New Tai Lue"/>
+        <a:font script="Tfng" typeface="Ebrima"/>
+      </a:minorFont>
+    </a:fontScheme>
+    <a:fmtScheme name="Office">
+      <a:fillStyleLst>
+        <a:solidFill>
+          <a:schemeClr val="phClr"/>
+        </a:solidFill>
+        <a:gradFill rotWithShape="1">
+          <a:gsLst>
+            <a:gs pos="0">
+              <a:schemeClr val="phClr">
+                <a:lumMod val="110000"/>
+                <a:satMod val="105000"/>
+                <a:tint val="67000"/>
+              </a:schemeClr>
+            </a:gs>
+            <a:gs pos="50000">
+              <a:schemeClr val="phClr">
+                <a:lumMod val="105000"/>
+                <a:satMod val="103000"/>
+                <a:tint val="73000"/>
+              </a:schemeClr>
+            </a:gs>
+            <a:gs pos="100000">
+              <a:schemeClr val="phClr">
+                <a:lumMod val="105000"/>
+                <a:satMod val="109000"/>
+                <a:tint val="81000"/>
+              </a:schemeClr>
+            </a:gs>
+          </a:gsLst>
+          <a:lin ang="5400000" scaled="0"/>
+        </a:gradFill>
+        <a:gradFill rotWithShape="1">
+          <a:gsLst>
+            <a:gs pos="0">
+              <a:schemeClr val="phClr">
+                <a:satMod val="103000"/>
+                <a:lumMod val="102000"/>
+                <a:tint val="94000"/>
+              </a:schemeClr>
+            </a:gs>
+            <a:gs pos="50000">
+              <a:schemeClr val="phClr">
+                <a:satMod val="110000"/>
+                <a:lumMod val="100000"/>
+                <a:shade val="100000"/>
+              </a:schemeClr>
+            </a:gs>
+            <a:gs pos="100000">
+              <a:schemeClr val="phClr">
+                <a:lumMod val="99000"/>
+                <a:satMod val="120000"/>
+                <a:shade val="78000"/>
+              </a:schemeClr>
+            </a:gs>
+          </a:gsLst>
+          <a:lin ang="5400000" scaled="0"/>
+        </a:gradFill>
+      </a:fillStyleLst>
+      <a:lnStyleLst>
+        <a:ln w="12700" cap="flat" cmpd="sng" algn="ctr">
+          <a:solidFill>
+            <a:schemeClr val="phClr"/>
+          </a:solidFill>
+          <a:prstDash val="solid"/>
+          <a:miter lim="800000"/>
+        </a:ln>
+        <a:ln w="19050" cap="flat" cmpd="sng" algn="ctr">
+          <a:solidFill>
+            <a:schemeClr val="phClr"/>
+          </a:solidFill>
+          <a:prstDash val="solid"/>
+          <a:miter lim="800000"/>
+        </a:ln>
+        <a:ln w="25400" cap="flat" cmpd="sng" algn="ctr">
+          <a:solidFill>
+            <a:schemeClr val="phClr"/>
+          </a:solidFill>
+          <a:prstDash val="solid"/>
+          <a:miter lim="800000"/>
+        </a:ln>
+      </a:lnStyleLst>
+      <a:effectStyleLst>
+        <a:effectStyle>
+          <a:effectLst/>
+        </a:effectStyle>
+        <a:effectStyle>
+          <a:effectLst/>
+        </a:effectStyle>
+        <a:effectStyle>
+          <a:effectLst>
+            <a:outerShdw blurRad="57150" dist="19050" dir="5400000" algn="ctr" rotWithShape="0">
+              <a:srgbClr val="000000">
+                <a:alpha val="63000"/>
+              </a:srgbClr>
+            </a:outerShdw>
+          </a:effectLst>
+        </a:effectStyle>
+      </a:effectStyleLst>
+      <a:bgFillStyleLst>
+        <a:solidFill>
+          <a:schemeClr val="phClr"/>
+        </a:solidFill>
+        <a:solidFill>
+          <a:schemeClr val="phClr">
+            <a:tint val="95000"/>
+            <a:satMod val="170000"/>
+          </a:schemeClr>
+        </a:solidFill>
+        <a:gradFill rotWithShape="1">
+          <a:gsLst>
+            <a:gs pos="0">
+              <a:schemeClr val="phClr">
+                <a:tint val="93000"/>
+                <a:satMod val="150000"/>
+                <a:shade val="98000"/>
+                <a:lumMod val="102000"/>
+              </a:schemeClr>
+            </a:gs>
+            <a:gs pos="50000">
+              <a:schemeClr val="phClr">
+                <a:tint val="98000"/>
+                <a:satMod val="130000"/>
+                <a:shade val="90000"/>
+                <a:lumMod val="103000"/>
+              </a:schemeClr>
+            </a:gs>
+            <a:gs pos="100000">
+              <a:schemeClr val="phClr">
+                <a:shade val="63000"/>
+                <a:satMod val="120000"/>
+              </a:schemeClr>
+            </a:gs>
+          </a:gsLst>
+          <a:lin ang="5400000" scaled="0"/>
+        </a:gradFill>
+      </a:bgFillStyleLst>
+    </a:fmtScheme>
+  </a:themeElements>
+  <a:objectDefaults>
+    <a:lnDef>
+      <a:spPr/>
+      <a:bodyPr/>
+      <a:lstStyle/>
+      <a:style>
+        <a:lnRef idx="2">
+          <a:schemeClr val="accent1"/>
+        </a:lnRef>
+        <a:fillRef idx="0">
+          <a:schemeClr val="accent1"/>
+        </a:fillRef>
+        <a:effectRef idx="1">
+          <a:schemeClr val="accent1"/>
+        </a:effectRef>
+        <a:fontRef idx="minor">
+          <a:schemeClr val="tx1"/>
+        </a:fontRef>
+      </a:style>
+    </a:lnDef>
+  </a:objectDefaults>
+  <a:extraClrSchemeLst/>
+  <a:extLst>
+    <a:ext uri="{05A4C25C-085E-4340-85A3-A5531E510DB2}">
+      <thm15:themeFamily xmlns:thm15="http://schemas.microsoft.com/office/thememl/2012/main" name="Office Theme" id="{2E142A2C-CD16-42D6-873A-C26D2A0506FA}" vid="{1BDDFF52-6CD6-40A5-AB3C-68EB2F1E4D0A}"/>
+    </a:ext>
+  </a:extLst>
+</a:theme>
 </file>